--- a/Introduction to Class Programming Part 2.pptx
+++ b/Introduction to Class Programming Part 2.pptx
@@ -238,7 +238,7 @@
           <a:p>
             <a:fld id="{C8D18E60-4300-4729-A0D7-6AB984C3922D}" type="datetimeFigureOut">
               <a:rPr lang="en-US" smtClean="0"/>
-              <a:t>12/12/2021</a:t>
+              <a:t>12/14/2021</a:t>
             </a:fld>
             <a:endParaRPr lang="en-US"/>
           </a:p>
@@ -1006,7 +1006,10 @@
           <a:bodyPr/>
           <a:lstStyle/>
           <a:p>
-            <a:endParaRPr lang="en-US" dirty="0"/>
+            <a:r>
+              <a:rPr lang="en-US" dirty="0"/>
+              <a:t>Full Code of Header</a:t>
+            </a:r>
           </a:p>
         </p:txBody>
       </p:sp>
@@ -1090,32 +1093,29 @@
           <a:bodyPr/>
           <a:lstStyle/>
           <a:p>
+            <a:pPr marL="0" marR="0" lvl="0" indent="0" algn="l" defTabSz="914400" rtl="0" eaLnBrk="1" fontAlgn="auto" latinLnBrk="0" hangingPunct="1">
+              <a:lnSpc>
+                <a:spcPct val="100000"/>
+              </a:lnSpc>
+              <a:spcBef>
+                <a:spcPts val="0"/>
+              </a:spcBef>
+              <a:spcAft>
+                <a:spcPts val="0"/>
+              </a:spcAft>
+              <a:buClrTx/>
+              <a:buSzTx/>
+              <a:buFontTx/>
+              <a:buNone/>
+              <a:tabLst/>
+              <a:defRPr/>
+            </a:pPr>
             <a:r>
               <a:rPr lang="en-US" dirty="0"/>
-              <a:t>Share screen show code … load code   wink over to second camera describe what people are seeing.</a:t>
-            </a:r>
-          </a:p>
-          <a:p>
-            <a:r>
-              <a:rPr lang="en-US" dirty="0"/>
-              <a:t>Change timing and show effect. Pause for discussion.</a:t>
-            </a:r>
-          </a:p>
-          <a:p>
-            <a:r>
-              <a:rPr lang="en-US" dirty="0"/>
-              <a:t>Look into class code – discuss how it works.</a:t>
-            </a:r>
-          </a:p>
-          <a:p>
-            <a:r>
-              <a:rPr lang="en-US" dirty="0"/>
-              <a:t>Move to </a:t>
-            </a:r>
-            <a:r>
-              <a:rPr lang="en-US"/>
-              <a:t>next example.</a:t>
-            </a:r>
+              <a:t>Full Code of Class Program</a:t>
+            </a:r>
+          </a:p>
+          <a:p>
             <a:endParaRPr lang="en-US" dirty="0"/>
           </a:p>
         </p:txBody>
@@ -1137,7 +1137,7 @@
           <a:p>
             <a:fld id="{AF533E96-F078-4B3D-A8F4-F1AF21EBC357}" type="slidenum">
               <a:rPr lang="en-US" smtClean="0"/>
-              <a:t>21</a:t>
+              <a:t>18</a:t>
             </a:fld>
             <a:endParaRPr lang="en-US"/>
           </a:p>
@@ -1146,7 +1146,7 @@
     </p:spTree>
     <p:extLst>
       <p:ext uri="{BB962C8B-B14F-4D97-AF65-F5344CB8AC3E}">
-        <p14:creationId xmlns:p14="http://schemas.microsoft.com/office/powerpoint/2010/main" val="673223152"/>
+        <p14:creationId xmlns:p14="http://schemas.microsoft.com/office/powerpoint/2010/main" val="3682502189"/>
       </p:ext>
     </p:extLst>
   </p:cSld>
@@ -1201,8 +1201,30 @@
           <a:lstStyle/>
           <a:p>
             <a:r>
-              <a:rPr lang="en-US" sz="1200" dirty="0"/>
-              <a:t>Can take a look at and talk through the code</a:t>
+              <a:rPr lang="en-US" dirty="0"/>
+              <a:t>Share screen show code … load code   wink over to second camera describe what people are seeing.</a:t>
+            </a:r>
+          </a:p>
+          <a:p>
+            <a:r>
+              <a:rPr lang="en-US" dirty="0"/>
+              <a:t>Change timing and show effect. Pause for discussion.</a:t>
+            </a:r>
+          </a:p>
+          <a:p>
+            <a:r>
+              <a:rPr lang="en-US" dirty="0"/>
+              <a:t>Look into class code – discuss how it works.</a:t>
+            </a:r>
+          </a:p>
+          <a:p>
+            <a:r>
+              <a:rPr lang="en-US" dirty="0"/>
+              <a:t>Move to </a:t>
+            </a:r>
+            <a:r>
+              <a:rPr lang="en-US"/>
+              <a:t>next example.</a:t>
             </a:r>
             <a:endParaRPr lang="en-US" dirty="0"/>
           </a:p>
@@ -1225,7 +1247,7 @@
           <a:p>
             <a:fld id="{AF533E96-F078-4B3D-A8F4-F1AF21EBC357}" type="slidenum">
               <a:rPr lang="en-US" smtClean="0"/>
-              <a:t>22</a:t>
+              <a:t>21</a:t>
             </a:fld>
             <a:endParaRPr lang="en-US"/>
           </a:p>
@@ -1234,7 +1256,7 @@
     </p:spTree>
     <p:extLst>
       <p:ext uri="{BB962C8B-B14F-4D97-AF65-F5344CB8AC3E}">
-        <p14:creationId xmlns:p14="http://schemas.microsoft.com/office/powerpoint/2010/main" val="284462857"/>
+        <p14:creationId xmlns:p14="http://schemas.microsoft.com/office/powerpoint/2010/main" val="673223152"/>
       </p:ext>
     </p:extLst>
   </p:cSld>
@@ -1288,6 +1310,10 @@
           <a:bodyPr/>
           <a:lstStyle/>
           <a:p>
+            <a:r>
+              <a:rPr lang="en-US" sz="1200" dirty="0"/>
+              <a:t>Can take a look at and talk through the code</a:t>
+            </a:r>
             <a:endParaRPr lang="en-US" dirty="0"/>
           </a:p>
         </p:txBody>
@@ -1309,6 +1335,90 @@
           <a:p>
             <a:fld id="{AF533E96-F078-4B3D-A8F4-F1AF21EBC357}" type="slidenum">
               <a:rPr lang="en-US" smtClean="0"/>
+              <a:t>22</a:t>
+            </a:fld>
+            <a:endParaRPr lang="en-US"/>
+          </a:p>
+        </p:txBody>
+      </p:sp>
+    </p:spTree>
+    <p:extLst>
+      <p:ext uri="{BB962C8B-B14F-4D97-AF65-F5344CB8AC3E}">
+        <p14:creationId xmlns:p14="http://schemas.microsoft.com/office/powerpoint/2010/main" val="284462857"/>
+      </p:ext>
+    </p:extLst>
+  </p:cSld>
+  <p:clrMapOvr>
+    <a:masterClrMapping/>
+  </p:clrMapOvr>
+</p:notes>
+</file>
+
+<file path=ppt/notesSlides/notesSlide17.xml><?xml version="1.0" encoding="utf-8"?>
+<p:notes xmlns:a="http://schemas.openxmlformats.org/drawingml/2006/main" xmlns:r="http://schemas.openxmlformats.org/officeDocument/2006/relationships" xmlns:p="http://schemas.openxmlformats.org/presentationml/2006/main">
+  <p:cSld>
+    <p:spTree>
+      <p:nvGrpSpPr>
+        <p:cNvPr id="1" name=""/>
+        <p:cNvGrpSpPr/>
+        <p:nvPr/>
+      </p:nvGrpSpPr>
+      <p:grpSpPr>
+        <a:xfrm>
+          <a:off x="0" y="0"/>
+          <a:ext cx="0" cy="0"/>
+          <a:chOff x="0" y="0"/>
+          <a:chExt cx="0" cy="0"/>
+        </a:xfrm>
+      </p:grpSpPr>
+      <p:sp>
+        <p:nvSpPr>
+          <p:cNvPr id="2" name="Slide Image Placeholder 1"/>
+          <p:cNvSpPr>
+            <a:spLocks noGrp="1" noRot="1" noChangeAspect="1"/>
+          </p:cNvSpPr>
+          <p:nvPr>
+            <p:ph type="sldImg"/>
+          </p:nvPr>
+        </p:nvSpPr>
+        <p:spPr/>
+      </p:sp>
+      <p:sp>
+        <p:nvSpPr>
+          <p:cNvPr id="3" name="Notes Placeholder 2"/>
+          <p:cNvSpPr>
+            <a:spLocks noGrp="1"/>
+          </p:cNvSpPr>
+          <p:nvPr>
+            <p:ph type="body" idx="1"/>
+          </p:nvPr>
+        </p:nvSpPr>
+        <p:spPr/>
+        <p:txBody>
+          <a:bodyPr/>
+          <a:lstStyle/>
+          <a:p>
+            <a:endParaRPr lang="en-US" dirty="0"/>
+          </a:p>
+        </p:txBody>
+      </p:sp>
+      <p:sp>
+        <p:nvSpPr>
+          <p:cNvPr id="4" name="Slide Number Placeholder 3"/>
+          <p:cNvSpPr>
+            <a:spLocks noGrp="1"/>
+          </p:cNvSpPr>
+          <p:nvPr>
+            <p:ph type="sldNum" sz="quarter" idx="5"/>
+          </p:nvPr>
+        </p:nvSpPr>
+        <p:spPr/>
+        <p:txBody>
+          <a:bodyPr/>
+          <a:lstStyle/>
+          <a:p>
+            <a:fld id="{AF533E96-F078-4B3D-A8F4-F1AF21EBC357}" type="slidenum">
+              <a:rPr lang="en-US" smtClean="0"/>
               <a:t>23</a:t>
             </a:fld>
             <a:endParaRPr lang="en-US"/>
@@ -1328,7 +1438,7 @@
 </p:notes>
 </file>
 
-<file path=ppt/notesSlides/notesSlide17.xml><?xml version="1.0" encoding="utf-8"?>
+<file path=ppt/notesSlides/notesSlide18.xml><?xml version="1.0" encoding="utf-8"?>
 <p:notes xmlns:a="http://schemas.openxmlformats.org/drawingml/2006/main" xmlns:r="http://schemas.openxmlformats.org/officeDocument/2006/relationships" xmlns:p="http://schemas.openxmlformats.org/presentationml/2006/main">
   <p:cSld>
     <p:spTree>
@@ -1520,90 +1630,6 @@
     <p:extLst>
       <p:ext uri="{BB962C8B-B14F-4D97-AF65-F5344CB8AC3E}">
         <p14:creationId xmlns:p14="http://schemas.microsoft.com/office/powerpoint/2010/main" val="3568054752"/>
-      </p:ext>
-    </p:extLst>
-  </p:cSld>
-  <p:clrMapOvr>
-    <a:masterClrMapping/>
-  </p:clrMapOvr>
-</p:notes>
-</file>
-
-<file path=ppt/notesSlides/notesSlide18.xml><?xml version="1.0" encoding="utf-8"?>
-<p:notes xmlns:a="http://schemas.openxmlformats.org/drawingml/2006/main" xmlns:r="http://schemas.openxmlformats.org/officeDocument/2006/relationships" xmlns:p="http://schemas.openxmlformats.org/presentationml/2006/main">
-  <p:cSld>
-    <p:spTree>
-      <p:nvGrpSpPr>
-        <p:cNvPr id="1" name=""/>
-        <p:cNvGrpSpPr/>
-        <p:nvPr/>
-      </p:nvGrpSpPr>
-      <p:grpSpPr>
-        <a:xfrm>
-          <a:off x="0" y="0"/>
-          <a:ext cx="0" cy="0"/>
-          <a:chOff x="0" y="0"/>
-          <a:chExt cx="0" cy="0"/>
-        </a:xfrm>
-      </p:grpSpPr>
-      <p:sp>
-        <p:nvSpPr>
-          <p:cNvPr id="2" name="Slide Image Placeholder 1"/>
-          <p:cNvSpPr>
-            <a:spLocks noGrp="1" noRot="1" noChangeAspect="1"/>
-          </p:cNvSpPr>
-          <p:nvPr>
-            <p:ph type="sldImg"/>
-          </p:nvPr>
-        </p:nvSpPr>
-        <p:spPr/>
-      </p:sp>
-      <p:sp>
-        <p:nvSpPr>
-          <p:cNvPr id="3" name="Notes Placeholder 2"/>
-          <p:cNvSpPr>
-            <a:spLocks noGrp="1"/>
-          </p:cNvSpPr>
-          <p:nvPr>
-            <p:ph type="body" idx="1"/>
-          </p:nvPr>
-        </p:nvSpPr>
-        <p:spPr/>
-        <p:txBody>
-          <a:bodyPr/>
-          <a:lstStyle/>
-          <a:p>
-            <a:endParaRPr lang="en-US" dirty="0"/>
-          </a:p>
-        </p:txBody>
-      </p:sp>
-      <p:sp>
-        <p:nvSpPr>
-          <p:cNvPr id="4" name="Slide Number Placeholder 3"/>
-          <p:cNvSpPr>
-            <a:spLocks noGrp="1"/>
-          </p:cNvSpPr>
-          <p:nvPr>
-            <p:ph type="sldNum" sz="quarter" idx="5"/>
-          </p:nvPr>
-        </p:nvSpPr>
-        <p:spPr/>
-        <p:txBody>
-          <a:bodyPr/>
-          <a:lstStyle/>
-          <a:p>
-            <a:fld id="{AF533E96-F078-4B3D-A8F4-F1AF21EBC357}" type="slidenum">
-              <a:rPr lang="en-US" smtClean="0"/>
-              <a:t>27</a:t>
-            </a:fld>
-            <a:endParaRPr lang="en-US"/>
-          </a:p>
-        </p:txBody>
-      </p:sp>
-    </p:spTree>
-    <p:extLst>
-      <p:ext uri="{BB962C8B-B14F-4D97-AF65-F5344CB8AC3E}">
-        <p14:creationId xmlns:p14="http://schemas.microsoft.com/office/powerpoint/2010/main" val="2673887821"/>
       </p:ext>
     </p:extLst>
   </p:cSld>
@@ -1678,7 +1704,7 @@
           <a:p>
             <a:fld id="{AF533E96-F078-4B3D-A8F4-F1AF21EBC357}" type="slidenum">
               <a:rPr lang="en-US" smtClean="0"/>
-              <a:t>29</a:t>
+              <a:t>27</a:t>
             </a:fld>
             <a:endParaRPr lang="en-US"/>
           </a:p>
@@ -1687,7 +1713,7 @@
     </p:spTree>
     <p:extLst>
       <p:ext uri="{BB962C8B-B14F-4D97-AF65-F5344CB8AC3E}">
-        <p14:creationId xmlns:p14="http://schemas.microsoft.com/office/powerpoint/2010/main" val="1128629912"/>
+        <p14:creationId xmlns:p14="http://schemas.microsoft.com/office/powerpoint/2010/main" val="2673887821"/>
       </p:ext>
     </p:extLst>
   </p:cSld>
@@ -1857,6 +1883,90 @@
             <a:spLocks noGrp="1"/>
           </p:cNvSpPr>
           <p:nvPr>
+            <p:ph type="sldNum" sz="quarter" idx="5"/>
+          </p:nvPr>
+        </p:nvSpPr>
+        <p:spPr/>
+        <p:txBody>
+          <a:bodyPr/>
+          <a:lstStyle/>
+          <a:p>
+            <a:fld id="{AF533E96-F078-4B3D-A8F4-F1AF21EBC357}" type="slidenum">
+              <a:rPr lang="en-US" smtClean="0"/>
+              <a:t>29</a:t>
+            </a:fld>
+            <a:endParaRPr lang="en-US"/>
+          </a:p>
+        </p:txBody>
+      </p:sp>
+    </p:spTree>
+    <p:extLst>
+      <p:ext uri="{BB962C8B-B14F-4D97-AF65-F5344CB8AC3E}">
+        <p14:creationId xmlns:p14="http://schemas.microsoft.com/office/powerpoint/2010/main" val="1128629912"/>
+      </p:ext>
+    </p:extLst>
+  </p:cSld>
+  <p:clrMapOvr>
+    <a:masterClrMapping/>
+  </p:clrMapOvr>
+</p:notes>
+</file>
+
+<file path=ppt/notesSlides/notesSlide21.xml><?xml version="1.0" encoding="utf-8"?>
+<p:notes xmlns:a="http://schemas.openxmlformats.org/drawingml/2006/main" xmlns:r="http://schemas.openxmlformats.org/officeDocument/2006/relationships" xmlns:p="http://schemas.openxmlformats.org/presentationml/2006/main">
+  <p:cSld>
+    <p:spTree>
+      <p:nvGrpSpPr>
+        <p:cNvPr id="1" name=""/>
+        <p:cNvGrpSpPr/>
+        <p:nvPr/>
+      </p:nvGrpSpPr>
+      <p:grpSpPr>
+        <a:xfrm>
+          <a:off x="0" y="0"/>
+          <a:ext cx="0" cy="0"/>
+          <a:chOff x="0" y="0"/>
+          <a:chExt cx="0" cy="0"/>
+        </a:xfrm>
+      </p:grpSpPr>
+      <p:sp>
+        <p:nvSpPr>
+          <p:cNvPr id="2" name="Slide Image Placeholder 1"/>
+          <p:cNvSpPr>
+            <a:spLocks noGrp="1" noRot="1" noChangeAspect="1"/>
+          </p:cNvSpPr>
+          <p:nvPr>
+            <p:ph type="sldImg"/>
+          </p:nvPr>
+        </p:nvSpPr>
+        <p:spPr/>
+      </p:sp>
+      <p:sp>
+        <p:nvSpPr>
+          <p:cNvPr id="3" name="Notes Placeholder 2"/>
+          <p:cNvSpPr>
+            <a:spLocks noGrp="1"/>
+          </p:cNvSpPr>
+          <p:nvPr>
+            <p:ph type="body" idx="1"/>
+          </p:nvPr>
+        </p:nvSpPr>
+        <p:spPr/>
+        <p:txBody>
+          <a:bodyPr/>
+          <a:lstStyle/>
+          <a:p>
+            <a:endParaRPr lang="en-US" dirty="0"/>
+          </a:p>
+        </p:txBody>
+      </p:sp>
+      <p:sp>
+        <p:nvSpPr>
+          <p:cNvPr id="4" name="Slide Number Placeholder 3"/>
+          <p:cNvSpPr>
+            <a:spLocks noGrp="1"/>
+          </p:cNvSpPr>
+          <p:nvPr>
             <p:ph type="sldNum" sz="quarter" idx="10"/>
           </p:nvPr>
         </p:nvSpPr>
@@ -2083,7 +2193,7 @@
           <a:p>
             <a:r>
               <a:rPr lang="en-US" dirty="0"/>
-              <a:t>The best most elegant code in the world will not be a good legacy if it dies a premature death because nobody knows how it works.  </a:t>
+              <a:t>The best most elegant code in the world will not be a good legacy if it dies prematurely because nobody knows how it works.  </a:t>
             </a:r>
           </a:p>
           <a:p>
@@ -2183,7 +2293,23 @@
                   <a:schemeClr val="bg1"/>
                 </a:solidFill>
               </a:rPr>
-              <a:t>At the moment this is about using the class …. Not writing the class definition. (We will cover that later)</a:t>
+              <a:t>At the moment this is about </a:t>
+            </a:r>
+            <a:r>
+              <a:rPr lang="en-US" sz="1200" b="1" dirty="0">
+                <a:solidFill>
+                  <a:schemeClr val="bg1"/>
+                </a:solidFill>
+              </a:rPr>
+              <a:t>using</a:t>
+            </a:r>
+            <a:r>
+              <a:rPr lang="en-US" sz="1200" dirty="0">
+                <a:solidFill>
+                  <a:schemeClr val="bg1"/>
+                </a:solidFill>
+              </a:rPr>
+              <a:t> the class …. Not writing the class definition. (cover writing later)</a:t>
             </a:r>
           </a:p>
           <a:p>
@@ -2256,7 +2382,7 @@
             </a:pPr>
             <a:r>
               <a:rPr lang="en-US" sz="1200" dirty="0"/>
-              <a:t>The header lets our sketch and the compiler know specifically how to use the Led2 class to make a new object plus what properties and methods it has.</a:t>
+              <a:t>It is the header that lets our sketch and the compiler know specifically how to use the Led2 class to make a new object plus what properties and methods it has.</a:t>
             </a:r>
           </a:p>
           <a:p>
@@ -3371,7 +3497,7 @@
                   <a:schemeClr val="tx1"/>
                 </a:solidFill>
               </a:rPr>
-              <a:t>. Is a public method called update. We did a walk through of it in part 1 but I will go through it again on next slide.</a:t>
+              <a:t>. Is a public method called update. We will go through it line by line on the next slide.</a:t>
             </a:r>
           </a:p>
           <a:p>
@@ -3691,7 +3817,7 @@
             <a:fld id="{53074F12-AA26-4AC8-9962-C36BB8F32554}" type="datetimeFigureOut">
               <a:rPr lang="en-US" smtClean="0"/>
               <a:pPr/>
-              <a:t>12/12/2021</a:t>
+              <a:t>12/14/2021</a:t>
             </a:fld>
             <a:endParaRPr lang="en-US"/>
           </a:p>
@@ -3948,7 +4074,7 @@
             <a:fld id="{53074F12-AA26-4AC8-9962-C36BB8F32554}" type="datetimeFigureOut">
               <a:rPr lang="en-US" smtClean="0"/>
               <a:pPr/>
-              <a:t>12/12/2021</a:t>
+              <a:t>12/14/2021</a:t>
             </a:fld>
             <a:endParaRPr lang="en-US"/>
           </a:p>
@@ -4118,7 +4244,7 @@
             <a:fld id="{53074F12-AA26-4AC8-9962-C36BB8F32554}" type="datetimeFigureOut">
               <a:rPr lang="en-US" smtClean="0"/>
               <a:pPr/>
-              <a:t>12/12/2021</a:t>
+              <a:t>12/14/2021</a:t>
             </a:fld>
             <a:endParaRPr lang="en-US"/>
           </a:p>
@@ -4298,7 +4424,7 @@
             <a:fld id="{53074F12-AA26-4AC8-9962-C36BB8F32554}" type="datetimeFigureOut">
               <a:rPr lang="en-US" smtClean="0"/>
               <a:pPr/>
-              <a:t>12/12/2021</a:t>
+              <a:t>12/14/2021</a:t>
             </a:fld>
             <a:endParaRPr lang="en-US"/>
           </a:p>
@@ -6222,7 +6348,7 @@
             <a:fld id="{53074F12-AA26-4AC8-9962-C36BB8F32554}" type="datetimeFigureOut">
               <a:rPr lang="en-US" smtClean="0"/>
               <a:pPr/>
-              <a:t>12/12/2021</a:t>
+              <a:t>12/14/2021</a:t>
             </a:fld>
             <a:endParaRPr lang="en-US"/>
           </a:p>
@@ -7521,7 +7647,7 @@
             <a:fld id="{53074F12-AA26-4AC8-9962-C36BB8F32554}" type="datetimeFigureOut">
               <a:rPr lang="en-US" smtClean="0"/>
               <a:pPr/>
-              <a:t>12/12/2021</a:t>
+              <a:t>12/14/2021</a:t>
             </a:fld>
             <a:endParaRPr lang="en-US"/>
           </a:p>
@@ -7768,7 +7894,7 @@
             <a:fld id="{53074F12-AA26-4AC8-9962-C36BB8F32554}" type="datetimeFigureOut">
               <a:rPr lang="en-US" smtClean="0"/>
               <a:pPr/>
-              <a:t>12/12/2021</a:t>
+              <a:t>12/14/2021</a:t>
             </a:fld>
             <a:endParaRPr lang="en-US"/>
           </a:p>
@@ -8055,7 +8181,7 @@
             <a:fld id="{53074F12-AA26-4AC8-9962-C36BB8F32554}" type="datetimeFigureOut">
               <a:rPr lang="en-US" smtClean="0"/>
               <a:pPr/>
-              <a:t>12/12/2021</a:t>
+              <a:t>12/14/2021</a:t>
             </a:fld>
             <a:endParaRPr lang="en-US"/>
           </a:p>
@@ -8545,7 +8671,7 @@
             <a:fld id="{53074F12-AA26-4AC8-9962-C36BB8F32554}" type="datetimeFigureOut">
               <a:rPr lang="en-US" smtClean="0"/>
               <a:pPr/>
-              <a:t>12/12/2021</a:t>
+              <a:t>12/14/2021</a:t>
             </a:fld>
             <a:endParaRPr lang="en-US"/>
           </a:p>
@@ -8664,7 +8790,7 @@
             <a:fld id="{53074F12-AA26-4AC8-9962-C36BB8F32554}" type="datetimeFigureOut">
               <a:rPr lang="en-US" smtClean="0"/>
               <a:pPr/>
-              <a:t>12/12/2021</a:t>
+              <a:t>12/14/2021</a:t>
             </a:fld>
             <a:endParaRPr lang="en-US"/>
           </a:p>
@@ -8761,7 +8887,7 @@
             <a:fld id="{53074F12-AA26-4AC8-9962-C36BB8F32554}" type="datetimeFigureOut">
               <a:rPr lang="en-US" smtClean="0"/>
               <a:pPr/>
-              <a:t>12/12/2021</a:t>
+              <a:t>12/14/2021</a:t>
             </a:fld>
             <a:endParaRPr lang="en-US"/>
           </a:p>
@@ -9038,7 +9164,7 @@
             <a:fld id="{53074F12-AA26-4AC8-9962-C36BB8F32554}" type="datetimeFigureOut">
               <a:rPr lang="en-US" smtClean="0"/>
               <a:pPr/>
-              <a:t>12/12/2021</a:t>
+              <a:t>12/14/2021</a:t>
             </a:fld>
             <a:endParaRPr lang="en-US"/>
           </a:p>
@@ -9260,7 +9386,7 @@
             <a:fld id="{53074F12-AA26-4AC8-9962-C36BB8F32554}" type="datetimeFigureOut">
               <a:rPr lang="en-US" smtClean="0"/>
               <a:pPr/>
-              <a:t>12/12/2021</a:t>
+              <a:t>12/14/2021</a:t>
             </a:fld>
             <a:endParaRPr lang="en-US"/>
           </a:p>
@@ -19262,7 +19388,7 @@
           <p:nvPr/>
         </p:nvPicPr>
         <p:blipFill>
-          <a:blip r:embed="rId2" cstate="print">
+          <a:blip r:embed="rId3" cstate="print">
             <a:extLst>
               <a:ext uri="{28A0092B-C50C-407E-A947-70E740481C1C}">
                 <a14:useLocalDpi xmlns:a14="http://schemas.microsoft.com/office/drawing/2010/main" val="0"/>
@@ -19390,21 +19516,39 @@
                 <a:latin typeface="Courier New" panose="02070309020205020404" pitchFamily="49" charset="0"/>
                 <a:cs typeface="Courier New" panose="02070309020205020404" pitchFamily="49" charset="0"/>
               </a:rPr>
-              <a:t>  // Save the passed pin and timing values into the </a:t>
+              <a:t>  // Save the passed pin and timing values into the equivalent local variables (with underscore)</a:t>
+            </a:r>
+          </a:p>
+          <a:p>
+            <a:r>
+              <a:rPr lang="en-US" sz="700" dirty="0">
+                <a:latin typeface="Courier New" panose="02070309020205020404" pitchFamily="49" charset="0"/>
+                <a:cs typeface="Courier New" panose="02070309020205020404" pitchFamily="49" charset="0"/>
+              </a:rPr>
+              <a:t>  _pin = pin;</a:t>
+            </a:r>
+          </a:p>
+          <a:p>
+            <a:r>
+              <a:rPr lang="en-US" sz="700" dirty="0">
+                <a:latin typeface="Courier New" panose="02070309020205020404" pitchFamily="49" charset="0"/>
+                <a:cs typeface="Courier New" panose="02070309020205020404" pitchFamily="49" charset="0"/>
+              </a:rPr>
+              <a:t>  _</a:t>
             </a:r>
             <a:r>
               <a:rPr lang="en-US" sz="700" dirty="0" err="1">
                 <a:latin typeface="Courier New" panose="02070309020205020404" pitchFamily="49" charset="0"/>
                 <a:cs typeface="Courier New" panose="02070309020205020404" pitchFamily="49" charset="0"/>
               </a:rPr>
-              <a:t>equivelent</a:t>
+              <a:t>onTime</a:t>
             </a:r>
             <a:r>
               <a:rPr lang="en-US" sz="700" dirty="0">
                 <a:latin typeface="Courier New" panose="02070309020205020404" pitchFamily="49" charset="0"/>
                 <a:cs typeface="Courier New" panose="02070309020205020404" pitchFamily="49" charset="0"/>
               </a:rPr>
-              <a:t> local variables (with underscore)</a:t>
+              <a:t> = on;</a:t>
             </a:r>
           </a:p>
           <a:p>
@@ -19413,90 +19557,44 @@
                 <a:latin typeface="Courier New" panose="02070309020205020404" pitchFamily="49" charset="0"/>
                 <a:cs typeface="Courier New" panose="02070309020205020404" pitchFamily="49" charset="0"/>
               </a:rPr>
-              <a:t>  _pin = pin;</a:t>
-            </a:r>
-          </a:p>
-          <a:p>
+              <a:t>  _</a:t>
+            </a:r>
+            <a:r>
+              <a:rPr lang="en-US" sz="700" dirty="0" err="1">
+                <a:latin typeface="Courier New" panose="02070309020205020404" pitchFamily="49" charset="0"/>
+                <a:cs typeface="Courier New" panose="02070309020205020404" pitchFamily="49" charset="0"/>
+              </a:rPr>
+              <a:t>offTime</a:t>
+            </a:r>
             <a:r>
               <a:rPr lang="en-US" sz="700" dirty="0">
                 <a:latin typeface="Courier New" panose="02070309020205020404" pitchFamily="49" charset="0"/>
                 <a:cs typeface="Courier New" panose="02070309020205020404" pitchFamily="49" charset="0"/>
               </a:rPr>
-              <a:t>  _</a:t>
+              <a:t> = off;</a:t>
+            </a:r>
+          </a:p>
+          <a:p>
+            <a:r>
+              <a:rPr lang="en-US" sz="700" dirty="0">
+                <a:latin typeface="Courier New" panose="02070309020205020404" pitchFamily="49" charset="0"/>
+                <a:cs typeface="Courier New" panose="02070309020205020404" pitchFamily="49" charset="0"/>
+              </a:rPr>
+              <a:t>  // </a:t>
             </a:r>
             <a:r>
               <a:rPr lang="en-US" sz="700" dirty="0" err="1">
                 <a:latin typeface="Courier New" panose="02070309020205020404" pitchFamily="49" charset="0"/>
                 <a:cs typeface="Courier New" panose="02070309020205020404" pitchFamily="49" charset="0"/>
               </a:rPr>
-              <a:t>onTime</a:t>
+              <a:t>Initializion</a:t>
             </a:r>
             <a:r>
               <a:rPr lang="en-US" sz="700" dirty="0">
                 <a:latin typeface="Courier New" panose="02070309020205020404" pitchFamily="49" charset="0"/>
                 <a:cs typeface="Courier New" panose="02070309020205020404" pitchFamily="49" charset="0"/>
               </a:rPr>
-              <a:t> = on;</a:t>
-            </a:r>
-          </a:p>
-          <a:p>
-            <a:r>
-              <a:rPr lang="en-US" sz="700" dirty="0">
-                <a:latin typeface="Courier New" panose="02070309020205020404" pitchFamily="49" charset="0"/>
-                <a:cs typeface="Courier New" panose="02070309020205020404" pitchFamily="49" charset="0"/>
-              </a:rPr>
-              <a:t>  _</a:t>
-            </a:r>
-            <a:r>
-              <a:rPr lang="en-US" sz="700" dirty="0" err="1">
-                <a:latin typeface="Courier New" panose="02070309020205020404" pitchFamily="49" charset="0"/>
-                <a:cs typeface="Courier New" panose="02070309020205020404" pitchFamily="49" charset="0"/>
-              </a:rPr>
-              <a:t>offTime</a:t>
-            </a:r>
-            <a:r>
-              <a:rPr lang="en-US" sz="700" dirty="0">
-                <a:latin typeface="Courier New" panose="02070309020205020404" pitchFamily="49" charset="0"/>
-                <a:cs typeface="Courier New" panose="02070309020205020404" pitchFamily="49" charset="0"/>
-              </a:rPr>
-              <a:t> = off;</a:t>
-            </a:r>
-          </a:p>
-          <a:p>
-            <a:r>
-              <a:rPr lang="en-US" sz="700" dirty="0">
-                <a:latin typeface="Courier New" panose="02070309020205020404" pitchFamily="49" charset="0"/>
-                <a:cs typeface="Courier New" panose="02070309020205020404" pitchFamily="49" charset="0"/>
-              </a:rPr>
-              <a:t>  // </a:t>
-            </a:r>
-            <a:r>
-              <a:rPr lang="en-US" sz="700" dirty="0" err="1">
-                <a:latin typeface="Courier New" panose="02070309020205020404" pitchFamily="49" charset="0"/>
-                <a:cs typeface="Courier New" panose="02070309020205020404" pitchFamily="49" charset="0"/>
-              </a:rPr>
-              <a:t>Initializion</a:t>
-            </a:r>
-            <a:r>
-              <a:rPr lang="en-US" sz="700" dirty="0">
-                <a:latin typeface="Courier New" panose="02070309020205020404" pitchFamily="49" charset="0"/>
-                <a:cs typeface="Courier New" panose="02070309020205020404" pitchFamily="49" charset="0"/>
-              </a:rPr>
-              <a:t> code is kept </a:t>
-            </a:r>
-            <a:r>
-              <a:rPr lang="en-US" sz="700" dirty="0" err="1">
-                <a:latin typeface="Courier New" panose="02070309020205020404" pitchFamily="49" charset="0"/>
-                <a:cs typeface="Courier New" panose="02070309020205020404" pitchFamily="49" charset="0"/>
-              </a:rPr>
-              <a:t>seperate</a:t>
-            </a:r>
-            <a:r>
-              <a:rPr lang="en-US" sz="700" dirty="0">
-                <a:latin typeface="Courier New" panose="02070309020205020404" pitchFamily="49" charset="0"/>
-                <a:cs typeface="Courier New" panose="02070309020205020404" pitchFamily="49" charset="0"/>
-              </a:rPr>
-              <a:t> just for clarity.</a:t>
+              <a:t> code is kept separate just for clarity.</a:t>
             </a:r>
           </a:p>
           <a:p>
@@ -27180,7 +27278,7 @@
         <p:spPr>
           <a:xfrm>
             <a:off x="228600" y="1441353"/>
-            <a:ext cx="7016193" cy="923330"/>
+            <a:ext cx="7016193" cy="1200329"/>
           </a:xfrm>
           <a:prstGeom prst="rect">
             <a:avLst/>
@@ -27219,7 +27317,7 @@
             </a:r>
             <a:r>
               <a:rPr lang="en-US" dirty="0"/>
-              <a:t> functions)</a:t>
+              <a:t> functions). I used the analogy to a shoebox, where some things are hidden inside, and some things are visible on the outside.</a:t>
             </a:r>
           </a:p>
         </p:txBody>

--- a/Introduction to Class Programming Part 2.pptx
+++ b/Introduction to Class Programming Part 2.pptx
@@ -17,9 +17,9 @@
     <p:sldId id="324" r:id="rId8"/>
     <p:sldId id="308" r:id="rId9"/>
     <p:sldId id="333" r:id="rId10"/>
-    <p:sldId id="331" r:id="rId11"/>
-    <p:sldId id="287" r:id="rId12"/>
-    <p:sldId id="337" r:id="rId13"/>
+    <p:sldId id="287" r:id="rId11"/>
+    <p:sldId id="337" r:id="rId12"/>
+    <p:sldId id="331" r:id="rId13"/>
     <p:sldId id="316" r:id="rId14"/>
     <p:sldId id="335" r:id="rId15"/>
     <p:sldId id="332" r:id="rId16"/>
@@ -248,7 +248,7 @@
           <a:p>
             <a:fld id="{C8D18E60-4300-4729-A0D7-6AB984C3922D}" type="datetimeFigureOut">
               <a:rPr lang="en-US" smtClean="0"/>
-              <a:t>1/13/2022</a:t>
+              <a:t>1/14/2022</a:t>
             </a:fld>
             <a:endParaRPr lang="en-US"/>
           </a:p>
@@ -755,6 +755,21 @@
               <a:t>Same picture as before but explains what the files do.</a:t>
             </a:r>
           </a:p>
+          <a:p>
+            <a:endParaRPr lang="en-US" dirty="0"/>
+          </a:p>
+          <a:p>
+            <a:r>
+              <a:rPr lang="en-US" dirty="0"/>
+              <a:t>Header file defines types such as user defined classes ; </a:t>
+            </a:r>
+          </a:p>
+          <a:p>
+            <a:r>
+              <a:rPr lang="en-US" dirty="0"/>
+              <a:t>Also defines function signatures,     i.e. what parameters the function uses (with types) and what type it returns. </a:t>
+            </a:r>
+          </a:p>
         </p:txBody>
       </p:sp>
       <p:sp>
@@ -959,7 +974,7 @@
           <a:p>
             <a:r>
               <a:rPr lang="en-US" dirty="0"/>
-              <a:t>We covered some of this last time but I am building up our class vocabulary.</a:t>
+              <a:t>We covered some of this last time but I am building up and reinforcing the vocabulary.</a:t>
             </a:r>
             <a:endParaRPr lang="en-US" sz="1200" dirty="0">
               <a:solidFill>
@@ -991,7 +1006,61 @@
                   <a:schemeClr val="tx1"/>
                 </a:solidFill>
               </a:rPr>
-              <a:t>Notice the header has no real executable code of its own – only variable and function declarations – often called prototypes..</a:t>
+              <a:t>Notice the header has no real executable code of its own – only variable and function declarations</a:t>
+            </a:r>
+          </a:p>
+          <a:p>
+            <a:pPr marL="0" marR="0" lvl="0" indent="0" algn="l" defTabSz="914400" rtl="0" eaLnBrk="1" fontAlgn="auto" latinLnBrk="0" hangingPunct="1">
+              <a:lnSpc>
+                <a:spcPct val="100000"/>
+              </a:lnSpc>
+              <a:spcBef>
+                <a:spcPts val="0"/>
+              </a:spcBef>
+              <a:spcAft>
+                <a:spcPts val="0"/>
+              </a:spcAft>
+              <a:buClrTx/>
+              <a:buSzTx/>
+              <a:buFontTx/>
+              <a:buNone/>
+              <a:tabLst/>
+              <a:defRPr/>
+            </a:pPr>
+            <a:r>
+              <a:rPr lang="en-US" sz="1200" dirty="0">
+                <a:solidFill>
+                  <a:schemeClr val="tx1"/>
+                </a:solidFill>
+              </a:rPr>
+              <a:t>For the functions the lines in the header file are called prototypes.</a:t>
+            </a:r>
+          </a:p>
+          <a:p>
+            <a:pPr marL="0" marR="0" lvl="0" indent="0" algn="l" defTabSz="914400" rtl="0" eaLnBrk="1" fontAlgn="auto" latinLnBrk="0" hangingPunct="1">
+              <a:lnSpc>
+                <a:spcPct val="100000"/>
+              </a:lnSpc>
+              <a:spcBef>
+                <a:spcPts val="0"/>
+              </a:spcBef>
+              <a:spcAft>
+                <a:spcPts val="0"/>
+              </a:spcAft>
+              <a:buClrTx/>
+              <a:buSzTx/>
+              <a:buFontTx/>
+              <a:buNone/>
+              <a:tabLst/>
+              <a:defRPr/>
+            </a:pPr>
+            <a:r>
+              <a:rPr lang="en-US" sz="1200" dirty="0">
+                <a:solidFill>
+                  <a:schemeClr val="tx1"/>
+                </a:solidFill>
+              </a:rPr>
+              <a:t>Each prototype has a distinct signature.</a:t>
             </a:r>
             <a:endParaRPr lang="en-US" dirty="0">
               <a:solidFill>
@@ -1039,7 +1108,7 @@
             </a:pPr>
             <a:r>
               <a:rPr lang="en-US" dirty="0"/>
-              <a:t>Mention “Type Signature”   which must match perfectly between header file and the </a:t>
+              <a:t>Mention “The Signature”   which must match perfectly between header file and the </a:t>
             </a:r>
             <a:r>
               <a:rPr lang="en-US" dirty="0" err="1"/>
@@ -2621,8 +2690,11 @@
           <a:p>
             <a:r>
               <a:rPr lang="en-US" dirty="0"/>
-              <a:t>Explain pros and cons of #pragma once     (even when copies and pasted it works)   </a:t>
-            </a:r>
+              <a:t>Explain pros and cons of #pragma once     (even when copied and pasted it still works)   </a:t>
+            </a:r>
+          </a:p>
+          <a:p>
+            <a:endParaRPr lang="en-US" dirty="0"/>
           </a:p>
           <a:p>
             <a:r>
@@ -2633,7 +2705,7 @@
           <a:p>
             <a:r>
               <a:rPr lang="en-US" dirty="0"/>
-              <a:t>And the error messages might not point directly back here!</a:t>
+              <a:t>And the error messages that result might not point directly back here!</a:t>
             </a:r>
           </a:p>
         </p:txBody>
@@ -2737,34 +2809,31 @@
             </a:pPr>
             <a:r>
               <a:rPr lang="en-US" dirty="0"/>
-              <a:t>Full Code of Class Program</a:t>
-            </a:r>
-          </a:p>
-          <a:p>
-            <a:pPr marL="0" marR="0" lvl="0" indent="0" algn="l" defTabSz="914400" rtl="0" eaLnBrk="1" fontAlgn="auto" latinLnBrk="0" hangingPunct="1">
-              <a:lnSpc>
-                <a:spcPct val="100000"/>
-              </a:lnSpc>
-              <a:spcBef>
-                <a:spcPts val="0"/>
-              </a:spcBef>
-              <a:spcAft>
-                <a:spcPts val="0"/>
-              </a:spcAft>
-              <a:buClrTx/>
-              <a:buSzTx/>
-              <a:buFontTx/>
-              <a:buNone/>
-              <a:tabLst/>
-              <a:defRPr/>
-            </a:pPr>
+              <a:t>Full Code of Class Program . Talk it through.</a:t>
+            </a:r>
+          </a:p>
+          <a:p>
+            <a:endParaRPr lang="en-US" dirty="0"/>
+          </a:p>
+          <a:p>
             <a:r>
               <a:rPr lang="en-US" dirty="0"/>
-              <a:t>Talk it through.</a:t>
-            </a:r>
-          </a:p>
-          <a:p>
-            <a:endParaRPr lang="en-US" dirty="0"/>
+              <a:t>Separate </a:t>
+            </a:r>
+            <a:r>
+              <a:rPr lang="en-US" dirty="0" err="1"/>
+              <a:t>init</a:t>
+            </a:r>
+            <a:r>
+              <a:rPr lang="en-US" dirty="0"/>
+              <a:t>() code allows calling it twice (or more) without needing to repeat the code. </a:t>
+            </a:r>
+          </a:p>
+          <a:p>
+            <a:r>
+              <a:rPr lang="en-US" dirty="0"/>
+              <a:t>I think in general a good practice is to minimize repetition of code – use standalone functions and call them as needed.</a:t>
+            </a:r>
           </a:p>
         </p:txBody>
       </p:sp>
@@ -3235,7 +3304,7 @@
           <a:p>
             <a:r>
               <a:rPr lang="en-US" dirty="0"/>
-              <a:t>Look into class code – discuss how it is working as out sketch lines flow.</a:t>
+              <a:t>Look into class code – discuss how it is working as our sketch code flows through the lines.</a:t>
             </a:r>
           </a:p>
         </p:txBody>
@@ -4524,24 +4593,6 @@
             </a:r>
           </a:p>
           <a:p>
-            <a:r>
-              <a:rPr lang="en-US" sz="1200" dirty="0">
-                <a:solidFill>
-                  <a:schemeClr val="bg1"/>
-                </a:solidFill>
-              </a:rPr>
-              <a:t>If the header line is missing (or has a typo) the compiler will likely complain that </a:t>
-            </a:r>
-            <a:r>
-              <a:rPr lang="en-US" sz="1200" b="1" dirty="0">
-                <a:solidFill>
-                  <a:schemeClr val="bg1"/>
-                </a:solidFill>
-              </a:rPr>
-              <a:t>your object definition line does not declare a type</a:t>
-            </a:r>
-          </a:p>
-          <a:p>
             <a:endParaRPr lang="en-US" sz="1200" dirty="0">
               <a:solidFill>
                 <a:schemeClr val="bg1"/>
@@ -4630,6 +4681,59 @@
           <a:bodyPr/>
           <a:lstStyle/>
           <a:p>
+            <a:r>
+              <a:rPr lang="en-US" dirty="0"/>
+              <a:t>Last time I sort of assumed this mental model .. And conveyed it as such.</a:t>
+            </a:r>
+          </a:p>
+          <a:p>
+            <a:r>
+              <a:rPr lang="en-US" dirty="0"/>
+              <a:t>This could be because I am comfortable with using multiple files and developing with my library in mind.</a:t>
+            </a:r>
+          </a:p>
+          <a:p>
+            <a:pPr marL="0" marR="0" lvl="0" indent="0" algn="l" defTabSz="914400" rtl="0" eaLnBrk="1" fontAlgn="auto" latinLnBrk="0" hangingPunct="1">
+              <a:lnSpc>
+                <a:spcPct val="100000"/>
+              </a:lnSpc>
+              <a:spcBef>
+                <a:spcPts val="0"/>
+              </a:spcBef>
+              <a:spcAft>
+                <a:spcPts val="0"/>
+              </a:spcAft>
+              <a:buClrTx/>
+              <a:buSzTx/>
+              <a:buFontTx/>
+              <a:buNone/>
+              <a:tabLst/>
+              <a:defRPr/>
+            </a:pPr>
+            <a:r>
+              <a:rPr lang="en-US" dirty="0"/>
+              <a:t>BUT … You could put all of this code in one larger file … next page.</a:t>
+            </a:r>
+          </a:p>
+          <a:p>
+            <a:endParaRPr lang="en-US" dirty="0"/>
+          </a:p>
+          <a:p>
+            <a:r>
+              <a:rPr lang="en-US" dirty="0"/>
+              <a:t>This organization is commonly used for ANY shared code – with or without classes.</a:t>
+            </a:r>
+          </a:p>
+          <a:p>
+            <a:r>
+              <a:rPr lang="en-US" dirty="0"/>
+              <a:t>Header file and implementation file are normally a matched set.</a:t>
+            </a:r>
+          </a:p>
+          <a:p>
+            <a:endParaRPr lang="en-US" dirty="0"/>
+          </a:p>
+          <a:p>
             <a:endParaRPr lang="en-US" dirty="0"/>
           </a:p>
         </p:txBody>
@@ -4660,7 +4764,7 @@
     </p:spTree>
     <p:extLst>
       <p:ext uri="{BB962C8B-B14F-4D97-AF65-F5344CB8AC3E}">
-        <p14:creationId xmlns:p14="http://schemas.microsoft.com/office/powerpoint/2010/main" val="2672558022"/>
+        <p14:creationId xmlns:p14="http://schemas.microsoft.com/office/powerpoint/2010/main" val="1802817634"/>
       </p:ext>
     </p:extLst>
   </p:cSld>
@@ -4716,19 +4820,28 @@
           <a:p>
             <a:r>
               <a:rPr lang="en-US" dirty="0"/>
-              <a:t>This organization is commonly used for ANY shared code – with or without classes.</a:t>
-            </a:r>
+              <a:t>In the all in one approach the same elements are all there .. (Just don’t need the #include lines)</a:t>
+            </a:r>
+          </a:p>
+          <a:p>
+            <a:endParaRPr lang="en-US" dirty="0"/>
           </a:p>
           <a:p>
             <a:r>
               <a:rPr lang="en-US" dirty="0"/>
-              <a:t>Header file and implementation file are normally a matched set.</a:t>
+              <a:t>Instead of #include on the header file we just have those same  lines of code.</a:t>
             </a:r>
           </a:p>
           <a:p>
             <a:r>
               <a:rPr lang="en-US" dirty="0"/>
-              <a:t>Last time I sort of assumed this mental model .. And conveyed it as such.</a:t>
+              <a:t>The functions ‘implementing’ the class are also in the same INO sketch.</a:t>
+            </a:r>
+          </a:p>
+          <a:p>
+            <a:r>
+              <a:rPr lang="en-US" dirty="0"/>
+              <a:t>As we will see it compiles and runs just fine. </a:t>
             </a:r>
           </a:p>
           <a:p>
@@ -4737,8 +4850,38 @@
           <a:p>
             <a:r>
               <a:rPr lang="en-US" dirty="0"/>
-              <a:t>BUT … You could put all of your code in one file … next page.</a:t>
-            </a:r>
+              <a:t>This is an excellent approach as you are writing a new class for the first time. </a:t>
+            </a:r>
+          </a:p>
+          <a:p>
+            <a:r>
+              <a:rPr lang="en-US" dirty="0"/>
+              <a:t>No need to juggle multiple files – no concerns about other users.</a:t>
+            </a:r>
+          </a:p>
+          <a:p>
+            <a:r>
+              <a:rPr lang="en-US" dirty="0"/>
+              <a:t>Once the code is mature then carve it out and make up the separate files. </a:t>
+            </a:r>
+          </a:p>
+          <a:p>
+            <a:endParaRPr lang="en-US" dirty="0"/>
+          </a:p>
+          <a:p>
+            <a:r>
+              <a:rPr lang="en-US" dirty="0"/>
+              <a:t>This is an early test of my setup – second web camera and also sharing the Arduino IDE. </a:t>
+            </a:r>
+          </a:p>
+          <a:p>
+            <a:r>
+              <a:rPr lang="en-US" dirty="0"/>
+              <a:t>Don’t want to go too deep explaining code here – we will cover it in the more traditional style later on.</a:t>
+            </a:r>
+          </a:p>
+          <a:p>
+            <a:endParaRPr lang="en-US" dirty="0"/>
           </a:p>
         </p:txBody>
       </p:sp>
@@ -4768,7 +4911,7 @@
     </p:spTree>
     <p:extLst>
       <p:ext uri="{BB962C8B-B14F-4D97-AF65-F5344CB8AC3E}">
-        <p14:creationId xmlns:p14="http://schemas.microsoft.com/office/powerpoint/2010/main" val="1802817634"/>
+        <p14:creationId xmlns:p14="http://schemas.microsoft.com/office/powerpoint/2010/main" val="1733825586"/>
       </p:ext>
     </p:extLst>
   </p:cSld>
@@ -4824,44 +4967,8 @@
           <a:p>
             <a:r>
               <a:rPr lang="en-US" dirty="0"/>
-              <a:t>The same elements are all there .. Just don’t need the #include lines.</a:t>
-            </a:r>
-          </a:p>
-          <a:p>
-            <a:r>
-              <a:rPr lang="en-US" dirty="0"/>
-              <a:t>Instead of #include on the header file we just have those same  lines of code.</a:t>
-            </a:r>
-          </a:p>
-          <a:p>
-            <a:r>
-              <a:rPr lang="en-US" dirty="0"/>
-              <a:t>The functions ‘implementing’ the class are also in the same INO sketch.</a:t>
-            </a:r>
-          </a:p>
-          <a:p>
-            <a:r>
-              <a:rPr lang="en-US" dirty="0"/>
-              <a:t>As we will see it compiles and runs just fine. </a:t>
-            </a:r>
-          </a:p>
-          <a:p>
-            <a:endParaRPr lang="en-US" dirty="0"/>
-          </a:p>
-          <a:p>
-            <a:r>
-              <a:rPr lang="en-US" dirty="0"/>
-              <a:t>This is an early test of my setup – second web camera and also sharing the Arduino IDE. </a:t>
-            </a:r>
-          </a:p>
-          <a:p>
-            <a:r>
-              <a:rPr lang="en-US" dirty="0"/>
-              <a:t>Don’t want to go too deep explaining code here – we will cover it in the more traditional style later on.</a:t>
-            </a:r>
-          </a:p>
-          <a:p>
-            <a:endParaRPr lang="en-US" dirty="0"/>
+              <a:t>Putting all of the code in one file is convenient for first time development.</a:t>
+            </a:r>
           </a:p>
         </p:txBody>
       </p:sp>
@@ -4891,7 +4998,7 @@
     </p:spTree>
     <p:extLst>
       <p:ext uri="{BB962C8B-B14F-4D97-AF65-F5344CB8AC3E}">
-        <p14:creationId xmlns:p14="http://schemas.microsoft.com/office/powerpoint/2010/main" val="1733825586"/>
+        <p14:creationId xmlns:p14="http://schemas.microsoft.com/office/powerpoint/2010/main" val="2672558022"/>
       </p:ext>
     </p:extLst>
   </p:cSld>
@@ -5121,7 +5228,7 @@
             <a:fld id="{53074F12-AA26-4AC8-9962-C36BB8F32554}" type="datetimeFigureOut">
               <a:rPr lang="en-US" smtClean="0"/>
               <a:pPr/>
-              <a:t>1/13/2022</a:t>
+              <a:t>1/14/2022</a:t>
             </a:fld>
             <a:endParaRPr lang="en-US"/>
           </a:p>
@@ -5378,7 +5485,7 @@
             <a:fld id="{53074F12-AA26-4AC8-9962-C36BB8F32554}" type="datetimeFigureOut">
               <a:rPr lang="en-US" smtClean="0"/>
               <a:pPr/>
-              <a:t>1/13/2022</a:t>
+              <a:t>1/14/2022</a:t>
             </a:fld>
             <a:endParaRPr lang="en-US"/>
           </a:p>
@@ -5548,7 +5655,7 @@
             <a:fld id="{53074F12-AA26-4AC8-9962-C36BB8F32554}" type="datetimeFigureOut">
               <a:rPr lang="en-US" smtClean="0"/>
               <a:pPr/>
-              <a:t>1/13/2022</a:t>
+              <a:t>1/14/2022</a:t>
             </a:fld>
             <a:endParaRPr lang="en-US"/>
           </a:p>
@@ -5728,7 +5835,7 @@
             <a:fld id="{53074F12-AA26-4AC8-9962-C36BB8F32554}" type="datetimeFigureOut">
               <a:rPr lang="en-US" smtClean="0"/>
               <a:pPr/>
-              <a:t>1/13/2022</a:t>
+              <a:t>1/14/2022</a:t>
             </a:fld>
             <a:endParaRPr lang="en-US"/>
           </a:p>
@@ -7652,7 +7759,7 @@
             <a:fld id="{53074F12-AA26-4AC8-9962-C36BB8F32554}" type="datetimeFigureOut">
               <a:rPr lang="en-US" smtClean="0"/>
               <a:pPr/>
-              <a:t>1/13/2022</a:t>
+              <a:t>1/14/2022</a:t>
             </a:fld>
             <a:endParaRPr lang="en-US"/>
           </a:p>
@@ -8951,7 +9058,7 @@
             <a:fld id="{53074F12-AA26-4AC8-9962-C36BB8F32554}" type="datetimeFigureOut">
               <a:rPr lang="en-US" smtClean="0"/>
               <a:pPr/>
-              <a:t>1/13/2022</a:t>
+              <a:t>1/14/2022</a:t>
             </a:fld>
             <a:endParaRPr lang="en-US"/>
           </a:p>
@@ -9198,7 +9305,7 @@
             <a:fld id="{53074F12-AA26-4AC8-9962-C36BB8F32554}" type="datetimeFigureOut">
               <a:rPr lang="en-US" smtClean="0"/>
               <a:pPr/>
-              <a:t>1/13/2022</a:t>
+              <a:t>1/14/2022</a:t>
             </a:fld>
             <a:endParaRPr lang="en-US"/>
           </a:p>
@@ -9485,7 +9592,7 @@
             <a:fld id="{53074F12-AA26-4AC8-9962-C36BB8F32554}" type="datetimeFigureOut">
               <a:rPr lang="en-US" smtClean="0"/>
               <a:pPr/>
-              <a:t>1/13/2022</a:t>
+              <a:t>1/14/2022</a:t>
             </a:fld>
             <a:endParaRPr lang="en-US"/>
           </a:p>
@@ -9975,7 +10082,7 @@
             <a:fld id="{53074F12-AA26-4AC8-9962-C36BB8F32554}" type="datetimeFigureOut">
               <a:rPr lang="en-US" smtClean="0"/>
               <a:pPr/>
-              <a:t>1/13/2022</a:t>
+              <a:t>1/14/2022</a:t>
             </a:fld>
             <a:endParaRPr lang="en-US"/>
           </a:p>
@@ -10094,7 +10201,7 @@
             <a:fld id="{53074F12-AA26-4AC8-9962-C36BB8F32554}" type="datetimeFigureOut">
               <a:rPr lang="en-US" smtClean="0"/>
               <a:pPr/>
-              <a:t>1/13/2022</a:t>
+              <a:t>1/14/2022</a:t>
             </a:fld>
             <a:endParaRPr lang="en-US"/>
           </a:p>
@@ -10191,7 +10298,7 @@
             <a:fld id="{53074F12-AA26-4AC8-9962-C36BB8F32554}" type="datetimeFigureOut">
               <a:rPr lang="en-US" smtClean="0"/>
               <a:pPr/>
-              <a:t>1/13/2022</a:t>
+              <a:t>1/14/2022</a:t>
             </a:fld>
             <a:endParaRPr lang="en-US"/>
           </a:p>
@@ -10468,7 +10575,7 @@
             <a:fld id="{53074F12-AA26-4AC8-9962-C36BB8F32554}" type="datetimeFigureOut">
               <a:rPr lang="en-US" smtClean="0"/>
               <a:pPr/>
-              <a:t>1/13/2022</a:t>
+              <a:t>1/14/2022</a:t>
             </a:fld>
             <a:endParaRPr lang="en-US"/>
           </a:p>
@@ -10690,7 +10797,7 @@
             <a:fld id="{53074F12-AA26-4AC8-9962-C36BB8F32554}" type="datetimeFigureOut">
               <a:rPr lang="en-US" smtClean="0"/>
               <a:pPr/>
-              <a:t>1/13/2022</a:t>
+              <a:t>1/14/2022</a:t>
             </a:fld>
             <a:endParaRPr lang="en-US"/>
           </a:p>
@@ -12424,784 +12531,6 @@
           <a:p>
             <a:r>
               <a:rPr lang="en-US" dirty="0"/>
-              <a:t>Typical File Arrangement</a:t>
-            </a:r>
-          </a:p>
-        </p:txBody>
-      </p:sp>
-      <p:pic>
-        <p:nvPicPr>
-          <p:cNvPr id="26" name="Picture 25">
-            <a:extLst>
-              <a:ext uri="{FF2B5EF4-FFF2-40B4-BE49-F238E27FC236}">
-                <a16:creationId xmlns:a16="http://schemas.microsoft.com/office/drawing/2014/main" id="{C2E5F3F1-C711-44AB-9F70-E67D2E44F1AC}"/>
-              </a:ext>
-            </a:extLst>
-          </p:cNvPr>
-          <p:cNvPicPr>
-            <a:picLocks noChangeAspect="1"/>
-          </p:cNvPicPr>
-          <p:nvPr/>
-        </p:nvPicPr>
-        <p:blipFill>
-          <a:blip r:embed="rId3" cstate="print">
-            <a:extLst>
-              <a:ext uri="{28A0092B-C50C-407E-A947-70E740481C1C}">
-                <a14:useLocalDpi xmlns:a14="http://schemas.microsoft.com/office/drawing/2010/main" val="0"/>
-              </a:ext>
-            </a:extLst>
-          </a:blip>
-          <a:stretch>
-            <a:fillRect/>
-          </a:stretch>
-        </p:blipFill>
-        <p:spPr>
-          <a:xfrm>
-            <a:off x="7848600" y="4583336"/>
-            <a:ext cx="1028700" cy="457771"/>
-          </a:xfrm>
-          <a:prstGeom prst="rect">
-            <a:avLst/>
-          </a:prstGeom>
-        </p:spPr>
-      </p:pic>
-      <p:sp>
-        <p:nvSpPr>
-          <p:cNvPr id="2" name="Rectangle 1">
-            <a:extLst>
-              <a:ext uri="{FF2B5EF4-FFF2-40B4-BE49-F238E27FC236}">
-                <a16:creationId xmlns:a16="http://schemas.microsoft.com/office/drawing/2014/main" id="{E4033C97-9E42-438B-9F64-FCDB315673E9}"/>
-              </a:ext>
-            </a:extLst>
-          </p:cNvPr>
-          <p:cNvSpPr/>
-          <p:nvPr/>
-        </p:nvSpPr>
-        <p:spPr>
-          <a:xfrm>
-            <a:off x="1143000" y="1962150"/>
-            <a:ext cx="2057400" cy="1219200"/>
-          </a:xfrm>
-          <a:prstGeom prst="rect">
-            <a:avLst/>
-          </a:prstGeom>
-        </p:spPr>
-        <p:style>
-          <a:lnRef idx="2">
-            <a:schemeClr val="accent1">
-              <a:shade val="50000"/>
-            </a:schemeClr>
-          </a:lnRef>
-          <a:fillRef idx="1">
-            <a:schemeClr val="accent1"/>
-          </a:fillRef>
-          <a:effectRef idx="0">
-            <a:schemeClr val="accent1"/>
-          </a:effectRef>
-          <a:fontRef idx="minor">
-            <a:schemeClr val="lt1"/>
-          </a:fontRef>
-        </p:style>
-        <p:txBody>
-          <a:bodyPr rtlCol="0" anchor="ctr"/>
-          <a:lstStyle/>
-          <a:p>
-            <a:pPr algn="ctr"/>
-            <a:r>
-              <a:rPr lang="en-US" dirty="0"/>
-              <a:t>Sketch</a:t>
-            </a:r>
-          </a:p>
-        </p:txBody>
-      </p:sp>
-      <p:sp>
-        <p:nvSpPr>
-          <p:cNvPr id="10" name="Rectangle 9">
-            <a:extLst>
-              <a:ext uri="{FF2B5EF4-FFF2-40B4-BE49-F238E27FC236}">
-                <a16:creationId xmlns:a16="http://schemas.microsoft.com/office/drawing/2014/main" id="{DFADDBC3-7317-4D05-BBCE-5B79A27A9295}"/>
-              </a:ext>
-            </a:extLst>
-          </p:cNvPr>
-          <p:cNvSpPr/>
-          <p:nvPr/>
-        </p:nvSpPr>
-        <p:spPr>
-          <a:xfrm>
-            <a:off x="4191000" y="1657350"/>
-            <a:ext cx="2057400" cy="907052"/>
-          </a:xfrm>
-          <a:prstGeom prst="rect">
-            <a:avLst/>
-          </a:prstGeom>
-          <a:solidFill>
-            <a:schemeClr val="accent2">
-              <a:lumMod val="20000"/>
-              <a:lumOff val="80000"/>
-            </a:schemeClr>
-          </a:solidFill>
-        </p:spPr>
-        <p:style>
-          <a:lnRef idx="2">
-            <a:schemeClr val="accent1">
-              <a:shade val="50000"/>
-            </a:schemeClr>
-          </a:lnRef>
-          <a:fillRef idx="1">
-            <a:schemeClr val="accent1"/>
-          </a:fillRef>
-          <a:effectRef idx="0">
-            <a:schemeClr val="accent1"/>
-          </a:effectRef>
-          <a:fontRef idx="minor">
-            <a:schemeClr val="lt1"/>
-          </a:fontRef>
-        </p:style>
-        <p:txBody>
-          <a:bodyPr rtlCol="0" anchor="ctr"/>
-          <a:lstStyle/>
-          <a:p>
-            <a:pPr algn="ctr"/>
-            <a:r>
-              <a:rPr lang="en-US" dirty="0"/>
-              <a:t>Header File</a:t>
-            </a:r>
-          </a:p>
-        </p:txBody>
-      </p:sp>
-      <p:sp>
-        <p:nvSpPr>
-          <p:cNvPr id="11" name="Rectangle 10">
-            <a:extLst>
-              <a:ext uri="{FF2B5EF4-FFF2-40B4-BE49-F238E27FC236}">
-                <a16:creationId xmlns:a16="http://schemas.microsoft.com/office/drawing/2014/main" id="{D9965A67-64E0-4178-82EC-A604ADD32FE2}"/>
-              </a:ext>
-            </a:extLst>
-          </p:cNvPr>
-          <p:cNvSpPr/>
-          <p:nvPr/>
-        </p:nvSpPr>
-        <p:spPr>
-          <a:xfrm>
-            <a:off x="4191000" y="2610123"/>
-            <a:ext cx="2057400" cy="1219200"/>
-          </a:xfrm>
-          <a:prstGeom prst="rect">
-            <a:avLst/>
-          </a:prstGeom>
-          <a:solidFill>
-            <a:schemeClr val="accent2">
-              <a:lumMod val="40000"/>
-              <a:lumOff val="60000"/>
-            </a:schemeClr>
-          </a:solidFill>
-        </p:spPr>
-        <p:style>
-          <a:lnRef idx="2">
-            <a:schemeClr val="accent1">
-              <a:shade val="50000"/>
-            </a:schemeClr>
-          </a:lnRef>
-          <a:fillRef idx="1">
-            <a:schemeClr val="accent1"/>
-          </a:fillRef>
-          <a:effectRef idx="0">
-            <a:schemeClr val="accent1"/>
-          </a:effectRef>
-          <a:fontRef idx="minor">
-            <a:schemeClr val="lt1"/>
-          </a:fontRef>
-        </p:style>
-        <p:txBody>
-          <a:bodyPr rtlCol="0" anchor="ctr"/>
-          <a:lstStyle/>
-          <a:p>
-            <a:pPr algn="ctr"/>
-            <a:r>
-              <a:rPr lang="en-US" dirty="0"/>
-              <a:t>CPP File</a:t>
-            </a:r>
-          </a:p>
-        </p:txBody>
-      </p:sp>
-      <p:sp>
-        <p:nvSpPr>
-          <p:cNvPr id="7" name="Rectangle 6">
-            <a:extLst>
-              <a:ext uri="{FF2B5EF4-FFF2-40B4-BE49-F238E27FC236}">
-                <a16:creationId xmlns:a16="http://schemas.microsoft.com/office/drawing/2014/main" id="{861D812D-1B8E-4382-B877-29F161D7FBEA}"/>
-              </a:ext>
-            </a:extLst>
-          </p:cNvPr>
-          <p:cNvSpPr/>
-          <p:nvPr/>
-        </p:nvSpPr>
-        <p:spPr>
-          <a:xfrm>
-            <a:off x="1219200" y="1986643"/>
-            <a:ext cx="1524000" cy="304800"/>
-          </a:xfrm>
-          <a:prstGeom prst="rect">
-            <a:avLst/>
-          </a:prstGeom>
-          <a:solidFill>
-            <a:schemeClr val="accent2">
-              <a:lumMod val="20000"/>
-              <a:lumOff val="80000"/>
-            </a:schemeClr>
-          </a:solidFill>
-        </p:spPr>
-        <p:style>
-          <a:lnRef idx="2">
-            <a:schemeClr val="accent1">
-              <a:shade val="50000"/>
-            </a:schemeClr>
-          </a:lnRef>
-          <a:fillRef idx="1">
-            <a:schemeClr val="accent1"/>
-          </a:fillRef>
-          <a:effectRef idx="0">
-            <a:schemeClr val="accent1"/>
-          </a:effectRef>
-          <a:fontRef idx="minor">
-            <a:schemeClr val="lt1"/>
-          </a:fontRef>
-        </p:style>
-        <p:txBody>
-          <a:bodyPr rtlCol="0" anchor="ctr"/>
-          <a:lstStyle/>
-          <a:p>
-            <a:r>
-              <a:rPr lang="en-US" sz="1200" dirty="0">
-                <a:solidFill>
-                  <a:srgbClr val="FF0000"/>
-                </a:solidFill>
-              </a:rPr>
-              <a:t>#include header File</a:t>
-            </a:r>
-          </a:p>
-        </p:txBody>
-      </p:sp>
-      <p:sp>
-        <p:nvSpPr>
-          <p:cNvPr id="8" name="Rectangle 7">
-            <a:extLst>
-              <a:ext uri="{FF2B5EF4-FFF2-40B4-BE49-F238E27FC236}">
-                <a16:creationId xmlns:a16="http://schemas.microsoft.com/office/drawing/2014/main" id="{C10D932C-861E-4942-B493-7E5267E103D8}"/>
-              </a:ext>
-            </a:extLst>
-          </p:cNvPr>
-          <p:cNvSpPr/>
-          <p:nvPr/>
-        </p:nvSpPr>
-        <p:spPr>
-          <a:xfrm>
-            <a:off x="4267200" y="2647950"/>
-            <a:ext cx="1524000" cy="304800"/>
-          </a:xfrm>
-          <a:prstGeom prst="rect">
-            <a:avLst/>
-          </a:prstGeom>
-          <a:solidFill>
-            <a:schemeClr val="accent2">
-              <a:lumMod val="20000"/>
-              <a:lumOff val="80000"/>
-            </a:schemeClr>
-          </a:solidFill>
-        </p:spPr>
-        <p:style>
-          <a:lnRef idx="2">
-            <a:schemeClr val="accent1">
-              <a:shade val="50000"/>
-            </a:schemeClr>
-          </a:lnRef>
-          <a:fillRef idx="1">
-            <a:schemeClr val="accent1"/>
-          </a:fillRef>
-          <a:effectRef idx="0">
-            <a:schemeClr val="accent1"/>
-          </a:effectRef>
-          <a:fontRef idx="minor">
-            <a:schemeClr val="lt1"/>
-          </a:fontRef>
-        </p:style>
-        <p:txBody>
-          <a:bodyPr rtlCol="0" anchor="ctr"/>
-          <a:lstStyle/>
-          <a:p>
-            <a:r>
-              <a:rPr lang="en-US" sz="1200" dirty="0">
-                <a:solidFill>
-                  <a:srgbClr val="FF0000"/>
-                </a:solidFill>
-              </a:rPr>
-              <a:t>#include header File</a:t>
-            </a:r>
-          </a:p>
-        </p:txBody>
-      </p:sp>
-      <p:grpSp>
-        <p:nvGrpSpPr>
-          <p:cNvPr id="6" name="Group 5">
-            <a:extLst>
-              <a:ext uri="{FF2B5EF4-FFF2-40B4-BE49-F238E27FC236}">
-                <a16:creationId xmlns:a16="http://schemas.microsoft.com/office/drawing/2014/main" id="{A5D2415B-3FD2-498A-89BF-B907DAA51A24}"/>
-              </a:ext>
-            </a:extLst>
-          </p:cNvPr>
-          <p:cNvGrpSpPr/>
-          <p:nvPr/>
-        </p:nvGrpSpPr>
-        <p:grpSpPr>
-          <a:xfrm>
-            <a:off x="6021977" y="1504950"/>
-            <a:ext cx="1598023" cy="2748099"/>
-            <a:chOff x="6021977" y="1662249"/>
-            <a:chExt cx="1598023" cy="2590800"/>
-          </a:xfrm>
-        </p:grpSpPr>
-        <p:sp>
-          <p:nvSpPr>
-            <p:cNvPr id="3" name="Right Brace 2">
-              <a:extLst>
-                <a:ext uri="{FF2B5EF4-FFF2-40B4-BE49-F238E27FC236}">
-                  <a16:creationId xmlns:a16="http://schemas.microsoft.com/office/drawing/2014/main" id="{6E974F93-E3AC-47BE-A533-F235405E1CE6}"/>
-                </a:ext>
-              </a:extLst>
-            </p:cNvPr>
-            <p:cNvSpPr/>
-            <p:nvPr/>
-          </p:nvSpPr>
-          <p:spPr>
-            <a:xfrm>
-              <a:off x="6021977" y="1662249"/>
-              <a:ext cx="685800" cy="2590800"/>
-            </a:xfrm>
-            <a:prstGeom prst="rightBrace">
-              <a:avLst/>
-            </a:prstGeom>
-            <a:ln w="38100">
-              <a:solidFill>
-                <a:srgbClr val="FF0000"/>
-              </a:solidFill>
-            </a:ln>
-          </p:spPr>
-          <p:style>
-            <a:lnRef idx="1">
-              <a:schemeClr val="accent1"/>
-            </a:lnRef>
-            <a:fillRef idx="0">
-              <a:schemeClr val="accent1"/>
-            </a:fillRef>
-            <a:effectRef idx="0">
-              <a:schemeClr val="accent1"/>
-            </a:effectRef>
-            <a:fontRef idx="minor">
-              <a:schemeClr val="tx1"/>
-            </a:fontRef>
-          </p:style>
-          <p:txBody>
-            <a:bodyPr rtlCol="0" anchor="ctr"/>
-            <a:lstStyle/>
-            <a:p>
-              <a:pPr algn="ctr"/>
-              <a:endParaRPr lang="en-US">
-                <a:solidFill>
-                  <a:srgbClr val="FF0000"/>
-                </a:solidFill>
-              </a:endParaRPr>
-            </a:p>
-          </p:txBody>
-        </p:sp>
-        <p:sp>
-          <p:nvSpPr>
-            <p:cNvPr id="5" name="TextBox 4">
-              <a:extLst>
-                <a:ext uri="{FF2B5EF4-FFF2-40B4-BE49-F238E27FC236}">
-                  <a16:creationId xmlns:a16="http://schemas.microsoft.com/office/drawing/2014/main" id="{3B4ECFF8-6B43-49D7-86CF-6A7B0986037B}"/>
-                </a:ext>
-              </a:extLst>
-            </p:cNvPr>
-            <p:cNvSpPr txBox="1"/>
-            <p:nvPr/>
-          </p:nvSpPr>
-          <p:spPr>
-            <a:xfrm>
-              <a:off x="6479177" y="2607129"/>
-              <a:ext cx="1140823" cy="646331"/>
-            </a:xfrm>
-            <a:prstGeom prst="rect">
-              <a:avLst/>
-            </a:prstGeom>
-            <a:noFill/>
-          </p:spPr>
-          <p:txBody>
-            <a:bodyPr wrap="square" rtlCol="0">
-              <a:spAutoFit/>
-            </a:bodyPr>
-            <a:lstStyle/>
-            <a:p>
-              <a:r>
-                <a:rPr lang="en-US" dirty="0">
-                  <a:solidFill>
-                    <a:srgbClr val="FF0000"/>
-                  </a:solidFill>
-                </a:rPr>
-                <a:t>Matched</a:t>
-              </a:r>
-            </a:p>
-            <a:p>
-              <a:r>
-                <a:rPr lang="en-US" dirty="0">
-                  <a:solidFill>
-                    <a:srgbClr val="FF0000"/>
-                  </a:solidFill>
-                </a:rPr>
-                <a:t>Set</a:t>
-              </a:r>
-            </a:p>
-          </p:txBody>
-        </p:sp>
-      </p:grpSp>
-    </p:spTree>
-    <p:extLst>
-      <p:ext uri="{BB962C8B-B14F-4D97-AF65-F5344CB8AC3E}">
-        <p14:creationId xmlns:p14="http://schemas.microsoft.com/office/powerpoint/2010/main" val="2612453022"/>
-      </p:ext>
-    </p:extLst>
-  </p:cSld>
-  <p:clrMapOvr>
-    <a:masterClrMapping/>
-  </p:clrMapOvr>
-  <p:timing>
-    <p:tnLst>
-      <p:par>
-        <p:cTn id="1" dur="indefinite" restart="never" nodeType="tmRoot">
-          <p:childTnLst>
-            <p:seq concurrent="1" nextAc="seek">
-              <p:cTn id="2" dur="indefinite" nodeType="mainSeq">
-                <p:childTnLst>
-                  <p:par>
-                    <p:cTn id="3" fill="hold">
-                      <p:stCondLst>
-                        <p:cond delay="indefinite"/>
-                      </p:stCondLst>
-                      <p:childTnLst>
-                        <p:par>
-                          <p:cTn id="4" fill="hold">
-                            <p:stCondLst>
-                              <p:cond delay="0"/>
-                            </p:stCondLst>
-                            <p:childTnLst>
-                              <p:par>
-                                <p:cTn id="5" presetID="10" presetClass="entr" presetSubtype="0" fill="hold" nodeType="clickEffect">
-                                  <p:stCondLst>
-                                    <p:cond delay="0"/>
-                                  </p:stCondLst>
-                                  <p:childTnLst>
-                                    <p:set>
-                                      <p:cBhvr>
-                                        <p:cTn id="6" dur="1" fill="hold">
-                                          <p:stCondLst>
-                                            <p:cond delay="0"/>
-                                          </p:stCondLst>
-                                        </p:cTn>
-                                        <p:tgtEl>
-                                          <p:spTgt spid="6"/>
-                                        </p:tgtEl>
-                                        <p:attrNameLst>
-                                          <p:attrName>style.visibility</p:attrName>
-                                        </p:attrNameLst>
-                                      </p:cBhvr>
-                                      <p:to>
-                                        <p:strVal val="visible"/>
-                                      </p:to>
-                                    </p:set>
-                                    <p:animEffect transition="in" filter="fade">
-                                      <p:cBhvr>
-                                        <p:cTn id="7" dur="500"/>
-                                        <p:tgtEl>
-                                          <p:spTgt spid="6"/>
-                                        </p:tgtEl>
-                                      </p:cBhvr>
-                                    </p:animEffect>
-                                  </p:childTnLst>
-                                </p:cTn>
-                              </p:par>
-                            </p:childTnLst>
-                          </p:cTn>
-                        </p:par>
-                      </p:childTnLst>
-                    </p:cTn>
-                  </p:par>
-                  <p:par>
-                    <p:cTn id="8" fill="hold">
-                      <p:stCondLst>
-                        <p:cond delay="indefinite"/>
-                      </p:stCondLst>
-                      <p:childTnLst>
-                        <p:par>
-                          <p:cTn id="9" fill="hold">
-                            <p:stCondLst>
-                              <p:cond delay="0"/>
-                            </p:stCondLst>
-                            <p:childTnLst>
-                              <p:par>
-                                <p:cTn id="10" presetID="42" presetClass="entr" presetSubtype="0" fill="hold" grpId="0" nodeType="clickEffect">
-                                  <p:stCondLst>
-                                    <p:cond delay="0"/>
-                                  </p:stCondLst>
-                                  <p:childTnLst>
-                                    <p:set>
-                                      <p:cBhvr>
-                                        <p:cTn id="11" dur="1" fill="hold">
-                                          <p:stCondLst>
-                                            <p:cond delay="0"/>
-                                          </p:stCondLst>
-                                        </p:cTn>
-                                        <p:tgtEl>
-                                          <p:spTgt spid="7"/>
-                                        </p:tgtEl>
-                                        <p:attrNameLst>
-                                          <p:attrName>style.visibility</p:attrName>
-                                        </p:attrNameLst>
-                                      </p:cBhvr>
-                                      <p:to>
-                                        <p:strVal val="visible"/>
-                                      </p:to>
-                                    </p:set>
-                                    <p:animEffect transition="in" filter="fade">
-                                      <p:cBhvr>
-                                        <p:cTn id="12" dur="1000"/>
-                                        <p:tgtEl>
-                                          <p:spTgt spid="7"/>
-                                        </p:tgtEl>
-                                      </p:cBhvr>
-                                    </p:animEffect>
-                                    <p:anim calcmode="lin" valueType="num">
-                                      <p:cBhvr>
-                                        <p:cTn id="13" dur="1000" fill="hold"/>
-                                        <p:tgtEl>
-                                          <p:spTgt spid="7"/>
-                                        </p:tgtEl>
-                                        <p:attrNameLst>
-                                          <p:attrName>ppt_x</p:attrName>
-                                        </p:attrNameLst>
-                                      </p:cBhvr>
-                                      <p:tavLst>
-                                        <p:tav tm="0">
-                                          <p:val>
-                                            <p:strVal val="#ppt_x"/>
-                                          </p:val>
-                                        </p:tav>
-                                        <p:tav tm="100000">
-                                          <p:val>
-                                            <p:strVal val="#ppt_x"/>
-                                          </p:val>
-                                        </p:tav>
-                                      </p:tavLst>
-                                    </p:anim>
-                                    <p:anim calcmode="lin" valueType="num">
-                                      <p:cBhvr>
-                                        <p:cTn id="14" dur="1000" fill="hold"/>
-                                        <p:tgtEl>
-                                          <p:spTgt spid="7"/>
-                                        </p:tgtEl>
-                                        <p:attrNameLst>
-                                          <p:attrName>ppt_y</p:attrName>
-                                        </p:attrNameLst>
-                                      </p:cBhvr>
-                                      <p:tavLst>
-                                        <p:tav tm="0">
-                                          <p:val>
-                                            <p:strVal val="#ppt_y+.1"/>
-                                          </p:val>
-                                        </p:tav>
-                                        <p:tav tm="100000">
-                                          <p:val>
-                                            <p:strVal val="#ppt_y"/>
-                                          </p:val>
-                                        </p:tav>
-                                      </p:tavLst>
-                                    </p:anim>
-                                  </p:childTnLst>
-                                </p:cTn>
-                              </p:par>
-                            </p:childTnLst>
-                          </p:cTn>
-                        </p:par>
-                      </p:childTnLst>
-                    </p:cTn>
-                  </p:par>
-                  <p:par>
-                    <p:cTn id="15" fill="hold">
-                      <p:stCondLst>
-                        <p:cond delay="indefinite"/>
-                      </p:stCondLst>
-                      <p:childTnLst>
-                        <p:par>
-                          <p:cTn id="16" fill="hold">
-                            <p:stCondLst>
-                              <p:cond delay="0"/>
-                            </p:stCondLst>
-                            <p:childTnLst>
-                              <p:par>
-                                <p:cTn id="17" presetID="42" presetClass="entr" presetSubtype="0" fill="hold" grpId="0" nodeType="clickEffect">
-                                  <p:stCondLst>
-                                    <p:cond delay="0"/>
-                                  </p:stCondLst>
-                                  <p:childTnLst>
-                                    <p:set>
-                                      <p:cBhvr>
-                                        <p:cTn id="18" dur="1" fill="hold">
-                                          <p:stCondLst>
-                                            <p:cond delay="0"/>
-                                          </p:stCondLst>
-                                        </p:cTn>
-                                        <p:tgtEl>
-                                          <p:spTgt spid="8"/>
-                                        </p:tgtEl>
-                                        <p:attrNameLst>
-                                          <p:attrName>style.visibility</p:attrName>
-                                        </p:attrNameLst>
-                                      </p:cBhvr>
-                                      <p:to>
-                                        <p:strVal val="visible"/>
-                                      </p:to>
-                                    </p:set>
-                                    <p:animEffect transition="in" filter="fade">
-                                      <p:cBhvr>
-                                        <p:cTn id="19" dur="1000"/>
-                                        <p:tgtEl>
-                                          <p:spTgt spid="8"/>
-                                        </p:tgtEl>
-                                      </p:cBhvr>
-                                    </p:animEffect>
-                                    <p:anim calcmode="lin" valueType="num">
-                                      <p:cBhvr>
-                                        <p:cTn id="20" dur="1000" fill="hold"/>
-                                        <p:tgtEl>
-                                          <p:spTgt spid="8"/>
-                                        </p:tgtEl>
-                                        <p:attrNameLst>
-                                          <p:attrName>ppt_x</p:attrName>
-                                        </p:attrNameLst>
-                                      </p:cBhvr>
-                                      <p:tavLst>
-                                        <p:tav tm="0">
-                                          <p:val>
-                                            <p:strVal val="#ppt_x"/>
-                                          </p:val>
-                                        </p:tav>
-                                        <p:tav tm="100000">
-                                          <p:val>
-                                            <p:strVal val="#ppt_x"/>
-                                          </p:val>
-                                        </p:tav>
-                                      </p:tavLst>
-                                    </p:anim>
-                                    <p:anim calcmode="lin" valueType="num">
-                                      <p:cBhvr>
-                                        <p:cTn id="21" dur="1000" fill="hold"/>
-                                        <p:tgtEl>
-                                          <p:spTgt spid="8"/>
-                                        </p:tgtEl>
-                                        <p:attrNameLst>
-                                          <p:attrName>ppt_y</p:attrName>
-                                        </p:attrNameLst>
-                                      </p:cBhvr>
-                                      <p:tavLst>
-                                        <p:tav tm="0">
-                                          <p:val>
-                                            <p:strVal val="#ppt_y+.1"/>
-                                          </p:val>
-                                        </p:tav>
-                                        <p:tav tm="100000">
-                                          <p:val>
-                                            <p:strVal val="#ppt_y"/>
-                                          </p:val>
-                                        </p:tav>
-                                      </p:tavLst>
-                                    </p:anim>
-                                  </p:childTnLst>
-                                </p:cTn>
-                              </p:par>
-                            </p:childTnLst>
-                          </p:cTn>
-                        </p:par>
-                      </p:childTnLst>
-                    </p:cTn>
-                  </p:par>
-                </p:childTnLst>
-              </p:cTn>
-              <p:prevCondLst>
-                <p:cond evt="onPrev" delay="0">
-                  <p:tgtEl>
-                    <p:sldTgt/>
-                  </p:tgtEl>
-                </p:cond>
-              </p:prevCondLst>
-              <p:nextCondLst>
-                <p:cond evt="onNext" delay="0">
-                  <p:tgtEl>
-                    <p:sldTgt/>
-                  </p:tgtEl>
-                </p:cond>
-              </p:nextCondLst>
-            </p:seq>
-          </p:childTnLst>
-        </p:cTn>
-      </p:par>
-    </p:tnLst>
-    <p:bldLst>
-      <p:bldP spid="7" grpId="0" animBg="1"/>
-      <p:bldP spid="8" grpId="0" animBg="1"/>
-    </p:bldLst>
-  </p:timing>
-</p:sld>
-</file>
-
-<file path=ppt/slides/slide11.xml><?xml version="1.0" encoding="utf-8"?>
-<p:sld xmlns:a="http://schemas.openxmlformats.org/drawingml/2006/main" xmlns:r="http://schemas.openxmlformats.org/officeDocument/2006/relationships" xmlns:p="http://schemas.openxmlformats.org/presentationml/2006/main">
-  <p:cSld>
-    <p:spTree>
-      <p:nvGrpSpPr>
-        <p:cNvPr id="1" name=""/>
-        <p:cNvGrpSpPr/>
-        <p:nvPr/>
-      </p:nvGrpSpPr>
-      <p:grpSpPr>
-        <a:xfrm>
-          <a:off x="0" y="0"/>
-          <a:ext cx="0" cy="0"/>
-          <a:chOff x="0" y="0"/>
-          <a:chExt cx="0" cy="0"/>
-        </a:xfrm>
-      </p:grpSpPr>
-      <p:sp>
-        <p:nvSpPr>
-          <p:cNvPr id="4" name="Title 3"/>
-          <p:cNvSpPr>
-            <a:spLocks noGrp="1"/>
-          </p:cNvSpPr>
-          <p:nvPr>
-            <p:ph type="title"/>
-          </p:nvPr>
-        </p:nvSpPr>
-        <p:spPr>
-          <a:xfrm>
-            <a:off x="457200" y="376238"/>
-            <a:ext cx="7016194" cy="602252"/>
-          </a:xfrm>
-        </p:spPr>
-        <p:txBody>
-          <a:bodyPr>
-            <a:normAutofit fontScale="90000"/>
-          </a:bodyPr>
-          <a:lstStyle/>
-          <a:p>
-            <a:r>
-              <a:rPr lang="en-US" dirty="0"/>
               <a:t>All in one View</a:t>
             </a:r>
           </a:p>
@@ -13590,6 +12919,555 @@
 </p:sld>
 </file>
 
+<file path=ppt/slides/slide11.xml><?xml version="1.0" encoding="utf-8"?>
+<p:sld xmlns:a="http://schemas.openxmlformats.org/drawingml/2006/main" xmlns:r="http://schemas.openxmlformats.org/officeDocument/2006/relationships" xmlns:p="http://schemas.openxmlformats.org/presentationml/2006/main">
+  <p:cSld>
+    <p:spTree>
+      <p:nvGrpSpPr>
+        <p:cNvPr id="1" name=""/>
+        <p:cNvGrpSpPr/>
+        <p:nvPr/>
+      </p:nvGrpSpPr>
+      <p:grpSpPr>
+        <a:xfrm>
+          <a:off x="0" y="0"/>
+          <a:ext cx="0" cy="0"/>
+          <a:chOff x="0" y="0"/>
+          <a:chExt cx="0" cy="0"/>
+        </a:xfrm>
+      </p:grpSpPr>
+      <p:sp>
+        <p:nvSpPr>
+          <p:cNvPr id="2" name="Title 1">
+            <a:extLst>
+              <a:ext uri="{FF2B5EF4-FFF2-40B4-BE49-F238E27FC236}">
+                <a16:creationId xmlns:a16="http://schemas.microsoft.com/office/drawing/2014/main" id="{AA0F3F4A-B72A-4896-8807-D94D8A7E019C}"/>
+              </a:ext>
+            </a:extLst>
+          </p:cNvPr>
+          <p:cNvSpPr>
+            <a:spLocks noGrp="1"/>
+          </p:cNvSpPr>
+          <p:nvPr>
+            <p:ph type="title"/>
+          </p:nvPr>
+        </p:nvSpPr>
+        <p:spPr/>
+        <p:txBody>
+          <a:bodyPr/>
+          <a:lstStyle/>
+          <a:p>
+            <a:r>
+              <a:rPr lang="en-US" dirty="0"/>
+              <a:t>Summary</a:t>
+            </a:r>
+          </a:p>
+        </p:txBody>
+      </p:sp>
+      <p:sp>
+        <p:nvSpPr>
+          <p:cNvPr id="3" name="Content Placeholder 2">
+            <a:extLst>
+              <a:ext uri="{FF2B5EF4-FFF2-40B4-BE49-F238E27FC236}">
+                <a16:creationId xmlns:a16="http://schemas.microsoft.com/office/drawing/2014/main" id="{43C89502-E656-407B-A470-37DADF5D6AE2}"/>
+              </a:ext>
+            </a:extLst>
+          </p:cNvPr>
+          <p:cNvSpPr>
+            <a:spLocks noGrp="1"/>
+          </p:cNvSpPr>
+          <p:nvPr>
+            <p:ph idx="1"/>
+          </p:nvPr>
+        </p:nvSpPr>
+        <p:spPr>
+          <a:xfrm>
+            <a:off x="457200" y="1197405"/>
+            <a:ext cx="7238999" cy="3576168"/>
+          </a:xfrm>
+        </p:spPr>
+        <p:txBody>
+          <a:bodyPr>
+            <a:normAutofit fontScale="85000" lnSpcReduction="20000"/>
+          </a:bodyPr>
+          <a:lstStyle/>
+          <a:p>
+            <a:r>
+              <a:rPr lang="en-US" dirty="0"/>
+              <a:t>I may have left you with the impression class code </a:t>
+            </a:r>
+            <a:r>
+              <a:rPr lang="en-US" b="1" i="1" dirty="0"/>
+              <a:t>needs</a:t>
+            </a:r>
+            <a:r>
+              <a:rPr lang="en-US" dirty="0"/>
+              <a:t> to be in separate files. </a:t>
+            </a:r>
+            <a:r>
+              <a:rPr lang="en-US" b="1" i="1" dirty="0"/>
+              <a:t>This is not so ...</a:t>
+            </a:r>
+          </a:p>
+          <a:p>
+            <a:r>
+              <a:rPr lang="en-US" dirty="0"/>
+              <a:t>You </a:t>
+            </a:r>
+            <a:r>
+              <a:rPr lang="en-US" b="1" dirty="0"/>
+              <a:t>could</a:t>
+            </a:r>
+            <a:r>
+              <a:rPr lang="en-US" dirty="0"/>
+              <a:t> put class code right in your sketch</a:t>
+            </a:r>
+          </a:p>
+          <a:p>
+            <a:r>
+              <a:rPr lang="en-US" dirty="0"/>
+              <a:t>Yes – there is only one file to maintain.</a:t>
+            </a:r>
+          </a:p>
+          <a:p>
+            <a:r>
+              <a:rPr lang="en-US" dirty="0"/>
+              <a:t>But lose a key advantage – libraries and code sharing</a:t>
+            </a:r>
+          </a:p>
+          <a:p>
+            <a:r>
+              <a:rPr lang="en-US" dirty="0"/>
+              <a:t>And a big drawback is that the hidden complexity is now back in plain view.</a:t>
+            </a:r>
+          </a:p>
+          <a:p>
+            <a:r>
+              <a:rPr lang="en-US" dirty="0"/>
+              <a:t>I did not mention it last time as it is not typical to put all code in one file but it can be done and is fine for development.</a:t>
+            </a:r>
+          </a:p>
+        </p:txBody>
+      </p:sp>
+    </p:spTree>
+    <p:extLst>
+      <p:ext uri="{BB962C8B-B14F-4D97-AF65-F5344CB8AC3E}">
+        <p14:creationId xmlns:p14="http://schemas.microsoft.com/office/powerpoint/2010/main" val="4001298897"/>
+      </p:ext>
+    </p:extLst>
+  </p:cSld>
+  <p:clrMapOvr>
+    <a:masterClrMapping/>
+  </p:clrMapOvr>
+  <p:timing>
+    <p:tnLst>
+      <p:par>
+        <p:cTn id="1" dur="indefinite" restart="never" nodeType="tmRoot">
+          <p:childTnLst>
+            <p:seq concurrent="1" nextAc="seek">
+              <p:cTn id="2" dur="indefinite" nodeType="mainSeq">
+                <p:childTnLst>
+                  <p:par>
+                    <p:cTn id="3" fill="hold">
+                      <p:stCondLst>
+                        <p:cond delay="indefinite"/>
+                      </p:stCondLst>
+                      <p:childTnLst>
+                        <p:par>
+                          <p:cTn id="4" fill="hold">
+                            <p:stCondLst>
+                              <p:cond delay="0"/>
+                            </p:stCondLst>
+                            <p:childTnLst>
+                              <p:par>
+                                <p:cTn id="5" presetID="1" presetClass="entr" presetSubtype="0" fill="hold" nodeType="clickEffect">
+                                  <p:stCondLst>
+                                    <p:cond delay="0"/>
+                                  </p:stCondLst>
+                                  <p:childTnLst>
+                                    <p:set>
+                                      <p:cBhvr>
+                                        <p:cTn id="6" dur="1" fill="hold">
+                                          <p:stCondLst>
+                                            <p:cond delay="0"/>
+                                          </p:stCondLst>
+                                        </p:cTn>
+                                        <p:tgtEl>
+                                          <p:spTgt spid="3">
+                                            <p:txEl>
+                                              <p:pRg st="0" end="0"/>
+                                            </p:txEl>
+                                          </p:spTgt>
+                                        </p:tgtEl>
+                                        <p:attrNameLst>
+                                          <p:attrName>style.visibility</p:attrName>
+                                        </p:attrNameLst>
+                                      </p:cBhvr>
+                                      <p:to>
+                                        <p:strVal val="visible"/>
+                                      </p:to>
+                                    </p:set>
+                                  </p:childTnLst>
+                                  <p:subTnLst>
+                                    <p:animClr clrSpc="rgb" dir="cw">
+                                      <p:cBhvr override="childStyle">
+                                        <p:cTn dur="1" fill="hold" display="0" masterRel="nextClick" afterEffect="1"/>
+                                        <p:tgtEl>
+                                          <p:spTgt spid="3">
+                                            <p:txEl>
+                                              <p:pRg st="0" end="0"/>
+                                            </p:txEl>
+                                          </p:spTgt>
+                                        </p:tgtEl>
+                                        <p:attrNameLst>
+                                          <p:attrName>ppt_c</p:attrName>
+                                        </p:attrNameLst>
+                                      </p:cBhvr>
+                                      <p:to>
+                                        <a:schemeClr val="bg2"/>
+                                      </p:to>
+                                    </p:animClr>
+                                  </p:subTnLst>
+                                </p:cTn>
+                              </p:par>
+                              <p:par>
+                                <p:cTn id="7" presetID="10" presetClass="entr" presetSubtype="0" fill="hold" nodeType="withEffect">
+                                  <p:stCondLst>
+                                    <p:cond delay="0"/>
+                                  </p:stCondLst>
+                                  <p:childTnLst>
+                                    <p:set>
+                                      <p:cBhvr>
+                                        <p:cTn id="8" dur="1" fill="hold">
+                                          <p:stCondLst>
+                                            <p:cond delay="0"/>
+                                          </p:stCondLst>
+                                        </p:cTn>
+                                        <p:tgtEl>
+                                          <p:spTgt spid="3">
+                                            <p:txEl>
+                                              <p:pRg st="5" end="5"/>
+                                            </p:txEl>
+                                          </p:spTgt>
+                                        </p:tgtEl>
+                                        <p:attrNameLst>
+                                          <p:attrName>style.visibility</p:attrName>
+                                        </p:attrNameLst>
+                                      </p:cBhvr>
+                                      <p:to>
+                                        <p:strVal val="visible"/>
+                                      </p:to>
+                                    </p:set>
+                                    <p:animEffect transition="in" filter="fade">
+                                      <p:cBhvr>
+                                        <p:cTn id="9" dur="500"/>
+                                        <p:tgtEl>
+                                          <p:spTgt spid="3">
+                                            <p:txEl>
+                                              <p:pRg st="5" end="5"/>
+                                            </p:txEl>
+                                          </p:spTgt>
+                                        </p:tgtEl>
+                                      </p:cBhvr>
+                                    </p:animEffect>
+                                  </p:childTnLst>
+                                  <p:subTnLst>
+                                    <p:animClr clrSpc="rgb" dir="cw">
+                                      <p:cBhvr override="childStyle">
+                                        <p:cTn dur="1" fill="hold" display="0" masterRel="nextClick" afterEffect="1"/>
+                                        <p:tgtEl>
+                                          <p:spTgt spid="3">
+                                            <p:txEl>
+                                              <p:pRg st="5" end="5"/>
+                                            </p:txEl>
+                                          </p:spTgt>
+                                        </p:tgtEl>
+                                        <p:attrNameLst>
+                                          <p:attrName>ppt_c</p:attrName>
+                                        </p:attrNameLst>
+                                      </p:cBhvr>
+                                      <p:to>
+                                        <a:schemeClr val="bg2"/>
+                                      </p:to>
+                                    </p:animClr>
+                                  </p:subTnLst>
+                                </p:cTn>
+                              </p:par>
+                            </p:childTnLst>
+                          </p:cTn>
+                        </p:par>
+                      </p:childTnLst>
+                    </p:cTn>
+                  </p:par>
+                  <p:par>
+                    <p:cTn id="10" fill="hold">
+                      <p:stCondLst>
+                        <p:cond delay="indefinite"/>
+                      </p:stCondLst>
+                      <p:childTnLst>
+                        <p:par>
+                          <p:cTn id="11" fill="hold">
+                            <p:stCondLst>
+                              <p:cond delay="0"/>
+                            </p:stCondLst>
+                            <p:childTnLst>
+                              <p:par>
+                                <p:cTn id="12" presetID="10" presetClass="entr" presetSubtype="0" fill="hold" nodeType="clickEffect">
+                                  <p:stCondLst>
+                                    <p:cond delay="0"/>
+                                  </p:stCondLst>
+                                  <p:childTnLst>
+                                    <p:set>
+                                      <p:cBhvr>
+                                        <p:cTn id="13" dur="1" fill="hold">
+                                          <p:stCondLst>
+                                            <p:cond delay="0"/>
+                                          </p:stCondLst>
+                                        </p:cTn>
+                                        <p:tgtEl>
+                                          <p:spTgt spid="3">
+                                            <p:txEl>
+                                              <p:pRg st="1" end="1"/>
+                                            </p:txEl>
+                                          </p:spTgt>
+                                        </p:tgtEl>
+                                        <p:attrNameLst>
+                                          <p:attrName>style.visibility</p:attrName>
+                                        </p:attrNameLst>
+                                      </p:cBhvr>
+                                      <p:to>
+                                        <p:strVal val="visible"/>
+                                      </p:to>
+                                    </p:set>
+                                    <p:animEffect transition="in" filter="fade">
+                                      <p:cBhvr>
+                                        <p:cTn id="14" dur="500"/>
+                                        <p:tgtEl>
+                                          <p:spTgt spid="3">
+                                            <p:txEl>
+                                              <p:pRg st="1" end="1"/>
+                                            </p:txEl>
+                                          </p:spTgt>
+                                        </p:tgtEl>
+                                      </p:cBhvr>
+                                    </p:animEffect>
+                                  </p:childTnLst>
+                                </p:cTn>
+                              </p:par>
+                            </p:childTnLst>
+                          </p:cTn>
+                        </p:par>
+                      </p:childTnLst>
+                    </p:cTn>
+                  </p:par>
+                  <p:par>
+                    <p:cTn id="15" fill="hold">
+                      <p:stCondLst>
+                        <p:cond delay="indefinite"/>
+                      </p:stCondLst>
+                      <p:childTnLst>
+                        <p:par>
+                          <p:cTn id="16" fill="hold">
+                            <p:stCondLst>
+                              <p:cond delay="0"/>
+                            </p:stCondLst>
+                            <p:childTnLst>
+                              <p:par>
+                                <p:cTn id="17" presetID="10" presetClass="entr" presetSubtype="0" fill="hold" nodeType="clickEffect">
+                                  <p:stCondLst>
+                                    <p:cond delay="0"/>
+                                  </p:stCondLst>
+                                  <p:childTnLst>
+                                    <p:set>
+                                      <p:cBhvr>
+                                        <p:cTn id="18" dur="1" fill="hold">
+                                          <p:stCondLst>
+                                            <p:cond delay="0"/>
+                                          </p:stCondLst>
+                                        </p:cTn>
+                                        <p:tgtEl>
+                                          <p:spTgt spid="3">
+                                            <p:txEl>
+                                              <p:pRg st="2" end="2"/>
+                                            </p:txEl>
+                                          </p:spTgt>
+                                        </p:tgtEl>
+                                        <p:attrNameLst>
+                                          <p:attrName>style.visibility</p:attrName>
+                                        </p:attrNameLst>
+                                      </p:cBhvr>
+                                      <p:to>
+                                        <p:strVal val="visible"/>
+                                      </p:to>
+                                    </p:set>
+                                    <p:animEffect transition="in" filter="fade">
+                                      <p:cBhvr>
+                                        <p:cTn id="19" dur="500"/>
+                                        <p:tgtEl>
+                                          <p:spTgt spid="3">
+                                            <p:txEl>
+                                              <p:pRg st="2" end="2"/>
+                                            </p:txEl>
+                                          </p:spTgt>
+                                        </p:tgtEl>
+                                      </p:cBhvr>
+                                    </p:animEffect>
+                                  </p:childTnLst>
+                                </p:cTn>
+                              </p:par>
+                            </p:childTnLst>
+                          </p:cTn>
+                        </p:par>
+                      </p:childTnLst>
+                    </p:cTn>
+                  </p:par>
+                  <p:par>
+                    <p:cTn id="20" fill="hold">
+                      <p:stCondLst>
+                        <p:cond delay="indefinite"/>
+                      </p:stCondLst>
+                      <p:childTnLst>
+                        <p:par>
+                          <p:cTn id="21" fill="hold">
+                            <p:stCondLst>
+                              <p:cond delay="0"/>
+                            </p:stCondLst>
+                            <p:childTnLst>
+                              <p:par>
+                                <p:cTn id="22" presetID="10" presetClass="entr" presetSubtype="0" fill="hold" nodeType="clickEffect">
+                                  <p:stCondLst>
+                                    <p:cond delay="0"/>
+                                  </p:stCondLst>
+                                  <p:childTnLst>
+                                    <p:set>
+                                      <p:cBhvr>
+                                        <p:cTn id="23" dur="1" fill="hold">
+                                          <p:stCondLst>
+                                            <p:cond delay="0"/>
+                                          </p:stCondLst>
+                                        </p:cTn>
+                                        <p:tgtEl>
+                                          <p:spTgt spid="3">
+                                            <p:txEl>
+                                              <p:pRg st="3" end="3"/>
+                                            </p:txEl>
+                                          </p:spTgt>
+                                        </p:tgtEl>
+                                        <p:attrNameLst>
+                                          <p:attrName>style.visibility</p:attrName>
+                                        </p:attrNameLst>
+                                      </p:cBhvr>
+                                      <p:to>
+                                        <p:strVal val="visible"/>
+                                      </p:to>
+                                    </p:set>
+                                    <p:animEffect transition="in" filter="fade">
+                                      <p:cBhvr>
+                                        <p:cTn id="24" dur="500"/>
+                                        <p:tgtEl>
+                                          <p:spTgt spid="3">
+                                            <p:txEl>
+                                              <p:pRg st="3" end="3"/>
+                                            </p:txEl>
+                                          </p:spTgt>
+                                        </p:tgtEl>
+                                      </p:cBhvr>
+                                    </p:animEffect>
+                                  </p:childTnLst>
+                                </p:cTn>
+                              </p:par>
+                            </p:childTnLst>
+                          </p:cTn>
+                        </p:par>
+                      </p:childTnLst>
+                    </p:cTn>
+                  </p:par>
+                  <p:par>
+                    <p:cTn id="25" fill="hold">
+                      <p:stCondLst>
+                        <p:cond delay="indefinite"/>
+                      </p:stCondLst>
+                      <p:childTnLst>
+                        <p:par>
+                          <p:cTn id="26" fill="hold">
+                            <p:stCondLst>
+                              <p:cond delay="0"/>
+                            </p:stCondLst>
+                            <p:childTnLst>
+                              <p:par>
+                                <p:cTn id="27" presetID="10" presetClass="entr" presetSubtype="0" fill="hold" nodeType="clickEffect">
+                                  <p:stCondLst>
+                                    <p:cond delay="0"/>
+                                  </p:stCondLst>
+                                  <p:childTnLst>
+                                    <p:set>
+                                      <p:cBhvr>
+                                        <p:cTn id="28" dur="1" fill="hold">
+                                          <p:stCondLst>
+                                            <p:cond delay="0"/>
+                                          </p:stCondLst>
+                                        </p:cTn>
+                                        <p:tgtEl>
+                                          <p:spTgt spid="3">
+                                            <p:txEl>
+                                              <p:pRg st="4" end="4"/>
+                                            </p:txEl>
+                                          </p:spTgt>
+                                        </p:tgtEl>
+                                        <p:attrNameLst>
+                                          <p:attrName>style.visibility</p:attrName>
+                                        </p:attrNameLst>
+                                      </p:cBhvr>
+                                      <p:to>
+                                        <p:strVal val="visible"/>
+                                      </p:to>
+                                    </p:set>
+                                    <p:animEffect transition="in" filter="fade">
+                                      <p:cBhvr>
+                                        <p:cTn id="29" dur="500"/>
+                                        <p:tgtEl>
+                                          <p:spTgt spid="3">
+                                            <p:txEl>
+                                              <p:pRg st="4" end="4"/>
+                                            </p:txEl>
+                                          </p:spTgt>
+                                        </p:tgtEl>
+                                      </p:cBhvr>
+                                    </p:animEffect>
+                                  </p:childTnLst>
+                                </p:cTn>
+                              </p:par>
+                            </p:childTnLst>
+                          </p:cTn>
+                        </p:par>
+                      </p:childTnLst>
+                    </p:cTn>
+                  </p:par>
+                </p:childTnLst>
+              </p:cTn>
+              <p:prevCondLst>
+                <p:cond evt="onPrev" delay="0">
+                  <p:tgtEl>
+                    <p:sldTgt/>
+                  </p:tgtEl>
+                </p:cond>
+              </p:prevCondLst>
+              <p:nextCondLst>
+                <p:cond evt="onNext" delay="0">
+                  <p:tgtEl>
+                    <p:sldTgt/>
+                  </p:tgtEl>
+                </p:cond>
+              </p:nextCondLst>
+            </p:seq>
+          </p:childTnLst>
+        </p:cTn>
+      </p:par>
+    </p:tnLst>
+  </p:timing>
+</p:sld>
+</file>
+
 <file path=ppt/slides/slide12.xml><?xml version="1.0" encoding="utf-8"?>
 <p:sld xmlns:a="http://schemas.openxmlformats.org/drawingml/2006/main" xmlns:r="http://schemas.openxmlformats.org/officeDocument/2006/relationships" xmlns:p="http://schemas.openxmlformats.org/presentationml/2006/main">
   <p:cSld>
@@ -14117,7 +13995,7 @@
                   <a:schemeClr val="tx1"/>
                 </a:solidFill>
               </a:rPr>
-              <a:t>Define what the functions look like</a:t>
+              <a:t>Define types and what functions are available.</a:t>
             </a:r>
           </a:p>
         </p:txBody>
@@ -14709,8 +14587,8 @@
         </p:nvSpPr>
         <p:spPr>
           <a:xfrm>
-            <a:off x="426721" y="899161"/>
-            <a:ext cx="7275272" cy="2891790"/>
+            <a:off x="426721" y="899160"/>
+            <a:ext cx="7275272" cy="3196589"/>
           </a:xfrm>
         </p:spPr>
         <p:txBody>
@@ -14751,7 +14629,7 @@
           <a:p>
             <a:r>
               <a:rPr lang="en-US" sz="2000" dirty="0"/>
-              <a:t>Each defined item is called a ‘</a:t>
+              <a:t>Each function is declared with its name and its </a:t>
             </a:r>
             <a:r>
               <a:rPr lang="en-US" sz="2000" b="1" dirty="0"/>
@@ -14759,7 +14637,7 @@
             </a:r>
             <a:r>
               <a:rPr lang="en-US" sz="2000" dirty="0"/>
-              <a:t>’.</a:t>
+              <a:t>.</a:t>
             </a:r>
           </a:p>
           <a:p>
@@ -14769,24 +14647,15 @@
             </a:r>
             <a:r>
               <a:rPr lang="en-US" sz="2000" dirty="0"/>
-              <a:t> = strict definition of  passed variable types, their order, and also the returned variable type. This is very important so the compiler knows later on (in your sketch) what is a expected for the variables or function calls. </a:t>
+              <a:t> = A strict definition of  passed variable types, their order, and also the returned variable type. This is very important so the compiler knows later on (in your sketch) what is a expected for that function call.  Programmers will refer to the ‘signature’ of the prototype – another way of saying it’s uniqueness.</a:t>
             </a:r>
           </a:p>
           <a:p>
             <a:r>
               <a:rPr lang="en-US" sz="2000" dirty="0"/>
-              <a:t>Note: You can have variations of similar function calls but each one has a distinct ‘signature’ </a:t>
-            </a:r>
-            <a:r>
-              <a:rPr lang="en-US" sz="2100" dirty="0"/>
-              <a:t>A type signature includes the number, types and order of the arguments contained by a function.</a:t>
-            </a:r>
-          </a:p>
-          <a:p>
-            <a:r>
-              <a:rPr lang="en-US" sz="2100" dirty="0"/>
-              <a:t>We will see later the Led2 class has two constructors (with different signatures)</a:t>
-            </a:r>
+              <a:t>We will see later my Led2 class has two constructors (with different signatures). Note: when you have several function declarations with the same name but where the parameter types are different it is called overloading the function. As long as each call has a distinct ‘signature’ it is ok.</a:t>
+            </a:r>
+            <a:endParaRPr lang="en-US" sz="2100" dirty="0"/>
           </a:p>
           <a:p>
             <a:r>
@@ -14797,7 +14666,7 @@
           <a:p>
             <a:r>
               <a:rPr lang="en-US" sz="2000" b="1" dirty="0"/>
-              <a:t>One Line from the header file: </a:t>
+              <a:t>Here is one Line from the header file: </a:t>
             </a:r>
           </a:p>
         </p:txBody>
@@ -15583,7 +15452,7 @@
                             </p:stCondLst>
                             <p:childTnLst>
                               <p:par>
-                                <p:cTn id="47" presetID="42" presetClass="entr" presetSubtype="0" fill="hold" nodeType="clickEffect">
+                                <p:cTn id="47" presetID="42" presetClass="entr" presetSubtype="0" fill="hold" grpId="0" nodeType="clickEffect">
                                   <p:stCondLst>
                                     <p:cond delay="0"/>
                                   </p:stCondLst>
@@ -15591,121 +15460,6 @@
                                     <p:set>
                                       <p:cBhvr>
                                         <p:cTn id="48" dur="1" fill="hold">
-                                          <p:stCondLst>
-                                            <p:cond delay="0"/>
-                                          </p:stCondLst>
-                                        </p:cTn>
-                                        <p:tgtEl>
-                                          <p:spTgt spid="6">
-                                            <p:txEl>
-                                              <p:pRg st="6" end="6"/>
-                                            </p:txEl>
-                                          </p:spTgt>
-                                        </p:tgtEl>
-                                        <p:attrNameLst>
-                                          <p:attrName>style.visibility</p:attrName>
-                                        </p:attrNameLst>
-                                      </p:cBhvr>
-                                      <p:to>
-                                        <p:strVal val="visible"/>
-                                      </p:to>
-                                    </p:set>
-                                    <p:animEffect transition="in" filter="fade">
-                                      <p:cBhvr>
-                                        <p:cTn id="49" dur="1000"/>
-                                        <p:tgtEl>
-                                          <p:spTgt spid="6">
-                                            <p:txEl>
-                                              <p:pRg st="6" end="6"/>
-                                            </p:txEl>
-                                          </p:spTgt>
-                                        </p:tgtEl>
-                                      </p:cBhvr>
-                                    </p:animEffect>
-                                    <p:anim calcmode="lin" valueType="num">
-                                      <p:cBhvr>
-                                        <p:cTn id="50" dur="1000" fill="hold"/>
-                                        <p:tgtEl>
-                                          <p:spTgt spid="6">
-                                            <p:txEl>
-                                              <p:pRg st="6" end="6"/>
-                                            </p:txEl>
-                                          </p:spTgt>
-                                        </p:tgtEl>
-                                        <p:attrNameLst>
-                                          <p:attrName>ppt_x</p:attrName>
-                                        </p:attrNameLst>
-                                      </p:cBhvr>
-                                      <p:tavLst>
-                                        <p:tav tm="0">
-                                          <p:val>
-                                            <p:strVal val="#ppt_x"/>
-                                          </p:val>
-                                        </p:tav>
-                                        <p:tav tm="100000">
-                                          <p:val>
-                                            <p:strVal val="#ppt_x"/>
-                                          </p:val>
-                                        </p:tav>
-                                      </p:tavLst>
-                                    </p:anim>
-                                    <p:anim calcmode="lin" valueType="num">
-                                      <p:cBhvr>
-                                        <p:cTn id="51" dur="1000" fill="hold"/>
-                                        <p:tgtEl>
-                                          <p:spTgt spid="6">
-                                            <p:txEl>
-                                              <p:pRg st="6" end="6"/>
-                                            </p:txEl>
-                                          </p:spTgt>
-                                        </p:tgtEl>
-                                        <p:attrNameLst>
-                                          <p:attrName>ppt_y</p:attrName>
-                                        </p:attrNameLst>
-                                      </p:cBhvr>
-                                      <p:tavLst>
-                                        <p:tav tm="0">
-                                          <p:val>
-                                            <p:strVal val="#ppt_y+.1"/>
-                                          </p:val>
-                                        </p:tav>
-                                        <p:tav tm="100000">
-                                          <p:val>
-                                            <p:strVal val="#ppt_y"/>
-                                          </p:val>
-                                        </p:tav>
-                                      </p:tavLst>
-                                    </p:anim>
-                                  </p:childTnLst>
-                                </p:cTn>
-                              </p:par>
-                            </p:childTnLst>
-                          </p:cTn>
-                        </p:par>
-                      </p:childTnLst>
-                    </p:cTn>
-                  </p:par>
-                  <p:par>
-                    <p:cTn id="52" fill="hold">
-                      <p:stCondLst>
-                        <p:cond delay="indefinite"/>
-                      </p:stCondLst>
-                      <p:childTnLst>
-                        <p:par>
-                          <p:cTn id="53" fill="hold">
-                            <p:stCondLst>
-                              <p:cond delay="0"/>
-                            </p:stCondLst>
-                            <p:childTnLst>
-                              <p:par>
-                                <p:cTn id="54" presetID="42" presetClass="entr" presetSubtype="0" fill="hold" grpId="0" nodeType="clickEffect">
-                                  <p:stCondLst>
-                                    <p:cond delay="0"/>
-                                  </p:stCondLst>
-                                  <p:childTnLst>
-                                    <p:set>
-                                      <p:cBhvr>
-                                        <p:cTn id="55" dur="1" fill="hold">
                                           <p:stCondLst>
                                             <p:cond delay="0"/>
                                           </p:stCondLst>
@@ -15723,7 +15477,7 @@
                                     </p:set>
                                     <p:animEffect transition="in" filter="fade">
                                       <p:cBhvr>
-                                        <p:cTn id="56" dur="1000"/>
+                                        <p:cTn id="49" dur="1000"/>
                                         <p:tgtEl>
                                           <p:spTgt spid="7"/>
                                         </p:tgtEl>
@@ -15731,7 +15485,7 @@
                                     </p:animEffect>
                                     <p:anim calcmode="lin" valueType="num">
                                       <p:cBhvr>
-                                        <p:cTn id="57" dur="1000" fill="hold"/>
+                                        <p:cTn id="50" dur="1000" fill="hold"/>
                                         <p:tgtEl>
                                           <p:spTgt spid="7"/>
                                         </p:tgtEl>
@@ -15754,7 +15508,7 @@
                                     </p:anim>
                                     <p:anim calcmode="lin" valueType="num">
                                       <p:cBhvr>
-                                        <p:cTn id="58" dur="1000" fill="hold"/>
+                                        <p:cTn id="51" dur="1000" fill="hold"/>
                                         <p:tgtEl>
                                           <p:spTgt spid="7"/>
                                         </p:tgtEl>
@@ -16169,7 +15923,7 @@
                 <a:latin typeface="Courier New" panose="02070309020205020404" pitchFamily="49" charset="0"/>
                 <a:cs typeface="Courier New" panose="02070309020205020404" pitchFamily="49" charset="0"/>
               </a:rPr>
-              <a:t>    Led2(byte pin);                     // Simple default definition </a:t>
+              <a:t>    Led2(byte pin);                     // Prototype for simple constructor </a:t>
             </a:r>
           </a:p>
           <a:p>
@@ -28392,8 +28146,8 @@
         </p:nvSpPr>
         <p:spPr>
           <a:xfrm>
-            <a:off x="498687" y="603335"/>
-            <a:ext cx="7232226" cy="4401205"/>
+            <a:off x="498686" y="603335"/>
+            <a:ext cx="8340514" cy="4185761"/>
           </a:xfrm>
           <a:prstGeom prst="rect">
             <a:avLst/>
@@ -28714,7 +28468,7 @@
                 <a:latin typeface="Courier New" panose="02070309020205020404" pitchFamily="49" charset="0"/>
                 <a:cs typeface="Courier New" panose="02070309020205020404" pitchFamily="49" charset="0"/>
               </a:rPr>
-              <a:t>    Led2(byte pin);                     // Simple default definition without a pre specified on and off time.</a:t>
+              <a:t>    Led2(byte pin);                     // Prototype for simple constructor </a:t>
             </a:r>
           </a:p>
           <a:p>
@@ -28723,7 +28477,7 @@
                 <a:latin typeface="Courier New" panose="02070309020205020404" pitchFamily="49" charset="0"/>
                 <a:cs typeface="Courier New" panose="02070309020205020404" pitchFamily="49" charset="0"/>
               </a:rPr>
-              <a:t>    Led2(byte pin, unsigned long on, unsigned long off);  // this definition includes the on and off time values from the outset</a:t>
+              <a:t>    Led2(byte pin, unsigned long on, unsigned long off);  // this constructor includes the on and off time values</a:t>
             </a:r>
           </a:p>
           <a:p>
@@ -28755,7 +28509,7 @@
                 <a:latin typeface="Courier New" panose="02070309020205020404" pitchFamily="49" charset="0"/>
                 <a:cs typeface="Courier New" panose="02070309020205020404" pitchFamily="49" charset="0"/>
               </a:rPr>
-              <a:t>();                    // Return the current state of LED (on / off) Allows parts of your code to run only when LED is on for example.</a:t>
+              <a:t>();                    // Return the current state of LED (on / off)</a:t>
             </a:r>
           </a:p>
           <a:p>
@@ -29189,7 +28943,7 @@
         <p:spPr>
           <a:xfrm>
             <a:off x="457200" y="742950"/>
-            <a:ext cx="6934200" cy="2246769"/>
+            <a:ext cx="6934200" cy="2139047"/>
           </a:xfrm>
           <a:prstGeom prst="rect">
             <a:avLst/>
@@ -29222,7 +28976,7 @@
                 <a:latin typeface="Courier New" panose="02070309020205020404" pitchFamily="49" charset="0"/>
                 <a:cs typeface="Courier New" panose="02070309020205020404" pitchFamily="49" charset="0"/>
               </a:rPr>
-              <a:t>Led2::Led2(byte pin) {</a:t>
+              <a:t>Led2::Led2(byte pin) {       // simple constructor </a:t>
             </a:r>
           </a:p>
           <a:p>
@@ -29231,16 +28985,7 @@
                 <a:latin typeface="Courier New" panose="02070309020205020404" pitchFamily="49" charset="0"/>
                 <a:cs typeface="Courier New" panose="02070309020205020404" pitchFamily="49" charset="0"/>
               </a:rPr>
-              <a:t>  // Save the passed pin</a:t>
-            </a:r>
-          </a:p>
-          <a:p>
-            <a:r>
-              <a:rPr lang="en-US" sz="700" dirty="0">
-                <a:latin typeface="Courier New" panose="02070309020205020404" pitchFamily="49" charset="0"/>
-                <a:cs typeface="Courier New" panose="02070309020205020404" pitchFamily="49" charset="0"/>
-              </a:rPr>
-              <a:t>  _pin = pin;</a:t>
+              <a:t>  _pin = pin;                // Save the passed pin</a:t>
             </a:r>
           </a:p>
           <a:p>
@@ -29351,21 +29096,7 @@
                 <a:latin typeface="Courier New" panose="02070309020205020404" pitchFamily="49" charset="0"/>
                 <a:cs typeface="Courier New" panose="02070309020205020404" pitchFamily="49" charset="0"/>
               </a:rPr>
-              <a:t> = off;           // </a:t>
-            </a:r>
-            <a:r>
-              <a:rPr lang="en-US" sz="700" dirty="0" err="1">
-                <a:latin typeface="Courier New" panose="02070309020205020404" pitchFamily="49" charset="0"/>
-                <a:cs typeface="Courier New" panose="02070309020205020404" pitchFamily="49" charset="0"/>
-              </a:rPr>
-              <a:t>Initializion</a:t>
-            </a:r>
-            <a:r>
-              <a:rPr lang="en-US" sz="700" dirty="0">
-                <a:latin typeface="Courier New" panose="02070309020205020404" pitchFamily="49" charset="0"/>
-                <a:cs typeface="Courier New" panose="02070309020205020404" pitchFamily="49" charset="0"/>
-              </a:rPr>
-              <a:t> code is kept separate just for clarity.</a:t>
+              <a:t> = off;           // Initializing code is kept separate just for clarity.</a:t>
             </a:r>
           </a:p>
           <a:p>
@@ -39752,13 +39483,7 @@
       </p:grpSpPr>
       <p:sp>
         <p:nvSpPr>
-          <p:cNvPr id="2" name="Title 1">
-            <a:extLst>
-              <a:ext uri="{FF2B5EF4-FFF2-40B4-BE49-F238E27FC236}">
-                <a16:creationId xmlns:a16="http://schemas.microsoft.com/office/drawing/2014/main" id="{AA0F3F4A-B72A-4896-8807-D94D8A7E019C}"/>
-              </a:ext>
-            </a:extLst>
-          </p:cNvPr>
+          <p:cNvPr id="4" name="Title 3"/>
           <p:cNvSpPr>
             <a:spLocks noGrp="1"/>
           </p:cNvSpPr>
@@ -39766,107 +39491,463 @@
             <p:ph type="title"/>
           </p:nvPr>
         </p:nvSpPr>
-        <p:spPr/>
+        <p:spPr>
+          <a:xfrm>
+            <a:off x="457200" y="376238"/>
+            <a:ext cx="7016194" cy="602252"/>
+          </a:xfrm>
+        </p:spPr>
         <p:txBody>
-          <a:bodyPr/>
+          <a:bodyPr>
+            <a:normAutofit fontScale="90000"/>
+          </a:bodyPr>
           <a:lstStyle/>
           <a:p>
             <a:r>
               <a:rPr lang="en-US" dirty="0"/>
-              <a:t>All in One Approach</a:t>
+              <a:t>Typical File Arrangement</a:t>
+            </a:r>
+          </a:p>
+        </p:txBody>
+      </p:sp>
+      <p:pic>
+        <p:nvPicPr>
+          <p:cNvPr id="26" name="Picture 25">
+            <a:extLst>
+              <a:ext uri="{FF2B5EF4-FFF2-40B4-BE49-F238E27FC236}">
+                <a16:creationId xmlns:a16="http://schemas.microsoft.com/office/drawing/2014/main" id="{C2E5F3F1-C711-44AB-9F70-E67D2E44F1AC}"/>
+              </a:ext>
+            </a:extLst>
+          </p:cNvPr>
+          <p:cNvPicPr>
+            <a:picLocks noChangeAspect="1"/>
+          </p:cNvPicPr>
+          <p:nvPr/>
+        </p:nvPicPr>
+        <p:blipFill>
+          <a:blip r:embed="rId3" cstate="print">
+            <a:extLst>
+              <a:ext uri="{28A0092B-C50C-407E-A947-70E740481C1C}">
+                <a14:useLocalDpi xmlns:a14="http://schemas.microsoft.com/office/drawing/2010/main" val="0"/>
+              </a:ext>
+            </a:extLst>
+          </a:blip>
+          <a:stretch>
+            <a:fillRect/>
+          </a:stretch>
+        </p:blipFill>
+        <p:spPr>
+          <a:xfrm>
+            <a:off x="7848600" y="4583336"/>
+            <a:ext cx="1028700" cy="457771"/>
+          </a:xfrm>
+          <a:prstGeom prst="rect">
+            <a:avLst/>
+          </a:prstGeom>
+        </p:spPr>
+      </p:pic>
+      <p:sp>
+        <p:nvSpPr>
+          <p:cNvPr id="2" name="Rectangle 1">
+            <a:extLst>
+              <a:ext uri="{FF2B5EF4-FFF2-40B4-BE49-F238E27FC236}">
+                <a16:creationId xmlns:a16="http://schemas.microsoft.com/office/drawing/2014/main" id="{E4033C97-9E42-438B-9F64-FCDB315673E9}"/>
+              </a:ext>
+            </a:extLst>
+          </p:cNvPr>
+          <p:cNvSpPr/>
+          <p:nvPr/>
+        </p:nvSpPr>
+        <p:spPr>
+          <a:xfrm>
+            <a:off x="1143000" y="1962150"/>
+            <a:ext cx="2057400" cy="1219200"/>
+          </a:xfrm>
+          <a:prstGeom prst="rect">
+            <a:avLst/>
+          </a:prstGeom>
+        </p:spPr>
+        <p:style>
+          <a:lnRef idx="2">
+            <a:schemeClr val="accent1">
+              <a:shade val="50000"/>
+            </a:schemeClr>
+          </a:lnRef>
+          <a:fillRef idx="1">
+            <a:schemeClr val="accent1"/>
+          </a:fillRef>
+          <a:effectRef idx="0">
+            <a:schemeClr val="accent1"/>
+          </a:effectRef>
+          <a:fontRef idx="minor">
+            <a:schemeClr val="lt1"/>
+          </a:fontRef>
+        </p:style>
+        <p:txBody>
+          <a:bodyPr rtlCol="0" anchor="ctr"/>
+          <a:lstStyle/>
+          <a:p>
+            <a:pPr algn="ctr"/>
+            <a:r>
+              <a:rPr lang="en-US" dirty="0"/>
+              <a:t>Sketch</a:t>
             </a:r>
           </a:p>
         </p:txBody>
       </p:sp>
       <p:sp>
         <p:nvSpPr>
-          <p:cNvPr id="3" name="Content Placeholder 2">
+          <p:cNvPr id="10" name="Rectangle 9">
             <a:extLst>
               <a:ext uri="{FF2B5EF4-FFF2-40B4-BE49-F238E27FC236}">
-                <a16:creationId xmlns:a16="http://schemas.microsoft.com/office/drawing/2014/main" id="{43C89502-E656-407B-A470-37DADF5D6AE2}"/>
+                <a16:creationId xmlns:a16="http://schemas.microsoft.com/office/drawing/2014/main" id="{DFADDBC3-7317-4D05-BBCE-5B79A27A9295}"/>
               </a:ext>
             </a:extLst>
           </p:cNvPr>
-          <p:cNvSpPr>
-            <a:spLocks noGrp="1"/>
-          </p:cNvSpPr>
-          <p:nvPr>
-            <p:ph idx="1"/>
-          </p:nvPr>
+          <p:cNvSpPr/>
+          <p:nvPr/>
         </p:nvSpPr>
         <p:spPr>
           <a:xfrm>
-            <a:off x="457200" y="1197405"/>
-            <a:ext cx="7238999" cy="3576168"/>
+            <a:off x="4191000" y="1657350"/>
+            <a:ext cx="2057400" cy="907052"/>
           </a:xfrm>
+          <a:prstGeom prst="rect">
+            <a:avLst/>
+          </a:prstGeom>
+          <a:solidFill>
+            <a:schemeClr val="accent2">
+              <a:lumMod val="20000"/>
+              <a:lumOff val="80000"/>
+            </a:schemeClr>
+          </a:solidFill>
         </p:spPr>
+        <p:style>
+          <a:lnRef idx="2">
+            <a:schemeClr val="accent1">
+              <a:shade val="50000"/>
+            </a:schemeClr>
+          </a:lnRef>
+          <a:fillRef idx="1">
+            <a:schemeClr val="accent1"/>
+          </a:fillRef>
+          <a:effectRef idx="0">
+            <a:schemeClr val="accent1"/>
+          </a:effectRef>
+          <a:fontRef idx="minor">
+            <a:schemeClr val="lt1"/>
+          </a:fontRef>
+        </p:style>
         <p:txBody>
-          <a:bodyPr>
-            <a:normAutofit fontScale="85000" lnSpcReduction="10000"/>
-          </a:bodyPr>
+          <a:bodyPr rtlCol="0" anchor="ctr"/>
           <a:lstStyle/>
           <a:p>
+            <a:pPr algn="ctr"/>
             <a:r>
               <a:rPr lang="en-US" dirty="0"/>
-              <a:t>I may have left you with the impression class code </a:t>
-            </a:r>
-            <a:r>
-              <a:rPr lang="en-US" b="1" i="1" dirty="0"/>
-              <a:t>needs</a:t>
-            </a:r>
-            <a:r>
-              <a:rPr lang="en-US" dirty="0"/>
-              <a:t> to be in separate files. </a:t>
-            </a:r>
-            <a:r>
-              <a:rPr lang="en-US" b="1" i="1" dirty="0"/>
-              <a:t>This is not so ...</a:t>
-            </a:r>
-          </a:p>
-          <a:p>
-            <a:r>
-              <a:rPr lang="en-US" dirty="0"/>
-              <a:t>You </a:t>
-            </a:r>
-            <a:r>
-              <a:rPr lang="en-US" b="1" dirty="0"/>
-              <a:t>could</a:t>
-            </a:r>
-            <a:r>
-              <a:rPr lang="en-US" dirty="0"/>
-              <a:t> put class code right in your sketch</a:t>
-            </a:r>
-          </a:p>
-          <a:p>
-            <a:r>
-              <a:rPr lang="en-US" dirty="0"/>
-              <a:t>Yes – there is only one file to maintain.</a:t>
-            </a:r>
-          </a:p>
-          <a:p>
-            <a:r>
-              <a:rPr lang="en-US" dirty="0"/>
-              <a:t>But lose a key advantage – libraries and code sharing</a:t>
-            </a:r>
-          </a:p>
-          <a:p>
-            <a:r>
-              <a:rPr lang="en-US" dirty="0"/>
-              <a:t>And a big drawback is that the hidden complexity is now back in plain view.</a:t>
-            </a:r>
-          </a:p>
-          <a:p>
-            <a:r>
-              <a:rPr lang="en-US" dirty="0"/>
-              <a:t>I did not mention it last time as it is not typical to put all code in one file but it can be done.</a:t>
+              <a:t>Header File</a:t>
             </a:r>
           </a:p>
         </p:txBody>
       </p:sp>
+      <p:sp>
+        <p:nvSpPr>
+          <p:cNvPr id="11" name="Rectangle 10">
+            <a:extLst>
+              <a:ext uri="{FF2B5EF4-FFF2-40B4-BE49-F238E27FC236}">
+                <a16:creationId xmlns:a16="http://schemas.microsoft.com/office/drawing/2014/main" id="{D9965A67-64E0-4178-82EC-A604ADD32FE2}"/>
+              </a:ext>
+            </a:extLst>
+          </p:cNvPr>
+          <p:cNvSpPr/>
+          <p:nvPr/>
+        </p:nvSpPr>
+        <p:spPr>
+          <a:xfrm>
+            <a:off x="4191000" y="2610123"/>
+            <a:ext cx="2057400" cy="1219200"/>
+          </a:xfrm>
+          <a:prstGeom prst="rect">
+            <a:avLst/>
+          </a:prstGeom>
+          <a:solidFill>
+            <a:schemeClr val="accent2">
+              <a:lumMod val="40000"/>
+              <a:lumOff val="60000"/>
+            </a:schemeClr>
+          </a:solidFill>
+        </p:spPr>
+        <p:style>
+          <a:lnRef idx="2">
+            <a:schemeClr val="accent1">
+              <a:shade val="50000"/>
+            </a:schemeClr>
+          </a:lnRef>
+          <a:fillRef idx="1">
+            <a:schemeClr val="accent1"/>
+          </a:fillRef>
+          <a:effectRef idx="0">
+            <a:schemeClr val="accent1"/>
+          </a:effectRef>
+          <a:fontRef idx="minor">
+            <a:schemeClr val="lt1"/>
+          </a:fontRef>
+        </p:style>
+        <p:txBody>
+          <a:bodyPr rtlCol="0" anchor="ctr"/>
+          <a:lstStyle/>
+          <a:p>
+            <a:pPr algn="ctr"/>
+            <a:r>
+              <a:rPr lang="en-US" dirty="0"/>
+              <a:t>CPP File</a:t>
+            </a:r>
+          </a:p>
+        </p:txBody>
+      </p:sp>
+      <p:sp>
+        <p:nvSpPr>
+          <p:cNvPr id="7" name="Rectangle 6">
+            <a:extLst>
+              <a:ext uri="{FF2B5EF4-FFF2-40B4-BE49-F238E27FC236}">
+                <a16:creationId xmlns:a16="http://schemas.microsoft.com/office/drawing/2014/main" id="{861D812D-1B8E-4382-B877-29F161D7FBEA}"/>
+              </a:ext>
+            </a:extLst>
+          </p:cNvPr>
+          <p:cNvSpPr/>
+          <p:nvPr/>
+        </p:nvSpPr>
+        <p:spPr>
+          <a:xfrm>
+            <a:off x="1219200" y="1986643"/>
+            <a:ext cx="1524000" cy="304800"/>
+          </a:xfrm>
+          <a:prstGeom prst="rect">
+            <a:avLst/>
+          </a:prstGeom>
+          <a:solidFill>
+            <a:schemeClr val="accent2">
+              <a:lumMod val="20000"/>
+              <a:lumOff val="80000"/>
+            </a:schemeClr>
+          </a:solidFill>
+        </p:spPr>
+        <p:style>
+          <a:lnRef idx="2">
+            <a:schemeClr val="accent1">
+              <a:shade val="50000"/>
+            </a:schemeClr>
+          </a:lnRef>
+          <a:fillRef idx="1">
+            <a:schemeClr val="accent1"/>
+          </a:fillRef>
+          <a:effectRef idx="0">
+            <a:schemeClr val="accent1"/>
+          </a:effectRef>
+          <a:fontRef idx="minor">
+            <a:schemeClr val="lt1"/>
+          </a:fontRef>
+        </p:style>
+        <p:txBody>
+          <a:bodyPr rtlCol="0" anchor="ctr"/>
+          <a:lstStyle/>
+          <a:p>
+            <a:r>
+              <a:rPr lang="en-US" sz="1200" dirty="0">
+                <a:solidFill>
+                  <a:srgbClr val="FF0000"/>
+                </a:solidFill>
+              </a:rPr>
+              <a:t>#include header File</a:t>
+            </a:r>
+          </a:p>
+        </p:txBody>
+      </p:sp>
+      <p:sp>
+        <p:nvSpPr>
+          <p:cNvPr id="8" name="Rectangle 7">
+            <a:extLst>
+              <a:ext uri="{FF2B5EF4-FFF2-40B4-BE49-F238E27FC236}">
+                <a16:creationId xmlns:a16="http://schemas.microsoft.com/office/drawing/2014/main" id="{C10D932C-861E-4942-B493-7E5267E103D8}"/>
+              </a:ext>
+            </a:extLst>
+          </p:cNvPr>
+          <p:cNvSpPr/>
+          <p:nvPr/>
+        </p:nvSpPr>
+        <p:spPr>
+          <a:xfrm>
+            <a:off x="4267200" y="2647950"/>
+            <a:ext cx="1524000" cy="304800"/>
+          </a:xfrm>
+          <a:prstGeom prst="rect">
+            <a:avLst/>
+          </a:prstGeom>
+          <a:solidFill>
+            <a:schemeClr val="accent2">
+              <a:lumMod val="20000"/>
+              <a:lumOff val="80000"/>
+            </a:schemeClr>
+          </a:solidFill>
+        </p:spPr>
+        <p:style>
+          <a:lnRef idx="2">
+            <a:schemeClr val="accent1">
+              <a:shade val="50000"/>
+            </a:schemeClr>
+          </a:lnRef>
+          <a:fillRef idx="1">
+            <a:schemeClr val="accent1"/>
+          </a:fillRef>
+          <a:effectRef idx="0">
+            <a:schemeClr val="accent1"/>
+          </a:effectRef>
+          <a:fontRef idx="minor">
+            <a:schemeClr val="lt1"/>
+          </a:fontRef>
+        </p:style>
+        <p:txBody>
+          <a:bodyPr rtlCol="0" anchor="ctr"/>
+          <a:lstStyle/>
+          <a:p>
+            <a:r>
+              <a:rPr lang="en-US" sz="1200" dirty="0">
+                <a:solidFill>
+                  <a:srgbClr val="FF0000"/>
+                </a:solidFill>
+              </a:rPr>
+              <a:t>#include header File</a:t>
+            </a:r>
+          </a:p>
+        </p:txBody>
+      </p:sp>
+      <p:grpSp>
+        <p:nvGrpSpPr>
+          <p:cNvPr id="6" name="Group 5">
+            <a:extLst>
+              <a:ext uri="{FF2B5EF4-FFF2-40B4-BE49-F238E27FC236}">
+                <a16:creationId xmlns:a16="http://schemas.microsoft.com/office/drawing/2014/main" id="{A5D2415B-3FD2-498A-89BF-B907DAA51A24}"/>
+              </a:ext>
+            </a:extLst>
+          </p:cNvPr>
+          <p:cNvGrpSpPr/>
+          <p:nvPr/>
+        </p:nvGrpSpPr>
+        <p:grpSpPr>
+          <a:xfrm>
+            <a:off x="6021977" y="1504950"/>
+            <a:ext cx="1598023" cy="2748099"/>
+            <a:chOff x="6021977" y="1662249"/>
+            <a:chExt cx="1598023" cy="2590800"/>
+          </a:xfrm>
+        </p:grpSpPr>
+        <p:sp>
+          <p:nvSpPr>
+            <p:cNvPr id="3" name="Right Brace 2">
+              <a:extLst>
+                <a:ext uri="{FF2B5EF4-FFF2-40B4-BE49-F238E27FC236}">
+                  <a16:creationId xmlns:a16="http://schemas.microsoft.com/office/drawing/2014/main" id="{6E974F93-E3AC-47BE-A533-F235405E1CE6}"/>
+                </a:ext>
+              </a:extLst>
+            </p:cNvPr>
+            <p:cNvSpPr/>
+            <p:nvPr/>
+          </p:nvSpPr>
+          <p:spPr>
+            <a:xfrm>
+              <a:off x="6021977" y="1662249"/>
+              <a:ext cx="685800" cy="2590800"/>
+            </a:xfrm>
+            <a:prstGeom prst="rightBrace">
+              <a:avLst/>
+            </a:prstGeom>
+            <a:ln w="38100">
+              <a:solidFill>
+                <a:srgbClr val="FF0000"/>
+              </a:solidFill>
+            </a:ln>
+          </p:spPr>
+          <p:style>
+            <a:lnRef idx="1">
+              <a:schemeClr val="accent1"/>
+            </a:lnRef>
+            <a:fillRef idx="0">
+              <a:schemeClr val="accent1"/>
+            </a:fillRef>
+            <a:effectRef idx="0">
+              <a:schemeClr val="accent1"/>
+            </a:effectRef>
+            <a:fontRef idx="minor">
+              <a:schemeClr val="tx1"/>
+            </a:fontRef>
+          </p:style>
+          <p:txBody>
+            <a:bodyPr rtlCol="0" anchor="ctr"/>
+            <a:lstStyle/>
+            <a:p>
+              <a:pPr algn="ctr"/>
+              <a:endParaRPr lang="en-US">
+                <a:solidFill>
+                  <a:srgbClr val="FF0000"/>
+                </a:solidFill>
+              </a:endParaRPr>
+            </a:p>
+          </p:txBody>
+        </p:sp>
+        <p:sp>
+          <p:nvSpPr>
+            <p:cNvPr id="5" name="TextBox 4">
+              <a:extLst>
+                <a:ext uri="{FF2B5EF4-FFF2-40B4-BE49-F238E27FC236}">
+                  <a16:creationId xmlns:a16="http://schemas.microsoft.com/office/drawing/2014/main" id="{3B4ECFF8-6B43-49D7-86CF-6A7B0986037B}"/>
+                </a:ext>
+              </a:extLst>
+            </p:cNvPr>
+            <p:cNvSpPr txBox="1"/>
+            <p:nvPr/>
+          </p:nvSpPr>
+          <p:spPr>
+            <a:xfrm>
+              <a:off x="6479177" y="2607129"/>
+              <a:ext cx="1140823" cy="646331"/>
+            </a:xfrm>
+            <a:prstGeom prst="rect">
+              <a:avLst/>
+            </a:prstGeom>
+            <a:noFill/>
+          </p:spPr>
+          <p:txBody>
+            <a:bodyPr wrap="square" rtlCol="0">
+              <a:spAutoFit/>
+            </a:bodyPr>
+            <a:lstStyle/>
+            <a:p>
+              <a:r>
+                <a:rPr lang="en-US" dirty="0">
+                  <a:solidFill>
+                    <a:srgbClr val="FF0000"/>
+                  </a:solidFill>
+                </a:rPr>
+                <a:t>Matched</a:t>
+              </a:r>
+            </a:p>
+            <a:p>
+              <a:r>
+                <a:rPr lang="en-US" dirty="0">
+                  <a:solidFill>
+                    <a:srgbClr val="FF0000"/>
+                  </a:solidFill>
+                </a:rPr>
+                <a:t>Set</a:t>
+              </a:r>
+            </a:p>
+          </p:txBody>
+        </p:sp>
+      </p:grpSp>
     </p:spTree>
     <p:extLst>
       <p:ext uri="{BB962C8B-B14F-4D97-AF65-F5344CB8AC3E}">
-        <p14:creationId xmlns:p14="http://schemas.microsoft.com/office/powerpoint/2010/main" val="4001298897"/>
+        <p14:creationId xmlns:p14="http://schemas.microsoft.com/office/powerpoint/2010/main" val="2612453022"/>
       </p:ext>
     </p:extLst>
   </p:cSld>
@@ -39894,7 +39975,7 @@
                             </p:stCondLst>
                             <p:childTnLst>
                               <p:par>
-                                <p:cTn id="5" presetID="1" presetClass="entr" presetSubtype="0" fill="hold" nodeType="clickEffect">
+                                <p:cTn id="5" presetID="10" presetClass="entr" presetSubtype="0" fill="hold" nodeType="clickEffect">
                                   <p:stCondLst>
                                     <p:cond delay="0"/>
                                   </p:stCondLst>
@@ -39907,62 +39988,7 @@
                                           </p:stCondLst>
                                         </p:cTn>
                                         <p:tgtEl>
-                                          <p:spTgt spid="3">
-                                            <p:txEl>
-                                              <p:pRg st="0" end="0"/>
-                                            </p:txEl>
-                                          </p:spTgt>
-                                        </p:tgtEl>
-                                        <p:attrNameLst>
-                                          <p:attrName>style.visibility</p:attrName>
-                                        </p:attrNameLst>
-                                      </p:cBhvr>
-                                      <p:to>
-                                        <p:strVal val="visible"/>
-                                      </p:to>
-                                    </p:set>
-                                  </p:childTnLst>
-                                  <p:subTnLst>
-                                    <p:animClr clrSpc="rgb" dir="cw">
-                                      <p:cBhvr override="childStyle">
-                                        <p:cTn dur="1" fill="hold" display="0" masterRel="nextClick" afterEffect="1"/>
-                                        <p:tgtEl>
-                                          <p:spTgt spid="3">
-                                            <p:txEl>
-                                              <p:pRg st="0" end="0"/>
-                                            </p:txEl>
-                                          </p:spTgt>
-                                        </p:tgtEl>
-                                        <p:attrNameLst>
-                                          <p:attrName>ppt_c</p:attrName>
-                                        </p:attrNameLst>
-                                      </p:cBhvr>
-                                      <p:to>
-                                        <a:schemeClr val="bg2"/>
-                                      </p:to>
-                                    </p:animClr>
-                                  </p:subTnLst>
-                                </p:cTn>
-                              </p:par>
-                              <p:par>
-                                <p:cTn id="7" presetID="10" presetClass="entr" presetSubtype="0" fill="hold" nodeType="withEffect">
-                                  <p:stCondLst>
-                                    <p:cond delay="0"/>
-                                  </p:stCondLst>
-                                  <p:childTnLst>
-                                    <p:set>
-                                      <p:cBhvr>
-                                        <p:cTn id="8" dur="1" fill="hold">
-                                          <p:stCondLst>
-                                            <p:cond delay="0"/>
-                                          </p:stCondLst>
-                                        </p:cTn>
-                                        <p:tgtEl>
-                                          <p:spTgt spid="3">
-                                            <p:txEl>
-                                              <p:pRg st="5" end="5"/>
-                                            </p:txEl>
-                                          </p:spTgt>
+                                          <p:spTgt spid="6"/>
                                         </p:tgtEl>
                                         <p:attrNameLst>
                                           <p:attrName>style.visibility</p:attrName>
@@ -39974,37 +40000,13 @@
                                     </p:set>
                                     <p:animEffect transition="in" filter="fade">
                                       <p:cBhvr>
-                                        <p:cTn id="9" dur="500"/>
+                                        <p:cTn id="7" dur="500"/>
                                         <p:tgtEl>
-                                          <p:spTgt spid="3">
-                                            <p:txEl>
-                                              <p:pRg st="5" end="5"/>
-                                            </p:txEl>
-                                          </p:spTgt>
+                                          <p:spTgt spid="6"/>
                                         </p:tgtEl>
                                       </p:cBhvr>
                                     </p:animEffect>
                                   </p:childTnLst>
-                                  <p:subTnLst>
-                                    <p:animClr clrSpc="rgb" dir="cw">
-                                      <p:cBhvr override="childStyle">
-                                        <p:cTn dur="1" fill="hold" display="0" masterRel="nextClick" afterEffect="1"/>
-                                        <p:tgtEl>
-                                          <p:spTgt spid="3">
-                                            <p:txEl>
-                                              <p:pRg st="5" end="5"/>
-                                            </p:txEl>
-                                          </p:spTgt>
-                                        </p:tgtEl>
-                                        <p:attrNameLst>
-                                          <p:attrName>ppt_c</p:attrName>
-                                        </p:attrNameLst>
-                                      </p:cBhvr>
-                                      <p:to>
-                                        <a:schemeClr val="bg2"/>
-                                      </p:to>
-                                    </p:animClr>
-                                  </p:subTnLst>
                                 </p:cTn>
                               </p:par>
                             </p:childTnLst>
@@ -40014,36 +40016,32 @@
                     </p:cTn>
                   </p:par>
                   <p:par>
-                    <p:cTn id="10" fill="hold">
+                    <p:cTn id="8" fill="hold">
                       <p:stCondLst>
                         <p:cond delay="indefinite"/>
                       </p:stCondLst>
                       <p:childTnLst>
                         <p:par>
-                          <p:cTn id="11" fill="hold">
+                          <p:cTn id="9" fill="hold">
                             <p:stCondLst>
                               <p:cond delay="0"/>
                             </p:stCondLst>
                             <p:childTnLst>
                               <p:par>
-                                <p:cTn id="12" presetID="10" presetClass="entr" presetSubtype="0" fill="hold" nodeType="clickEffect">
+                                <p:cTn id="10" presetID="42" presetClass="entr" presetSubtype="0" fill="hold" grpId="0" nodeType="clickEffect">
                                   <p:stCondLst>
                                     <p:cond delay="0"/>
                                   </p:stCondLst>
                                   <p:childTnLst>
                                     <p:set>
                                       <p:cBhvr>
-                                        <p:cTn id="13" dur="1" fill="hold">
+                                        <p:cTn id="11" dur="1" fill="hold">
                                           <p:stCondLst>
                                             <p:cond delay="0"/>
                                           </p:stCondLst>
                                         </p:cTn>
                                         <p:tgtEl>
-                                          <p:spTgt spid="3">
-                                            <p:txEl>
-                                              <p:pRg st="1" end="1"/>
-                                            </p:txEl>
-                                          </p:spTgt>
+                                          <p:spTgt spid="7"/>
                                         </p:tgtEl>
                                         <p:attrNameLst>
                                           <p:attrName>style.visibility</p:attrName>
@@ -40055,16 +40053,58 @@
                                     </p:set>
                                     <p:animEffect transition="in" filter="fade">
                                       <p:cBhvr>
-                                        <p:cTn id="14" dur="500"/>
+                                        <p:cTn id="12" dur="1000"/>
                                         <p:tgtEl>
-                                          <p:spTgt spid="3">
-                                            <p:txEl>
-                                              <p:pRg st="1" end="1"/>
-                                            </p:txEl>
-                                          </p:spTgt>
+                                          <p:spTgt spid="7"/>
                                         </p:tgtEl>
                                       </p:cBhvr>
                                     </p:animEffect>
+                                    <p:anim calcmode="lin" valueType="num">
+                                      <p:cBhvr>
+                                        <p:cTn id="13" dur="1000" fill="hold"/>
+                                        <p:tgtEl>
+                                          <p:spTgt spid="7"/>
+                                        </p:tgtEl>
+                                        <p:attrNameLst>
+                                          <p:attrName>ppt_x</p:attrName>
+                                        </p:attrNameLst>
+                                      </p:cBhvr>
+                                      <p:tavLst>
+                                        <p:tav tm="0">
+                                          <p:val>
+                                            <p:strVal val="#ppt_x"/>
+                                          </p:val>
+                                        </p:tav>
+                                        <p:tav tm="100000">
+                                          <p:val>
+                                            <p:strVal val="#ppt_x"/>
+                                          </p:val>
+                                        </p:tav>
+                                      </p:tavLst>
+                                    </p:anim>
+                                    <p:anim calcmode="lin" valueType="num">
+                                      <p:cBhvr>
+                                        <p:cTn id="14" dur="1000" fill="hold"/>
+                                        <p:tgtEl>
+                                          <p:spTgt spid="7"/>
+                                        </p:tgtEl>
+                                        <p:attrNameLst>
+                                          <p:attrName>ppt_y</p:attrName>
+                                        </p:attrNameLst>
+                                      </p:cBhvr>
+                                      <p:tavLst>
+                                        <p:tav tm="0">
+                                          <p:val>
+                                            <p:strVal val="#ppt_y+.1"/>
+                                          </p:val>
+                                        </p:tav>
+                                        <p:tav tm="100000">
+                                          <p:val>
+                                            <p:strVal val="#ppt_y"/>
+                                          </p:val>
+                                        </p:tav>
+                                      </p:tavLst>
+                                    </p:anim>
                                   </p:childTnLst>
                                 </p:cTn>
                               </p:par>
@@ -40087,7 +40127,7 @@
                             </p:stCondLst>
                             <p:childTnLst>
                               <p:par>
-                                <p:cTn id="17" presetID="10" presetClass="entr" presetSubtype="0" fill="hold" nodeType="clickEffect">
+                                <p:cTn id="17" presetID="42" presetClass="entr" presetSubtype="0" fill="hold" grpId="0" nodeType="clickEffect">
                                   <p:stCondLst>
                                     <p:cond delay="0"/>
                                   </p:stCondLst>
@@ -40100,11 +40140,7 @@
                                           </p:stCondLst>
                                         </p:cTn>
                                         <p:tgtEl>
-                                          <p:spTgt spid="3">
-                                            <p:txEl>
-                                              <p:pRg st="2" end="2"/>
-                                            </p:txEl>
-                                          </p:spTgt>
+                                          <p:spTgt spid="8"/>
                                         </p:tgtEl>
                                         <p:attrNameLst>
                                           <p:attrName>style.visibility</p:attrName>
@@ -40116,138 +40152,58 @@
                                     </p:set>
                                     <p:animEffect transition="in" filter="fade">
                                       <p:cBhvr>
-                                        <p:cTn id="19" dur="500"/>
+                                        <p:cTn id="19" dur="1000"/>
                                         <p:tgtEl>
-                                          <p:spTgt spid="3">
-                                            <p:txEl>
-                                              <p:pRg st="2" end="2"/>
-                                            </p:txEl>
-                                          </p:spTgt>
+                                          <p:spTgt spid="8"/>
                                         </p:tgtEl>
                                       </p:cBhvr>
                                     </p:animEffect>
-                                  </p:childTnLst>
-                                </p:cTn>
-                              </p:par>
-                            </p:childTnLst>
-                          </p:cTn>
-                        </p:par>
-                      </p:childTnLst>
-                    </p:cTn>
-                  </p:par>
-                  <p:par>
-                    <p:cTn id="20" fill="hold">
-                      <p:stCondLst>
-                        <p:cond delay="indefinite"/>
-                      </p:stCondLst>
-                      <p:childTnLst>
-                        <p:par>
-                          <p:cTn id="21" fill="hold">
-                            <p:stCondLst>
-                              <p:cond delay="0"/>
-                            </p:stCondLst>
-                            <p:childTnLst>
-                              <p:par>
-                                <p:cTn id="22" presetID="10" presetClass="entr" presetSubtype="0" fill="hold" nodeType="clickEffect">
-                                  <p:stCondLst>
-                                    <p:cond delay="0"/>
-                                  </p:stCondLst>
-                                  <p:childTnLst>
-                                    <p:set>
+                                    <p:anim calcmode="lin" valueType="num">
                                       <p:cBhvr>
-                                        <p:cTn id="23" dur="1" fill="hold">
-                                          <p:stCondLst>
-                                            <p:cond delay="0"/>
-                                          </p:stCondLst>
-                                        </p:cTn>
+                                        <p:cTn id="20" dur="1000" fill="hold"/>
                                         <p:tgtEl>
-                                          <p:spTgt spid="3">
-                                            <p:txEl>
-                                              <p:pRg st="3" end="3"/>
-                                            </p:txEl>
-                                          </p:spTgt>
+                                          <p:spTgt spid="8"/>
                                         </p:tgtEl>
                                         <p:attrNameLst>
-                                          <p:attrName>style.visibility</p:attrName>
+                                          <p:attrName>ppt_x</p:attrName>
                                         </p:attrNameLst>
                                       </p:cBhvr>
-                                      <p:to>
-                                        <p:strVal val="visible"/>
-                                      </p:to>
-                                    </p:set>
-                                    <p:animEffect transition="in" filter="fade">
+                                      <p:tavLst>
+                                        <p:tav tm="0">
+                                          <p:val>
+                                            <p:strVal val="#ppt_x"/>
+                                          </p:val>
+                                        </p:tav>
+                                        <p:tav tm="100000">
+                                          <p:val>
+                                            <p:strVal val="#ppt_x"/>
+                                          </p:val>
+                                        </p:tav>
+                                      </p:tavLst>
+                                    </p:anim>
+                                    <p:anim calcmode="lin" valueType="num">
                                       <p:cBhvr>
-                                        <p:cTn id="24" dur="500"/>
+                                        <p:cTn id="21" dur="1000" fill="hold"/>
                                         <p:tgtEl>
-                                          <p:spTgt spid="3">
-                                            <p:txEl>
-                                              <p:pRg st="3" end="3"/>
-                                            </p:txEl>
-                                          </p:spTgt>
-                                        </p:tgtEl>
-                                      </p:cBhvr>
-                                    </p:animEffect>
-                                  </p:childTnLst>
-                                </p:cTn>
-                              </p:par>
-                            </p:childTnLst>
-                          </p:cTn>
-                        </p:par>
-                      </p:childTnLst>
-                    </p:cTn>
-                  </p:par>
-                  <p:par>
-                    <p:cTn id="25" fill="hold">
-                      <p:stCondLst>
-                        <p:cond delay="indefinite"/>
-                      </p:stCondLst>
-                      <p:childTnLst>
-                        <p:par>
-                          <p:cTn id="26" fill="hold">
-                            <p:stCondLst>
-                              <p:cond delay="0"/>
-                            </p:stCondLst>
-                            <p:childTnLst>
-                              <p:par>
-                                <p:cTn id="27" presetID="10" presetClass="entr" presetSubtype="0" fill="hold" nodeType="clickEffect">
-                                  <p:stCondLst>
-                                    <p:cond delay="0"/>
-                                  </p:stCondLst>
-                                  <p:childTnLst>
-                                    <p:set>
-                                      <p:cBhvr>
-                                        <p:cTn id="28" dur="1" fill="hold">
-                                          <p:stCondLst>
-                                            <p:cond delay="0"/>
-                                          </p:stCondLst>
-                                        </p:cTn>
-                                        <p:tgtEl>
-                                          <p:spTgt spid="3">
-                                            <p:txEl>
-                                              <p:pRg st="4" end="4"/>
-                                            </p:txEl>
-                                          </p:spTgt>
+                                          <p:spTgt spid="8"/>
                                         </p:tgtEl>
                                         <p:attrNameLst>
-                                          <p:attrName>style.visibility</p:attrName>
+                                          <p:attrName>ppt_y</p:attrName>
                                         </p:attrNameLst>
                                       </p:cBhvr>
-                                      <p:to>
-                                        <p:strVal val="visible"/>
-                                      </p:to>
-                                    </p:set>
-                                    <p:animEffect transition="in" filter="fade">
-                                      <p:cBhvr>
-                                        <p:cTn id="29" dur="500"/>
-                                        <p:tgtEl>
-                                          <p:spTgt spid="3">
-                                            <p:txEl>
-                                              <p:pRg st="4" end="4"/>
-                                            </p:txEl>
-                                          </p:spTgt>
-                                        </p:tgtEl>
-                                      </p:cBhvr>
-                                    </p:animEffect>
+                                      <p:tavLst>
+                                        <p:tav tm="0">
+                                          <p:val>
+                                            <p:strVal val="#ppt_y+.1"/>
+                                          </p:val>
+                                        </p:tav>
+                                        <p:tav tm="100000">
+                                          <p:val>
+                                            <p:strVal val="#ppt_y"/>
+                                          </p:val>
+                                        </p:tav>
+                                      </p:tavLst>
+                                    </p:anim>
                                   </p:childTnLst>
                                 </p:cTn>
                               </p:par>
@@ -40278,6 +40234,10 @@
         </p:cTn>
       </p:par>
     </p:tnLst>
+    <p:bldLst>
+      <p:bldP spid="7" grpId="0" animBg="1"/>
+      <p:bldP spid="8" grpId="0" animBg="1"/>
+    </p:bldLst>
   </p:timing>
 </p:sld>
 </file>

--- a/Introduction to Class Programming Part 2.pptx
+++ b/Introduction to Class Programming Part 2.pptx
@@ -47,8 +47,8 @@
     <p:sldId id="304" r:id="rId38"/>
     <p:sldId id="305" r:id="rId39"/>
     <p:sldId id="336" r:id="rId40"/>
-    <p:sldId id="291" r:id="rId41"/>
-    <p:sldId id="323" r:id="rId42"/>
+    <p:sldId id="323" r:id="rId41"/>
+    <p:sldId id="338" r:id="rId42"/>
   </p:sldIdLst>
   <p:sldSz cx="9144000" cy="5143500" type="screen16x9"/>
   <p:notesSz cx="6858000" cy="9144000"/>
@@ -248,7 +248,7 @@
           <a:p>
             <a:fld id="{C8D18E60-4300-4729-A0D7-6AB984C3922D}" type="datetimeFigureOut">
               <a:rPr lang="en-US" smtClean="0"/>
-              <a:t>1/14/2022</a:t>
+              <a:t>1/20/2022</a:t>
             </a:fld>
             <a:endParaRPr lang="en-US"/>
           </a:p>
@@ -752,7 +752,7 @@
           <a:p>
             <a:r>
               <a:rPr lang="en-US" dirty="0"/>
-              <a:t>Same picture as before but explains what the files do.</a:t>
+              <a:t>Same picture as was shown before but explains what the files do.</a:t>
             </a:r>
           </a:p>
           <a:p>
@@ -854,13 +854,13 @@
           <a:p>
             <a:r>
               <a:rPr lang="en-US" dirty="0"/>
-              <a:t>** There are many ways to do this and I am showing only one. **</a:t>
+              <a:t>To some extent it is a matter of programming style – </a:t>
             </a:r>
           </a:p>
           <a:p>
             <a:r>
               <a:rPr lang="en-US" dirty="0"/>
-              <a:t>To some extent it is a matter of programming style - There are pros and cons to the various ways and I am definitely not the expert on it.</a:t>
+              <a:t>There are pros and cons to the various ways and I am definitely not an expert on it.</a:t>
             </a:r>
           </a:p>
           <a:p>
@@ -881,7 +881,7 @@
           <a:p>
             <a:r>
               <a:rPr lang="en-US" dirty="0"/>
-              <a:t>The name of the passed variable (on in this case) is actually ignored in the prototype</a:t>
+              <a:t>The name of the passed variable (‘on’ in this case) is actually ignored in the prototype</a:t>
             </a:r>
           </a:p>
           <a:p>
@@ -1033,34 +1033,7 @@
                   <a:schemeClr val="tx1"/>
                 </a:solidFill>
               </a:rPr>
-              <a:t>For the functions the lines in the header file are called prototypes.</a:t>
-            </a:r>
-          </a:p>
-          <a:p>
-            <a:pPr marL="0" marR="0" lvl="0" indent="0" algn="l" defTabSz="914400" rtl="0" eaLnBrk="1" fontAlgn="auto" latinLnBrk="0" hangingPunct="1">
-              <a:lnSpc>
-                <a:spcPct val="100000"/>
-              </a:lnSpc>
-              <a:spcBef>
-                <a:spcPts val="0"/>
-              </a:spcBef>
-              <a:spcAft>
-                <a:spcPts val="0"/>
-              </a:spcAft>
-              <a:buClrTx/>
-              <a:buSzTx/>
-              <a:buFontTx/>
-              <a:buNone/>
-              <a:tabLst/>
-              <a:defRPr/>
-            </a:pPr>
-            <a:r>
-              <a:rPr lang="en-US" sz="1200" dirty="0">
-                <a:solidFill>
-                  <a:schemeClr val="tx1"/>
-                </a:solidFill>
-              </a:rPr>
-              <a:t>Each prototype has a distinct signature.</a:t>
+              <a:t>For the functions the lines in the header file are called the prototypes.  Each prototype has a distinct signature.</a:t>
             </a:r>
             <a:endParaRPr lang="en-US" dirty="0">
               <a:solidFill>
@@ -1108,15 +1081,7 @@
             </a:pPr>
             <a:r>
               <a:rPr lang="en-US" dirty="0"/>
-              <a:t>Mention “The Signature”   which must match perfectly between header file and the </a:t>
-            </a:r>
-            <a:r>
-              <a:rPr lang="en-US" dirty="0" err="1"/>
-              <a:t>cpp</a:t>
-            </a:r>
-            <a:r>
-              <a:rPr lang="en-US" dirty="0"/>
-              <a:t> code</a:t>
+              <a:t>Mention “The Signature”   which must match perfectly between header file and the cpp code</a:t>
             </a:r>
           </a:p>
           <a:p>
@@ -3290,15 +3255,7 @@
           <a:p>
             <a:r>
               <a:rPr lang="en-US" dirty="0"/>
-              <a:t>Point out how class header and </a:t>
-            </a:r>
-            <a:r>
-              <a:rPr lang="en-US" dirty="0" err="1"/>
-              <a:t>cpp</a:t>
-            </a:r>
-            <a:r>
-              <a:rPr lang="en-US" dirty="0"/>
-              <a:t> files are visible in the IDE as tabs</a:t>
+              <a:t>Point out how class header and cpp files are visible in the IDE as tabs</a:t>
             </a:r>
           </a:p>
           <a:p>
@@ -4115,90 +4072,6 @@
             <a:spLocks noGrp="1"/>
           </p:cNvSpPr>
           <p:nvPr>
-            <p:ph type="sldNum" sz="quarter" idx="5"/>
-          </p:nvPr>
-        </p:nvSpPr>
-        <p:spPr/>
-        <p:txBody>
-          <a:bodyPr/>
-          <a:lstStyle/>
-          <a:p>
-            <a:fld id="{AF533E96-F078-4B3D-A8F4-F1AF21EBC357}" type="slidenum">
-              <a:rPr lang="en-US" smtClean="0"/>
-              <a:t>39</a:t>
-            </a:fld>
-            <a:endParaRPr lang="en-US"/>
-          </a:p>
-        </p:txBody>
-      </p:sp>
-    </p:spTree>
-    <p:extLst>
-      <p:ext uri="{BB962C8B-B14F-4D97-AF65-F5344CB8AC3E}">
-        <p14:creationId xmlns:p14="http://schemas.microsoft.com/office/powerpoint/2010/main" val="2673887821"/>
-      </p:ext>
-    </p:extLst>
-  </p:cSld>
-  <p:clrMapOvr>
-    <a:masterClrMapping/>
-  </p:clrMapOvr>
-</p:notes>
-</file>
-
-<file path=ppt/notesSlides/notesSlide34.xml><?xml version="1.0" encoding="utf-8"?>
-<p:notes xmlns:a="http://schemas.openxmlformats.org/drawingml/2006/main" xmlns:r="http://schemas.openxmlformats.org/officeDocument/2006/relationships" xmlns:p="http://schemas.openxmlformats.org/presentationml/2006/main">
-  <p:cSld>
-    <p:spTree>
-      <p:nvGrpSpPr>
-        <p:cNvPr id="1" name=""/>
-        <p:cNvGrpSpPr/>
-        <p:nvPr/>
-      </p:nvGrpSpPr>
-      <p:grpSpPr>
-        <a:xfrm>
-          <a:off x="0" y="0"/>
-          <a:ext cx="0" cy="0"/>
-          <a:chOff x="0" y="0"/>
-          <a:chExt cx="0" cy="0"/>
-        </a:xfrm>
-      </p:grpSpPr>
-      <p:sp>
-        <p:nvSpPr>
-          <p:cNvPr id="2" name="Slide Image Placeholder 1"/>
-          <p:cNvSpPr>
-            <a:spLocks noGrp="1" noRot="1" noChangeAspect="1"/>
-          </p:cNvSpPr>
-          <p:nvPr>
-            <p:ph type="sldImg"/>
-          </p:nvPr>
-        </p:nvSpPr>
-        <p:spPr/>
-      </p:sp>
-      <p:sp>
-        <p:nvSpPr>
-          <p:cNvPr id="3" name="Notes Placeholder 2"/>
-          <p:cNvSpPr>
-            <a:spLocks noGrp="1"/>
-          </p:cNvSpPr>
-          <p:nvPr>
-            <p:ph type="body" idx="1"/>
-          </p:nvPr>
-        </p:nvSpPr>
-        <p:spPr/>
-        <p:txBody>
-          <a:bodyPr/>
-          <a:lstStyle/>
-          <a:p>
-            <a:endParaRPr lang="en-US" dirty="0"/>
-          </a:p>
-        </p:txBody>
-      </p:sp>
-      <p:sp>
-        <p:nvSpPr>
-          <p:cNvPr id="4" name="Slide Number Placeholder 3"/>
-          <p:cNvSpPr>
-            <a:spLocks noGrp="1"/>
-          </p:cNvSpPr>
-          <p:nvPr>
             <p:ph type="sldNum" sz="quarter" idx="10"/>
           </p:nvPr>
         </p:nvSpPr>
@@ -4209,7 +4082,7 @@
           <a:p>
             <a:fld id="{87350B06-B074-48FC-8CFD-53D2CD8FB95F}" type="slidenum">
               <a:rPr lang="en-US" smtClean="0"/>
-              <a:t>40</a:t>
+              <a:t>39</a:t>
             </a:fld>
             <a:endParaRPr lang="en-US"/>
           </a:p>
@@ -4490,7 +4363,7 @@
                   <a:schemeClr val="bg1"/>
                 </a:solidFill>
               </a:rPr>
-              <a:t>Building on Part 1 material this is our sketch as it was introduced.</a:t>
+              <a:t>Building on Part 1 material this is our sketch as it was introduced last time.</a:t>
             </a:r>
           </a:p>
           <a:p>
@@ -4544,6 +4417,16 @@
                 </a:solidFill>
               </a:rPr>
               <a:t>First: What does the #include line do ? </a:t>
+            </a:r>
+          </a:p>
+          <a:p>
+            <a:r>
+              <a:rPr lang="en-US" sz="1200" b="0" dirty="0">
+                <a:solidFill>
+                  <a:schemeClr val="bg1"/>
+                </a:solidFill>
+              </a:rPr>
+              <a:t>It is what is called a compiler directive – it is not something that ends up in your code after it is compiled – but it does tell the compiler to do something.</a:t>
             </a:r>
           </a:p>
           <a:p>
@@ -4566,7 +4449,7 @@
             </a:pPr>
             <a:r>
               <a:rPr lang="en-US" sz="1200" dirty="0"/>
-              <a:t>When the compiler gets to the #include line it goes out and reads that file and inserts right then and there</a:t>
+              <a:t>When the compiler gets to the #include line it goes out and reads that file and inserts right then and there and then continues compiling starting with the first line of the header file. </a:t>
             </a:r>
           </a:p>
           <a:p>
@@ -4589,7 +4472,7 @@
             </a:pPr>
             <a:r>
               <a:rPr lang="en-US" sz="1200" dirty="0"/>
-              <a:t>It then continues compiling starting with the first line of the header file. This NOT unique to classes and is used frequently on projects where code is shared. </a:t>
+              <a:t>This NOT unique to classes and this behavior is used frequently on software projects where code is shared. </a:t>
             </a:r>
           </a:p>
           <a:p>
@@ -4683,13 +4566,72 @@
           <a:p>
             <a:r>
               <a:rPr lang="en-US" dirty="0"/>
-              <a:t>Last time I sort of assumed this mental model .. And conveyed it as such.</a:t>
+              <a:t>Last time I assumed this mental model .. And conveyed it as such .. But left it dangling a bit at the end.</a:t>
             </a:r>
           </a:p>
           <a:p>
             <a:r>
               <a:rPr lang="en-US" dirty="0"/>
-              <a:t>This could be because I am comfortable with using multiple files and developing with my library in mind.</a:t>
+              <a:t>I need to bring in some terminology  which we will go into in more depth later.</a:t>
+            </a:r>
+          </a:p>
+          <a:p>
+            <a:pPr marL="171450" indent="-171450">
+              <a:buFontTx/>
+              <a:buChar char="-"/>
+            </a:pPr>
+            <a:r>
+              <a:rPr lang="en-US" dirty="0"/>
+              <a:t>“The Sketch”  is most definitely outside of the shoebox. No hidden complexity is visible here.</a:t>
+            </a:r>
+          </a:p>
+          <a:p>
+            <a:pPr marL="171450" indent="-171450">
+              <a:buFontTx/>
+              <a:buChar char="-"/>
+            </a:pPr>
+            <a:r>
+              <a:rPr lang="en-US" dirty="0"/>
+              <a:t>The Header File – defines private and public variables and has ‘prototypes’ for functions – more on prototypes later</a:t>
+            </a:r>
+          </a:p>
+          <a:p>
+            <a:pPr marL="171450" indent="-171450">
+              <a:buFontTx/>
+              <a:buChar char="-"/>
+            </a:pPr>
+            <a:r>
+              <a:rPr lang="en-US" dirty="0"/>
+              <a:t>The CPP file – is called an implementation file – it has the code that implements the functions we need </a:t>
+            </a:r>
+          </a:p>
+          <a:p>
+            <a:pPr marL="171450" indent="-171450">
+              <a:buFontTx/>
+              <a:buChar char="-"/>
+            </a:pPr>
+            <a:r>
+              <a:rPr lang="en-US" dirty="0"/>
+              <a:t>This file organization is commonly used for ANY shared code – (with or without classes).</a:t>
+            </a:r>
+          </a:p>
+          <a:p>
+            <a:pPr marL="171450" indent="-171450">
+              <a:buFontTx/>
+              <a:buChar char="-"/>
+            </a:pPr>
+            <a:r>
+              <a:rPr lang="en-US" dirty="0"/>
+              <a:t>Header file and implementation file are normally a matched set. (matched by naming and the contents)</a:t>
+            </a:r>
+          </a:p>
+          <a:p>
+            <a:endParaRPr lang="en-US" dirty="0"/>
+          </a:p>
+          <a:p>
+            <a:r>
+              <a:rPr lang="en-US" dirty="0"/>
+              <a:t>I assumed this mental model because I was developing with my library in mind where the header and implementation file were going to go.</a:t>
             </a:r>
           </a:p>
           <a:p>
@@ -4712,23 +4654,11 @@
             </a:pPr>
             <a:r>
               <a:rPr lang="en-US" dirty="0"/>
-              <a:t>BUT … You could put all of this code in one larger file … next page.</a:t>
+              <a:t>However … you could put all three of these code bits into one larger file … next page.</a:t>
             </a:r>
           </a:p>
           <a:p>
             <a:endParaRPr lang="en-US" dirty="0"/>
-          </a:p>
-          <a:p>
-            <a:r>
-              <a:rPr lang="en-US" dirty="0"/>
-              <a:t>This organization is commonly used for ANY shared code – with or without classes.</a:t>
-            </a:r>
-          </a:p>
-          <a:p>
-            <a:r>
-              <a:rPr lang="en-US" dirty="0"/>
-              <a:t>Header file and implementation file are normally a matched set.</a:t>
-            </a:r>
           </a:p>
           <a:p>
             <a:endParaRPr lang="en-US" dirty="0"/>
@@ -4820,32 +4750,8 @@
           <a:p>
             <a:r>
               <a:rPr lang="en-US" dirty="0"/>
-              <a:t>In the all in one approach the same elements are all there .. (Just don’t need the #include lines)</a:t>
-            </a:r>
-          </a:p>
-          <a:p>
-            <a:endParaRPr lang="en-US" dirty="0"/>
-          </a:p>
-          <a:p>
-            <a:r>
-              <a:rPr lang="en-US" dirty="0"/>
-              <a:t>Instead of #include on the header file we just have those same  lines of code.</a:t>
-            </a:r>
-          </a:p>
-          <a:p>
-            <a:r>
-              <a:rPr lang="en-US" dirty="0"/>
-              <a:t>The functions ‘implementing’ the class are also in the same INO sketch.</a:t>
-            </a:r>
-          </a:p>
-          <a:p>
-            <a:r>
-              <a:rPr lang="en-US" dirty="0"/>
-              <a:t>As we will see it compiles and runs just fine. </a:t>
-            </a:r>
-          </a:p>
-          <a:p>
-            <a:endParaRPr lang="en-US" dirty="0"/>
+              <a:t>In the all in one approach the same elements we just talked about are all there .. (We just don’t need the #include lines)</a:t>
+            </a:r>
           </a:p>
           <a:p>
             <a:r>
@@ -4862,7 +4768,7 @@
           <a:p>
             <a:r>
               <a:rPr lang="en-US" dirty="0"/>
-              <a:t>Once the code is mature then carve it out and make up the separate files. </a:t>
+              <a:t>Once the code is mature then carve it out and make up the separate files – this is trivial to do.</a:t>
             </a:r>
           </a:p>
           <a:p>
@@ -4871,13 +4777,67 @@
           <a:p>
             <a:r>
               <a:rPr lang="en-US" dirty="0"/>
-              <a:t>This is an early test of my setup – second web camera and also sharing the Arduino IDE. </a:t>
-            </a:r>
-          </a:p>
-          <a:p>
+              <a:t>This is an early test of my setup – second web camera and also sharing the Arduino IDE.   </a:t>
+            </a:r>
+          </a:p>
+          <a:p>
+            <a:pPr marL="0" marR="0" lvl="0" indent="0" algn="l" defTabSz="914400" rtl="0" eaLnBrk="1" fontAlgn="auto" latinLnBrk="0" hangingPunct="1">
+              <a:lnSpc>
+                <a:spcPct val="100000"/>
+              </a:lnSpc>
+              <a:spcBef>
+                <a:spcPts val="0"/>
+              </a:spcBef>
+              <a:spcAft>
+                <a:spcPts val="0"/>
+              </a:spcAft>
+              <a:buClrTx/>
+              <a:buSzTx/>
+              <a:buFontTx/>
+              <a:buNone/>
+              <a:tabLst/>
+              <a:defRPr/>
+            </a:pPr>
             <a:r>
               <a:rPr lang="en-US" dirty="0"/>
-              <a:t>Don’t want to go too deep explaining code here – we will cover it in the more traditional style later on.</a:t>
+              <a:t>Don’t want to go too deep explaining code here – we will cover it more later on.</a:t>
+            </a:r>
+          </a:p>
+          <a:p>
+            <a:endParaRPr lang="en-US" dirty="0"/>
+          </a:p>
+          <a:p>
+            <a:r>
+              <a:rPr lang="en-US" dirty="0"/>
+              <a:t>Point out key terms:</a:t>
+            </a:r>
+          </a:p>
+          <a:p>
+            <a:pPr marL="171450" indent="-171450">
+              <a:buFontTx/>
+              <a:buChar char="-"/>
+            </a:pPr>
+            <a:r>
+              <a:rPr lang="en-US" dirty="0"/>
+              <a:t>Point out private and public sections, a private function </a:t>
+            </a:r>
+            <a:r>
+              <a:rPr lang="en-US" dirty="0" err="1"/>
+              <a:t>init</a:t>
+            </a:r>
+            <a:r>
+              <a:rPr lang="en-US" dirty="0"/>
+              <a:t>()   </a:t>
+            </a:r>
+          </a:p>
+          <a:p>
+            <a:pPr marL="171450" indent="-171450">
+              <a:buFontTx/>
+              <a:buChar char="-"/>
+            </a:pPr>
+            <a:r>
+              <a:rPr lang="en-US" dirty="0"/>
+              <a:t>Explain the ‘scope operator’   ::</a:t>
             </a:r>
           </a:p>
           <a:p>
@@ -5228,7 +5188,7 @@
             <a:fld id="{53074F12-AA26-4AC8-9962-C36BB8F32554}" type="datetimeFigureOut">
               <a:rPr lang="en-US" smtClean="0"/>
               <a:pPr/>
-              <a:t>1/14/2022</a:t>
+              <a:t>1/20/2022</a:t>
             </a:fld>
             <a:endParaRPr lang="en-US"/>
           </a:p>
@@ -5485,7 +5445,7 @@
             <a:fld id="{53074F12-AA26-4AC8-9962-C36BB8F32554}" type="datetimeFigureOut">
               <a:rPr lang="en-US" smtClean="0"/>
               <a:pPr/>
-              <a:t>1/14/2022</a:t>
+              <a:t>1/20/2022</a:t>
             </a:fld>
             <a:endParaRPr lang="en-US"/>
           </a:p>
@@ -5655,7 +5615,7 @@
             <a:fld id="{53074F12-AA26-4AC8-9962-C36BB8F32554}" type="datetimeFigureOut">
               <a:rPr lang="en-US" smtClean="0"/>
               <a:pPr/>
-              <a:t>1/14/2022</a:t>
+              <a:t>1/20/2022</a:t>
             </a:fld>
             <a:endParaRPr lang="en-US"/>
           </a:p>
@@ -5835,7 +5795,7 @@
             <a:fld id="{53074F12-AA26-4AC8-9962-C36BB8F32554}" type="datetimeFigureOut">
               <a:rPr lang="en-US" smtClean="0"/>
               <a:pPr/>
-              <a:t>1/14/2022</a:t>
+              <a:t>1/20/2022</a:t>
             </a:fld>
             <a:endParaRPr lang="en-US"/>
           </a:p>
@@ -7759,7 +7719,7 @@
             <a:fld id="{53074F12-AA26-4AC8-9962-C36BB8F32554}" type="datetimeFigureOut">
               <a:rPr lang="en-US" smtClean="0"/>
               <a:pPr/>
-              <a:t>1/14/2022</a:t>
+              <a:t>1/20/2022</a:t>
             </a:fld>
             <a:endParaRPr lang="en-US"/>
           </a:p>
@@ -9058,7 +9018,7 @@
             <a:fld id="{53074F12-AA26-4AC8-9962-C36BB8F32554}" type="datetimeFigureOut">
               <a:rPr lang="en-US" smtClean="0"/>
               <a:pPr/>
-              <a:t>1/14/2022</a:t>
+              <a:t>1/20/2022</a:t>
             </a:fld>
             <a:endParaRPr lang="en-US"/>
           </a:p>
@@ -9305,7 +9265,7 @@
             <a:fld id="{53074F12-AA26-4AC8-9962-C36BB8F32554}" type="datetimeFigureOut">
               <a:rPr lang="en-US" smtClean="0"/>
               <a:pPr/>
-              <a:t>1/14/2022</a:t>
+              <a:t>1/20/2022</a:t>
             </a:fld>
             <a:endParaRPr lang="en-US"/>
           </a:p>
@@ -9592,7 +9552,7 @@
             <a:fld id="{53074F12-AA26-4AC8-9962-C36BB8F32554}" type="datetimeFigureOut">
               <a:rPr lang="en-US" smtClean="0"/>
               <a:pPr/>
-              <a:t>1/14/2022</a:t>
+              <a:t>1/20/2022</a:t>
             </a:fld>
             <a:endParaRPr lang="en-US"/>
           </a:p>
@@ -10082,7 +10042,7 @@
             <a:fld id="{53074F12-AA26-4AC8-9962-C36BB8F32554}" type="datetimeFigureOut">
               <a:rPr lang="en-US" smtClean="0"/>
               <a:pPr/>
-              <a:t>1/14/2022</a:t>
+              <a:t>1/20/2022</a:t>
             </a:fld>
             <a:endParaRPr lang="en-US"/>
           </a:p>
@@ -10201,7 +10161,7 @@
             <a:fld id="{53074F12-AA26-4AC8-9962-C36BB8F32554}" type="datetimeFigureOut">
               <a:rPr lang="en-US" smtClean="0"/>
               <a:pPr/>
-              <a:t>1/14/2022</a:t>
+              <a:t>1/20/2022</a:t>
             </a:fld>
             <a:endParaRPr lang="en-US"/>
           </a:p>
@@ -10298,7 +10258,7 @@
             <a:fld id="{53074F12-AA26-4AC8-9962-C36BB8F32554}" type="datetimeFigureOut">
               <a:rPr lang="en-US" smtClean="0"/>
               <a:pPr/>
-              <a:t>1/14/2022</a:t>
+              <a:t>1/20/2022</a:t>
             </a:fld>
             <a:endParaRPr lang="en-US"/>
           </a:p>
@@ -10575,7 +10535,7 @@
             <a:fld id="{53074F12-AA26-4AC8-9962-C36BB8F32554}" type="datetimeFigureOut">
               <a:rPr lang="en-US" smtClean="0"/>
               <a:pPr/>
-              <a:t>1/14/2022</a:t>
+              <a:t>1/20/2022</a:t>
             </a:fld>
             <a:endParaRPr lang="en-US"/>
           </a:p>
@@ -10797,7 +10757,7 @@
             <a:fld id="{53074F12-AA26-4AC8-9962-C36BB8F32554}" type="datetimeFigureOut">
               <a:rPr lang="en-US" smtClean="0"/>
               <a:pPr/>
-              <a:t>1/14/2022</a:t>
+              <a:t>1/20/2022</a:t>
             </a:fld>
             <a:endParaRPr lang="en-US"/>
           </a:p>
@@ -12586,7 +12546,7 @@
         </p:nvSpPr>
         <p:spPr>
           <a:xfrm>
-            <a:off x="3276600" y="1790972"/>
+            <a:off x="3272246" y="3021602"/>
             <a:ext cx="2057400" cy="1219200"/>
           </a:xfrm>
           <a:prstGeom prst="rect">
@@ -12670,8 +12630,12 @@
           <a:p>
             <a:pPr algn="ctr"/>
             <a:r>
-              <a:rPr lang="en-US" dirty="0"/>
-              <a:t>Header ‘Code’</a:t>
+              <a:rPr lang="en-US" dirty="0">
+                <a:solidFill>
+                  <a:schemeClr val="tx1"/>
+                </a:solidFill>
+              </a:rPr>
+              <a:t>Class Header ‘Code’</a:t>
             </a:r>
           </a:p>
         </p:txBody>
@@ -12690,7 +12654,7 @@
         </p:nvSpPr>
         <p:spPr>
           <a:xfrm>
-            <a:off x="3276600" y="3021593"/>
+            <a:off x="3276600" y="1802402"/>
             <a:ext cx="2057400" cy="1219200"/>
           </a:xfrm>
           <a:prstGeom prst="rect">
@@ -12725,8 +12689,12 @@
           <a:p>
             <a:pPr algn="ctr"/>
             <a:r>
-              <a:rPr lang="en-US" dirty="0"/>
-              <a:t>Implementation ‘Code’</a:t>
+              <a:rPr lang="en-US" dirty="0">
+                <a:solidFill>
+                  <a:schemeClr val="tx1"/>
+                </a:solidFill>
+              </a:rPr>
+              <a:t>Class Implementation ‘Code’</a:t>
             </a:r>
           </a:p>
         </p:txBody>
@@ -12745,7 +12713,7 @@
         </p:nvSpPr>
         <p:spPr>
           <a:xfrm>
-            <a:off x="981892" y="4381057"/>
+            <a:off x="575856" y="4398670"/>
             <a:ext cx="4589416" cy="369332"/>
           </a:xfrm>
           <a:prstGeom prst="rect">
@@ -12769,11 +12737,129 @@
             </a:r>
             <a:r>
               <a:rPr lang="en-US" dirty="0"/>
-              <a:t>of All in one code. </a:t>
+              <a:t>of all in one code. </a:t>
             </a:r>
           </a:p>
         </p:txBody>
       </p:sp>
+      <p:grpSp>
+        <p:nvGrpSpPr>
+          <p:cNvPr id="8" name="Group 7">
+            <a:extLst>
+              <a:ext uri="{FF2B5EF4-FFF2-40B4-BE49-F238E27FC236}">
+                <a16:creationId xmlns:a16="http://schemas.microsoft.com/office/drawing/2014/main" id="{2E60717E-804F-4C62-8F7B-C878DEA85AF6}"/>
+              </a:ext>
+            </a:extLst>
+          </p:cNvPr>
+          <p:cNvGrpSpPr/>
+          <p:nvPr/>
+        </p:nvGrpSpPr>
+        <p:grpSpPr>
+          <a:xfrm>
+            <a:off x="5329646" y="740500"/>
+            <a:ext cx="1678577" cy="3662499"/>
+            <a:chOff x="6021977" y="1662249"/>
+            <a:chExt cx="1678577" cy="2590800"/>
+          </a:xfrm>
+        </p:grpSpPr>
+        <p:sp>
+          <p:nvSpPr>
+            <p:cNvPr id="9" name="Right Brace 8">
+              <a:extLst>
+                <a:ext uri="{FF2B5EF4-FFF2-40B4-BE49-F238E27FC236}">
+                  <a16:creationId xmlns:a16="http://schemas.microsoft.com/office/drawing/2014/main" id="{FC093F8C-834B-4FB6-8EB2-9FABA758C973}"/>
+                </a:ext>
+              </a:extLst>
+            </p:cNvPr>
+            <p:cNvSpPr/>
+            <p:nvPr/>
+          </p:nvSpPr>
+          <p:spPr>
+            <a:xfrm>
+              <a:off x="6021977" y="1662249"/>
+              <a:ext cx="685800" cy="2590800"/>
+            </a:xfrm>
+            <a:prstGeom prst="rightBrace">
+              <a:avLst/>
+            </a:prstGeom>
+            <a:ln w="38100">
+              <a:solidFill>
+                <a:srgbClr val="3333FF"/>
+              </a:solidFill>
+            </a:ln>
+          </p:spPr>
+          <p:style>
+            <a:lnRef idx="1">
+              <a:schemeClr val="accent1"/>
+            </a:lnRef>
+            <a:fillRef idx="0">
+              <a:schemeClr val="accent1"/>
+            </a:fillRef>
+            <a:effectRef idx="0">
+              <a:schemeClr val="accent1"/>
+            </a:effectRef>
+            <a:fontRef idx="minor">
+              <a:schemeClr val="tx1"/>
+            </a:fontRef>
+          </p:style>
+          <p:txBody>
+            <a:bodyPr rtlCol="0" anchor="ctr"/>
+            <a:lstStyle/>
+            <a:p>
+              <a:pPr algn="ctr"/>
+              <a:endParaRPr lang="en-US">
+                <a:solidFill>
+                  <a:srgbClr val="3333FF"/>
+                </a:solidFill>
+              </a:endParaRPr>
+            </a:p>
+          </p:txBody>
+        </p:sp>
+        <p:sp>
+          <p:nvSpPr>
+            <p:cNvPr id="12" name="TextBox 11">
+              <a:extLst>
+                <a:ext uri="{FF2B5EF4-FFF2-40B4-BE49-F238E27FC236}">
+                  <a16:creationId xmlns:a16="http://schemas.microsoft.com/office/drawing/2014/main" id="{B452531B-208A-424B-B3D1-9BE79A205DA4}"/>
+                </a:ext>
+              </a:extLst>
+            </p:cNvPr>
+            <p:cNvSpPr txBox="1"/>
+            <p:nvPr/>
+          </p:nvSpPr>
+          <p:spPr>
+            <a:xfrm>
+              <a:off x="6559731" y="2988258"/>
+              <a:ext cx="1140823" cy="457205"/>
+            </a:xfrm>
+            <a:prstGeom prst="rect">
+              <a:avLst/>
+            </a:prstGeom>
+            <a:noFill/>
+            <a:ln>
+              <a:solidFill>
+                <a:srgbClr val="3333FF"/>
+              </a:solidFill>
+            </a:ln>
+          </p:spPr>
+          <p:txBody>
+            <a:bodyPr wrap="square" rtlCol="0">
+              <a:spAutoFit/>
+            </a:bodyPr>
+            <a:lstStyle/>
+            <a:p>
+              <a:r>
+                <a:rPr lang="en-US" dirty="0">
+                  <a:solidFill>
+                    <a:srgbClr val="3333FF"/>
+                  </a:solidFill>
+                </a:rPr>
+                <a:t>A single .INO file</a:t>
+              </a:r>
+            </a:p>
+          </p:txBody>
+        </p:sp>
+      </p:grpSp>
     </p:spTree>
     <p:extLst>
       <p:ext uri="{BB962C8B-B14F-4D97-AF65-F5344CB8AC3E}">
@@ -12891,6 +12977,59 @@
                       </p:childTnLst>
                     </p:cTn>
                   </p:par>
+                  <p:par>
+                    <p:cTn id="10" fill="hold">
+                      <p:stCondLst>
+                        <p:cond delay="indefinite"/>
+                      </p:stCondLst>
+                      <p:childTnLst>
+                        <p:par>
+                          <p:cTn id="11" fill="hold">
+                            <p:stCondLst>
+                              <p:cond delay="0"/>
+                            </p:stCondLst>
+                            <p:childTnLst>
+                              <p:par>
+                                <p:cTn id="12" presetID="10" presetClass="entr" presetSubtype="0" fill="hold" nodeType="clickEffect">
+                                  <p:stCondLst>
+                                    <p:cond delay="0"/>
+                                  </p:stCondLst>
+                                  <p:childTnLst>
+                                    <p:set>
+                                      <p:cBhvr>
+                                        <p:cTn id="13" dur="1" fill="hold">
+                                          <p:stCondLst>
+                                            <p:cond delay="0"/>
+                                          </p:stCondLst>
+                                        </p:cTn>
+                                        <p:tgtEl>
+                                          <p:spTgt spid="8"/>
+                                        </p:tgtEl>
+                                        <p:attrNameLst>
+                                          <p:attrName>style.visibility</p:attrName>
+                                        </p:attrNameLst>
+                                      </p:cBhvr>
+                                      <p:to>
+                                        <p:strVal val="visible"/>
+                                      </p:to>
+                                    </p:set>
+                                    <p:animEffect transition="in" filter="fade">
+                                      <p:cBhvr>
+                                        <p:cTn id="14" dur="500"/>
+                                        <p:tgtEl>
+                                          <p:spTgt spid="8"/>
+                                        </p:tgtEl>
+                                      </p:cBhvr>
+                                    </p:animEffect>
+                                  </p:childTnLst>
+                                </p:cTn>
+                              </p:par>
+                            </p:childTnLst>
+                          </p:cTn>
+                        </p:par>
+                      </p:childTnLst>
+                    </p:cTn>
+                  </p:par>
                 </p:childTnLst>
               </p:cTn>
               <p:prevCondLst>
@@ -12982,32 +13121,29 @@
         </p:nvSpPr>
         <p:spPr>
           <a:xfrm>
-            <a:off x="457200" y="1197405"/>
+            <a:off x="345797" y="1139762"/>
             <a:ext cx="7238999" cy="3576168"/>
           </a:xfrm>
         </p:spPr>
         <p:txBody>
           <a:bodyPr>
-            <a:normAutofit fontScale="85000" lnSpcReduction="20000"/>
+            <a:normAutofit fontScale="85000" lnSpcReduction="10000"/>
           </a:bodyPr>
           <a:lstStyle/>
           <a:p>
             <a:r>
               <a:rPr lang="en-US" dirty="0"/>
-              <a:t>I may have left you with the impression class code </a:t>
+              <a:t>The class code does not </a:t>
             </a:r>
             <a:r>
               <a:rPr lang="en-US" b="1" i="1" dirty="0"/>
-              <a:t>needs</a:t>
+              <a:t>need</a:t>
             </a:r>
             <a:r>
               <a:rPr lang="en-US" dirty="0"/>
-              <a:t> to be in separate files. </a:t>
-            </a:r>
-            <a:r>
-              <a:rPr lang="en-US" b="1" i="1" dirty="0"/>
-              <a:t>This is not so ...</a:t>
-            </a:r>
+              <a:t> to be separate.</a:t>
+            </a:r>
+            <a:endParaRPr lang="en-US" b="1" i="1" dirty="0"/>
           </a:p>
           <a:p>
             <a:r>
@@ -13020,13 +13156,7 @@
             </a:r>
             <a:r>
               <a:rPr lang="en-US" dirty="0"/>
-              <a:t> put class code right in your sketch</a:t>
-            </a:r>
-          </a:p>
-          <a:p>
-            <a:r>
-              <a:rPr lang="en-US" dirty="0"/>
-              <a:t>Yes – there is only one file to maintain.</a:t>
+              <a:t> put class code right in your sketch and then there is only one file to maintain.</a:t>
             </a:r>
           </a:p>
           <a:p>
@@ -13044,7 +13174,7 @@
           <a:p>
             <a:r>
               <a:rPr lang="en-US" dirty="0"/>
-              <a:t>I did not mention it last time as it is not typical to put all code in one file but it can be done and is fine for development.</a:t>
+              <a:t>It is not typical to put your final class code in one file but it can be done and is perfectly fine for development.</a:t>
             </a:r>
           </a:p>
         </p:txBody>
@@ -13146,7 +13276,7 @@
                                         <p:tgtEl>
                                           <p:spTgt spid="3">
                                             <p:txEl>
-                                              <p:pRg st="5" end="5"/>
+                                              <p:pRg st="4" end="4"/>
                                             </p:txEl>
                                           </p:spTgt>
                                         </p:tgtEl>
@@ -13164,7 +13294,7 @@
                                         <p:tgtEl>
                                           <p:spTgt spid="3">
                                             <p:txEl>
-                                              <p:pRg st="5" end="5"/>
+                                              <p:pRg st="4" end="4"/>
                                             </p:txEl>
                                           </p:spTgt>
                                         </p:tgtEl>
@@ -13178,7 +13308,7 @@
                                         <p:tgtEl>
                                           <p:spTgt spid="3">
                                             <p:txEl>
-                                              <p:pRg st="5" end="5"/>
+                                              <p:pRg st="4" end="4"/>
                                             </p:txEl>
                                           </p:spTgt>
                                         </p:tgtEl>
@@ -13382,67 +13512,6 @@
                       </p:childTnLst>
                     </p:cTn>
                   </p:par>
-                  <p:par>
-                    <p:cTn id="25" fill="hold">
-                      <p:stCondLst>
-                        <p:cond delay="indefinite"/>
-                      </p:stCondLst>
-                      <p:childTnLst>
-                        <p:par>
-                          <p:cTn id="26" fill="hold">
-                            <p:stCondLst>
-                              <p:cond delay="0"/>
-                            </p:stCondLst>
-                            <p:childTnLst>
-                              <p:par>
-                                <p:cTn id="27" presetID="10" presetClass="entr" presetSubtype="0" fill="hold" nodeType="clickEffect">
-                                  <p:stCondLst>
-                                    <p:cond delay="0"/>
-                                  </p:stCondLst>
-                                  <p:childTnLst>
-                                    <p:set>
-                                      <p:cBhvr>
-                                        <p:cTn id="28" dur="1" fill="hold">
-                                          <p:stCondLst>
-                                            <p:cond delay="0"/>
-                                          </p:stCondLst>
-                                        </p:cTn>
-                                        <p:tgtEl>
-                                          <p:spTgt spid="3">
-                                            <p:txEl>
-                                              <p:pRg st="4" end="4"/>
-                                            </p:txEl>
-                                          </p:spTgt>
-                                        </p:tgtEl>
-                                        <p:attrNameLst>
-                                          <p:attrName>style.visibility</p:attrName>
-                                        </p:attrNameLst>
-                                      </p:cBhvr>
-                                      <p:to>
-                                        <p:strVal val="visible"/>
-                                      </p:to>
-                                    </p:set>
-                                    <p:animEffect transition="in" filter="fade">
-                                      <p:cBhvr>
-                                        <p:cTn id="29" dur="500"/>
-                                        <p:tgtEl>
-                                          <p:spTgt spid="3">
-                                            <p:txEl>
-                                              <p:pRg st="4" end="4"/>
-                                            </p:txEl>
-                                          </p:spTgt>
-                                        </p:tgtEl>
-                                      </p:cBhvr>
-                                    </p:animEffect>
-                                  </p:childTnLst>
-                                </p:cTn>
-                              </p:par>
-                            </p:childTnLst>
-                          </p:cTn>
-                        </p:par>
-                      </p:childTnLst>
-                    </p:cTn>
-                  </p:par>
                 </p:childTnLst>
               </p:cTn>
               <p:prevCondLst>
@@ -13515,7 +13584,7 @@
           <a:p>
             <a:r>
               <a:rPr lang="en-US" dirty="0"/>
-              <a:t>Pick Up from Part 1</a:t>
+              <a:t>Moving Forward</a:t>
             </a:r>
             <a:br>
               <a:rPr lang="en-US" dirty="0"/>
@@ -13823,7 +13892,11 @@
           <a:p>
             <a:pPr algn="ctr"/>
             <a:r>
-              <a:rPr lang="en-US" dirty="0"/>
+              <a:rPr lang="en-US" dirty="0">
+                <a:solidFill>
+                  <a:schemeClr val="tx1"/>
+                </a:solidFill>
+              </a:rPr>
               <a:t>Header File</a:t>
             </a:r>
           </a:p>
@@ -13878,7 +13951,11 @@
           <a:p>
             <a:pPr algn="ctr"/>
             <a:r>
-              <a:rPr lang="en-US" dirty="0"/>
+              <a:rPr lang="en-US" dirty="0">
+                <a:solidFill>
+                  <a:schemeClr val="tx1"/>
+                </a:solidFill>
+              </a:rPr>
               <a:t>CPP File</a:t>
             </a:r>
           </a:p>
@@ -14653,7 +14730,7 @@
           <a:p>
             <a:r>
               <a:rPr lang="en-US" sz="2000" dirty="0"/>
-              <a:t>We will see later my Led2 class has two constructors (with different signatures). Note: when you have several function declarations with the same name but where the parameter types are different it is called overloading the function. As long as each call has a distinct ‘signature’ it is ok.</a:t>
+              <a:t>We will see later my Led2 class has two constructors (with different signatures). Note: when you have several function declarations with the same name but where the parameter types are different it is called overloading the function. As long as each call has a distinct ‘signature’ this is ok.</a:t>
             </a:r>
             <a:endParaRPr lang="en-US" sz="2100" dirty="0"/>
           </a:p>
@@ -14718,7 +14795,19 @@
             </a:r>
             <a:r>
               <a:rPr lang="en-US" dirty="0"/>
-              <a:t>(long on);               // Set the </a:t>
+              <a:t>(long </a:t>
+            </a:r>
+            <a:r>
+              <a:rPr lang="en-US" dirty="0">
+                <a:solidFill>
+                  <a:srgbClr val="3333FF"/>
+                </a:solidFill>
+              </a:rPr>
+              <a:t>on</a:t>
+            </a:r>
+            <a:r>
+              <a:rPr lang="en-US" dirty="0"/>
+              <a:t>);               // Set the </a:t>
             </a:r>
             <a:r>
               <a:rPr lang="en-US" dirty="0" err="1"/>
@@ -16454,15 +16543,7 @@
           <a:p>
             <a:r>
               <a:rPr lang="en-US" dirty="0"/>
-              <a:t>The C++ Program file  ( *.</a:t>
-            </a:r>
-            <a:r>
-              <a:rPr lang="en-US" dirty="0" err="1"/>
-              <a:t>cpp</a:t>
-            </a:r>
-            <a:r>
-              <a:rPr lang="en-US" dirty="0"/>
-              <a:t>)</a:t>
+              <a:t>The C++ Program file  ( *.cpp)</a:t>
             </a:r>
           </a:p>
         </p:txBody>
@@ -16504,47 +16585,6 @@
             <a:r>
               <a:rPr lang="en-US" sz="2000" dirty="0"/>
               <a:t>Each function call was precisely identified in the header by a prototype</a:t>
-            </a:r>
-          </a:p>
-          <a:p>
-            <a:pPr marL="0" indent="0">
-              <a:buNone/>
-            </a:pPr>
-            <a:r>
-              <a:rPr lang="en-US" dirty="0"/>
-              <a:t>A Best Practice</a:t>
-            </a:r>
-          </a:p>
-          <a:p>
-            <a:r>
-              <a:rPr lang="en-US" sz="2000" dirty="0"/>
-              <a:t>The two files are a matched set and named the same as the class </a:t>
-            </a:r>
-          </a:p>
-          <a:p>
-            <a:r>
-              <a:rPr lang="en-US" sz="2100" b="1" dirty="0">
-                <a:solidFill>
-                  <a:srgbClr val="C00000"/>
-                </a:solidFill>
-              </a:rPr>
-              <a:t>Led2.h   </a:t>
-            </a:r>
-            <a:r>
-              <a:rPr lang="en-US" sz="2100" dirty="0"/>
-              <a:t>and   </a:t>
-            </a:r>
-            <a:r>
-              <a:rPr lang="en-US" sz="2100" b="1" dirty="0">
-                <a:solidFill>
-                  <a:srgbClr val="C00000"/>
-                </a:solidFill>
-              </a:rPr>
-              <a:t>Led2.cpp   </a:t>
-            </a:r>
-            <a:r>
-              <a:rPr lang="en-US" sz="2100" dirty="0"/>
-              <a:t>is my example.</a:t>
             </a:r>
           </a:p>
         </p:txBody>
@@ -16596,7 +16636,19 @@
             </a:r>
             <a:r>
               <a:rPr lang="en-US" dirty="0"/>
-              <a:t>(long on) </a:t>
+              <a:t>(long </a:t>
+            </a:r>
+            <a:r>
+              <a:rPr lang="en-US" dirty="0">
+                <a:solidFill>
+                  <a:srgbClr val="3333FF"/>
+                </a:solidFill>
+              </a:rPr>
+              <a:t>on</a:t>
+            </a:r>
+            <a:r>
+              <a:rPr lang="en-US" dirty="0"/>
+              <a:t>) </a:t>
             </a:r>
             <a:r>
               <a:rPr lang="en-US" dirty="0">
@@ -16624,7 +16676,19 @@
             </a:r>
             <a:r>
               <a:rPr lang="en-US" dirty="0"/>
-              <a:t> = on;</a:t>
+              <a:t> = </a:t>
+            </a:r>
+            <a:r>
+              <a:rPr lang="en-US" dirty="0">
+                <a:solidFill>
+                  <a:srgbClr val="3333FF"/>
+                </a:solidFill>
+              </a:rPr>
+              <a:t>on</a:t>
+            </a:r>
+            <a:r>
+              <a:rPr lang="en-US" dirty="0"/>
+              <a:t>;</a:t>
             </a:r>
           </a:p>
           <a:p>
@@ -16884,7 +16948,7 @@
                             </p:stCondLst>
                             <p:childTnLst>
                               <p:par>
-                                <p:cTn id="17" presetID="42" presetClass="entr" presetSubtype="0" fill="hold" nodeType="clickEffect">
+                                <p:cTn id="17" presetID="42" presetClass="entr" presetSubtype="0" fill="hold" grpId="0" nodeType="clickEffect">
                                   <p:stCondLst>
                                     <p:cond delay="0"/>
                                   </p:stCondLst>
@@ -16892,315 +16956,6 @@
                                     <p:set>
                                       <p:cBhvr>
                                         <p:cTn id="18" dur="1" fill="hold">
-                                          <p:stCondLst>
-                                            <p:cond delay="0"/>
-                                          </p:stCondLst>
-                                        </p:cTn>
-                                        <p:tgtEl>
-                                          <p:spTgt spid="6">
-                                            <p:txEl>
-                                              <p:pRg st="2" end="2"/>
-                                            </p:txEl>
-                                          </p:spTgt>
-                                        </p:tgtEl>
-                                        <p:attrNameLst>
-                                          <p:attrName>style.visibility</p:attrName>
-                                        </p:attrNameLst>
-                                      </p:cBhvr>
-                                      <p:to>
-                                        <p:strVal val="visible"/>
-                                      </p:to>
-                                    </p:set>
-                                    <p:animEffect transition="in" filter="fade">
-                                      <p:cBhvr>
-                                        <p:cTn id="19" dur="1000"/>
-                                        <p:tgtEl>
-                                          <p:spTgt spid="6">
-                                            <p:txEl>
-                                              <p:pRg st="2" end="2"/>
-                                            </p:txEl>
-                                          </p:spTgt>
-                                        </p:tgtEl>
-                                      </p:cBhvr>
-                                    </p:animEffect>
-                                    <p:anim calcmode="lin" valueType="num">
-                                      <p:cBhvr>
-                                        <p:cTn id="20" dur="1000" fill="hold"/>
-                                        <p:tgtEl>
-                                          <p:spTgt spid="6">
-                                            <p:txEl>
-                                              <p:pRg st="2" end="2"/>
-                                            </p:txEl>
-                                          </p:spTgt>
-                                        </p:tgtEl>
-                                        <p:attrNameLst>
-                                          <p:attrName>ppt_x</p:attrName>
-                                        </p:attrNameLst>
-                                      </p:cBhvr>
-                                      <p:tavLst>
-                                        <p:tav tm="0">
-                                          <p:val>
-                                            <p:strVal val="#ppt_x"/>
-                                          </p:val>
-                                        </p:tav>
-                                        <p:tav tm="100000">
-                                          <p:val>
-                                            <p:strVal val="#ppt_x"/>
-                                          </p:val>
-                                        </p:tav>
-                                      </p:tavLst>
-                                    </p:anim>
-                                    <p:anim calcmode="lin" valueType="num">
-                                      <p:cBhvr>
-                                        <p:cTn id="21" dur="1000" fill="hold"/>
-                                        <p:tgtEl>
-                                          <p:spTgt spid="6">
-                                            <p:txEl>
-                                              <p:pRg st="2" end="2"/>
-                                            </p:txEl>
-                                          </p:spTgt>
-                                        </p:tgtEl>
-                                        <p:attrNameLst>
-                                          <p:attrName>ppt_y</p:attrName>
-                                        </p:attrNameLst>
-                                      </p:cBhvr>
-                                      <p:tavLst>
-                                        <p:tav tm="0">
-                                          <p:val>
-                                            <p:strVal val="#ppt_y+.1"/>
-                                          </p:val>
-                                        </p:tav>
-                                        <p:tav tm="100000">
-                                          <p:val>
-                                            <p:strVal val="#ppt_y"/>
-                                          </p:val>
-                                        </p:tav>
-                                      </p:tavLst>
-                                    </p:anim>
-                                  </p:childTnLst>
-                                </p:cTn>
-                              </p:par>
-                              <p:par>
-                                <p:cTn id="22" presetID="42" presetClass="entr" presetSubtype="0" fill="hold" nodeType="withEffect">
-                                  <p:stCondLst>
-                                    <p:cond delay="0"/>
-                                  </p:stCondLst>
-                                  <p:childTnLst>
-                                    <p:set>
-                                      <p:cBhvr>
-                                        <p:cTn id="23" dur="1" fill="hold">
-                                          <p:stCondLst>
-                                            <p:cond delay="0"/>
-                                          </p:stCondLst>
-                                        </p:cTn>
-                                        <p:tgtEl>
-                                          <p:spTgt spid="6">
-                                            <p:txEl>
-                                              <p:pRg st="3" end="3"/>
-                                            </p:txEl>
-                                          </p:spTgt>
-                                        </p:tgtEl>
-                                        <p:attrNameLst>
-                                          <p:attrName>style.visibility</p:attrName>
-                                        </p:attrNameLst>
-                                      </p:cBhvr>
-                                      <p:to>
-                                        <p:strVal val="visible"/>
-                                      </p:to>
-                                    </p:set>
-                                    <p:animEffect transition="in" filter="fade">
-                                      <p:cBhvr>
-                                        <p:cTn id="24" dur="1000"/>
-                                        <p:tgtEl>
-                                          <p:spTgt spid="6">
-                                            <p:txEl>
-                                              <p:pRg st="3" end="3"/>
-                                            </p:txEl>
-                                          </p:spTgt>
-                                        </p:tgtEl>
-                                      </p:cBhvr>
-                                    </p:animEffect>
-                                    <p:anim calcmode="lin" valueType="num">
-                                      <p:cBhvr>
-                                        <p:cTn id="25" dur="1000" fill="hold"/>
-                                        <p:tgtEl>
-                                          <p:spTgt spid="6">
-                                            <p:txEl>
-                                              <p:pRg st="3" end="3"/>
-                                            </p:txEl>
-                                          </p:spTgt>
-                                        </p:tgtEl>
-                                        <p:attrNameLst>
-                                          <p:attrName>ppt_x</p:attrName>
-                                        </p:attrNameLst>
-                                      </p:cBhvr>
-                                      <p:tavLst>
-                                        <p:tav tm="0">
-                                          <p:val>
-                                            <p:strVal val="#ppt_x"/>
-                                          </p:val>
-                                        </p:tav>
-                                        <p:tav tm="100000">
-                                          <p:val>
-                                            <p:strVal val="#ppt_x"/>
-                                          </p:val>
-                                        </p:tav>
-                                      </p:tavLst>
-                                    </p:anim>
-                                    <p:anim calcmode="lin" valueType="num">
-                                      <p:cBhvr>
-                                        <p:cTn id="26" dur="1000" fill="hold"/>
-                                        <p:tgtEl>
-                                          <p:spTgt spid="6">
-                                            <p:txEl>
-                                              <p:pRg st="3" end="3"/>
-                                            </p:txEl>
-                                          </p:spTgt>
-                                        </p:tgtEl>
-                                        <p:attrNameLst>
-                                          <p:attrName>ppt_y</p:attrName>
-                                        </p:attrNameLst>
-                                      </p:cBhvr>
-                                      <p:tavLst>
-                                        <p:tav tm="0">
-                                          <p:val>
-                                            <p:strVal val="#ppt_y+.1"/>
-                                          </p:val>
-                                        </p:tav>
-                                        <p:tav tm="100000">
-                                          <p:val>
-                                            <p:strVal val="#ppt_y"/>
-                                          </p:val>
-                                        </p:tav>
-                                      </p:tavLst>
-                                    </p:anim>
-                                  </p:childTnLst>
-                                </p:cTn>
-                              </p:par>
-                              <p:par>
-                                <p:cTn id="27" presetID="42" presetClass="entr" presetSubtype="0" fill="hold" nodeType="withEffect">
-                                  <p:stCondLst>
-                                    <p:cond delay="0"/>
-                                  </p:stCondLst>
-                                  <p:childTnLst>
-                                    <p:set>
-                                      <p:cBhvr>
-                                        <p:cTn id="28" dur="1" fill="hold">
-                                          <p:stCondLst>
-                                            <p:cond delay="0"/>
-                                          </p:stCondLst>
-                                        </p:cTn>
-                                        <p:tgtEl>
-                                          <p:spTgt spid="6">
-                                            <p:txEl>
-                                              <p:pRg st="4" end="4"/>
-                                            </p:txEl>
-                                          </p:spTgt>
-                                        </p:tgtEl>
-                                        <p:attrNameLst>
-                                          <p:attrName>style.visibility</p:attrName>
-                                        </p:attrNameLst>
-                                      </p:cBhvr>
-                                      <p:to>
-                                        <p:strVal val="visible"/>
-                                      </p:to>
-                                    </p:set>
-                                    <p:animEffect transition="in" filter="fade">
-                                      <p:cBhvr>
-                                        <p:cTn id="29" dur="1000"/>
-                                        <p:tgtEl>
-                                          <p:spTgt spid="6">
-                                            <p:txEl>
-                                              <p:pRg st="4" end="4"/>
-                                            </p:txEl>
-                                          </p:spTgt>
-                                        </p:tgtEl>
-                                      </p:cBhvr>
-                                    </p:animEffect>
-                                    <p:anim calcmode="lin" valueType="num">
-                                      <p:cBhvr>
-                                        <p:cTn id="30" dur="1000" fill="hold"/>
-                                        <p:tgtEl>
-                                          <p:spTgt spid="6">
-                                            <p:txEl>
-                                              <p:pRg st="4" end="4"/>
-                                            </p:txEl>
-                                          </p:spTgt>
-                                        </p:tgtEl>
-                                        <p:attrNameLst>
-                                          <p:attrName>ppt_x</p:attrName>
-                                        </p:attrNameLst>
-                                      </p:cBhvr>
-                                      <p:tavLst>
-                                        <p:tav tm="0">
-                                          <p:val>
-                                            <p:strVal val="#ppt_x"/>
-                                          </p:val>
-                                        </p:tav>
-                                        <p:tav tm="100000">
-                                          <p:val>
-                                            <p:strVal val="#ppt_x"/>
-                                          </p:val>
-                                        </p:tav>
-                                      </p:tavLst>
-                                    </p:anim>
-                                    <p:anim calcmode="lin" valueType="num">
-                                      <p:cBhvr>
-                                        <p:cTn id="31" dur="1000" fill="hold"/>
-                                        <p:tgtEl>
-                                          <p:spTgt spid="6">
-                                            <p:txEl>
-                                              <p:pRg st="4" end="4"/>
-                                            </p:txEl>
-                                          </p:spTgt>
-                                        </p:tgtEl>
-                                        <p:attrNameLst>
-                                          <p:attrName>ppt_y</p:attrName>
-                                        </p:attrNameLst>
-                                      </p:cBhvr>
-                                      <p:tavLst>
-                                        <p:tav tm="0">
-                                          <p:val>
-                                            <p:strVal val="#ppt_y+.1"/>
-                                          </p:val>
-                                        </p:tav>
-                                        <p:tav tm="100000">
-                                          <p:val>
-                                            <p:strVal val="#ppt_y"/>
-                                          </p:val>
-                                        </p:tav>
-                                      </p:tavLst>
-                                    </p:anim>
-                                  </p:childTnLst>
-                                </p:cTn>
-                              </p:par>
-                            </p:childTnLst>
-                          </p:cTn>
-                        </p:par>
-                      </p:childTnLst>
-                    </p:cTn>
-                  </p:par>
-                  <p:par>
-                    <p:cTn id="32" fill="hold">
-                      <p:stCondLst>
-                        <p:cond delay="indefinite"/>
-                      </p:stCondLst>
-                      <p:childTnLst>
-                        <p:par>
-                          <p:cTn id="33" fill="hold">
-                            <p:stCondLst>
-                              <p:cond delay="0"/>
-                            </p:stCondLst>
-                            <p:childTnLst>
-                              <p:par>
-                                <p:cTn id="34" presetID="42" presetClass="entr" presetSubtype="0" fill="hold" grpId="0" nodeType="clickEffect">
-                                  <p:stCondLst>
-                                    <p:cond delay="0"/>
-                                  </p:stCondLst>
-                                  <p:childTnLst>
-                                    <p:set>
-                                      <p:cBhvr>
-                                        <p:cTn id="35" dur="1" fill="hold">
                                           <p:stCondLst>
                                             <p:cond delay="0"/>
                                           </p:stCondLst>
@@ -17218,7 +16973,7 @@
                                     </p:set>
                                     <p:animEffect transition="in" filter="fade">
                                       <p:cBhvr>
-                                        <p:cTn id="36" dur="1000"/>
+                                        <p:cTn id="19" dur="1000"/>
                                         <p:tgtEl>
                                           <p:spTgt spid="7"/>
                                         </p:tgtEl>
@@ -17226,7 +16981,7 @@
                                     </p:animEffect>
                                     <p:anim calcmode="lin" valueType="num">
                                       <p:cBhvr>
-                                        <p:cTn id="37" dur="1000" fill="hold"/>
+                                        <p:cTn id="20" dur="1000" fill="hold"/>
                                         <p:tgtEl>
                                           <p:spTgt spid="7"/>
                                         </p:tgtEl>
@@ -17249,7 +17004,7 @@
                                     </p:anim>
                                     <p:anim calcmode="lin" valueType="num">
                                       <p:cBhvr>
-                                        <p:cTn id="38" dur="1000" fill="hold"/>
+                                        <p:cTn id="21" dur="1000" fill="hold"/>
                                         <p:tgtEl>
                                           <p:spTgt spid="7"/>
                                         </p:tgtEl>
@@ -21851,34 +21606,19 @@
         </p:nvSpPr>
         <p:spPr>
           <a:xfrm>
-            <a:off x="659756" y="2416323"/>
-            <a:ext cx="8345486" cy="1021556"/>
+            <a:off x="395307" y="2451413"/>
+            <a:ext cx="8748693" cy="581196"/>
           </a:xfrm>
         </p:spPr>
         <p:txBody>
           <a:bodyPr>
-            <a:normAutofit fontScale="90000"/>
+            <a:noAutofit/>
           </a:bodyPr>
           <a:lstStyle/>
           <a:p>
             <a:r>
-              <a:rPr lang="en-US" dirty="0"/>
-              <a:t>Detour =&gt; Organizing Class Code</a:t>
-            </a:r>
-            <a:br>
-              <a:rPr lang="en-US" dirty="0"/>
-            </a:br>
-            <a:r>
-              <a:rPr lang="en-US" dirty="0"/>
-              <a:t>*.h     and    *.</a:t>
-            </a:r>
-            <a:r>
-              <a:rPr lang="en-US" dirty="0" err="1"/>
-              <a:t>cpp</a:t>
-            </a:r>
-            <a:r>
-              <a:rPr lang="en-US" dirty="0"/>
-              <a:t>    files</a:t>
+              <a:rPr lang="en-US" sz="3200" dirty="0"/>
+              <a:t>Detour =&gt; Organizing files (*.h  and *.cpp) </a:t>
             </a:r>
           </a:p>
         </p:txBody>
@@ -34756,7 +34496,7 @@
                 <a:latin typeface="Courier New" panose="02070309020205020404" pitchFamily="49" charset="0"/>
                 <a:cs typeface="Courier New" panose="02070309020205020404" pitchFamily="49" charset="0"/>
               </a:rPr>
-              <a:t>A Timing feature called Random Mode</a:t>
+              <a:t>A Timing feature called Random Mode and Flicker Mode</a:t>
             </a:r>
           </a:p>
           <a:p>
@@ -34774,7 +34514,7 @@
                 <a:latin typeface="Courier New" panose="02070309020205020404" pitchFamily="49" charset="0"/>
                 <a:cs typeface="Courier New" panose="02070309020205020404" pitchFamily="49" charset="0"/>
               </a:rPr>
-              <a:t>(not un</a:t>
+              <a:t>(Implemented just l</a:t>
             </a:r>
             <a:r>
               <a:rPr lang="en-US" sz="2800" b="1" dirty="0">
@@ -34787,31 +34527,16 @@
                 <a:latin typeface="Courier New" panose="02070309020205020404" pitchFamily="49" charset="0"/>
                 <a:cs typeface="Courier New" panose="02070309020205020404" pitchFamily="49" charset="0"/>
               </a:rPr>
-              <a:t>like blink mode)</a:t>
+              <a:t>ike blink mode)</a:t>
             </a:r>
           </a:p>
           <a:p>
             <a:pPr marL="0" indent="0">
               <a:buNone/>
             </a:pPr>
-            <a:r>
-              <a:rPr lang="en-US" sz="2900" dirty="0">
-                <a:cs typeface="Courier New" panose="02070309020205020404" pitchFamily="49" charset="0"/>
-              </a:rPr>
-              <a:t>Use with a call to </a:t>
-            </a:r>
-            <a:r>
-              <a:rPr lang="en-US" sz="2900" dirty="0" err="1">
-                <a:cs typeface="Courier New" panose="02070309020205020404" pitchFamily="49" charset="0"/>
-              </a:rPr>
-              <a:t>setRandom</a:t>
-            </a:r>
-            <a:r>
-              <a:rPr lang="en-US" sz="2900" dirty="0">
-                <a:cs typeface="Courier New" panose="02070309020205020404" pitchFamily="49" charset="0"/>
-              </a:rPr>
-              <a:t>()      (Calling on/off/or blink will cancel random mode)</a:t>
-            </a:r>
+            <a:endParaRPr lang="en-US" sz="2900" dirty="0">
+              <a:cs typeface="Courier New" panose="02070309020205020404" pitchFamily="49" charset="0"/>
+            </a:endParaRPr>
           </a:p>
           <a:p>
             <a:pPr marL="0" indent="0">
@@ -34821,18 +34546,50 @@
               <a:rPr lang="en-US" sz="2900" dirty="0">
                 <a:cs typeface="Courier New" panose="02070309020205020404" pitchFamily="49" charset="0"/>
               </a:rPr>
-              <a:t>You set the minimum and maximum interval but the duration will be random between these.</a:t>
+              <a:t>Use with a call to </a:t>
+            </a:r>
+            <a:r>
+              <a:rPr lang="en-US" sz="2900" dirty="0" err="1">
+                <a:cs typeface="Courier New" panose="02070309020205020404" pitchFamily="49" charset="0"/>
+              </a:rPr>
+              <a:t>setRandom</a:t>
+            </a:r>
+            <a:r>
+              <a:rPr lang="en-US" sz="2900" dirty="0">
+                <a:cs typeface="Courier New" panose="02070309020205020404" pitchFamily="49" charset="0"/>
+              </a:rPr>
+              <a:t>() or </a:t>
+            </a:r>
+            <a:r>
+              <a:rPr lang="en-US" sz="2900" dirty="0" err="1">
+                <a:cs typeface="Courier New" panose="02070309020205020404" pitchFamily="49" charset="0"/>
+              </a:rPr>
+              <a:t>setFlicker</a:t>
+            </a:r>
+            <a:r>
+              <a:rPr lang="en-US" sz="2900" dirty="0">
+                <a:cs typeface="Courier New" panose="02070309020205020404" pitchFamily="49" charset="0"/>
+              </a:rPr>
+              <a:t>()   (on/off will cancel either the mode)</a:t>
             </a:r>
           </a:p>
           <a:p>
             <a:pPr marL="0" indent="0">
               <a:buNone/>
             </a:pPr>
+            <a:endParaRPr lang="en-US" sz="2900" dirty="0">
+              <a:cs typeface="Courier New" panose="02070309020205020404" pitchFamily="49" charset="0"/>
+            </a:endParaRPr>
+          </a:p>
+          <a:p>
+            <a:pPr marL="0" indent="0">
+              <a:buNone/>
+            </a:pPr>
             <a:r>
               <a:rPr lang="en-US" sz="2900" dirty="0">
                 <a:cs typeface="Courier New" panose="02070309020205020404" pitchFamily="49" charset="0"/>
               </a:rPr>
-              <a:t>A third parameter called </a:t>
+              <a:t>You set the minimum and maximum interval but the duration will be random between these. A third parameter called </a:t>
             </a:r>
             <a:r>
               <a:rPr lang="en-US" sz="2900" dirty="0" err="1">
@@ -36171,171 +35928,269 @@
       </p:grpSpPr>
       <p:sp>
         <p:nvSpPr>
-          <p:cNvPr id="4" name="Title 3"/>
-          <p:cNvSpPr>
-            <a:spLocks noGrp="1"/>
-          </p:cNvSpPr>
-          <p:nvPr>
-            <p:ph type="title"/>
-          </p:nvPr>
+          <p:cNvPr id="2" name="TextBox 1">
+            <a:extLst>
+              <a:ext uri="{FF2B5EF4-FFF2-40B4-BE49-F238E27FC236}">
+                <a16:creationId xmlns:a16="http://schemas.microsoft.com/office/drawing/2014/main" id="{296F6C9F-FE06-42A7-A215-13D116D868D2}"/>
+              </a:ext>
+            </a:extLst>
+          </p:cNvPr>
+          <p:cNvSpPr txBox="1"/>
+          <p:nvPr/>
         </p:nvSpPr>
         <p:spPr>
           <a:xfrm>
-            <a:off x="402645" y="209550"/>
-            <a:ext cx="7016194" cy="423863"/>
+            <a:off x="0" y="0"/>
+            <a:ext cx="7467600" cy="646331"/>
           </a:xfrm>
+          <a:prstGeom prst="rect">
+            <a:avLst/>
+          </a:prstGeom>
+          <a:noFill/>
         </p:spPr>
         <p:txBody>
-          <a:bodyPr>
-            <a:normAutofit fontScale="90000"/>
+          <a:bodyPr wrap="square" rtlCol="0">
+            <a:spAutoFit/>
           </a:bodyPr>
           <a:lstStyle/>
           <a:p>
             <a:r>
-              <a:rPr lang="en-US" dirty="0"/>
-              <a:t>Ground Work </a:t>
-            </a:r>
-            <a:r>
-              <a:rPr lang="en-US" sz="2200" dirty="0"/>
-              <a:t>– Types and Structures</a:t>
-            </a:r>
-            <a:endParaRPr lang="en-US" dirty="0"/>
+              <a:rPr lang="en-US" sz="3600" dirty="0">
+                <a:solidFill>
+                  <a:schemeClr val="bg1"/>
+                </a:solidFill>
+              </a:rPr>
+              <a:t>References and Additional Material</a:t>
+            </a:r>
           </a:p>
         </p:txBody>
       </p:sp>
       <p:sp>
         <p:nvSpPr>
-          <p:cNvPr id="5" name="Content Placeholder 4"/>
-          <p:cNvSpPr>
-            <a:spLocks noGrp="1"/>
-          </p:cNvSpPr>
-          <p:nvPr>
-            <p:ph idx="1"/>
-          </p:nvPr>
+          <p:cNvPr id="3" name="TextBox 2">
+            <a:extLst>
+              <a:ext uri="{FF2B5EF4-FFF2-40B4-BE49-F238E27FC236}">
+                <a16:creationId xmlns:a16="http://schemas.microsoft.com/office/drawing/2014/main" id="{29B74366-6C02-4246-BB33-8688199CF3DC}"/>
+              </a:ext>
+            </a:extLst>
+          </p:cNvPr>
+          <p:cNvSpPr txBox="1"/>
+          <p:nvPr/>
         </p:nvSpPr>
         <p:spPr>
           <a:xfrm>
-            <a:off x="1670606" y="1139762"/>
-            <a:ext cx="5671487" cy="1355788"/>
+            <a:off x="266700" y="1200150"/>
+            <a:ext cx="8610600" cy="3508653"/>
           </a:xfrm>
+          <a:prstGeom prst="rect">
+            <a:avLst/>
+          </a:prstGeom>
+          <a:noFill/>
         </p:spPr>
         <p:txBody>
-          <a:bodyPr>
-            <a:normAutofit lnSpcReduction="10000"/>
+          <a:bodyPr wrap="square" rtlCol="0">
+            <a:spAutoFit/>
           </a:bodyPr>
           <a:lstStyle/>
           <a:p>
-            <a:pPr marL="285750" indent="0">
-              <a:spcBef>
-                <a:spcPts val="0"/>
-              </a:spcBef>
-              <a:buNone/>
+            <a:r>
+              <a:rPr lang="en-US" sz="1600" dirty="0"/>
+              <a:t>Binary numbers and types :</a:t>
+            </a:r>
+          </a:p>
+          <a:p>
+            <a:pPr marL="971550" indent="-285750">
+              <a:buFont typeface="Arial" panose="020B0604020202020204" pitchFamily="34" charset="0"/>
+              <a:buChar char="•"/>
             </a:pPr>
             <a:r>
-              <a:rPr lang="en-US" sz="1200" b="1" dirty="0">
+              <a:rPr lang="en-US" sz="1400" dirty="0">
                 <a:solidFill>
                   <a:srgbClr val="0066FF"/>
                 </a:solidFill>
-                <a:latin typeface="Courier New" panose="02070309020205020404" pitchFamily="49" charset="0"/>
-                <a:cs typeface="Courier New" panose="02070309020205020404" pitchFamily="49" charset="0"/>
-              </a:rPr>
-              <a:t>byte</a:t>
-            </a:r>
-            <a:r>
-              <a:rPr lang="en-US" sz="1200" dirty="0">
+                <a:hlinkClick r:id="rId3"/>
+              </a:rPr>
+              <a:t>https://learn.sparkfun.com/tutorials/data-types-in-arduino/all</a:t>
+            </a:r>
+            <a:endParaRPr lang="en-US" sz="1400" dirty="0">
+              <a:solidFill>
+                <a:srgbClr val="0066FF"/>
+              </a:solidFill>
+            </a:endParaRPr>
+          </a:p>
+          <a:p>
+            <a:pPr marL="971550" indent="-285750">
+              <a:buFont typeface="Arial" panose="020B0604020202020204" pitchFamily="34" charset="0"/>
+              <a:buChar char="•"/>
+            </a:pPr>
+            <a:r>
+              <a:rPr lang="en-US" sz="1400" dirty="0">
+                <a:hlinkClick r:id="rId4"/>
+              </a:rPr>
+              <a:t>http://users.ece.utexas.edu/~valvano/embed/chap3/chap3.htm</a:t>
+            </a:r>
+            <a:endParaRPr lang="en-US" sz="1400" dirty="0"/>
+          </a:p>
+          <a:p>
+            <a:r>
+              <a:rPr lang="en-US" sz="1600" dirty="0"/>
+              <a:t>Arduino Compiler / Preprocessor Directives</a:t>
+            </a:r>
+          </a:p>
+          <a:p>
+            <a:pPr marL="971550" indent="-285750">
+              <a:buFont typeface="Arial" panose="020B0604020202020204" pitchFamily="34" charset="0"/>
+              <a:buChar char="•"/>
+            </a:pPr>
+            <a:r>
+              <a:rPr lang="en-US" sz="1400" dirty="0">
                 <a:solidFill>
-                  <a:srgbClr val="0066FF"/>
+                  <a:srgbClr val="3333FF"/>
                 </a:solidFill>
-                <a:latin typeface="Courier New" panose="02070309020205020404" pitchFamily="49" charset="0"/>
-                <a:cs typeface="Courier New" panose="02070309020205020404" pitchFamily="49" charset="0"/>
-              </a:rPr>
-              <a:t> x = 65;</a:t>
-            </a:r>
-          </a:p>
-          <a:p>
-            <a:pPr marL="285750" indent="0">
-              <a:spcBef>
-                <a:spcPts val="0"/>
-              </a:spcBef>
-              <a:buNone/>
+              </a:rPr>
+              <a:t>https://www.deviceplus.com/arduino/arduino-preprocessor-directives-tutorial/</a:t>
+            </a:r>
+            <a:endParaRPr lang="en-US" sz="1600" dirty="0">
+              <a:solidFill>
+                <a:srgbClr val="3333FF"/>
+              </a:solidFill>
+            </a:endParaRPr>
+          </a:p>
+          <a:p>
+            <a:r>
+              <a:rPr lang="en-US" sz="1600" dirty="0"/>
+              <a:t>Multi-Tasking on the Arduino:</a:t>
+            </a:r>
+          </a:p>
+          <a:p>
+            <a:pPr marL="974725" lvl="2" indent="-285750">
+              <a:buFont typeface="Arial" panose="020B0604020202020204" pitchFamily="34" charset="0"/>
+              <a:buChar char="•"/>
             </a:pPr>
             <a:r>
-              <a:rPr lang="en-US" sz="1200" b="1" dirty="0">
+              <a:rPr lang="en-US" sz="1400" dirty="0">
                 <a:solidFill>
-                  <a:srgbClr val="0066FF"/>
+                  <a:srgbClr val="3333FF"/>
                 </a:solidFill>
-                <a:latin typeface="Courier New" panose="02070309020205020404" pitchFamily="49" charset="0"/>
-                <a:cs typeface="Courier New" panose="02070309020205020404" pitchFamily="49" charset="0"/>
-              </a:rPr>
-              <a:t>char</a:t>
-            </a:r>
-            <a:r>
-              <a:rPr lang="en-US" sz="1200" dirty="0">
+                <a:hlinkClick r:id="rId5">
+                  <a:extLst>
+                    <a:ext uri="{A12FA001-AC4F-418D-AE19-62706E023703}">
+                      <ahyp:hlinkClr xmlns:ahyp="http://schemas.microsoft.com/office/drawing/2018/hyperlinkcolor" val="tx"/>
+                    </a:ext>
+                  </a:extLst>
+                </a:hlinkClick>
+              </a:rPr>
+              <a:t>https://learn.adafruit.com/multi-tasking-the-arduino-part-1/overview</a:t>
+            </a:r>
+            <a:r>
+              <a:rPr lang="en-US" sz="1400" dirty="0">
                 <a:solidFill>
-                  <a:srgbClr val="0066FF"/>
+                  <a:srgbClr val="3333FF"/>
                 </a:solidFill>
-                <a:latin typeface="Courier New" panose="02070309020205020404" pitchFamily="49" charset="0"/>
-                <a:cs typeface="Courier New" panose="02070309020205020404" pitchFamily="49" charset="0"/>
               </a:rPr>
               <a:t> </a:t>
             </a:r>
-            <a:r>
-              <a:rPr lang="en-US" sz="1200" dirty="0" err="1">
+          </a:p>
+          <a:p>
+            <a:r>
+              <a:rPr lang="en-US" sz="1600" dirty="0"/>
+              <a:t>Conditional Evaluation (ternary operator):</a:t>
+            </a:r>
+          </a:p>
+          <a:p>
+            <a:pPr marL="971550" lvl="1" indent="-285750">
+              <a:buFont typeface="Arial" panose="020B0604020202020204" pitchFamily="34" charset="0"/>
+              <a:buChar char="•"/>
+            </a:pPr>
+            <a:r>
+              <a:rPr lang="en-US" sz="1400" dirty="0">
                 <a:solidFill>
-                  <a:srgbClr val="0066FF"/>
+                  <a:srgbClr val="3333FF"/>
                 </a:solidFill>
-                <a:latin typeface="Courier New" panose="02070309020205020404" pitchFamily="49" charset="0"/>
-                <a:cs typeface="Courier New" panose="02070309020205020404" pitchFamily="49" charset="0"/>
-              </a:rPr>
-              <a:t>myLetter</a:t>
-            </a:r>
-            <a:r>
-              <a:rPr lang="en-US" sz="1200" dirty="0">
-                <a:solidFill>
-                  <a:srgbClr val="0066FF"/>
-                </a:solidFill>
-                <a:latin typeface="Courier New" panose="02070309020205020404" pitchFamily="49" charset="0"/>
-                <a:cs typeface="Courier New" panose="02070309020205020404" pitchFamily="49" charset="0"/>
-              </a:rPr>
-              <a:t> = ‘A’;</a:t>
-            </a:r>
-            <a:endParaRPr lang="en-US" sz="1800" dirty="0"/>
-          </a:p>
-          <a:p>
-            <a:pPr marL="0" indent="0">
-              <a:buNone/>
+                <a:hlinkClick r:id="rId6">
+                  <a:extLst>
+                    <a:ext uri="{A12FA001-AC4F-418D-AE19-62706E023703}">
+                      <ahyp:hlinkClr xmlns:ahyp="http://schemas.microsoft.com/office/drawing/2018/hyperlinkcolor" val="tx"/>
+                    </a:ext>
+                  </a:extLst>
+                </a:hlinkClick>
+              </a:rPr>
+              <a:t>https://www.tutorialspoint.com/cplusplus/cpp_conditional_operator.htm</a:t>
+            </a:r>
+            <a:endParaRPr lang="en-US" sz="1400" dirty="0"/>
+          </a:p>
+          <a:p>
+            <a:r>
+              <a:rPr lang="en-US" sz="1600" dirty="0"/>
+              <a:t>Alternate explanations on the subject of  Classes:</a:t>
+            </a:r>
+          </a:p>
+          <a:p>
+            <a:pPr marL="971550" indent="-285750">
+              <a:buFont typeface="Arial" panose="020B0604020202020204" pitchFamily="34" charset="0"/>
+              <a:buChar char="•"/>
             </a:pPr>
             <a:r>
-              <a:rPr lang="en-US" sz="1800" dirty="0"/>
-              <a:t>In binary both of these are the same bit pattern  01000001</a:t>
-            </a:r>
-          </a:p>
-          <a:p>
-            <a:pPr marL="0" indent="0">
-              <a:buNone/>
+              <a:rPr lang="en-US" sz="1400" dirty="0">
+                <a:hlinkClick r:id="rId7"/>
+              </a:rPr>
+              <a:t>https://www.guru99.com/cpp-classes-objects.html</a:t>
+            </a:r>
+            <a:endParaRPr lang="en-US" sz="1400" dirty="0"/>
+          </a:p>
+          <a:p>
+            <a:pPr marL="971550" indent="-285750">
+              <a:buFont typeface="Arial" panose="020B0604020202020204" pitchFamily="34" charset="0"/>
+              <a:buChar char="•"/>
             </a:pPr>
             <a:r>
-              <a:rPr lang="en-US" sz="1800" dirty="0"/>
-              <a:t>The computer does not care.</a:t>
-            </a:r>
-          </a:p>
-          <a:p>
-            <a:pPr marL="0" indent="0">
-              <a:buNone/>
+              <a:rPr lang="en-US" sz="1400" dirty="0">
+                <a:hlinkClick r:id="rId8"/>
+              </a:rPr>
+              <a:t>https://www.geeksforgeeks.org/c-classes-and-objects/</a:t>
+            </a:r>
+            <a:endParaRPr lang="en-US" sz="1400" dirty="0"/>
+          </a:p>
+          <a:p>
+            <a:pPr marL="971550" indent="-285750">
+              <a:buFont typeface="Arial" panose="020B0604020202020204" pitchFamily="34" charset="0"/>
+              <a:buChar char="•"/>
             </a:pPr>
             <a:r>
-              <a:rPr lang="en-US" sz="1800" dirty="0"/>
-              <a:t>It is only how we interpret the two variables that matters. </a:t>
-            </a:r>
+              <a:rPr lang="en-US" sz="1400" dirty="0">
+                <a:hlinkClick r:id="rId9"/>
+              </a:rPr>
+              <a:t>http://paulmurraycbr.github.io/ArduinoTheOOWay.html</a:t>
+            </a:r>
+            <a:endParaRPr lang="en-US" sz="1400" dirty="0"/>
+          </a:p>
+          <a:p>
+            <a:r>
+              <a:rPr lang="en-US" sz="1600" dirty="0"/>
+              <a:t>Common Mistakes and How to Fix them:</a:t>
+            </a:r>
+          </a:p>
+          <a:p>
+            <a:pPr marL="971550" indent="-285750">
+              <a:buFont typeface="Arial" panose="020B0604020202020204" pitchFamily="34" charset="0"/>
+              <a:buChar char="•"/>
+            </a:pPr>
+            <a:r>
+              <a:rPr lang="en-US" sz="1400" dirty="0">
+                <a:hlinkClick r:id="rId10"/>
+              </a:rPr>
+              <a:t>https://www.acodersjourney.com/top-10-c-header-file-mistakes-and-how-to-fix-them/</a:t>
+            </a:r>
+            <a:endParaRPr lang="en-US" sz="1400" dirty="0"/>
           </a:p>
         </p:txBody>
       </p:sp>
       <p:pic>
         <p:nvPicPr>
-          <p:cNvPr id="6" name="Picture 5">
+          <p:cNvPr id="4" name="Picture 3">
             <a:extLst>
               <a:ext uri="{FF2B5EF4-FFF2-40B4-BE49-F238E27FC236}">
-                <a16:creationId xmlns:a16="http://schemas.microsoft.com/office/drawing/2014/main" id="{9765B5E1-D501-4FB5-903E-12C3DF9EB734}"/>
+                <a16:creationId xmlns:a16="http://schemas.microsoft.com/office/drawing/2014/main" id="{647A4B9F-DE7E-4A43-8005-7D11EB9274A2}"/>
               </a:ext>
             </a:extLst>
           </p:cNvPr>
@@ -36345,7 +36200,7 @@
           <p:nvPr/>
         </p:nvPicPr>
         <p:blipFill>
-          <a:blip r:embed="rId3" cstate="print">
+          <a:blip r:embed="rId11" cstate="print">
             <a:extLst>
               <a:ext uri="{28A0092B-C50C-407E-A947-70E740481C1C}">
                 <a14:useLocalDpi xmlns:a14="http://schemas.microsoft.com/office/drawing/2010/main" val="0"/>
@@ -36366,298 +36221,10 @@
           </a:prstGeom>
         </p:spPr>
       </p:pic>
-      <p:pic>
-        <p:nvPicPr>
-          <p:cNvPr id="1026" name="Picture 2" descr="Writing Binary Numbers | wild.maths.org">
-            <a:extLst>
-              <a:ext uri="{FF2B5EF4-FFF2-40B4-BE49-F238E27FC236}">
-                <a16:creationId xmlns:a16="http://schemas.microsoft.com/office/drawing/2014/main" id="{EF59FB9C-FF89-4CA9-A361-99521883138C}"/>
-              </a:ext>
-            </a:extLst>
-          </p:cNvPr>
-          <p:cNvPicPr>
-            <a:picLocks noChangeAspect="1" noChangeArrowheads="1"/>
-          </p:cNvPicPr>
-          <p:nvPr/>
-        </p:nvPicPr>
-        <p:blipFill>
-          <a:blip r:embed="rId4" cstate="print">
-            <a:extLst>
-              <a:ext uri="{28A0092B-C50C-407E-A947-70E740481C1C}">
-                <a14:useLocalDpi xmlns:a14="http://schemas.microsoft.com/office/drawing/2010/main" val="0"/>
-              </a:ext>
-            </a:extLst>
-          </a:blip>
-          <a:srcRect/>
-          <a:stretch>
-            <a:fillRect/>
-          </a:stretch>
-        </p:blipFill>
-        <p:spPr bwMode="auto">
-          <a:xfrm>
-            <a:off x="381001" y="1139762"/>
-            <a:ext cx="1192419" cy="669988"/>
-          </a:xfrm>
-          <a:prstGeom prst="rect">
-            <a:avLst/>
-          </a:prstGeom>
-          <a:noFill/>
-          <a:extLst>
-            <a:ext uri="{909E8E84-426E-40DD-AFC4-6F175D3DCCD1}">
-              <a14:hiddenFill xmlns:a14="http://schemas.microsoft.com/office/drawing/2010/main">
-                <a:solidFill>
-                  <a:srgbClr val="FFFFFF"/>
-                </a:solidFill>
-              </a14:hiddenFill>
-            </a:ext>
-          </a:extLst>
-        </p:spPr>
-      </p:pic>
-      <p:pic>
-        <p:nvPicPr>
-          <p:cNvPr id="3" name="Picture 2">
-            <a:extLst>
-              <a:ext uri="{FF2B5EF4-FFF2-40B4-BE49-F238E27FC236}">
-                <a16:creationId xmlns:a16="http://schemas.microsoft.com/office/drawing/2014/main" id="{5A15E929-D800-4DAA-8155-E9920C5637CC}"/>
-              </a:ext>
-            </a:extLst>
-          </p:cNvPr>
-          <p:cNvPicPr>
-            <a:picLocks noChangeAspect="1"/>
-          </p:cNvPicPr>
-          <p:nvPr/>
-        </p:nvPicPr>
-        <p:blipFill>
-          <a:blip r:embed="rId5"/>
-          <a:stretch>
-            <a:fillRect/>
-          </a:stretch>
-        </p:blipFill>
-        <p:spPr>
-          <a:xfrm>
-            <a:off x="366458" y="3105150"/>
-            <a:ext cx="3905250" cy="1238250"/>
-          </a:xfrm>
-          <a:prstGeom prst="rect">
-            <a:avLst/>
-          </a:prstGeom>
-        </p:spPr>
-      </p:pic>
-      <p:sp>
-        <p:nvSpPr>
-          <p:cNvPr id="8" name="Content Placeholder 4">
-            <a:extLst>
-              <a:ext uri="{FF2B5EF4-FFF2-40B4-BE49-F238E27FC236}">
-                <a16:creationId xmlns:a16="http://schemas.microsoft.com/office/drawing/2014/main" id="{7D3F3627-4786-484E-AA57-6C7D8A914050}"/>
-              </a:ext>
-            </a:extLst>
-          </p:cNvPr>
-          <p:cNvSpPr txBox="1">
-            <a:spLocks/>
-          </p:cNvSpPr>
-          <p:nvPr/>
-        </p:nvSpPr>
-        <p:spPr>
-          <a:xfrm>
-            <a:off x="4580725" y="3473340"/>
-            <a:ext cx="2994185" cy="638269"/>
-          </a:xfrm>
-          <a:prstGeom prst="rect">
-            <a:avLst/>
-          </a:prstGeom>
-        </p:spPr>
-        <p:txBody>
-          <a:bodyPr vert="horz" lIns="91440" tIns="45720" rIns="91440" bIns="45720" rtlCol="0">
-            <a:normAutofit lnSpcReduction="10000"/>
-          </a:bodyPr>
-          <a:lstStyle>
-            <a:lvl1pPr marL="342900" indent="-342900" algn="l" defTabSz="914400" rtl="0" eaLnBrk="1" latinLnBrk="0" hangingPunct="1">
-              <a:spcBef>
-                <a:spcPct val="20000"/>
-              </a:spcBef>
-              <a:buFont typeface="Arial" pitchFamily="34" charset="0"/>
-              <a:buChar char="•"/>
-              <a:defRPr sz="2800" kern="1200">
-                <a:solidFill>
-                  <a:schemeClr val="tx1"/>
-                </a:solidFill>
-                <a:latin typeface="+mn-lt"/>
-                <a:ea typeface="+mn-ea"/>
-                <a:cs typeface="+mn-cs"/>
-              </a:defRPr>
-            </a:lvl1pPr>
-            <a:lvl2pPr marL="742950" indent="-285750" algn="l" defTabSz="914400" rtl="0" eaLnBrk="1" latinLnBrk="0" hangingPunct="1">
-              <a:spcBef>
-                <a:spcPct val="20000"/>
-              </a:spcBef>
-              <a:buFont typeface="Arial" pitchFamily="34" charset="0"/>
-              <a:buChar char="–"/>
-              <a:defRPr sz="2800" kern="1200">
-                <a:solidFill>
-                  <a:schemeClr val="tx1"/>
-                </a:solidFill>
-                <a:latin typeface="+mn-lt"/>
-                <a:ea typeface="+mn-ea"/>
-                <a:cs typeface="+mn-cs"/>
-              </a:defRPr>
-            </a:lvl2pPr>
-            <a:lvl3pPr marL="1143000" indent="-228600" algn="l" defTabSz="914400" rtl="0" eaLnBrk="1" latinLnBrk="0" hangingPunct="1">
-              <a:spcBef>
-                <a:spcPct val="20000"/>
-              </a:spcBef>
-              <a:buFont typeface="Arial" pitchFamily="34" charset="0"/>
-              <a:buChar char="•"/>
-              <a:defRPr sz="2400" kern="1200">
-                <a:solidFill>
-                  <a:schemeClr val="tx1"/>
-                </a:solidFill>
-                <a:latin typeface="+mn-lt"/>
-                <a:ea typeface="+mn-ea"/>
-                <a:cs typeface="+mn-cs"/>
-              </a:defRPr>
-            </a:lvl3pPr>
-            <a:lvl4pPr marL="1600200" indent="-228600" algn="l" defTabSz="914400" rtl="0" eaLnBrk="1" latinLnBrk="0" hangingPunct="1">
-              <a:spcBef>
-                <a:spcPct val="20000"/>
-              </a:spcBef>
-              <a:buFont typeface="Arial" pitchFamily="34" charset="0"/>
-              <a:buChar char="–"/>
-              <a:defRPr sz="2000" kern="1200">
-                <a:solidFill>
-                  <a:schemeClr val="tx1"/>
-                </a:solidFill>
-                <a:latin typeface="+mn-lt"/>
-                <a:ea typeface="+mn-ea"/>
-                <a:cs typeface="+mn-cs"/>
-              </a:defRPr>
-            </a:lvl4pPr>
-            <a:lvl5pPr marL="2057400" indent="-228600" algn="l" defTabSz="914400" rtl="0" eaLnBrk="1" latinLnBrk="0" hangingPunct="1">
-              <a:spcBef>
-                <a:spcPct val="20000"/>
-              </a:spcBef>
-              <a:buFont typeface="Arial" pitchFamily="34" charset="0"/>
-              <a:buChar char="»"/>
-              <a:defRPr sz="2000" kern="1200">
-                <a:solidFill>
-                  <a:schemeClr val="tx1"/>
-                </a:solidFill>
-                <a:latin typeface="+mn-lt"/>
-                <a:ea typeface="+mn-ea"/>
-                <a:cs typeface="+mn-cs"/>
-              </a:defRPr>
-            </a:lvl5pPr>
-            <a:lvl6pPr marL="2514600" indent="-228600" algn="l" defTabSz="914400" rtl="0" eaLnBrk="1" latinLnBrk="0" hangingPunct="1">
-              <a:spcBef>
-                <a:spcPct val="20000"/>
-              </a:spcBef>
-              <a:buFont typeface="Arial" pitchFamily="34" charset="0"/>
-              <a:buChar char="•"/>
-              <a:defRPr sz="2000" kern="1200">
-                <a:solidFill>
-                  <a:schemeClr val="tx1"/>
-                </a:solidFill>
-                <a:latin typeface="+mn-lt"/>
-                <a:ea typeface="+mn-ea"/>
-                <a:cs typeface="+mn-cs"/>
-              </a:defRPr>
-            </a:lvl6pPr>
-            <a:lvl7pPr marL="2971800" indent="-228600" algn="l" defTabSz="914400" rtl="0" eaLnBrk="1" latinLnBrk="0" hangingPunct="1">
-              <a:spcBef>
-                <a:spcPct val="20000"/>
-              </a:spcBef>
-              <a:buFont typeface="Arial" pitchFamily="34" charset="0"/>
-              <a:buChar char="•"/>
-              <a:defRPr sz="2000" kern="1200">
-                <a:solidFill>
-                  <a:schemeClr val="tx1"/>
-                </a:solidFill>
-                <a:latin typeface="+mn-lt"/>
-                <a:ea typeface="+mn-ea"/>
-                <a:cs typeface="+mn-cs"/>
-              </a:defRPr>
-            </a:lvl7pPr>
-            <a:lvl8pPr marL="3429000" indent="-228600" algn="l" defTabSz="914400" rtl="0" eaLnBrk="1" latinLnBrk="0" hangingPunct="1">
-              <a:spcBef>
-                <a:spcPct val="20000"/>
-              </a:spcBef>
-              <a:buFont typeface="Arial" pitchFamily="34" charset="0"/>
-              <a:buChar char="•"/>
-              <a:defRPr sz="2000" kern="1200">
-                <a:solidFill>
-                  <a:schemeClr val="tx1"/>
-                </a:solidFill>
-                <a:latin typeface="+mn-lt"/>
-                <a:ea typeface="+mn-ea"/>
-                <a:cs typeface="+mn-cs"/>
-              </a:defRPr>
-            </a:lvl8pPr>
-            <a:lvl9pPr marL="3886200" indent="-228600" algn="l" defTabSz="914400" rtl="0" eaLnBrk="1" latinLnBrk="0" hangingPunct="1">
-              <a:spcBef>
-                <a:spcPct val="20000"/>
-              </a:spcBef>
-              <a:buFont typeface="Arial" pitchFamily="34" charset="0"/>
-              <a:buChar char="•"/>
-              <a:defRPr sz="2000" kern="1200">
-                <a:solidFill>
-                  <a:schemeClr val="tx1"/>
-                </a:solidFill>
-                <a:latin typeface="+mn-lt"/>
-                <a:ea typeface="+mn-ea"/>
-                <a:cs typeface="+mn-cs"/>
-              </a:defRPr>
-            </a:lvl9pPr>
-          </a:lstStyle>
-          <a:p>
-            <a:pPr marL="171450" lvl="1" indent="0">
-              <a:spcBef>
-                <a:spcPts val="0"/>
-              </a:spcBef>
-              <a:buFont typeface="Arial" pitchFamily="34" charset="0"/>
-              <a:buNone/>
-            </a:pPr>
-            <a:r>
-              <a:rPr lang="en-US" sz="1800" dirty="0"/>
-              <a:t>Lots of on line help is available (see references)</a:t>
-            </a:r>
-          </a:p>
-          <a:p>
-            <a:pPr marL="171450" lvl="1" indent="0">
-              <a:spcBef>
-                <a:spcPts val="0"/>
-              </a:spcBef>
-              <a:buFont typeface="Arial" pitchFamily="34" charset="0"/>
-              <a:buNone/>
-            </a:pPr>
-            <a:endParaRPr lang="en-US" sz="1800" dirty="0"/>
-          </a:p>
-          <a:p>
-            <a:pPr marL="457200" lvl="1">
-              <a:spcBef>
-                <a:spcPts val="0"/>
-              </a:spcBef>
-            </a:pPr>
-            <a:endParaRPr lang="en-US" sz="1800" dirty="0"/>
-          </a:p>
-          <a:p>
-            <a:pPr marL="0" indent="0">
-              <a:buFont typeface="Arial" pitchFamily="34" charset="0"/>
-              <a:buNone/>
-            </a:pPr>
-            <a:endParaRPr lang="en-US" sz="2400" dirty="0"/>
-          </a:p>
-          <a:p>
-            <a:pPr marL="0" indent="0">
-              <a:buFont typeface="Arial" pitchFamily="34" charset="0"/>
-              <a:buNone/>
-            </a:pPr>
-            <a:endParaRPr lang="en-US" sz="2400" dirty="0"/>
-          </a:p>
-        </p:txBody>
-      </p:sp>
     </p:spTree>
     <p:extLst>
       <p:ext uri="{BB962C8B-B14F-4D97-AF65-F5344CB8AC3E}">
-        <p14:creationId xmlns:p14="http://schemas.microsoft.com/office/powerpoint/2010/main" val="418159201"/>
+        <p14:creationId xmlns:p14="http://schemas.microsoft.com/office/powerpoint/2010/main" val="3444531127"/>
       </p:ext>
     </p:extLst>
   </p:cSld>
@@ -36760,7 +36327,7 @@
               <a:rPr lang="en-US" dirty="0">
                 <a:hlinkClick r:id="rId5" action="ppaction://hlinksldjump"/>
               </a:rPr>
-              <a:t>Pick Up from Part 1</a:t>
+              <a:t>Moving Forward</a:t>
             </a:r>
             <a:endParaRPr lang="en-US" dirty="0"/>
           </a:p>
@@ -36773,7 +36340,7 @@
               <a:rPr lang="en-US" dirty="0">
                 <a:hlinkClick r:id="rId6" action="ppaction://hlinksldjump"/>
               </a:rPr>
-              <a:t>Detour =&gt; Organizing Class Code</a:t>
+              <a:t>Detour =&gt; Organizing Files</a:t>
             </a:r>
             <a:endParaRPr lang="en-US" dirty="0">
               <a:hlinkClick r:id="rId5" action="ppaction://hlinksldjump"/>
@@ -36901,291 +36468,139 @@
       </p:grpSpPr>
       <p:sp>
         <p:nvSpPr>
-          <p:cNvPr id="2" name="TextBox 1">
+          <p:cNvPr id="2" name="Flowchart: Terminator 1">
             <a:extLst>
               <a:ext uri="{FF2B5EF4-FFF2-40B4-BE49-F238E27FC236}">
-                <a16:creationId xmlns:a16="http://schemas.microsoft.com/office/drawing/2014/main" id="{296F6C9F-FE06-42A7-A215-13D116D868D2}"/>
+                <a16:creationId xmlns:a16="http://schemas.microsoft.com/office/drawing/2014/main" id="{9B5CB07B-9CAC-43C6-8574-289A0048262D}"/>
               </a:ext>
             </a:extLst>
           </p:cNvPr>
-          <p:cNvSpPr txBox="1"/>
+          <p:cNvSpPr/>
           <p:nvPr/>
         </p:nvSpPr>
         <p:spPr>
           <a:xfrm>
-            <a:off x="0" y="0"/>
-            <a:ext cx="7467600" cy="646331"/>
+            <a:off x="7467600" y="4552950"/>
+            <a:ext cx="1103376" cy="228600"/>
           </a:xfrm>
-          <a:prstGeom prst="rect">
+          <a:prstGeom prst="flowChartTerminator">
             <a:avLst/>
           </a:prstGeom>
-          <a:noFill/>
+          <a:solidFill>
+            <a:schemeClr val="accent3">
+              <a:lumMod val="20000"/>
+              <a:lumOff val="80000"/>
+            </a:schemeClr>
+          </a:solidFill>
+          <a:ln>
+            <a:solidFill>
+              <a:schemeClr val="accent3">
+                <a:lumMod val="60000"/>
+                <a:lumOff val="40000"/>
+              </a:schemeClr>
+            </a:solidFill>
+          </a:ln>
         </p:spPr>
+        <p:style>
+          <a:lnRef idx="2">
+            <a:schemeClr val="accent1">
+              <a:shade val="50000"/>
+            </a:schemeClr>
+          </a:lnRef>
+          <a:fillRef idx="1">
+            <a:schemeClr val="accent1"/>
+          </a:fillRef>
+          <a:effectRef idx="0">
+            <a:schemeClr val="accent1"/>
+          </a:effectRef>
+          <a:fontRef idx="minor">
+            <a:schemeClr val="lt1"/>
+          </a:fontRef>
+        </p:style>
         <p:txBody>
-          <a:bodyPr wrap="square" rtlCol="0">
-            <a:spAutoFit/>
-          </a:bodyPr>
+          <a:bodyPr rtlCol="0" anchor="ctr"/>
           <a:lstStyle/>
           <a:p>
-            <a:r>
-              <a:rPr lang="en-US" sz="3600" dirty="0">
+            <a:pPr algn="ctr"/>
+            <a:r>
+              <a:rPr lang="en-US" sz="1000" dirty="0">
                 <a:solidFill>
-                  <a:schemeClr val="bg1"/>
+                  <a:schemeClr val="tx1"/>
                 </a:solidFill>
-              </a:rPr>
-              <a:t>References and Additional Material</a:t>
-            </a:r>
+                <a:hlinkClick r:id="rId2" action="ppaction://hlinksldjump"/>
+              </a:rPr>
+              <a:t>Back to Agenda</a:t>
+            </a:r>
+            <a:endParaRPr lang="en-US" sz="1000" dirty="0">
+              <a:solidFill>
+                <a:schemeClr val="tx1"/>
+              </a:solidFill>
+            </a:endParaRPr>
           </a:p>
         </p:txBody>
       </p:sp>
       <p:sp>
         <p:nvSpPr>
-          <p:cNvPr id="3" name="TextBox 2">
+          <p:cNvPr id="3" name="Title 3">
             <a:extLst>
               <a:ext uri="{FF2B5EF4-FFF2-40B4-BE49-F238E27FC236}">
-                <a16:creationId xmlns:a16="http://schemas.microsoft.com/office/drawing/2014/main" id="{29B74366-6C02-4246-BB33-8688199CF3DC}"/>
+                <a16:creationId xmlns:a16="http://schemas.microsoft.com/office/drawing/2014/main" id="{1B8356FD-7D67-4BE3-B0E8-5187F86A2915}"/>
               </a:ext>
             </a:extLst>
           </p:cNvPr>
-          <p:cNvSpPr txBox="1"/>
+          <p:cNvSpPr txBox="1">
+            <a:spLocks/>
+          </p:cNvSpPr>
           <p:nvPr/>
         </p:nvSpPr>
         <p:spPr>
           <a:xfrm>
-            <a:off x="266700" y="1200150"/>
-            <a:ext cx="8610600" cy="3293209"/>
-          </a:xfrm>
-          <a:prstGeom prst="rect">
-            <a:avLst/>
-          </a:prstGeom>
-          <a:noFill/>
-        </p:spPr>
-        <p:txBody>
-          <a:bodyPr wrap="square" rtlCol="0">
-            <a:spAutoFit/>
-          </a:bodyPr>
-          <a:lstStyle/>
-          <a:p>
-            <a:r>
-              <a:rPr lang="en-US" sz="1600" dirty="0"/>
-              <a:t>Binary numbers and types :</a:t>
-            </a:r>
-          </a:p>
-          <a:p>
-            <a:pPr marL="971550" indent="-285750">
-              <a:buFont typeface="Arial" panose="020B0604020202020204" pitchFamily="34" charset="0"/>
-              <a:buChar char="•"/>
-            </a:pPr>
-            <a:r>
-              <a:rPr lang="en-US" sz="1400" dirty="0">
-                <a:solidFill>
-                  <a:srgbClr val="0066FF"/>
-                </a:solidFill>
-                <a:hlinkClick r:id="rId3"/>
-              </a:rPr>
-              <a:t>https://learn.sparkfun.com/tutorials/data-types-in-arduino/all</a:t>
-            </a:r>
-            <a:endParaRPr lang="en-US" sz="1400" dirty="0">
-              <a:solidFill>
-                <a:srgbClr val="0066FF"/>
-              </a:solidFill>
-            </a:endParaRPr>
-          </a:p>
-          <a:p>
-            <a:pPr marL="971550" indent="-285750">
-              <a:buFont typeface="Arial" panose="020B0604020202020204" pitchFamily="34" charset="0"/>
-              <a:buChar char="•"/>
-            </a:pPr>
-            <a:r>
-              <a:rPr lang="en-US" sz="1400" dirty="0">
-                <a:hlinkClick r:id="rId4"/>
-              </a:rPr>
-              <a:t>http://users.ece.utexas.edu/~valvano/embed/chap3/chap3.htm</a:t>
-            </a:r>
-            <a:endParaRPr lang="en-US" sz="1400" dirty="0"/>
-          </a:p>
-          <a:p>
-            <a:r>
-              <a:rPr lang="en-US" sz="1600" dirty="0"/>
-              <a:t>Multi-Tasking on the Arduino:</a:t>
-            </a:r>
-          </a:p>
-          <a:p>
-            <a:pPr marL="974725" lvl="2" indent="-285750">
-              <a:buFont typeface="Arial" panose="020B0604020202020204" pitchFamily="34" charset="0"/>
-              <a:buChar char="•"/>
-            </a:pPr>
-            <a:r>
-              <a:rPr lang="en-US" sz="1400" dirty="0">
-                <a:solidFill>
-                  <a:srgbClr val="3333FF"/>
-                </a:solidFill>
-                <a:hlinkClick r:id="rId5">
-                  <a:extLst>
-                    <a:ext uri="{A12FA001-AC4F-418D-AE19-62706E023703}">
-                      <ahyp:hlinkClr xmlns:ahyp="http://schemas.microsoft.com/office/drawing/2018/hyperlinkcolor" val="tx"/>
-                    </a:ext>
-                  </a:extLst>
-                </a:hlinkClick>
-              </a:rPr>
-              <a:t>https://learn.adafruit.com/multi-tasking-the-arduino-part-1/overview</a:t>
-            </a:r>
-            <a:r>
-              <a:rPr lang="en-US" sz="1400" dirty="0">
-                <a:solidFill>
-                  <a:srgbClr val="3333FF"/>
-                </a:solidFill>
-              </a:rPr>
-              <a:t> </a:t>
-            </a:r>
-          </a:p>
-          <a:p>
-            <a:r>
-              <a:rPr lang="en-US" sz="1600" dirty="0"/>
-              <a:t>Conditional Evaluation (ternary operator):</a:t>
-            </a:r>
-          </a:p>
-          <a:p>
-            <a:pPr marL="971550" lvl="1" indent="-285750">
-              <a:buFont typeface="Arial" panose="020B0604020202020204" pitchFamily="34" charset="0"/>
-              <a:buChar char="•"/>
-            </a:pPr>
-            <a:r>
-              <a:rPr lang="en-US" sz="1400" dirty="0">
-                <a:solidFill>
-                  <a:srgbClr val="3333FF"/>
-                </a:solidFill>
-                <a:hlinkClick r:id="rId6">
-                  <a:extLst>
-                    <a:ext uri="{A12FA001-AC4F-418D-AE19-62706E023703}">
-                      <ahyp:hlinkClr xmlns:ahyp="http://schemas.microsoft.com/office/drawing/2018/hyperlinkcolor" val="tx"/>
-                    </a:ext>
-                  </a:extLst>
-                </a:hlinkClick>
-              </a:rPr>
-              <a:t>https://www.tutorialspoint.com/cplusplus/cpp_conditional_operator.htm</a:t>
-            </a:r>
-            <a:endParaRPr lang="en-US" sz="1400" dirty="0"/>
-          </a:p>
-          <a:p>
-            <a:r>
-              <a:rPr lang="en-US" sz="1600" dirty="0"/>
-              <a:t>Alternate explanations on the subject of  Classes:</a:t>
-            </a:r>
-          </a:p>
-          <a:p>
-            <a:pPr marL="971550" indent="-285750">
-              <a:buFont typeface="Arial" panose="020B0604020202020204" pitchFamily="34" charset="0"/>
-              <a:buChar char="•"/>
-            </a:pPr>
-            <a:r>
-              <a:rPr lang="en-US" sz="1400" dirty="0">
-                <a:hlinkClick r:id="rId7"/>
-              </a:rPr>
-              <a:t>https://www.guru99.com/cpp-classes-objects.html</a:t>
-            </a:r>
-            <a:endParaRPr lang="en-US" sz="1400" dirty="0"/>
-          </a:p>
-          <a:p>
-            <a:pPr marL="971550" indent="-285750">
-              <a:buFont typeface="Arial" panose="020B0604020202020204" pitchFamily="34" charset="0"/>
-              <a:buChar char="•"/>
-            </a:pPr>
-            <a:r>
-              <a:rPr lang="en-US" sz="1400" dirty="0">
-                <a:hlinkClick r:id="rId8"/>
-              </a:rPr>
-              <a:t>http://mypractic.com/lesson-7-classes-in-c-language-for-arduino-button-as-an-object/</a:t>
-            </a:r>
-            <a:endParaRPr lang="en-US" sz="1400" dirty="0"/>
-          </a:p>
-          <a:p>
-            <a:pPr marL="971550" indent="-285750">
-              <a:buFont typeface="Arial" panose="020B0604020202020204" pitchFamily="34" charset="0"/>
-              <a:buChar char="•"/>
-            </a:pPr>
-            <a:r>
-              <a:rPr lang="en-US" sz="1400" dirty="0">
-                <a:hlinkClick r:id="rId9"/>
-              </a:rPr>
-              <a:t>https://www.geeksforgeeks.org/c-classes-and-objects/</a:t>
-            </a:r>
-            <a:endParaRPr lang="en-US" sz="1400" dirty="0"/>
-          </a:p>
-          <a:p>
-            <a:pPr marL="971550" indent="-285750">
-              <a:buFont typeface="Arial" panose="020B0604020202020204" pitchFamily="34" charset="0"/>
-              <a:buChar char="•"/>
-            </a:pPr>
-            <a:r>
-              <a:rPr lang="en-US" sz="1400" dirty="0">
-                <a:hlinkClick r:id="rId10"/>
-              </a:rPr>
-              <a:t>http://paulmurraycbr.github.io/ArduinoTheOOWay.html</a:t>
-            </a:r>
-            <a:endParaRPr lang="en-US" sz="1400" dirty="0"/>
-          </a:p>
-          <a:p>
-            <a:r>
-              <a:rPr lang="en-US" sz="1600" dirty="0"/>
-              <a:t>Common Mistakes and How to Fix them:</a:t>
-            </a:r>
-          </a:p>
-          <a:p>
-            <a:pPr marL="971550" indent="-285750">
-              <a:buFont typeface="Arial" panose="020B0604020202020204" pitchFamily="34" charset="0"/>
-              <a:buChar char="•"/>
-            </a:pPr>
-            <a:r>
-              <a:rPr lang="en-US" sz="1400" dirty="0">
-                <a:hlinkClick r:id="rId11"/>
-              </a:rPr>
-              <a:t>https://www.acodersjourney.com/top-10-c-header-file-mistakes-and-how-to-fix-them/</a:t>
-            </a:r>
-            <a:endParaRPr lang="en-US" sz="1400" dirty="0"/>
-          </a:p>
-        </p:txBody>
-      </p:sp>
-      <p:pic>
-        <p:nvPicPr>
-          <p:cNvPr id="4" name="Picture 3">
-            <a:extLst>
-              <a:ext uri="{FF2B5EF4-FFF2-40B4-BE49-F238E27FC236}">
-                <a16:creationId xmlns:a16="http://schemas.microsoft.com/office/drawing/2014/main" id="{647A4B9F-DE7E-4A43-8005-7D11EB9274A2}"/>
-              </a:ext>
-            </a:extLst>
-          </p:cNvPr>
-          <p:cNvPicPr>
-            <a:picLocks noChangeAspect="1"/>
-          </p:cNvPicPr>
-          <p:nvPr/>
-        </p:nvPicPr>
-        <p:blipFill>
-          <a:blip r:embed="rId12" cstate="print">
-            <a:extLst>
-              <a:ext uri="{28A0092B-C50C-407E-A947-70E740481C1C}">
-                <a14:useLocalDpi xmlns:a14="http://schemas.microsoft.com/office/drawing/2010/main" val="0"/>
-              </a:ext>
-            </a:extLst>
-          </a:blip>
-          <a:stretch>
-            <a:fillRect/>
-          </a:stretch>
-        </p:blipFill>
-        <p:spPr>
-          <a:xfrm>
-            <a:off x="7848600" y="4583336"/>
-            <a:ext cx="1028700" cy="457771"/>
+            <a:off x="659756" y="2416323"/>
+            <a:ext cx="8345486" cy="1021556"/>
           </a:xfrm>
           <a:prstGeom prst="rect">
             <a:avLst/>
           </a:prstGeom>
         </p:spPr>
-      </p:pic>
+        <p:txBody>
+          <a:bodyPr>
+            <a:normAutofit fontScale="52500" lnSpcReduction="20000"/>
+          </a:bodyPr>
+          <a:lstStyle>
+            <a:lvl1pPr algn="ctr" defTabSz="914400" rtl="0" eaLnBrk="1" latinLnBrk="0" hangingPunct="1">
+              <a:spcBef>
+                <a:spcPct val="0"/>
+              </a:spcBef>
+              <a:buNone/>
+              <a:defRPr sz="4400" kern="1200">
+                <a:solidFill>
+                  <a:schemeClr val="tx1"/>
+                </a:solidFill>
+                <a:latin typeface="+mj-lt"/>
+                <a:ea typeface="+mj-ea"/>
+                <a:cs typeface="+mj-cs"/>
+              </a:defRPr>
+            </a:lvl1pPr>
+          </a:lstStyle>
+          <a:p>
+            <a:r>
+              <a:rPr lang="en-US" dirty="0"/>
+              <a:t>End of Presentation</a:t>
+            </a:r>
+            <a:br>
+              <a:rPr lang="en-US" dirty="0"/>
+            </a:br>
+            <a:br>
+              <a:rPr lang="en-US" dirty="0"/>
+            </a:br>
+            <a:endParaRPr lang="en-US" dirty="0"/>
+          </a:p>
+        </p:txBody>
+      </p:sp>
     </p:spTree>
     <p:extLst>
       <p:ext uri="{BB962C8B-B14F-4D97-AF65-F5344CB8AC3E}">
-        <p14:creationId xmlns:p14="http://schemas.microsoft.com/office/powerpoint/2010/main" val="3444531127"/>
+        <p14:creationId xmlns:p14="http://schemas.microsoft.com/office/powerpoint/2010/main" val="3774239642"/>
       </p:ext>
     </p:extLst>
   </p:cSld>
@@ -39644,7 +39059,11 @@
           <a:p>
             <a:pPr algn="ctr"/>
             <a:r>
-              <a:rPr lang="en-US" dirty="0"/>
+              <a:rPr lang="en-US" dirty="0">
+                <a:solidFill>
+                  <a:schemeClr val="tx1"/>
+                </a:solidFill>
+              </a:rPr>
               <a:t>Header File</a:t>
             </a:r>
           </a:p>
@@ -39699,7 +39118,11 @@
           <a:p>
             <a:pPr algn="ctr"/>
             <a:r>
-              <a:rPr lang="en-US" dirty="0"/>
+              <a:rPr lang="en-US" dirty="0">
+                <a:solidFill>
+                  <a:schemeClr val="tx1"/>
+                </a:solidFill>
+              </a:rPr>
               <a:t>CPP File</a:t>
             </a:r>
           </a:p>
@@ -39944,6 +39367,74 @@
           </p:txBody>
         </p:sp>
       </p:grpSp>
+      <p:sp>
+        <p:nvSpPr>
+          <p:cNvPr id="13" name="TextBox 12">
+            <a:extLst>
+              <a:ext uri="{FF2B5EF4-FFF2-40B4-BE49-F238E27FC236}">
+                <a16:creationId xmlns:a16="http://schemas.microsoft.com/office/drawing/2014/main" id="{DE7C0ADC-DB76-4B10-A036-30B55E6BF178}"/>
+              </a:ext>
+            </a:extLst>
+          </p:cNvPr>
+          <p:cNvSpPr txBox="1"/>
+          <p:nvPr/>
+        </p:nvSpPr>
+        <p:spPr>
+          <a:xfrm>
+            <a:off x="2011680" y="3867150"/>
+            <a:ext cx="4572000" cy="954107"/>
+          </a:xfrm>
+          <a:prstGeom prst="rect">
+            <a:avLst/>
+          </a:prstGeom>
+          <a:noFill/>
+        </p:spPr>
+        <p:txBody>
+          <a:bodyPr wrap="square">
+            <a:spAutoFit/>
+          </a:bodyPr>
+          <a:lstStyle/>
+          <a:p>
+            <a:pPr marL="0" indent="0">
+              <a:buNone/>
+            </a:pPr>
+            <a:r>
+              <a:rPr lang="en-US" b="1" dirty="0"/>
+              <a:t>A Best Practice: </a:t>
+            </a:r>
+            <a:r>
+              <a:rPr lang="en-US" sz="1800" dirty="0"/>
+              <a:t>The two files are a matched set and named the same as the class </a:t>
+            </a:r>
+          </a:p>
+          <a:p>
+            <a:r>
+              <a:rPr lang="en-US" sz="2000" b="1" dirty="0">
+                <a:solidFill>
+                  <a:srgbClr val="C00000"/>
+                </a:solidFill>
+              </a:rPr>
+              <a:t>Led2.h   </a:t>
+            </a:r>
+            <a:r>
+              <a:rPr lang="en-US" sz="2000" dirty="0"/>
+              <a:t>and   </a:t>
+            </a:r>
+            <a:r>
+              <a:rPr lang="en-US" sz="2000" b="1" dirty="0">
+                <a:solidFill>
+                  <a:srgbClr val="C00000"/>
+                </a:solidFill>
+              </a:rPr>
+              <a:t>Led2.cpp   </a:t>
+            </a:r>
+            <a:r>
+              <a:rPr lang="en-US" sz="2000" dirty="0"/>
+              <a:t>is my example.</a:t>
+            </a:r>
+          </a:p>
+        </p:txBody>
+      </p:sp>
     </p:spTree>
     <p:extLst>
       <p:ext uri="{BB962C8B-B14F-4D97-AF65-F5344CB8AC3E}">

--- a/Introduction to Class Programming Part 2.pptx
+++ b/Introduction to Class Programming Part 2.pptx
@@ -44,11 +44,11 @@
     <p:sldId id="263" r:id="rId35"/>
     <p:sldId id="317" r:id="rId36"/>
     <p:sldId id="262" r:id="rId37"/>
-    <p:sldId id="304" r:id="rId38"/>
-    <p:sldId id="305" r:id="rId39"/>
-    <p:sldId id="336" r:id="rId40"/>
-    <p:sldId id="323" r:id="rId41"/>
-    <p:sldId id="338" r:id="rId42"/>
+    <p:sldId id="305" r:id="rId38"/>
+    <p:sldId id="336" r:id="rId39"/>
+    <p:sldId id="323" r:id="rId40"/>
+    <p:sldId id="338" r:id="rId41"/>
+    <p:sldId id="304" r:id="rId42"/>
   </p:sldIdLst>
   <p:sldSz cx="9144000" cy="5143500" type="screen16x9"/>
   <p:notesSz cx="6858000" cy="9144000"/>
@@ -1977,6 +1977,12 @@
             </a:r>
           </a:p>
           <a:p>
+            <a:r>
+              <a:rPr lang="en-US" dirty="0"/>
+              <a:t>The update function will examine those internal variables to see if it is time to do something.</a:t>
+            </a:r>
+          </a:p>
+          <a:p>
             <a:endParaRPr lang="en-US" dirty="0"/>
           </a:p>
         </p:txBody>
@@ -2783,6 +2789,21 @@
           <a:p>
             <a:r>
               <a:rPr lang="en-US" dirty="0"/>
+              <a:t>This is showing the ‘constructors’ (plural)</a:t>
+            </a:r>
+          </a:p>
+          <a:p>
+            <a:r>
+              <a:rPr lang="en-US" dirty="0"/>
+              <a:t>Two different signatures – saving a few lines in our sketch.</a:t>
+            </a:r>
+          </a:p>
+          <a:p>
+            <a:endParaRPr lang="en-US" dirty="0"/>
+          </a:p>
+          <a:p>
+            <a:r>
+              <a:rPr lang="en-US" dirty="0"/>
               <a:t>Separate </a:t>
             </a:r>
             <a:r>
@@ -2795,9 +2816,12 @@
             </a:r>
           </a:p>
           <a:p>
+            <a:endParaRPr lang="en-US" dirty="0"/>
+          </a:p>
+          <a:p>
             <a:r>
               <a:rPr lang="en-US" dirty="0"/>
-              <a:t>I think in general a good practice is to minimize repetition of code – use standalone functions and call them as needed.</a:t>
+              <a:t>I think in general it is a good practice is to minimize repetition of code – use standalone functions and call them as needed.</a:t>
             </a:r>
           </a:p>
         </p:txBody>
@@ -3751,126 +3775,21 @@
       </p:grpSpPr>
       <p:sp>
         <p:nvSpPr>
-          <p:cNvPr id="7" name="Rectangle 7">
-            <a:extLst>
-              <a:ext uri="{FF2B5EF4-FFF2-40B4-BE49-F238E27FC236}">
-                <a16:creationId xmlns:a16="http://schemas.microsoft.com/office/drawing/2014/main" id="{E6A34525-BC6F-4365-82B7-767939DA7206}"/>
-              </a:ext>
-            </a:extLst>
-          </p:cNvPr>
+          <p:cNvPr id="2" name="Slide Image Placeholder 1"/>
           <p:cNvSpPr>
-            <a:spLocks noGrp="1" noChangeArrowheads="1"/>
-          </p:cNvSpPr>
-          <p:nvPr>
-            <p:ph type="sldNum" sz="quarter" idx="5"/>
-          </p:nvPr>
-        </p:nvSpPr>
-        <p:spPr>
-          <a:ln/>
-        </p:spPr>
-        <p:txBody>
-          <a:bodyPr/>
-          <a:lstStyle/>
-          <a:p>
-            <a:pPr marL="0" marR="0" lvl="0" indent="0" algn="r" defTabSz="914400" rtl="0" eaLnBrk="1" fontAlgn="base" latinLnBrk="0" hangingPunct="1">
-              <a:lnSpc>
-                <a:spcPct val="100000"/>
-              </a:lnSpc>
-              <a:spcBef>
-                <a:spcPct val="0"/>
-              </a:spcBef>
-              <a:spcAft>
-                <a:spcPct val="0"/>
-              </a:spcAft>
-              <a:buClrTx/>
-              <a:buSzTx/>
-              <a:buFontTx/>
-              <a:buNone/>
-              <a:tabLst/>
-              <a:defRPr/>
-            </a:pPr>
-            <a:fld id="{0BC48C6F-0679-4F34-9BAB-2E9C6BC5AE65}" type="slidenum">
-              <a:rPr kumimoji="0" lang="en-US" altLang="en-US" sz="1200" b="0" i="0" u="none" strike="noStrike" kern="1200" cap="none" spc="0" normalizeH="0" baseline="0" noProof="0" smtClean="0">
-                <a:ln>
-                  <a:noFill/>
-                </a:ln>
-                <a:solidFill>
-                  <a:srgbClr val="000000"/>
-                </a:solidFill>
-                <a:effectLst/>
-                <a:uLnTx/>
-                <a:uFillTx/>
-                <a:latin typeface="Arial" panose="020B0604020202020204" pitchFamily="34" charset="0"/>
-                <a:ea typeface="+mn-ea"/>
-                <a:cs typeface="+mn-cs"/>
-              </a:rPr>
-              <a:pPr marL="0" marR="0" lvl="0" indent="0" algn="r" defTabSz="914400" rtl="0" eaLnBrk="1" fontAlgn="base" latinLnBrk="0" hangingPunct="1">
-                <a:lnSpc>
-                  <a:spcPct val="100000"/>
-                </a:lnSpc>
-                <a:spcBef>
-                  <a:spcPct val="0"/>
-                </a:spcBef>
-                <a:spcAft>
-                  <a:spcPct val="0"/>
-                </a:spcAft>
-                <a:buClrTx/>
-                <a:buSzTx/>
-                <a:buFontTx/>
-                <a:buNone/>
-                <a:tabLst/>
-                <a:defRPr/>
-              </a:pPr>
-              <a:t>36</a:t>
-            </a:fld>
-            <a:endParaRPr kumimoji="0" lang="en-US" altLang="en-US" sz="1200" b="0" i="0" u="none" strike="noStrike" kern="1200" cap="none" spc="0" normalizeH="0" baseline="0" noProof="0">
-              <a:ln>
-                <a:noFill/>
-              </a:ln>
-              <a:solidFill>
-                <a:srgbClr val="000000"/>
-              </a:solidFill>
-              <a:effectLst/>
-              <a:uLnTx/>
-              <a:uFillTx/>
-              <a:latin typeface="Arial" panose="020B0604020202020204" pitchFamily="34" charset="0"/>
-              <a:ea typeface="+mn-ea"/>
-              <a:cs typeface="+mn-cs"/>
-            </a:endParaRPr>
-          </a:p>
-        </p:txBody>
-      </p:sp>
-      <p:sp>
-        <p:nvSpPr>
-          <p:cNvPr id="8194" name="Rectangle 2">
-            <a:extLst>
-              <a:ext uri="{FF2B5EF4-FFF2-40B4-BE49-F238E27FC236}">
-                <a16:creationId xmlns:a16="http://schemas.microsoft.com/office/drawing/2014/main" id="{3F16077D-EBCC-4E0D-B42A-2D55AB9C7704}"/>
-              </a:ext>
-            </a:extLst>
-          </p:cNvPr>
-          <p:cNvSpPr>
-            <a:spLocks noGrp="1" noRot="1" noChangeAspect="1" noChangeArrowheads="1" noTextEdit="1"/>
+            <a:spLocks noGrp="1" noRot="1" noChangeAspect="1"/>
           </p:cNvSpPr>
           <p:nvPr>
             <p:ph type="sldImg"/>
           </p:nvPr>
         </p:nvSpPr>
-        <p:spPr>
-          <a:ln/>
-        </p:spPr>
+        <p:spPr/>
       </p:sp>
       <p:sp>
         <p:nvSpPr>
-          <p:cNvPr id="8195" name="Rectangle 3">
-            <a:extLst>
-              <a:ext uri="{FF2B5EF4-FFF2-40B4-BE49-F238E27FC236}">
-                <a16:creationId xmlns:a16="http://schemas.microsoft.com/office/drawing/2014/main" id="{8BC3555A-CF02-4F7B-84B1-3E6D50636692}"/>
-              </a:ext>
-            </a:extLst>
-          </p:cNvPr>
+          <p:cNvPr id="3" name="Notes Placeholder 2"/>
           <p:cNvSpPr>
-            <a:spLocks noGrp="1" noChangeArrowheads="1"/>
+            <a:spLocks noGrp="1"/>
           </p:cNvSpPr>
           <p:nvPr>
             <p:ph type="body" idx="1"/>
@@ -3881,49 +3800,37 @@
           <a:bodyPr/>
           <a:lstStyle/>
           <a:p>
-            <a:pPr marL="228600" indent="-228600">
-              <a:lnSpc>
-                <a:spcPct val="80000"/>
-              </a:lnSpc>
-            </a:pPr>
-            <a:r>
-              <a:rPr lang="en-US" altLang="en-US" sz="1000" b="1" dirty="0"/>
-              <a:t>Using this PowerPoint break timer</a:t>
-            </a:r>
-          </a:p>
-          <a:p>
-            <a:pPr marL="228600" indent="-228600">
-              <a:lnSpc>
-                <a:spcPct val="80000"/>
-              </a:lnSpc>
-            </a:pPr>
-            <a:endParaRPr lang="en-US" altLang="en-US" sz="1000" b="1" dirty="0"/>
-          </a:p>
-          <a:p>
-            <a:pPr marL="228600" indent="-228600">
-              <a:lnSpc>
-                <a:spcPct val="80000"/>
-              </a:lnSpc>
-            </a:pPr>
-            <a:r>
-              <a:rPr lang="en-US" altLang="en-US" sz="1000" dirty="0"/>
-              <a:t>This PowerPoint slide uses images, custom animation, and timing to provide a countdown timer that you can use in any presentation. When you open the template, you’ll notice that the timer is set at 00:00. However, when you start the slide show, the timer will start at the correct time and count down by 1-minute intervals until it gets to 1 minute. At that point, it will count down in two 30-seconds intervals to 00:00.</a:t>
-            </a:r>
-          </a:p>
-          <a:p>
-            <a:pPr marL="228600" indent="-228600">
-              <a:lnSpc>
-                <a:spcPct val="80000"/>
-              </a:lnSpc>
-            </a:pPr>
-            <a:endParaRPr lang="en-US" altLang="en-US" sz="1000" dirty="0"/>
+            <a:endParaRPr lang="en-US" dirty="0"/>
+          </a:p>
+        </p:txBody>
+      </p:sp>
+      <p:sp>
+        <p:nvSpPr>
+          <p:cNvPr id="4" name="Slide Number Placeholder 3"/>
+          <p:cNvSpPr>
+            <a:spLocks noGrp="1"/>
+          </p:cNvSpPr>
+          <p:nvPr>
+            <p:ph type="sldNum" sz="quarter" idx="5"/>
+          </p:nvPr>
+        </p:nvSpPr>
+        <p:spPr/>
+        <p:txBody>
+          <a:bodyPr/>
+          <a:lstStyle/>
+          <a:p>
+            <a:fld id="{AF533E96-F078-4B3D-A8F4-F1AF21EBC357}" type="slidenum">
+              <a:rPr lang="en-US" smtClean="0"/>
+              <a:t>37</a:t>
+            </a:fld>
+            <a:endParaRPr lang="en-US"/>
           </a:p>
         </p:txBody>
       </p:sp>
     </p:spTree>
     <p:extLst>
       <p:ext uri="{BB962C8B-B14F-4D97-AF65-F5344CB8AC3E}">
-        <p14:creationId xmlns:p14="http://schemas.microsoft.com/office/powerpoint/2010/main" val="3568054752"/>
+        <p14:creationId xmlns:p14="http://schemas.microsoft.com/office/powerpoint/2010/main" val="3668200123"/>
       </p:ext>
     </p:extLst>
   </p:cSld>
@@ -3988,7 +3895,7 @@
             <a:spLocks noGrp="1"/>
           </p:cNvSpPr>
           <p:nvPr>
-            <p:ph type="sldNum" sz="quarter" idx="5"/>
+            <p:ph type="sldNum" sz="quarter" idx="10"/>
           </p:nvPr>
         </p:nvSpPr>
         <p:spPr/>
@@ -3996,7 +3903,7 @@
           <a:bodyPr/>
           <a:lstStyle/>
           <a:p>
-            <a:fld id="{AF533E96-F078-4B3D-A8F4-F1AF21EBC357}" type="slidenum">
+            <a:fld id="{87350B06-B074-48FC-8CFD-53D2CD8FB95F}" type="slidenum">
               <a:rPr lang="en-US" smtClean="0"/>
               <a:t>38</a:t>
             </a:fld>
@@ -4007,7 +3914,7 @@
     </p:spTree>
     <p:extLst>
       <p:ext uri="{BB962C8B-B14F-4D97-AF65-F5344CB8AC3E}">
-        <p14:creationId xmlns:p14="http://schemas.microsoft.com/office/powerpoint/2010/main" val="3668200123"/>
+        <p14:creationId xmlns:p14="http://schemas.microsoft.com/office/powerpoint/2010/main" val="3673153367"/>
       </p:ext>
     </p:extLst>
   </p:cSld>
@@ -4036,21 +3943,126 @@
       </p:grpSpPr>
       <p:sp>
         <p:nvSpPr>
-          <p:cNvPr id="2" name="Slide Image Placeholder 1"/>
+          <p:cNvPr id="7" name="Rectangle 7">
+            <a:extLst>
+              <a:ext uri="{FF2B5EF4-FFF2-40B4-BE49-F238E27FC236}">
+                <a16:creationId xmlns:a16="http://schemas.microsoft.com/office/drawing/2014/main" id="{E6A34525-BC6F-4365-82B7-767939DA7206}"/>
+              </a:ext>
+            </a:extLst>
+          </p:cNvPr>
           <p:cNvSpPr>
-            <a:spLocks noGrp="1" noRot="1" noChangeAspect="1"/>
+            <a:spLocks noGrp="1" noChangeArrowheads="1"/>
+          </p:cNvSpPr>
+          <p:nvPr>
+            <p:ph type="sldNum" sz="quarter" idx="5"/>
+          </p:nvPr>
+        </p:nvSpPr>
+        <p:spPr>
+          <a:ln/>
+        </p:spPr>
+        <p:txBody>
+          <a:bodyPr/>
+          <a:lstStyle/>
+          <a:p>
+            <a:pPr marL="0" marR="0" lvl="0" indent="0" algn="r" defTabSz="914400" rtl="0" eaLnBrk="1" fontAlgn="base" latinLnBrk="0" hangingPunct="1">
+              <a:lnSpc>
+                <a:spcPct val="100000"/>
+              </a:lnSpc>
+              <a:spcBef>
+                <a:spcPct val="0"/>
+              </a:spcBef>
+              <a:spcAft>
+                <a:spcPct val="0"/>
+              </a:spcAft>
+              <a:buClrTx/>
+              <a:buSzTx/>
+              <a:buFontTx/>
+              <a:buNone/>
+              <a:tabLst/>
+              <a:defRPr/>
+            </a:pPr>
+            <a:fld id="{0BC48C6F-0679-4F34-9BAB-2E9C6BC5AE65}" type="slidenum">
+              <a:rPr kumimoji="0" lang="en-US" altLang="en-US" sz="1200" b="0" i="0" u="none" strike="noStrike" kern="1200" cap="none" spc="0" normalizeH="0" baseline="0" noProof="0" smtClean="0">
+                <a:ln>
+                  <a:noFill/>
+                </a:ln>
+                <a:solidFill>
+                  <a:srgbClr val="000000"/>
+                </a:solidFill>
+                <a:effectLst/>
+                <a:uLnTx/>
+                <a:uFillTx/>
+                <a:latin typeface="Arial" panose="020B0604020202020204" pitchFamily="34" charset="0"/>
+                <a:ea typeface="+mn-ea"/>
+                <a:cs typeface="+mn-cs"/>
+              </a:rPr>
+              <a:pPr marL="0" marR="0" lvl="0" indent="0" algn="r" defTabSz="914400" rtl="0" eaLnBrk="1" fontAlgn="base" latinLnBrk="0" hangingPunct="1">
+                <a:lnSpc>
+                  <a:spcPct val="100000"/>
+                </a:lnSpc>
+                <a:spcBef>
+                  <a:spcPct val="0"/>
+                </a:spcBef>
+                <a:spcAft>
+                  <a:spcPct val="0"/>
+                </a:spcAft>
+                <a:buClrTx/>
+                <a:buSzTx/>
+                <a:buFontTx/>
+                <a:buNone/>
+                <a:tabLst/>
+                <a:defRPr/>
+              </a:pPr>
+              <a:t>40</a:t>
+            </a:fld>
+            <a:endParaRPr kumimoji="0" lang="en-US" altLang="en-US" sz="1200" b="0" i="0" u="none" strike="noStrike" kern="1200" cap="none" spc="0" normalizeH="0" baseline="0" noProof="0">
+              <a:ln>
+                <a:noFill/>
+              </a:ln>
+              <a:solidFill>
+                <a:srgbClr val="000000"/>
+              </a:solidFill>
+              <a:effectLst/>
+              <a:uLnTx/>
+              <a:uFillTx/>
+              <a:latin typeface="Arial" panose="020B0604020202020204" pitchFamily="34" charset="0"/>
+              <a:ea typeface="+mn-ea"/>
+              <a:cs typeface="+mn-cs"/>
+            </a:endParaRPr>
+          </a:p>
+        </p:txBody>
+      </p:sp>
+      <p:sp>
+        <p:nvSpPr>
+          <p:cNvPr id="8194" name="Rectangle 2">
+            <a:extLst>
+              <a:ext uri="{FF2B5EF4-FFF2-40B4-BE49-F238E27FC236}">
+                <a16:creationId xmlns:a16="http://schemas.microsoft.com/office/drawing/2014/main" id="{3F16077D-EBCC-4E0D-B42A-2D55AB9C7704}"/>
+              </a:ext>
+            </a:extLst>
+          </p:cNvPr>
+          <p:cNvSpPr>
+            <a:spLocks noGrp="1" noRot="1" noChangeAspect="1" noChangeArrowheads="1" noTextEdit="1"/>
           </p:cNvSpPr>
           <p:nvPr>
             <p:ph type="sldImg"/>
           </p:nvPr>
         </p:nvSpPr>
-        <p:spPr/>
+        <p:spPr>
+          <a:ln/>
+        </p:spPr>
       </p:sp>
       <p:sp>
         <p:nvSpPr>
-          <p:cNvPr id="3" name="Notes Placeholder 2"/>
+          <p:cNvPr id="8195" name="Rectangle 3">
+            <a:extLst>
+              <a:ext uri="{FF2B5EF4-FFF2-40B4-BE49-F238E27FC236}">
+                <a16:creationId xmlns:a16="http://schemas.microsoft.com/office/drawing/2014/main" id="{8BC3555A-CF02-4F7B-84B1-3E6D50636692}"/>
+              </a:ext>
+            </a:extLst>
+          </p:cNvPr>
           <p:cNvSpPr>
-            <a:spLocks noGrp="1"/>
+            <a:spLocks noGrp="1" noChangeArrowheads="1"/>
           </p:cNvSpPr>
           <p:nvPr>
             <p:ph type="body" idx="1"/>
@@ -4061,37 +4073,49 @@
           <a:bodyPr/>
           <a:lstStyle/>
           <a:p>
-            <a:endParaRPr lang="en-US" dirty="0"/>
-          </a:p>
-        </p:txBody>
-      </p:sp>
-      <p:sp>
-        <p:nvSpPr>
-          <p:cNvPr id="4" name="Slide Number Placeholder 3"/>
-          <p:cNvSpPr>
-            <a:spLocks noGrp="1"/>
-          </p:cNvSpPr>
-          <p:nvPr>
-            <p:ph type="sldNum" sz="quarter" idx="10"/>
-          </p:nvPr>
-        </p:nvSpPr>
-        <p:spPr/>
-        <p:txBody>
-          <a:bodyPr/>
-          <a:lstStyle/>
-          <a:p>
-            <a:fld id="{87350B06-B074-48FC-8CFD-53D2CD8FB95F}" type="slidenum">
-              <a:rPr lang="en-US" smtClean="0"/>
-              <a:t>39</a:t>
-            </a:fld>
-            <a:endParaRPr lang="en-US"/>
+            <a:pPr marL="228600" indent="-228600">
+              <a:lnSpc>
+                <a:spcPct val="80000"/>
+              </a:lnSpc>
+            </a:pPr>
+            <a:r>
+              <a:rPr lang="en-US" altLang="en-US" sz="1000" b="1" dirty="0"/>
+              <a:t>Using this PowerPoint break timer</a:t>
+            </a:r>
+          </a:p>
+          <a:p>
+            <a:pPr marL="228600" indent="-228600">
+              <a:lnSpc>
+                <a:spcPct val="80000"/>
+              </a:lnSpc>
+            </a:pPr>
+            <a:endParaRPr lang="en-US" altLang="en-US" sz="1000" b="1" dirty="0"/>
+          </a:p>
+          <a:p>
+            <a:pPr marL="228600" indent="-228600">
+              <a:lnSpc>
+                <a:spcPct val="80000"/>
+              </a:lnSpc>
+            </a:pPr>
+            <a:r>
+              <a:rPr lang="en-US" altLang="en-US" sz="1000" dirty="0"/>
+              <a:t>This PowerPoint slide uses images, custom animation, and timing to provide a countdown timer that you can use in any presentation. When you open the template, you’ll notice that the timer is set at 00:00. However, when you start the slide show, the timer will start at the correct time and count down by 1-minute intervals until it gets to 1 minute. At that point, it will count down in two 30-seconds intervals to 00:00.</a:t>
+            </a:r>
+          </a:p>
+          <a:p>
+            <a:pPr marL="228600" indent="-228600">
+              <a:lnSpc>
+                <a:spcPct val="80000"/>
+              </a:lnSpc>
+            </a:pPr>
+            <a:endParaRPr lang="en-US" altLang="en-US" sz="1000" dirty="0"/>
           </a:p>
         </p:txBody>
       </p:sp>
     </p:spTree>
     <p:extLst>
       <p:ext uri="{BB962C8B-B14F-4D97-AF65-F5344CB8AC3E}">
-        <p14:creationId xmlns:p14="http://schemas.microsoft.com/office/powerpoint/2010/main" val="3673153367"/>
+        <p14:creationId xmlns:p14="http://schemas.microsoft.com/office/powerpoint/2010/main" val="3568054752"/>
       </p:ext>
     </p:extLst>
   </p:cSld>
@@ -16584,7 +16608,7 @@
           <a:p>
             <a:r>
               <a:rPr lang="en-US" sz="2000" dirty="0"/>
-              <a:t>Each function call was precisely identified in the header by a prototype</a:t>
+              <a:t>Each function call was precisely identified in the header by a prototype having the same signature</a:t>
             </a:r>
           </a:p>
         </p:txBody>
@@ -34455,7 +34479,7 @@
           <a:p>
             <a:r>
               <a:rPr lang="en-US" dirty="0"/>
-              <a:t>Additional Member Functions</a:t>
+              <a:t>Led3: Additional Member Functions</a:t>
             </a:r>
           </a:p>
         </p:txBody>
@@ -34473,12 +34497,12 @@
         <p:spPr>
           <a:xfrm>
             <a:off x="304800" y="1197405"/>
-            <a:ext cx="7315200" cy="2517345"/>
+            <a:ext cx="7315200" cy="3279345"/>
           </a:xfrm>
         </p:spPr>
         <p:txBody>
           <a:bodyPr>
-            <a:normAutofit fontScale="55000" lnSpcReduction="20000"/>
+            <a:normAutofit fontScale="70000" lnSpcReduction="20000"/>
           </a:bodyPr>
           <a:lstStyle/>
           <a:p>
@@ -34496,39 +34520,18 @@
                 <a:latin typeface="Courier New" panose="02070309020205020404" pitchFamily="49" charset="0"/>
                 <a:cs typeface="Courier New" panose="02070309020205020404" pitchFamily="49" charset="0"/>
               </a:rPr>
-              <a:t>A Timing feature called Random Mode and Flicker Mode</a:t>
-            </a:r>
-          </a:p>
-          <a:p>
-            <a:pPr marL="0" indent="0">
-              <a:buNone/>
-            </a:pPr>
-            <a:r>
-              <a:rPr lang="en-US" sz="3300" b="1" dirty="0">
-                <a:solidFill>
-                  <a:schemeClr val="tx2">
-                    <a:lumMod val="60000"/>
-                    <a:lumOff val="40000"/>
-                  </a:schemeClr>
-                </a:solidFill>
-                <a:latin typeface="Courier New" panose="02070309020205020404" pitchFamily="49" charset="0"/>
-                <a:cs typeface="Courier New" panose="02070309020205020404" pitchFamily="49" charset="0"/>
-              </a:rPr>
-              <a:t>(Implemented just l</a:t>
-            </a:r>
-            <a:r>
-              <a:rPr lang="en-US" sz="2800" b="1" dirty="0">
-                <a:solidFill>
-                  <a:schemeClr val="tx2">
-                    <a:lumMod val="60000"/>
-                    <a:lumOff val="40000"/>
-                  </a:schemeClr>
-                </a:solidFill>
-                <a:latin typeface="Courier New" panose="02070309020205020404" pitchFamily="49" charset="0"/>
-                <a:cs typeface="Courier New" panose="02070309020205020404" pitchFamily="49" charset="0"/>
-              </a:rPr>
-              <a:t>ike blink mode)</a:t>
-            </a:r>
+              <a:t>Two new Timing features called Random Mode and Flicker Mode (in addition to Blink and Normal)</a:t>
+            </a:r>
+            <a:endParaRPr lang="en-US" sz="2800" b="1" dirty="0">
+              <a:solidFill>
+                <a:schemeClr val="tx2">
+                  <a:lumMod val="60000"/>
+                  <a:lumOff val="40000"/>
+                </a:schemeClr>
+              </a:solidFill>
+              <a:latin typeface="Courier New" panose="02070309020205020404" pitchFamily="49" charset="0"/>
+              <a:cs typeface="Courier New" panose="02070309020205020404" pitchFamily="49" charset="0"/>
+            </a:endParaRPr>
           </a:p>
           <a:p>
             <a:pPr marL="0" indent="0">
@@ -34546,31 +34549,53 @@
               <a:rPr lang="en-US" sz="2900" dirty="0">
                 <a:cs typeface="Courier New" panose="02070309020205020404" pitchFamily="49" charset="0"/>
               </a:rPr>
-              <a:t>Use with a call to </a:t>
+              <a:t>Define variable as before (with a pin)</a:t>
+            </a:r>
+          </a:p>
+          <a:p>
+            <a:pPr marL="0" indent="0">
+              <a:buNone/>
+            </a:pPr>
+            <a:r>
+              <a:rPr lang="en-US" sz="2900" dirty="0">
+                <a:cs typeface="Courier New" panose="02070309020205020404" pitchFamily="49" charset="0"/>
+              </a:rPr>
+              <a:t>Then call </a:t>
             </a:r>
             <a:r>
               <a:rPr lang="en-US" sz="2900" dirty="0" err="1">
                 <a:cs typeface="Courier New" panose="02070309020205020404" pitchFamily="49" charset="0"/>
               </a:rPr>
-              <a:t>setRandom</a:t>
+              <a:t>setMode</a:t>
             </a:r>
             <a:r>
               <a:rPr lang="en-US" sz="2900" dirty="0">
                 <a:cs typeface="Courier New" panose="02070309020205020404" pitchFamily="49" charset="0"/>
               </a:rPr>
-              <a:t>() or </a:t>
+              <a:t>( </a:t>
             </a:r>
             <a:r>
               <a:rPr lang="en-US" sz="2900" dirty="0" err="1">
                 <a:cs typeface="Courier New" panose="02070309020205020404" pitchFamily="49" charset="0"/>
               </a:rPr>
-              <a:t>setFlicker</a:t>
+              <a:t>newMode</a:t>
             </a:r>
             <a:r>
               <a:rPr lang="en-US" sz="2900" dirty="0">
                 <a:cs typeface="Courier New" panose="02070309020205020404" pitchFamily="49" charset="0"/>
               </a:rPr>
-              <a:t>()   (on/off will cancel either the mode)</a:t>
+              <a:t> )    // Normal, Blink, Random, Flicker</a:t>
+            </a:r>
+          </a:p>
+          <a:p>
+            <a:pPr marL="0" indent="0">
+              <a:buNone/>
+            </a:pPr>
+            <a:r>
+              <a:rPr lang="en-US" sz="2900" dirty="0">
+                <a:cs typeface="Courier New" panose="02070309020205020404" pitchFamily="49" charset="0"/>
+              </a:rPr>
+              <a:t>Each mode has ability to set timing options.</a:t>
             </a:r>
           </a:p>
           <a:p>
@@ -34589,19 +34614,7 @@
               <a:rPr lang="en-US" sz="2900" dirty="0">
                 <a:cs typeface="Courier New" panose="02070309020205020404" pitchFamily="49" charset="0"/>
               </a:rPr>
-              <a:t>You set the minimum and maximum interval but the duration will be random between these. A third parameter called </a:t>
-            </a:r>
-            <a:r>
-              <a:rPr lang="en-US" sz="2900" dirty="0" err="1">
-                <a:cs typeface="Courier New" panose="02070309020205020404" pitchFamily="49" charset="0"/>
-              </a:rPr>
-              <a:t>cosMode</a:t>
-            </a:r>
-            <a:r>
-              <a:rPr lang="en-US" sz="2900" dirty="0">
-                <a:cs typeface="Courier New" panose="02070309020205020404" pitchFamily="49" charset="0"/>
-              </a:rPr>
-              <a:t> (for change of state Mode) determines whether the change of state itself will also be random, or will always be a flip over.</a:t>
+              <a:t>Intended for random building lighting effects. </a:t>
             </a:r>
           </a:p>
           <a:p>
@@ -34612,7 +34625,7 @@
               <a:rPr lang="en-US" sz="2900" dirty="0">
                 <a:cs typeface="Courier New" panose="02070309020205020404" pitchFamily="49" charset="0"/>
               </a:rPr>
-              <a:t>Intended for random building lighting effects. </a:t>
+              <a:t>Also Flickering gas light or fire effects.</a:t>
             </a:r>
           </a:p>
         </p:txBody>
@@ -34653,124 +34666,6 @@
           </a:prstGeom>
         </p:spPr>
       </p:pic>
-      <p:sp>
-        <p:nvSpPr>
-          <p:cNvPr id="7" name="TextBox 6">
-            <a:extLst>
-              <a:ext uri="{FF2B5EF4-FFF2-40B4-BE49-F238E27FC236}">
-                <a16:creationId xmlns:a16="http://schemas.microsoft.com/office/drawing/2014/main" id="{611B9BFD-BA52-4C55-9EE5-8ABC3A77E5BC}"/>
-              </a:ext>
-            </a:extLst>
-          </p:cNvPr>
-          <p:cNvSpPr txBox="1"/>
-          <p:nvPr/>
-        </p:nvSpPr>
-        <p:spPr>
-          <a:xfrm>
-            <a:off x="304800" y="3638550"/>
-            <a:ext cx="7315200" cy="523220"/>
-          </a:xfrm>
-          <a:prstGeom prst="rect">
-            <a:avLst/>
-          </a:prstGeom>
-          <a:solidFill>
-            <a:schemeClr val="bg1">
-              <a:lumMod val="95000"/>
-            </a:schemeClr>
-          </a:solidFill>
-          <a:ln>
-            <a:solidFill>
-              <a:schemeClr val="tx1"/>
-            </a:solidFill>
-          </a:ln>
-        </p:spPr>
-        <p:txBody>
-          <a:bodyPr wrap="square">
-            <a:spAutoFit/>
-          </a:bodyPr>
-          <a:lstStyle/>
-          <a:p>
-            <a:pPr marL="0" indent="0">
-              <a:buNone/>
-            </a:pPr>
-            <a:r>
-              <a:rPr lang="en-US" sz="1400" dirty="0" err="1">
-                <a:latin typeface="Courier New" panose="02070309020205020404" pitchFamily="49" charset="0"/>
-                <a:cs typeface="Courier New" panose="02070309020205020404" pitchFamily="49" charset="0"/>
-              </a:rPr>
-              <a:t>setRandom</a:t>
-            </a:r>
-            <a:r>
-              <a:rPr lang="en-US" sz="1400" dirty="0">
-                <a:latin typeface="Courier New" panose="02070309020205020404" pitchFamily="49" charset="0"/>
-                <a:cs typeface="Courier New" panose="02070309020205020404" pitchFamily="49" charset="0"/>
-              </a:rPr>
-              <a:t>(long </a:t>
-            </a:r>
-            <a:r>
-              <a:rPr lang="en-US" sz="1400" dirty="0" err="1">
-                <a:latin typeface="Courier New" panose="02070309020205020404" pitchFamily="49" charset="0"/>
-                <a:cs typeface="Courier New" panose="02070309020205020404" pitchFamily="49" charset="0"/>
-              </a:rPr>
-              <a:t>minTime</a:t>
-            </a:r>
-            <a:r>
-              <a:rPr lang="en-US" sz="1400" dirty="0">
-                <a:latin typeface="Courier New" panose="02070309020205020404" pitchFamily="49" charset="0"/>
-                <a:cs typeface="Courier New" panose="02070309020205020404" pitchFamily="49" charset="0"/>
-              </a:rPr>
-              <a:t>, long </a:t>
-            </a:r>
-            <a:r>
-              <a:rPr lang="en-US" sz="1400" dirty="0" err="1">
-                <a:latin typeface="Courier New" panose="02070309020205020404" pitchFamily="49" charset="0"/>
-                <a:cs typeface="Courier New" panose="02070309020205020404" pitchFamily="49" charset="0"/>
-              </a:rPr>
-              <a:t>maxTime</a:t>
-            </a:r>
-            <a:r>
-              <a:rPr lang="en-US" sz="1400" dirty="0">
-                <a:latin typeface="Courier New" panose="02070309020205020404" pitchFamily="49" charset="0"/>
-                <a:cs typeface="Courier New" panose="02070309020205020404" pitchFamily="49" charset="0"/>
-              </a:rPr>
-              <a:t>, bool </a:t>
-            </a:r>
-            <a:r>
-              <a:rPr lang="en-US" sz="1400" dirty="0" err="1">
-                <a:latin typeface="Courier New" panose="02070309020205020404" pitchFamily="49" charset="0"/>
-                <a:cs typeface="Courier New" panose="02070309020205020404" pitchFamily="49" charset="0"/>
-              </a:rPr>
-              <a:t>cosMode</a:t>
-            </a:r>
-            <a:r>
-              <a:rPr lang="en-US" sz="1400" dirty="0">
-                <a:latin typeface="Courier New" panose="02070309020205020404" pitchFamily="49" charset="0"/>
-                <a:cs typeface="Courier New" panose="02070309020205020404" pitchFamily="49" charset="0"/>
-              </a:rPr>
-              <a:t>)</a:t>
-            </a:r>
-          </a:p>
-          <a:p>
-            <a:pPr marL="0" indent="0">
-              <a:buNone/>
-            </a:pPr>
-            <a:r>
-              <a:rPr lang="en-US" sz="1400" dirty="0" err="1">
-                <a:latin typeface="Courier New" panose="02070309020205020404" pitchFamily="49" charset="0"/>
-                <a:cs typeface="Courier New" panose="02070309020205020404" pitchFamily="49" charset="0"/>
-              </a:rPr>
-              <a:t>getRandomPct</a:t>
-            </a:r>
-            <a:r>
-              <a:rPr lang="en-US" sz="1400" dirty="0">
-                <a:latin typeface="Courier New" panose="02070309020205020404" pitchFamily="49" charset="0"/>
-                <a:cs typeface="Courier New" panose="02070309020205020404" pitchFamily="49" charset="0"/>
-              </a:rPr>
-              <a:t>()      // return the percent of the interval remaining</a:t>
-            </a:r>
-          </a:p>
-        </p:txBody>
-      </p:sp>
     </p:spTree>
     <p:extLst>
       <p:ext uri="{BB962C8B-B14F-4D97-AF65-F5344CB8AC3E}">
@@ -34785,6 +34680,1049 @@
 </file>
 
 <file path=ppt/slides/slide36.xml><?xml version="1.0" encoding="utf-8"?>
+<p:sld xmlns:a="http://schemas.openxmlformats.org/drawingml/2006/main" xmlns:r="http://schemas.openxmlformats.org/officeDocument/2006/relationships" xmlns:p="http://schemas.openxmlformats.org/presentationml/2006/main">
+  <p:cSld>
+    <p:spTree>
+      <p:nvGrpSpPr>
+        <p:cNvPr id="1" name=""/>
+        <p:cNvGrpSpPr/>
+        <p:nvPr/>
+      </p:nvGrpSpPr>
+      <p:grpSpPr>
+        <a:xfrm>
+          <a:off x="0" y="0"/>
+          <a:ext cx="0" cy="0"/>
+          <a:chOff x="0" y="0"/>
+          <a:chExt cx="0" cy="0"/>
+        </a:xfrm>
+      </p:grpSpPr>
+      <p:sp>
+        <p:nvSpPr>
+          <p:cNvPr id="4" name="Title 3">
+            <a:extLst>
+              <a:ext uri="{FF2B5EF4-FFF2-40B4-BE49-F238E27FC236}">
+                <a16:creationId xmlns:a16="http://schemas.microsoft.com/office/drawing/2014/main" id="{BDE6CE25-34FB-4714-9DAA-1CEAE47154BE}"/>
+              </a:ext>
+            </a:extLst>
+          </p:cNvPr>
+          <p:cNvSpPr>
+            <a:spLocks noGrp="1"/>
+          </p:cNvSpPr>
+          <p:nvPr>
+            <p:ph type="title"/>
+          </p:nvPr>
+        </p:nvSpPr>
+        <p:spPr>
+          <a:xfrm>
+            <a:off x="659756" y="2416323"/>
+            <a:ext cx="8345486" cy="1021556"/>
+          </a:xfrm>
+        </p:spPr>
+        <p:txBody>
+          <a:bodyPr>
+            <a:normAutofit fontScale="90000"/>
+          </a:bodyPr>
+          <a:lstStyle/>
+          <a:p>
+            <a:r>
+              <a:rPr lang="en-US" dirty="0"/>
+              <a:t>Backup Material</a:t>
+            </a:r>
+            <a:br>
+              <a:rPr lang="en-US" dirty="0"/>
+            </a:br>
+            <a:br>
+              <a:rPr lang="en-US" dirty="0"/>
+            </a:br>
+            <a:endParaRPr lang="en-US" dirty="0"/>
+          </a:p>
+        </p:txBody>
+      </p:sp>
+      <p:sp>
+        <p:nvSpPr>
+          <p:cNvPr id="5" name="Text Placeholder 4">
+            <a:extLst>
+              <a:ext uri="{FF2B5EF4-FFF2-40B4-BE49-F238E27FC236}">
+                <a16:creationId xmlns:a16="http://schemas.microsoft.com/office/drawing/2014/main" id="{E0AB60C3-939D-43D0-812C-6CEDD6D880B3}"/>
+              </a:ext>
+            </a:extLst>
+          </p:cNvPr>
+          <p:cNvSpPr>
+            <a:spLocks noGrp="1"/>
+          </p:cNvSpPr>
+          <p:nvPr>
+            <p:ph type="body" idx="1"/>
+          </p:nvPr>
+        </p:nvSpPr>
+        <p:spPr>
+          <a:xfrm>
+            <a:off x="685800" y="1276350"/>
+            <a:ext cx="7772400" cy="1125140"/>
+          </a:xfrm>
+        </p:spPr>
+        <p:txBody>
+          <a:bodyPr/>
+          <a:lstStyle/>
+          <a:p>
+            <a:r>
+              <a:rPr lang="en-US" dirty="0"/>
+              <a:t>Part 8</a:t>
+            </a:r>
+          </a:p>
+        </p:txBody>
+      </p:sp>
+      <p:sp>
+        <p:nvSpPr>
+          <p:cNvPr id="6" name="Flowchart: Terminator 5">
+            <a:extLst>
+              <a:ext uri="{FF2B5EF4-FFF2-40B4-BE49-F238E27FC236}">
+                <a16:creationId xmlns:a16="http://schemas.microsoft.com/office/drawing/2014/main" id="{B8DF4192-CFE1-4A67-AE00-4ECB21BB495C}"/>
+              </a:ext>
+            </a:extLst>
+          </p:cNvPr>
+          <p:cNvSpPr/>
+          <p:nvPr/>
+        </p:nvSpPr>
+        <p:spPr>
+          <a:xfrm>
+            <a:off x="7467600" y="4552950"/>
+            <a:ext cx="1103376" cy="228600"/>
+          </a:xfrm>
+          <a:prstGeom prst="flowChartTerminator">
+            <a:avLst/>
+          </a:prstGeom>
+          <a:solidFill>
+            <a:schemeClr val="accent3">
+              <a:lumMod val="20000"/>
+              <a:lumOff val="80000"/>
+            </a:schemeClr>
+          </a:solidFill>
+          <a:ln>
+            <a:solidFill>
+              <a:schemeClr val="accent3">
+                <a:lumMod val="60000"/>
+                <a:lumOff val="40000"/>
+              </a:schemeClr>
+            </a:solidFill>
+          </a:ln>
+        </p:spPr>
+        <p:style>
+          <a:lnRef idx="2">
+            <a:schemeClr val="accent1">
+              <a:shade val="50000"/>
+            </a:schemeClr>
+          </a:lnRef>
+          <a:fillRef idx="1">
+            <a:schemeClr val="accent1"/>
+          </a:fillRef>
+          <a:effectRef idx="0">
+            <a:schemeClr val="accent1"/>
+          </a:effectRef>
+          <a:fontRef idx="minor">
+            <a:schemeClr val="lt1"/>
+          </a:fontRef>
+        </p:style>
+        <p:txBody>
+          <a:bodyPr rtlCol="0" anchor="ctr"/>
+          <a:lstStyle/>
+          <a:p>
+            <a:pPr algn="ctr"/>
+            <a:r>
+              <a:rPr lang="en-US" sz="1000" dirty="0">
+                <a:solidFill>
+                  <a:schemeClr val="tx1"/>
+                </a:solidFill>
+                <a:hlinkClick r:id="rId2" action="ppaction://hlinksldjump"/>
+              </a:rPr>
+              <a:t>Back to Agenda</a:t>
+            </a:r>
+            <a:endParaRPr lang="en-US" sz="1000" dirty="0">
+              <a:solidFill>
+                <a:schemeClr val="tx1"/>
+              </a:solidFill>
+            </a:endParaRPr>
+          </a:p>
+        </p:txBody>
+      </p:sp>
+    </p:spTree>
+    <p:extLst>
+      <p:ext uri="{BB962C8B-B14F-4D97-AF65-F5344CB8AC3E}">
+        <p14:creationId xmlns:p14="http://schemas.microsoft.com/office/powerpoint/2010/main" val="2197259810"/>
+      </p:ext>
+    </p:extLst>
+  </p:cSld>
+  <p:clrMapOvr>
+    <a:masterClrMapping/>
+  </p:clrMapOvr>
+</p:sld>
+</file>
+
+<file path=ppt/slides/slide37.xml><?xml version="1.0" encoding="utf-8"?>
+<p:sld xmlns:a="http://schemas.openxmlformats.org/drawingml/2006/main" xmlns:r="http://schemas.openxmlformats.org/officeDocument/2006/relationships" xmlns:p="http://schemas.openxmlformats.org/presentationml/2006/main">
+  <p:cSld>
+    <p:spTree>
+      <p:nvGrpSpPr>
+        <p:cNvPr id="1" name=""/>
+        <p:cNvGrpSpPr/>
+        <p:nvPr/>
+      </p:nvGrpSpPr>
+      <p:grpSpPr>
+        <a:xfrm>
+          <a:off x="0" y="0"/>
+          <a:ext cx="0" cy="0"/>
+          <a:chOff x="0" y="0"/>
+          <a:chExt cx="0" cy="0"/>
+        </a:xfrm>
+      </p:grpSpPr>
+      <p:sp>
+        <p:nvSpPr>
+          <p:cNvPr id="4" name="Title 3"/>
+          <p:cNvSpPr>
+            <a:spLocks noGrp="1"/>
+          </p:cNvSpPr>
+          <p:nvPr>
+            <p:ph type="title"/>
+          </p:nvPr>
+        </p:nvSpPr>
+        <p:spPr/>
+        <p:txBody>
+          <a:bodyPr>
+            <a:normAutofit/>
+          </a:bodyPr>
+          <a:lstStyle/>
+          <a:p>
+            <a:r>
+              <a:rPr lang="en-US" dirty="0"/>
+              <a:t>Lessons Learned</a:t>
+            </a:r>
+          </a:p>
+        </p:txBody>
+      </p:sp>
+      <p:sp>
+        <p:nvSpPr>
+          <p:cNvPr id="5" name="Content Placeholder 4"/>
+          <p:cNvSpPr>
+            <a:spLocks noGrp="1"/>
+          </p:cNvSpPr>
+          <p:nvPr>
+            <p:ph idx="1"/>
+          </p:nvPr>
+        </p:nvSpPr>
+        <p:spPr>
+          <a:xfrm>
+            <a:off x="304800" y="1197405"/>
+            <a:ext cx="7315200" cy="3576168"/>
+          </a:xfrm>
+        </p:spPr>
+        <p:txBody>
+          <a:bodyPr>
+            <a:normAutofit fontScale="92500" lnSpcReduction="10000"/>
+          </a:bodyPr>
+          <a:lstStyle/>
+          <a:p>
+            <a:pPr marL="0" indent="0">
+              <a:buNone/>
+            </a:pPr>
+            <a:r>
+              <a:rPr lang="en-US" sz="2400" dirty="0">
+                <a:cs typeface="Courier New" panose="02070309020205020404" pitchFamily="49" charset="0"/>
+              </a:rPr>
+              <a:t>IMO:  The hardest part is knowing what properties and methods are available with a (non-trivial) class. </a:t>
+            </a:r>
+          </a:p>
+          <a:p>
+            <a:pPr marL="0" indent="0">
+              <a:buNone/>
+            </a:pPr>
+            <a:r>
+              <a:rPr lang="en-US" sz="2400" dirty="0">
+                <a:cs typeface="Courier New" panose="02070309020205020404" pitchFamily="49" charset="0"/>
+              </a:rPr>
+              <a:t>Not only what they are but also the many options available for a given property can also be quite involved.</a:t>
+            </a:r>
+          </a:p>
+          <a:p>
+            <a:pPr marL="0" indent="0">
+              <a:buNone/>
+            </a:pPr>
+            <a:r>
+              <a:rPr lang="en-US" sz="2400" dirty="0">
+                <a:cs typeface="Courier New" panose="02070309020205020404" pitchFamily="49" charset="0"/>
+              </a:rPr>
+              <a:t>These aspects are often poorly documented. Realizing the true power of a class is a challenge under such conditions and users might be reluctant to accept the implementation at face value.</a:t>
+            </a:r>
+          </a:p>
+          <a:p>
+            <a:pPr marL="0" indent="0">
+              <a:buNone/>
+            </a:pPr>
+            <a:r>
+              <a:rPr lang="en-US" sz="2400" dirty="0">
+                <a:cs typeface="Courier New" panose="02070309020205020404" pitchFamily="49" charset="0"/>
+              </a:rPr>
+              <a:t>An example sketch demonstrating usage of some properties is helpful – but is not sufficient especially if there are many options and alternate uses.</a:t>
+            </a:r>
+            <a:endParaRPr lang="en-US" sz="2800" b="1" dirty="0">
+              <a:solidFill>
+                <a:srgbClr val="00B050"/>
+              </a:solidFill>
+              <a:latin typeface="Courier New" panose="02070309020205020404" pitchFamily="49" charset="0"/>
+              <a:cs typeface="Courier New" panose="02070309020205020404" pitchFamily="49" charset="0"/>
+            </a:endParaRPr>
+          </a:p>
+        </p:txBody>
+      </p:sp>
+      <p:pic>
+        <p:nvPicPr>
+          <p:cNvPr id="6" name="Picture 5">
+            <a:extLst>
+              <a:ext uri="{FF2B5EF4-FFF2-40B4-BE49-F238E27FC236}">
+                <a16:creationId xmlns:a16="http://schemas.microsoft.com/office/drawing/2014/main" id="{33351060-18E6-42F7-BAE2-6A49CB9B0F0C}"/>
+              </a:ext>
+            </a:extLst>
+          </p:cNvPr>
+          <p:cNvPicPr>
+            <a:picLocks noChangeAspect="1"/>
+          </p:cNvPicPr>
+          <p:nvPr/>
+        </p:nvPicPr>
+        <p:blipFill>
+          <a:blip r:embed="rId3" cstate="print">
+            <a:extLst>
+              <a:ext uri="{28A0092B-C50C-407E-A947-70E740481C1C}">
+                <a14:useLocalDpi xmlns:a14="http://schemas.microsoft.com/office/drawing/2010/main" val="0"/>
+              </a:ext>
+            </a:extLst>
+          </a:blip>
+          <a:stretch>
+            <a:fillRect/>
+          </a:stretch>
+        </p:blipFill>
+        <p:spPr>
+          <a:xfrm>
+            <a:off x="7848600" y="4583336"/>
+            <a:ext cx="1028700" cy="457771"/>
+          </a:xfrm>
+          <a:prstGeom prst="rect">
+            <a:avLst/>
+          </a:prstGeom>
+        </p:spPr>
+      </p:pic>
+    </p:spTree>
+    <p:extLst>
+      <p:ext uri="{BB962C8B-B14F-4D97-AF65-F5344CB8AC3E}">
+        <p14:creationId xmlns:p14="http://schemas.microsoft.com/office/powerpoint/2010/main" val="1684072237"/>
+      </p:ext>
+    </p:extLst>
+  </p:cSld>
+  <p:clrMapOvr>
+    <a:masterClrMapping/>
+  </p:clrMapOvr>
+</p:sld>
+</file>
+
+<file path=ppt/slides/slide38.xml><?xml version="1.0" encoding="utf-8"?>
+<p:sld xmlns:a="http://schemas.openxmlformats.org/drawingml/2006/main" xmlns:r="http://schemas.openxmlformats.org/officeDocument/2006/relationships" xmlns:p="http://schemas.openxmlformats.org/presentationml/2006/main">
+  <p:cSld>
+    <p:spTree>
+      <p:nvGrpSpPr>
+        <p:cNvPr id="1" name=""/>
+        <p:cNvGrpSpPr/>
+        <p:nvPr/>
+      </p:nvGrpSpPr>
+      <p:grpSpPr>
+        <a:xfrm>
+          <a:off x="0" y="0"/>
+          <a:ext cx="0" cy="0"/>
+          <a:chOff x="0" y="0"/>
+          <a:chExt cx="0" cy="0"/>
+        </a:xfrm>
+      </p:grpSpPr>
+      <p:sp>
+        <p:nvSpPr>
+          <p:cNvPr id="2" name="TextBox 1">
+            <a:extLst>
+              <a:ext uri="{FF2B5EF4-FFF2-40B4-BE49-F238E27FC236}">
+                <a16:creationId xmlns:a16="http://schemas.microsoft.com/office/drawing/2014/main" id="{296F6C9F-FE06-42A7-A215-13D116D868D2}"/>
+              </a:ext>
+            </a:extLst>
+          </p:cNvPr>
+          <p:cNvSpPr txBox="1"/>
+          <p:nvPr/>
+        </p:nvSpPr>
+        <p:spPr>
+          <a:xfrm>
+            <a:off x="0" y="0"/>
+            <a:ext cx="7467600" cy="646331"/>
+          </a:xfrm>
+          <a:prstGeom prst="rect">
+            <a:avLst/>
+          </a:prstGeom>
+          <a:noFill/>
+        </p:spPr>
+        <p:txBody>
+          <a:bodyPr wrap="square" rtlCol="0">
+            <a:spAutoFit/>
+          </a:bodyPr>
+          <a:lstStyle/>
+          <a:p>
+            <a:r>
+              <a:rPr lang="en-US" sz="3600" dirty="0">
+                <a:solidFill>
+                  <a:schemeClr val="bg1"/>
+                </a:solidFill>
+              </a:rPr>
+              <a:t>References and Additional Material</a:t>
+            </a:r>
+          </a:p>
+        </p:txBody>
+      </p:sp>
+      <p:sp>
+        <p:nvSpPr>
+          <p:cNvPr id="3" name="TextBox 2">
+            <a:extLst>
+              <a:ext uri="{FF2B5EF4-FFF2-40B4-BE49-F238E27FC236}">
+                <a16:creationId xmlns:a16="http://schemas.microsoft.com/office/drawing/2014/main" id="{29B74366-6C02-4246-BB33-8688199CF3DC}"/>
+              </a:ext>
+            </a:extLst>
+          </p:cNvPr>
+          <p:cNvSpPr txBox="1"/>
+          <p:nvPr/>
+        </p:nvSpPr>
+        <p:spPr>
+          <a:xfrm>
+            <a:off x="266700" y="1200150"/>
+            <a:ext cx="8610600" cy="3508653"/>
+          </a:xfrm>
+          <a:prstGeom prst="rect">
+            <a:avLst/>
+          </a:prstGeom>
+          <a:noFill/>
+        </p:spPr>
+        <p:txBody>
+          <a:bodyPr wrap="square" rtlCol="0">
+            <a:spAutoFit/>
+          </a:bodyPr>
+          <a:lstStyle/>
+          <a:p>
+            <a:r>
+              <a:rPr lang="en-US" sz="1600" dirty="0"/>
+              <a:t>Binary numbers and types :</a:t>
+            </a:r>
+          </a:p>
+          <a:p>
+            <a:pPr marL="971550" indent="-285750">
+              <a:buFont typeface="Arial" panose="020B0604020202020204" pitchFamily="34" charset="0"/>
+              <a:buChar char="•"/>
+            </a:pPr>
+            <a:r>
+              <a:rPr lang="en-US" sz="1400" dirty="0">
+                <a:solidFill>
+                  <a:srgbClr val="0066FF"/>
+                </a:solidFill>
+                <a:hlinkClick r:id="rId3"/>
+              </a:rPr>
+              <a:t>https://learn.sparkfun.com/tutorials/data-types-in-arduino/all</a:t>
+            </a:r>
+            <a:endParaRPr lang="en-US" sz="1400" dirty="0">
+              <a:solidFill>
+                <a:srgbClr val="0066FF"/>
+              </a:solidFill>
+            </a:endParaRPr>
+          </a:p>
+          <a:p>
+            <a:pPr marL="971550" indent="-285750">
+              <a:buFont typeface="Arial" panose="020B0604020202020204" pitchFamily="34" charset="0"/>
+              <a:buChar char="•"/>
+            </a:pPr>
+            <a:r>
+              <a:rPr lang="en-US" sz="1400" dirty="0">
+                <a:hlinkClick r:id="rId4"/>
+              </a:rPr>
+              <a:t>http://users.ece.utexas.edu/~valvano/embed/chap3/chap3.htm</a:t>
+            </a:r>
+            <a:endParaRPr lang="en-US" sz="1400" dirty="0"/>
+          </a:p>
+          <a:p>
+            <a:r>
+              <a:rPr lang="en-US" sz="1600" dirty="0"/>
+              <a:t>Arduino Compiler / Preprocessor Directives</a:t>
+            </a:r>
+          </a:p>
+          <a:p>
+            <a:pPr marL="971550" indent="-285750">
+              <a:buFont typeface="Arial" panose="020B0604020202020204" pitchFamily="34" charset="0"/>
+              <a:buChar char="•"/>
+            </a:pPr>
+            <a:r>
+              <a:rPr lang="en-US" sz="1400" dirty="0">
+                <a:solidFill>
+                  <a:srgbClr val="3333FF"/>
+                </a:solidFill>
+              </a:rPr>
+              <a:t>https://www.deviceplus.com/arduino/arduino-preprocessor-directives-tutorial/</a:t>
+            </a:r>
+            <a:endParaRPr lang="en-US" sz="1600" dirty="0">
+              <a:solidFill>
+                <a:srgbClr val="3333FF"/>
+              </a:solidFill>
+            </a:endParaRPr>
+          </a:p>
+          <a:p>
+            <a:r>
+              <a:rPr lang="en-US" sz="1600" dirty="0"/>
+              <a:t>Multi-Tasking on the Arduino:</a:t>
+            </a:r>
+          </a:p>
+          <a:p>
+            <a:pPr marL="974725" lvl="2" indent="-285750">
+              <a:buFont typeface="Arial" panose="020B0604020202020204" pitchFamily="34" charset="0"/>
+              <a:buChar char="•"/>
+            </a:pPr>
+            <a:r>
+              <a:rPr lang="en-US" sz="1400" dirty="0">
+                <a:solidFill>
+                  <a:srgbClr val="3333FF"/>
+                </a:solidFill>
+                <a:hlinkClick r:id="rId5">
+                  <a:extLst>
+                    <a:ext uri="{A12FA001-AC4F-418D-AE19-62706E023703}">
+                      <ahyp:hlinkClr xmlns:ahyp="http://schemas.microsoft.com/office/drawing/2018/hyperlinkcolor" val="tx"/>
+                    </a:ext>
+                  </a:extLst>
+                </a:hlinkClick>
+              </a:rPr>
+              <a:t>https://learn.adafruit.com/multi-tasking-the-arduino-part-1/overview</a:t>
+            </a:r>
+            <a:r>
+              <a:rPr lang="en-US" sz="1400" dirty="0">
+                <a:solidFill>
+                  <a:srgbClr val="3333FF"/>
+                </a:solidFill>
+              </a:rPr>
+              <a:t> </a:t>
+            </a:r>
+          </a:p>
+          <a:p>
+            <a:r>
+              <a:rPr lang="en-US" sz="1600" dirty="0"/>
+              <a:t>Conditional Evaluation (ternary operator):</a:t>
+            </a:r>
+          </a:p>
+          <a:p>
+            <a:pPr marL="971550" lvl="1" indent="-285750">
+              <a:buFont typeface="Arial" panose="020B0604020202020204" pitchFamily="34" charset="0"/>
+              <a:buChar char="•"/>
+            </a:pPr>
+            <a:r>
+              <a:rPr lang="en-US" sz="1400" dirty="0">
+                <a:solidFill>
+                  <a:srgbClr val="3333FF"/>
+                </a:solidFill>
+                <a:hlinkClick r:id="rId6">
+                  <a:extLst>
+                    <a:ext uri="{A12FA001-AC4F-418D-AE19-62706E023703}">
+                      <ahyp:hlinkClr xmlns:ahyp="http://schemas.microsoft.com/office/drawing/2018/hyperlinkcolor" val="tx"/>
+                    </a:ext>
+                  </a:extLst>
+                </a:hlinkClick>
+              </a:rPr>
+              <a:t>https://www.tutorialspoint.com/cplusplus/cpp_conditional_operator.htm</a:t>
+            </a:r>
+            <a:endParaRPr lang="en-US" sz="1400" dirty="0"/>
+          </a:p>
+          <a:p>
+            <a:r>
+              <a:rPr lang="en-US" sz="1600" dirty="0"/>
+              <a:t>Alternate explanations on the subject of  Classes:</a:t>
+            </a:r>
+          </a:p>
+          <a:p>
+            <a:pPr marL="971550" indent="-285750">
+              <a:buFont typeface="Arial" panose="020B0604020202020204" pitchFamily="34" charset="0"/>
+              <a:buChar char="•"/>
+            </a:pPr>
+            <a:r>
+              <a:rPr lang="en-US" sz="1400" dirty="0">
+                <a:hlinkClick r:id="rId7"/>
+              </a:rPr>
+              <a:t>https://www.guru99.com/cpp-classes-objects.html</a:t>
+            </a:r>
+            <a:endParaRPr lang="en-US" sz="1400" dirty="0"/>
+          </a:p>
+          <a:p>
+            <a:pPr marL="971550" indent="-285750">
+              <a:buFont typeface="Arial" panose="020B0604020202020204" pitchFamily="34" charset="0"/>
+              <a:buChar char="•"/>
+            </a:pPr>
+            <a:r>
+              <a:rPr lang="en-US" sz="1400" dirty="0">
+                <a:hlinkClick r:id="rId8"/>
+              </a:rPr>
+              <a:t>https://www.geeksforgeeks.org/c-classes-and-objects/</a:t>
+            </a:r>
+            <a:endParaRPr lang="en-US" sz="1400" dirty="0"/>
+          </a:p>
+          <a:p>
+            <a:pPr marL="971550" indent="-285750">
+              <a:buFont typeface="Arial" panose="020B0604020202020204" pitchFamily="34" charset="0"/>
+              <a:buChar char="•"/>
+            </a:pPr>
+            <a:r>
+              <a:rPr lang="en-US" sz="1400" dirty="0">
+                <a:hlinkClick r:id="rId9"/>
+              </a:rPr>
+              <a:t>http://paulmurraycbr.github.io/ArduinoTheOOWay.html</a:t>
+            </a:r>
+            <a:endParaRPr lang="en-US" sz="1400" dirty="0"/>
+          </a:p>
+          <a:p>
+            <a:r>
+              <a:rPr lang="en-US" sz="1600" dirty="0"/>
+              <a:t>Common Mistakes and How to Fix them:</a:t>
+            </a:r>
+          </a:p>
+          <a:p>
+            <a:pPr marL="971550" indent="-285750">
+              <a:buFont typeface="Arial" panose="020B0604020202020204" pitchFamily="34" charset="0"/>
+              <a:buChar char="•"/>
+            </a:pPr>
+            <a:r>
+              <a:rPr lang="en-US" sz="1400" dirty="0">
+                <a:hlinkClick r:id="rId10"/>
+              </a:rPr>
+              <a:t>https://www.acodersjourney.com/top-10-c-header-file-mistakes-and-how-to-fix-them/</a:t>
+            </a:r>
+            <a:endParaRPr lang="en-US" sz="1400" dirty="0"/>
+          </a:p>
+        </p:txBody>
+      </p:sp>
+      <p:pic>
+        <p:nvPicPr>
+          <p:cNvPr id="4" name="Picture 3">
+            <a:extLst>
+              <a:ext uri="{FF2B5EF4-FFF2-40B4-BE49-F238E27FC236}">
+                <a16:creationId xmlns:a16="http://schemas.microsoft.com/office/drawing/2014/main" id="{647A4B9F-DE7E-4A43-8005-7D11EB9274A2}"/>
+              </a:ext>
+            </a:extLst>
+          </p:cNvPr>
+          <p:cNvPicPr>
+            <a:picLocks noChangeAspect="1"/>
+          </p:cNvPicPr>
+          <p:nvPr/>
+        </p:nvPicPr>
+        <p:blipFill>
+          <a:blip r:embed="rId11" cstate="print">
+            <a:extLst>
+              <a:ext uri="{28A0092B-C50C-407E-A947-70E740481C1C}">
+                <a14:useLocalDpi xmlns:a14="http://schemas.microsoft.com/office/drawing/2010/main" val="0"/>
+              </a:ext>
+            </a:extLst>
+          </a:blip>
+          <a:stretch>
+            <a:fillRect/>
+          </a:stretch>
+        </p:blipFill>
+        <p:spPr>
+          <a:xfrm>
+            <a:off x="7848600" y="4583336"/>
+            <a:ext cx="1028700" cy="457771"/>
+          </a:xfrm>
+          <a:prstGeom prst="rect">
+            <a:avLst/>
+          </a:prstGeom>
+        </p:spPr>
+      </p:pic>
+    </p:spTree>
+    <p:extLst>
+      <p:ext uri="{BB962C8B-B14F-4D97-AF65-F5344CB8AC3E}">
+        <p14:creationId xmlns:p14="http://schemas.microsoft.com/office/powerpoint/2010/main" val="3444531127"/>
+      </p:ext>
+    </p:extLst>
+  </p:cSld>
+  <p:clrMapOvr>
+    <a:masterClrMapping/>
+  </p:clrMapOvr>
+</p:sld>
+</file>
+
+<file path=ppt/slides/slide39.xml><?xml version="1.0" encoding="utf-8"?>
+<p:sld xmlns:a="http://schemas.openxmlformats.org/drawingml/2006/main" xmlns:r="http://schemas.openxmlformats.org/officeDocument/2006/relationships" xmlns:p="http://schemas.openxmlformats.org/presentationml/2006/main">
+  <p:cSld>
+    <p:spTree>
+      <p:nvGrpSpPr>
+        <p:cNvPr id="1" name=""/>
+        <p:cNvGrpSpPr/>
+        <p:nvPr/>
+      </p:nvGrpSpPr>
+      <p:grpSpPr>
+        <a:xfrm>
+          <a:off x="0" y="0"/>
+          <a:ext cx="0" cy="0"/>
+          <a:chOff x="0" y="0"/>
+          <a:chExt cx="0" cy="0"/>
+        </a:xfrm>
+      </p:grpSpPr>
+      <p:sp>
+        <p:nvSpPr>
+          <p:cNvPr id="2" name="Flowchart: Terminator 1">
+            <a:extLst>
+              <a:ext uri="{FF2B5EF4-FFF2-40B4-BE49-F238E27FC236}">
+                <a16:creationId xmlns:a16="http://schemas.microsoft.com/office/drawing/2014/main" id="{9B5CB07B-9CAC-43C6-8574-289A0048262D}"/>
+              </a:ext>
+            </a:extLst>
+          </p:cNvPr>
+          <p:cNvSpPr/>
+          <p:nvPr/>
+        </p:nvSpPr>
+        <p:spPr>
+          <a:xfrm>
+            <a:off x="7467600" y="4552950"/>
+            <a:ext cx="1103376" cy="228600"/>
+          </a:xfrm>
+          <a:prstGeom prst="flowChartTerminator">
+            <a:avLst/>
+          </a:prstGeom>
+          <a:solidFill>
+            <a:schemeClr val="accent3">
+              <a:lumMod val="20000"/>
+              <a:lumOff val="80000"/>
+            </a:schemeClr>
+          </a:solidFill>
+          <a:ln>
+            <a:solidFill>
+              <a:schemeClr val="accent3">
+                <a:lumMod val="60000"/>
+                <a:lumOff val="40000"/>
+              </a:schemeClr>
+            </a:solidFill>
+          </a:ln>
+        </p:spPr>
+        <p:style>
+          <a:lnRef idx="2">
+            <a:schemeClr val="accent1">
+              <a:shade val="50000"/>
+            </a:schemeClr>
+          </a:lnRef>
+          <a:fillRef idx="1">
+            <a:schemeClr val="accent1"/>
+          </a:fillRef>
+          <a:effectRef idx="0">
+            <a:schemeClr val="accent1"/>
+          </a:effectRef>
+          <a:fontRef idx="minor">
+            <a:schemeClr val="lt1"/>
+          </a:fontRef>
+        </p:style>
+        <p:txBody>
+          <a:bodyPr rtlCol="0" anchor="ctr"/>
+          <a:lstStyle/>
+          <a:p>
+            <a:pPr algn="ctr"/>
+            <a:r>
+              <a:rPr lang="en-US" sz="1000" dirty="0">
+                <a:solidFill>
+                  <a:schemeClr val="tx1"/>
+                </a:solidFill>
+                <a:hlinkClick r:id="rId2" action="ppaction://hlinksldjump"/>
+              </a:rPr>
+              <a:t>Back to Agenda</a:t>
+            </a:r>
+            <a:endParaRPr lang="en-US" sz="1000" dirty="0">
+              <a:solidFill>
+                <a:schemeClr val="tx1"/>
+              </a:solidFill>
+            </a:endParaRPr>
+          </a:p>
+        </p:txBody>
+      </p:sp>
+      <p:sp>
+        <p:nvSpPr>
+          <p:cNvPr id="3" name="Title 3">
+            <a:extLst>
+              <a:ext uri="{FF2B5EF4-FFF2-40B4-BE49-F238E27FC236}">
+                <a16:creationId xmlns:a16="http://schemas.microsoft.com/office/drawing/2014/main" id="{1B8356FD-7D67-4BE3-B0E8-5187F86A2915}"/>
+              </a:ext>
+            </a:extLst>
+          </p:cNvPr>
+          <p:cNvSpPr txBox="1">
+            <a:spLocks/>
+          </p:cNvSpPr>
+          <p:nvPr/>
+        </p:nvSpPr>
+        <p:spPr>
+          <a:xfrm>
+            <a:off x="659756" y="2416323"/>
+            <a:ext cx="8345486" cy="1021556"/>
+          </a:xfrm>
+          <a:prstGeom prst="rect">
+            <a:avLst/>
+          </a:prstGeom>
+        </p:spPr>
+        <p:txBody>
+          <a:bodyPr>
+            <a:normAutofit fontScale="52500" lnSpcReduction="20000"/>
+          </a:bodyPr>
+          <a:lstStyle>
+            <a:lvl1pPr algn="ctr" defTabSz="914400" rtl="0" eaLnBrk="1" latinLnBrk="0" hangingPunct="1">
+              <a:spcBef>
+                <a:spcPct val="0"/>
+              </a:spcBef>
+              <a:buNone/>
+              <a:defRPr sz="4400" kern="1200">
+                <a:solidFill>
+                  <a:schemeClr val="tx1"/>
+                </a:solidFill>
+                <a:latin typeface="+mj-lt"/>
+                <a:ea typeface="+mj-ea"/>
+                <a:cs typeface="+mj-cs"/>
+              </a:defRPr>
+            </a:lvl1pPr>
+          </a:lstStyle>
+          <a:p>
+            <a:r>
+              <a:rPr lang="en-US" dirty="0"/>
+              <a:t>End of Presentation</a:t>
+            </a:r>
+            <a:br>
+              <a:rPr lang="en-US" dirty="0"/>
+            </a:br>
+            <a:br>
+              <a:rPr lang="en-US" dirty="0"/>
+            </a:br>
+            <a:endParaRPr lang="en-US" dirty="0"/>
+          </a:p>
+        </p:txBody>
+      </p:sp>
+    </p:spTree>
+    <p:extLst>
+      <p:ext uri="{BB962C8B-B14F-4D97-AF65-F5344CB8AC3E}">
+        <p14:creationId xmlns:p14="http://schemas.microsoft.com/office/powerpoint/2010/main" val="3774239642"/>
+      </p:ext>
+    </p:extLst>
+  </p:cSld>
+  <p:clrMapOvr>
+    <a:masterClrMapping/>
+  </p:clrMapOvr>
+</p:sld>
+</file>
+
+<file path=ppt/slides/slide4.xml><?xml version="1.0" encoding="utf-8"?>
+<p:sld xmlns:a="http://schemas.openxmlformats.org/drawingml/2006/main" xmlns:r="http://schemas.openxmlformats.org/officeDocument/2006/relationships" xmlns:p="http://schemas.openxmlformats.org/presentationml/2006/main">
+  <p:cSld>
+    <p:spTree>
+      <p:nvGrpSpPr>
+        <p:cNvPr id="1" name=""/>
+        <p:cNvGrpSpPr/>
+        <p:nvPr/>
+      </p:nvGrpSpPr>
+      <p:grpSpPr>
+        <a:xfrm>
+          <a:off x="0" y="0"/>
+          <a:ext cx="0" cy="0"/>
+          <a:chOff x="0" y="0"/>
+          <a:chExt cx="0" cy="0"/>
+        </a:xfrm>
+      </p:grpSpPr>
+      <p:sp>
+        <p:nvSpPr>
+          <p:cNvPr id="2" name="Title 1"/>
+          <p:cNvSpPr>
+            <a:spLocks noGrp="1"/>
+          </p:cNvSpPr>
+          <p:nvPr>
+            <p:ph type="title"/>
+          </p:nvPr>
+        </p:nvSpPr>
+        <p:spPr/>
+        <p:txBody>
+          <a:bodyPr>
+            <a:normAutofit/>
+          </a:bodyPr>
+          <a:lstStyle/>
+          <a:p>
+            <a:r>
+              <a:rPr lang="en-US" dirty="0"/>
+              <a:t>Agenda</a:t>
+            </a:r>
+          </a:p>
+        </p:txBody>
+      </p:sp>
+      <p:sp>
+        <p:nvSpPr>
+          <p:cNvPr id="3" name="Content Placeholder 2"/>
+          <p:cNvSpPr>
+            <a:spLocks noGrp="1"/>
+          </p:cNvSpPr>
+          <p:nvPr>
+            <p:ph idx="1"/>
+          </p:nvPr>
+        </p:nvSpPr>
+        <p:spPr/>
+        <p:txBody>
+          <a:bodyPr>
+            <a:normAutofit fontScale="92500" lnSpcReduction="20000"/>
+          </a:bodyPr>
+          <a:lstStyle/>
+          <a:p>
+            <a:pPr marL="514350" indent="-514350">
+              <a:buFont typeface="+mj-lt"/>
+              <a:buAutoNum type="arabicPeriod"/>
+            </a:pPr>
+            <a:r>
+              <a:rPr lang="en-US" dirty="0">
+                <a:hlinkClick r:id="rId3" action="ppaction://hlinksldjump"/>
+              </a:rPr>
+              <a:t>Recap from Part 1</a:t>
+            </a:r>
+          </a:p>
+          <a:p>
+            <a:pPr marL="514350" indent="-514350">
+              <a:buFont typeface="+mj-lt"/>
+              <a:buAutoNum type="arabicPeriod"/>
+            </a:pPr>
+            <a:r>
+              <a:rPr lang="en-US" dirty="0">
+                <a:hlinkClick r:id="rId4" action="ppaction://hlinksldjump"/>
+              </a:rPr>
+              <a:t>The all in One Approach</a:t>
+            </a:r>
+            <a:endParaRPr lang="en-US" dirty="0">
+              <a:hlinkClick r:id="rId3" action="ppaction://hlinksldjump"/>
+            </a:endParaRPr>
+          </a:p>
+          <a:p>
+            <a:pPr marL="514350" indent="-514350">
+              <a:buFont typeface="+mj-lt"/>
+              <a:buAutoNum type="arabicPeriod"/>
+            </a:pPr>
+            <a:r>
+              <a:rPr lang="en-US" dirty="0">
+                <a:hlinkClick r:id="rId5" action="ppaction://hlinksldjump"/>
+              </a:rPr>
+              <a:t>Moving Forward</a:t>
+            </a:r>
+            <a:endParaRPr lang="en-US" dirty="0"/>
+          </a:p>
+          <a:p>
+            <a:pPr marL="514350" indent="-514350">
+              <a:buFont typeface="+mj-lt"/>
+              <a:buAutoNum type="arabicPeriod"/>
+            </a:pPr>
+            <a:r>
+              <a:rPr lang="en-US" dirty="0">
+                <a:hlinkClick r:id="rId6" action="ppaction://hlinksldjump"/>
+              </a:rPr>
+              <a:t>Detour =&gt; Organizing Files</a:t>
+            </a:r>
+            <a:endParaRPr lang="en-US" dirty="0">
+              <a:hlinkClick r:id="rId5" action="ppaction://hlinksldjump"/>
+            </a:endParaRPr>
+          </a:p>
+          <a:p>
+            <a:pPr marL="514350" indent="-514350">
+              <a:buFont typeface="+mj-lt"/>
+              <a:buAutoNum type="arabicPeriod"/>
+            </a:pPr>
+            <a:r>
+              <a:rPr lang="en-US" dirty="0">
+                <a:hlinkClick r:id="rId7" action="ppaction://hlinksldjump"/>
+              </a:rPr>
+              <a:t>Inspecting the Led2 Class in Detail</a:t>
+            </a:r>
+            <a:endParaRPr lang="en-US" dirty="0"/>
+          </a:p>
+          <a:p>
+            <a:pPr marL="514350" indent="-514350">
+              <a:buFont typeface="+mj-lt"/>
+              <a:buAutoNum type="arabicPeriod"/>
+            </a:pPr>
+            <a:r>
+              <a:rPr lang="en-US" dirty="0">
+                <a:hlinkClick r:id="rId8" action="ppaction://hlinksldjump"/>
+              </a:rPr>
+              <a:t>Live Demo</a:t>
+            </a:r>
+            <a:endParaRPr lang="en-US" dirty="0"/>
+          </a:p>
+          <a:p>
+            <a:pPr marL="514350" indent="-514350">
+              <a:buFont typeface="+mj-lt"/>
+              <a:buAutoNum type="arabicPeriod"/>
+            </a:pPr>
+            <a:r>
+              <a:rPr lang="en-US" dirty="0">
+                <a:hlinkClick r:id="rId9" action="ppaction://hlinksldjump"/>
+              </a:rPr>
+              <a:t>Questions</a:t>
+            </a:r>
+            <a:endParaRPr lang="en-US" dirty="0"/>
+          </a:p>
+          <a:p>
+            <a:pPr marL="514350" indent="-514350">
+              <a:buFont typeface="+mj-lt"/>
+              <a:buAutoNum type="arabicPeriod"/>
+            </a:pPr>
+            <a:r>
+              <a:rPr lang="en-US" dirty="0">
+                <a:hlinkClick r:id="rId10" action="ppaction://hlinksldjump"/>
+              </a:rPr>
+              <a:t>Backup Material</a:t>
+            </a:r>
+            <a:endParaRPr lang="en-US" dirty="0"/>
+          </a:p>
+        </p:txBody>
+      </p:sp>
+      <p:pic>
+        <p:nvPicPr>
+          <p:cNvPr id="4" name="Picture 3">
+            <a:extLst>
+              <a:ext uri="{FF2B5EF4-FFF2-40B4-BE49-F238E27FC236}">
+                <a16:creationId xmlns:a16="http://schemas.microsoft.com/office/drawing/2014/main" id="{8CBCA567-7F2C-4256-9D8B-A87EC4D25AAB}"/>
+              </a:ext>
+            </a:extLst>
+          </p:cNvPr>
+          <p:cNvPicPr>
+            <a:picLocks noChangeAspect="1"/>
+          </p:cNvPicPr>
+          <p:nvPr/>
+        </p:nvPicPr>
+        <p:blipFill>
+          <a:blip r:embed="rId11" cstate="print">
+            <a:extLst>
+              <a:ext uri="{28A0092B-C50C-407E-A947-70E740481C1C}">
+                <a14:useLocalDpi xmlns:a14="http://schemas.microsoft.com/office/drawing/2010/main" val="0"/>
+              </a:ext>
+            </a:extLst>
+          </a:blip>
+          <a:stretch>
+            <a:fillRect/>
+          </a:stretch>
+        </p:blipFill>
+        <p:spPr>
+          <a:xfrm>
+            <a:off x="7848600" y="4583336"/>
+            <a:ext cx="1028700" cy="457771"/>
+          </a:xfrm>
+          <a:prstGeom prst="rect">
+            <a:avLst/>
+          </a:prstGeom>
+        </p:spPr>
+      </p:pic>
+    </p:spTree>
+    <p:extLst>
+      <p:ext uri="{BB962C8B-B14F-4D97-AF65-F5344CB8AC3E}">
+        <p14:creationId xmlns:p14="http://schemas.microsoft.com/office/powerpoint/2010/main" val="2885712498"/>
+      </p:ext>
+    </p:extLst>
+  </p:cSld>
+  <p:clrMapOvr>
+    <a:masterClrMapping/>
+  </p:clrMapOvr>
+</p:sld>
+</file>
+
+<file path=ppt/slides/slide40.xml><?xml version="1.0" encoding="utf-8"?>
 <p:sld xmlns:a="http://schemas.openxmlformats.org/drawingml/2006/main" xmlns:r="http://schemas.openxmlformats.org/officeDocument/2006/relationships" xmlns:p="http://schemas.openxmlformats.org/presentationml/2006/main">
   <p:cSld>
     <p:spTree>
@@ -35564,1049 +36502,6 @@
       </p:par>
     </p:tnLst>
   </p:timing>
-</p:sld>
-</file>
-
-<file path=ppt/slides/slide37.xml><?xml version="1.0" encoding="utf-8"?>
-<p:sld xmlns:a="http://schemas.openxmlformats.org/drawingml/2006/main" xmlns:r="http://schemas.openxmlformats.org/officeDocument/2006/relationships" xmlns:p="http://schemas.openxmlformats.org/presentationml/2006/main">
-  <p:cSld>
-    <p:spTree>
-      <p:nvGrpSpPr>
-        <p:cNvPr id="1" name=""/>
-        <p:cNvGrpSpPr/>
-        <p:nvPr/>
-      </p:nvGrpSpPr>
-      <p:grpSpPr>
-        <a:xfrm>
-          <a:off x="0" y="0"/>
-          <a:ext cx="0" cy="0"/>
-          <a:chOff x="0" y="0"/>
-          <a:chExt cx="0" cy="0"/>
-        </a:xfrm>
-      </p:grpSpPr>
-      <p:sp>
-        <p:nvSpPr>
-          <p:cNvPr id="4" name="Title 3">
-            <a:extLst>
-              <a:ext uri="{FF2B5EF4-FFF2-40B4-BE49-F238E27FC236}">
-                <a16:creationId xmlns:a16="http://schemas.microsoft.com/office/drawing/2014/main" id="{BDE6CE25-34FB-4714-9DAA-1CEAE47154BE}"/>
-              </a:ext>
-            </a:extLst>
-          </p:cNvPr>
-          <p:cNvSpPr>
-            <a:spLocks noGrp="1"/>
-          </p:cNvSpPr>
-          <p:nvPr>
-            <p:ph type="title"/>
-          </p:nvPr>
-        </p:nvSpPr>
-        <p:spPr>
-          <a:xfrm>
-            <a:off x="659756" y="2416323"/>
-            <a:ext cx="8345486" cy="1021556"/>
-          </a:xfrm>
-        </p:spPr>
-        <p:txBody>
-          <a:bodyPr>
-            <a:normAutofit fontScale="90000"/>
-          </a:bodyPr>
-          <a:lstStyle/>
-          <a:p>
-            <a:r>
-              <a:rPr lang="en-US" dirty="0"/>
-              <a:t>Backup Material</a:t>
-            </a:r>
-            <a:br>
-              <a:rPr lang="en-US" dirty="0"/>
-            </a:br>
-            <a:br>
-              <a:rPr lang="en-US" dirty="0"/>
-            </a:br>
-            <a:endParaRPr lang="en-US" dirty="0"/>
-          </a:p>
-        </p:txBody>
-      </p:sp>
-      <p:sp>
-        <p:nvSpPr>
-          <p:cNvPr id="5" name="Text Placeholder 4">
-            <a:extLst>
-              <a:ext uri="{FF2B5EF4-FFF2-40B4-BE49-F238E27FC236}">
-                <a16:creationId xmlns:a16="http://schemas.microsoft.com/office/drawing/2014/main" id="{E0AB60C3-939D-43D0-812C-6CEDD6D880B3}"/>
-              </a:ext>
-            </a:extLst>
-          </p:cNvPr>
-          <p:cNvSpPr>
-            <a:spLocks noGrp="1"/>
-          </p:cNvSpPr>
-          <p:nvPr>
-            <p:ph type="body" idx="1"/>
-          </p:nvPr>
-        </p:nvSpPr>
-        <p:spPr>
-          <a:xfrm>
-            <a:off x="685800" y="1276350"/>
-            <a:ext cx="7772400" cy="1125140"/>
-          </a:xfrm>
-        </p:spPr>
-        <p:txBody>
-          <a:bodyPr/>
-          <a:lstStyle/>
-          <a:p>
-            <a:r>
-              <a:rPr lang="en-US" dirty="0"/>
-              <a:t>Part 8</a:t>
-            </a:r>
-          </a:p>
-        </p:txBody>
-      </p:sp>
-      <p:sp>
-        <p:nvSpPr>
-          <p:cNvPr id="6" name="Flowchart: Terminator 5">
-            <a:extLst>
-              <a:ext uri="{FF2B5EF4-FFF2-40B4-BE49-F238E27FC236}">
-                <a16:creationId xmlns:a16="http://schemas.microsoft.com/office/drawing/2014/main" id="{B8DF4192-CFE1-4A67-AE00-4ECB21BB495C}"/>
-              </a:ext>
-            </a:extLst>
-          </p:cNvPr>
-          <p:cNvSpPr/>
-          <p:nvPr/>
-        </p:nvSpPr>
-        <p:spPr>
-          <a:xfrm>
-            <a:off x="7467600" y="4552950"/>
-            <a:ext cx="1103376" cy="228600"/>
-          </a:xfrm>
-          <a:prstGeom prst="flowChartTerminator">
-            <a:avLst/>
-          </a:prstGeom>
-          <a:solidFill>
-            <a:schemeClr val="accent3">
-              <a:lumMod val="20000"/>
-              <a:lumOff val="80000"/>
-            </a:schemeClr>
-          </a:solidFill>
-          <a:ln>
-            <a:solidFill>
-              <a:schemeClr val="accent3">
-                <a:lumMod val="60000"/>
-                <a:lumOff val="40000"/>
-              </a:schemeClr>
-            </a:solidFill>
-          </a:ln>
-        </p:spPr>
-        <p:style>
-          <a:lnRef idx="2">
-            <a:schemeClr val="accent1">
-              <a:shade val="50000"/>
-            </a:schemeClr>
-          </a:lnRef>
-          <a:fillRef idx="1">
-            <a:schemeClr val="accent1"/>
-          </a:fillRef>
-          <a:effectRef idx="0">
-            <a:schemeClr val="accent1"/>
-          </a:effectRef>
-          <a:fontRef idx="minor">
-            <a:schemeClr val="lt1"/>
-          </a:fontRef>
-        </p:style>
-        <p:txBody>
-          <a:bodyPr rtlCol="0" anchor="ctr"/>
-          <a:lstStyle/>
-          <a:p>
-            <a:pPr algn="ctr"/>
-            <a:r>
-              <a:rPr lang="en-US" sz="1000" dirty="0">
-                <a:solidFill>
-                  <a:schemeClr val="tx1"/>
-                </a:solidFill>
-                <a:hlinkClick r:id="rId2" action="ppaction://hlinksldjump"/>
-              </a:rPr>
-              <a:t>Back to Agenda</a:t>
-            </a:r>
-            <a:endParaRPr lang="en-US" sz="1000" dirty="0">
-              <a:solidFill>
-                <a:schemeClr val="tx1"/>
-              </a:solidFill>
-            </a:endParaRPr>
-          </a:p>
-        </p:txBody>
-      </p:sp>
-    </p:spTree>
-    <p:extLst>
-      <p:ext uri="{BB962C8B-B14F-4D97-AF65-F5344CB8AC3E}">
-        <p14:creationId xmlns:p14="http://schemas.microsoft.com/office/powerpoint/2010/main" val="2197259810"/>
-      </p:ext>
-    </p:extLst>
-  </p:cSld>
-  <p:clrMapOvr>
-    <a:masterClrMapping/>
-  </p:clrMapOvr>
-</p:sld>
-</file>
-
-<file path=ppt/slides/slide38.xml><?xml version="1.0" encoding="utf-8"?>
-<p:sld xmlns:a="http://schemas.openxmlformats.org/drawingml/2006/main" xmlns:r="http://schemas.openxmlformats.org/officeDocument/2006/relationships" xmlns:p="http://schemas.openxmlformats.org/presentationml/2006/main">
-  <p:cSld>
-    <p:spTree>
-      <p:nvGrpSpPr>
-        <p:cNvPr id="1" name=""/>
-        <p:cNvGrpSpPr/>
-        <p:nvPr/>
-      </p:nvGrpSpPr>
-      <p:grpSpPr>
-        <a:xfrm>
-          <a:off x="0" y="0"/>
-          <a:ext cx="0" cy="0"/>
-          <a:chOff x="0" y="0"/>
-          <a:chExt cx="0" cy="0"/>
-        </a:xfrm>
-      </p:grpSpPr>
-      <p:sp>
-        <p:nvSpPr>
-          <p:cNvPr id="4" name="Title 3"/>
-          <p:cNvSpPr>
-            <a:spLocks noGrp="1"/>
-          </p:cNvSpPr>
-          <p:nvPr>
-            <p:ph type="title"/>
-          </p:nvPr>
-        </p:nvSpPr>
-        <p:spPr/>
-        <p:txBody>
-          <a:bodyPr>
-            <a:normAutofit/>
-          </a:bodyPr>
-          <a:lstStyle/>
-          <a:p>
-            <a:r>
-              <a:rPr lang="en-US" dirty="0"/>
-              <a:t>Lessons Learned</a:t>
-            </a:r>
-          </a:p>
-        </p:txBody>
-      </p:sp>
-      <p:sp>
-        <p:nvSpPr>
-          <p:cNvPr id="5" name="Content Placeholder 4"/>
-          <p:cNvSpPr>
-            <a:spLocks noGrp="1"/>
-          </p:cNvSpPr>
-          <p:nvPr>
-            <p:ph idx="1"/>
-          </p:nvPr>
-        </p:nvSpPr>
-        <p:spPr>
-          <a:xfrm>
-            <a:off x="304800" y="1197405"/>
-            <a:ext cx="7315200" cy="3576168"/>
-          </a:xfrm>
-        </p:spPr>
-        <p:txBody>
-          <a:bodyPr>
-            <a:normAutofit fontScale="92500" lnSpcReduction="10000"/>
-          </a:bodyPr>
-          <a:lstStyle/>
-          <a:p>
-            <a:pPr marL="0" indent="0">
-              <a:buNone/>
-            </a:pPr>
-            <a:r>
-              <a:rPr lang="en-US" sz="2400" dirty="0">
-                <a:cs typeface="Courier New" panose="02070309020205020404" pitchFamily="49" charset="0"/>
-              </a:rPr>
-              <a:t>IMO:  The hardest part is knowing what properties and methods are available with a (non-trivial) class. </a:t>
-            </a:r>
-          </a:p>
-          <a:p>
-            <a:pPr marL="0" indent="0">
-              <a:buNone/>
-            </a:pPr>
-            <a:r>
-              <a:rPr lang="en-US" sz="2400" dirty="0">
-                <a:cs typeface="Courier New" panose="02070309020205020404" pitchFamily="49" charset="0"/>
-              </a:rPr>
-              <a:t>Not only what they are but also the many options available for a given property can also be quite involved.</a:t>
-            </a:r>
-          </a:p>
-          <a:p>
-            <a:pPr marL="0" indent="0">
-              <a:buNone/>
-            </a:pPr>
-            <a:r>
-              <a:rPr lang="en-US" sz="2400" dirty="0">
-                <a:cs typeface="Courier New" panose="02070309020205020404" pitchFamily="49" charset="0"/>
-              </a:rPr>
-              <a:t>These aspects are often poorly documented. Realizing the true power of a class is a challenge under such conditions and users might be reluctant to accept the implementation at face value.</a:t>
-            </a:r>
-          </a:p>
-          <a:p>
-            <a:pPr marL="0" indent="0">
-              <a:buNone/>
-            </a:pPr>
-            <a:r>
-              <a:rPr lang="en-US" sz="2400" dirty="0">
-                <a:cs typeface="Courier New" panose="02070309020205020404" pitchFamily="49" charset="0"/>
-              </a:rPr>
-              <a:t>An example sketch demonstrating usage of some properties is helpful – but is not sufficient especially if there are many options and alternate uses.</a:t>
-            </a:r>
-            <a:endParaRPr lang="en-US" sz="2800" b="1" dirty="0">
-              <a:solidFill>
-                <a:srgbClr val="00B050"/>
-              </a:solidFill>
-              <a:latin typeface="Courier New" panose="02070309020205020404" pitchFamily="49" charset="0"/>
-              <a:cs typeface="Courier New" panose="02070309020205020404" pitchFamily="49" charset="0"/>
-            </a:endParaRPr>
-          </a:p>
-        </p:txBody>
-      </p:sp>
-      <p:pic>
-        <p:nvPicPr>
-          <p:cNvPr id="6" name="Picture 5">
-            <a:extLst>
-              <a:ext uri="{FF2B5EF4-FFF2-40B4-BE49-F238E27FC236}">
-                <a16:creationId xmlns:a16="http://schemas.microsoft.com/office/drawing/2014/main" id="{33351060-18E6-42F7-BAE2-6A49CB9B0F0C}"/>
-              </a:ext>
-            </a:extLst>
-          </p:cNvPr>
-          <p:cNvPicPr>
-            <a:picLocks noChangeAspect="1"/>
-          </p:cNvPicPr>
-          <p:nvPr/>
-        </p:nvPicPr>
-        <p:blipFill>
-          <a:blip r:embed="rId3" cstate="print">
-            <a:extLst>
-              <a:ext uri="{28A0092B-C50C-407E-A947-70E740481C1C}">
-                <a14:useLocalDpi xmlns:a14="http://schemas.microsoft.com/office/drawing/2010/main" val="0"/>
-              </a:ext>
-            </a:extLst>
-          </a:blip>
-          <a:stretch>
-            <a:fillRect/>
-          </a:stretch>
-        </p:blipFill>
-        <p:spPr>
-          <a:xfrm>
-            <a:off x="7848600" y="4583336"/>
-            <a:ext cx="1028700" cy="457771"/>
-          </a:xfrm>
-          <a:prstGeom prst="rect">
-            <a:avLst/>
-          </a:prstGeom>
-        </p:spPr>
-      </p:pic>
-    </p:spTree>
-    <p:extLst>
-      <p:ext uri="{BB962C8B-B14F-4D97-AF65-F5344CB8AC3E}">
-        <p14:creationId xmlns:p14="http://schemas.microsoft.com/office/powerpoint/2010/main" val="1684072237"/>
-      </p:ext>
-    </p:extLst>
-  </p:cSld>
-  <p:clrMapOvr>
-    <a:masterClrMapping/>
-  </p:clrMapOvr>
-</p:sld>
-</file>
-
-<file path=ppt/slides/slide39.xml><?xml version="1.0" encoding="utf-8"?>
-<p:sld xmlns:a="http://schemas.openxmlformats.org/drawingml/2006/main" xmlns:r="http://schemas.openxmlformats.org/officeDocument/2006/relationships" xmlns:p="http://schemas.openxmlformats.org/presentationml/2006/main">
-  <p:cSld>
-    <p:spTree>
-      <p:nvGrpSpPr>
-        <p:cNvPr id="1" name=""/>
-        <p:cNvGrpSpPr/>
-        <p:nvPr/>
-      </p:nvGrpSpPr>
-      <p:grpSpPr>
-        <a:xfrm>
-          <a:off x="0" y="0"/>
-          <a:ext cx="0" cy="0"/>
-          <a:chOff x="0" y="0"/>
-          <a:chExt cx="0" cy="0"/>
-        </a:xfrm>
-      </p:grpSpPr>
-      <p:sp>
-        <p:nvSpPr>
-          <p:cNvPr id="2" name="TextBox 1">
-            <a:extLst>
-              <a:ext uri="{FF2B5EF4-FFF2-40B4-BE49-F238E27FC236}">
-                <a16:creationId xmlns:a16="http://schemas.microsoft.com/office/drawing/2014/main" id="{296F6C9F-FE06-42A7-A215-13D116D868D2}"/>
-              </a:ext>
-            </a:extLst>
-          </p:cNvPr>
-          <p:cNvSpPr txBox="1"/>
-          <p:nvPr/>
-        </p:nvSpPr>
-        <p:spPr>
-          <a:xfrm>
-            <a:off x="0" y="0"/>
-            <a:ext cx="7467600" cy="646331"/>
-          </a:xfrm>
-          <a:prstGeom prst="rect">
-            <a:avLst/>
-          </a:prstGeom>
-          <a:noFill/>
-        </p:spPr>
-        <p:txBody>
-          <a:bodyPr wrap="square" rtlCol="0">
-            <a:spAutoFit/>
-          </a:bodyPr>
-          <a:lstStyle/>
-          <a:p>
-            <a:r>
-              <a:rPr lang="en-US" sz="3600" dirty="0">
-                <a:solidFill>
-                  <a:schemeClr val="bg1"/>
-                </a:solidFill>
-              </a:rPr>
-              <a:t>References and Additional Material</a:t>
-            </a:r>
-          </a:p>
-        </p:txBody>
-      </p:sp>
-      <p:sp>
-        <p:nvSpPr>
-          <p:cNvPr id="3" name="TextBox 2">
-            <a:extLst>
-              <a:ext uri="{FF2B5EF4-FFF2-40B4-BE49-F238E27FC236}">
-                <a16:creationId xmlns:a16="http://schemas.microsoft.com/office/drawing/2014/main" id="{29B74366-6C02-4246-BB33-8688199CF3DC}"/>
-              </a:ext>
-            </a:extLst>
-          </p:cNvPr>
-          <p:cNvSpPr txBox="1"/>
-          <p:nvPr/>
-        </p:nvSpPr>
-        <p:spPr>
-          <a:xfrm>
-            <a:off x="266700" y="1200150"/>
-            <a:ext cx="8610600" cy="3508653"/>
-          </a:xfrm>
-          <a:prstGeom prst="rect">
-            <a:avLst/>
-          </a:prstGeom>
-          <a:noFill/>
-        </p:spPr>
-        <p:txBody>
-          <a:bodyPr wrap="square" rtlCol="0">
-            <a:spAutoFit/>
-          </a:bodyPr>
-          <a:lstStyle/>
-          <a:p>
-            <a:r>
-              <a:rPr lang="en-US" sz="1600" dirty="0"/>
-              <a:t>Binary numbers and types :</a:t>
-            </a:r>
-          </a:p>
-          <a:p>
-            <a:pPr marL="971550" indent="-285750">
-              <a:buFont typeface="Arial" panose="020B0604020202020204" pitchFamily="34" charset="0"/>
-              <a:buChar char="•"/>
-            </a:pPr>
-            <a:r>
-              <a:rPr lang="en-US" sz="1400" dirty="0">
-                <a:solidFill>
-                  <a:srgbClr val="0066FF"/>
-                </a:solidFill>
-                <a:hlinkClick r:id="rId3"/>
-              </a:rPr>
-              <a:t>https://learn.sparkfun.com/tutorials/data-types-in-arduino/all</a:t>
-            </a:r>
-            <a:endParaRPr lang="en-US" sz="1400" dirty="0">
-              <a:solidFill>
-                <a:srgbClr val="0066FF"/>
-              </a:solidFill>
-            </a:endParaRPr>
-          </a:p>
-          <a:p>
-            <a:pPr marL="971550" indent="-285750">
-              <a:buFont typeface="Arial" panose="020B0604020202020204" pitchFamily="34" charset="0"/>
-              <a:buChar char="•"/>
-            </a:pPr>
-            <a:r>
-              <a:rPr lang="en-US" sz="1400" dirty="0">
-                <a:hlinkClick r:id="rId4"/>
-              </a:rPr>
-              <a:t>http://users.ece.utexas.edu/~valvano/embed/chap3/chap3.htm</a:t>
-            </a:r>
-            <a:endParaRPr lang="en-US" sz="1400" dirty="0"/>
-          </a:p>
-          <a:p>
-            <a:r>
-              <a:rPr lang="en-US" sz="1600" dirty="0"/>
-              <a:t>Arduino Compiler / Preprocessor Directives</a:t>
-            </a:r>
-          </a:p>
-          <a:p>
-            <a:pPr marL="971550" indent="-285750">
-              <a:buFont typeface="Arial" panose="020B0604020202020204" pitchFamily="34" charset="0"/>
-              <a:buChar char="•"/>
-            </a:pPr>
-            <a:r>
-              <a:rPr lang="en-US" sz="1400" dirty="0">
-                <a:solidFill>
-                  <a:srgbClr val="3333FF"/>
-                </a:solidFill>
-              </a:rPr>
-              <a:t>https://www.deviceplus.com/arduino/arduino-preprocessor-directives-tutorial/</a:t>
-            </a:r>
-            <a:endParaRPr lang="en-US" sz="1600" dirty="0">
-              <a:solidFill>
-                <a:srgbClr val="3333FF"/>
-              </a:solidFill>
-            </a:endParaRPr>
-          </a:p>
-          <a:p>
-            <a:r>
-              <a:rPr lang="en-US" sz="1600" dirty="0"/>
-              <a:t>Multi-Tasking on the Arduino:</a:t>
-            </a:r>
-          </a:p>
-          <a:p>
-            <a:pPr marL="974725" lvl="2" indent="-285750">
-              <a:buFont typeface="Arial" panose="020B0604020202020204" pitchFamily="34" charset="0"/>
-              <a:buChar char="•"/>
-            </a:pPr>
-            <a:r>
-              <a:rPr lang="en-US" sz="1400" dirty="0">
-                <a:solidFill>
-                  <a:srgbClr val="3333FF"/>
-                </a:solidFill>
-                <a:hlinkClick r:id="rId5">
-                  <a:extLst>
-                    <a:ext uri="{A12FA001-AC4F-418D-AE19-62706E023703}">
-                      <ahyp:hlinkClr xmlns:ahyp="http://schemas.microsoft.com/office/drawing/2018/hyperlinkcolor" val="tx"/>
-                    </a:ext>
-                  </a:extLst>
-                </a:hlinkClick>
-              </a:rPr>
-              <a:t>https://learn.adafruit.com/multi-tasking-the-arduino-part-1/overview</a:t>
-            </a:r>
-            <a:r>
-              <a:rPr lang="en-US" sz="1400" dirty="0">
-                <a:solidFill>
-                  <a:srgbClr val="3333FF"/>
-                </a:solidFill>
-              </a:rPr>
-              <a:t> </a:t>
-            </a:r>
-          </a:p>
-          <a:p>
-            <a:r>
-              <a:rPr lang="en-US" sz="1600" dirty="0"/>
-              <a:t>Conditional Evaluation (ternary operator):</a:t>
-            </a:r>
-          </a:p>
-          <a:p>
-            <a:pPr marL="971550" lvl="1" indent="-285750">
-              <a:buFont typeface="Arial" panose="020B0604020202020204" pitchFamily="34" charset="0"/>
-              <a:buChar char="•"/>
-            </a:pPr>
-            <a:r>
-              <a:rPr lang="en-US" sz="1400" dirty="0">
-                <a:solidFill>
-                  <a:srgbClr val="3333FF"/>
-                </a:solidFill>
-                <a:hlinkClick r:id="rId6">
-                  <a:extLst>
-                    <a:ext uri="{A12FA001-AC4F-418D-AE19-62706E023703}">
-                      <ahyp:hlinkClr xmlns:ahyp="http://schemas.microsoft.com/office/drawing/2018/hyperlinkcolor" val="tx"/>
-                    </a:ext>
-                  </a:extLst>
-                </a:hlinkClick>
-              </a:rPr>
-              <a:t>https://www.tutorialspoint.com/cplusplus/cpp_conditional_operator.htm</a:t>
-            </a:r>
-            <a:endParaRPr lang="en-US" sz="1400" dirty="0"/>
-          </a:p>
-          <a:p>
-            <a:r>
-              <a:rPr lang="en-US" sz="1600" dirty="0"/>
-              <a:t>Alternate explanations on the subject of  Classes:</a:t>
-            </a:r>
-          </a:p>
-          <a:p>
-            <a:pPr marL="971550" indent="-285750">
-              <a:buFont typeface="Arial" panose="020B0604020202020204" pitchFamily="34" charset="0"/>
-              <a:buChar char="•"/>
-            </a:pPr>
-            <a:r>
-              <a:rPr lang="en-US" sz="1400" dirty="0">
-                <a:hlinkClick r:id="rId7"/>
-              </a:rPr>
-              <a:t>https://www.guru99.com/cpp-classes-objects.html</a:t>
-            </a:r>
-            <a:endParaRPr lang="en-US" sz="1400" dirty="0"/>
-          </a:p>
-          <a:p>
-            <a:pPr marL="971550" indent="-285750">
-              <a:buFont typeface="Arial" panose="020B0604020202020204" pitchFamily="34" charset="0"/>
-              <a:buChar char="•"/>
-            </a:pPr>
-            <a:r>
-              <a:rPr lang="en-US" sz="1400" dirty="0">
-                <a:hlinkClick r:id="rId8"/>
-              </a:rPr>
-              <a:t>https://www.geeksforgeeks.org/c-classes-and-objects/</a:t>
-            </a:r>
-            <a:endParaRPr lang="en-US" sz="1400" dirty="0"/>
-          </a:p>
-          <a:p>
-            <a:pPr marL="971550" indent="-285750">
-              <a:buFont typeface="Arial" panose="020B0604020202020204" pitchFamily="34" charset="0"/>
-              <a:buChar char="•"/>
-            </a:pPr>
-            <a:r>
-              <a:rPr lang="en-US" sz="1400" dirty="0">
-                <a:hlinkClick r:id="rId9"/>
-              </a:rPr>
-              <a:t>http://paulmurraycbr.github.io/ArduinoTheOOWay.html</a:t>
-            </a:r>
-            <a:endParaRPr lang="en-US" sz="1400" dirty="0"/>
-          </a:p>
-          <a:p>
-            <a:r>
-              <a:rPr lang="en-US" sz="1600" dirty="0"/>
-              <a:t>Common Mistakes and How to Fix them:</a:t>
-            </a:r>
-          </a:p>
-          <a:p>
-            <a:pPr marL="971550" indent="-285750">
-              <a:buFont typeface="Arial" panose="020B0604020202020204" pitchFamily="34" charset="0"/>
-              <a:buChar char="•"/>
-            </a:pPr>
-            <a:r>
-              <a:rPr lang="en-US" sz="1400" dirty="0">
-                <a:hlinkClick r:id="rId10"/>
-              </a:rPr>
-              <a:t>https://www.acodersjourney.com/top-10-c-header-file-mistakes-and-how-to-fix-them/</a:t>
-            </a:r>
-            <a:endParaRPr lang="en-US" sz="1400" dirty="0"/>
-          </a:p>
-        </p:txBody>
-      </p:sp>
-      <p:pic>
-        <p:nvPicPr>
-          <p:cNvPr id="4" name="Picture 3">
-            <a:extLst>
-              <a:ext uri="{FF2B5EF4-FFF2-40B4-BE49-F238E27FC236}">
-                <a16:creationId xmlns:a16="http://schemas.microsoft.com/office/drawing/2014/main" id="{647A4B9F-DE7E-4A43-8005-7D11EB9274A2}"/>
-              </a:ext>
-            </a:extLst>
-          </p:cNvPr>
-          <p:cNvPicPr>
-            <a:picLocks noChangeAspect="1"/>
-          </p:cNvPicPr>
-          <p:nvPr/>
-        </p:nvPicPr>
-        <p:blipFill>
-          <a:blip r:embed="rId11" cstate="print">
-            <a:extLst>
-              <a:ext uri="{28A0092B-C50C-407E-A947-70E740481C1C}">
-                <a14:useLocalDpi xmlns:a14="http://schemas.microsoft.com/office/drawing/2010/main" val="0"/>
-              </a:ext>
-            </a:extLst>
-          </a:blip>
-          <a:stretch>
-            <a:fillRect/>
-          </a:stretch>
-        </p:blipFill>
-        <p:spPr>
-          <a:xfrm>
-            <a:off x="7848600" y="4583336"/>
-            <a:ext cx="1028700" cy="457771"/>
-          </a:xfrm>
-          <a:prstGeom prst="rect">
-            <a:avLst/>
-          </a:prstGeom>
-        </p:spPr>
-      </p:pic>
-    </p:spTree>
-    <p:extLst>
-      <p:ext uri="{BB962C8B-B14F-4D97-AF65-F5344CB8AC3E}">
-        <p14:creationId xmlns:p14="http://schemas.microsoft.com/office/powerpoint/2010/main" val="3444531127"/>
-      </p:ext>
-    </p:extLst>
-  </p:cSld>
-  <p:clrMapOvr>
-    <a:masterClrMapping/>
-  </p:clrMapOvr>
-</p:sld>
-</file>
-
-<file path=ppt/slides/slide4.xml><?xml version="1.0" encoding="utf-8"?>
-<p:sld xmlns:a="http://schemas.openxmlformats.org/drawingml/2006/main" xmlns:r="http://schemas.openxmlformats.org/officeDocument/2006/relationships" xmlns:p="http://schemas.openxmlformats.org/presentationml/2006/main">
-  <p:cSld>
-    <p:spTree>
-      <p:nvGrpSpPr>
-        <p:cNvPr id="1" name=""/>
-        <p:cNvGrpSpPr/>
-        <p:nvPr/>
-      </p:nvGrpSpPr>
-      <p:grpSpPr>
-        <a:xfrm>
-          <a:off x="0" y="0"/>
-          <a:ext cx="0" cy="0"/>
-          <a:chOff x="0" y="0"/>
-          <a:chExt cx="0" cy="0"/>
-        </a:xfrm>
-      </p:grpSpPr>
-      <p:sp>
-        <p:nvSpPr>
-          <p:cNvPr id="2" name="Title 1"/>
-          <p:cNvSpPr>
-            <a:spLocks noGrp="1"/>
-          </p:cNvSpPr>
-          <p:nvPr>
-            <p:ph type="title"/>
-          </p:nvPr>
-        </p:nvSpPr>
-        <p:spPr/>
-        <p:txBody>
-          <a:bodyPr>
-            <a:normAutofit/>
-          </a:bodyPr>
-          <a:lstStyle/>
-          <a:p>
-            <a:r>
-              <a:rPr lang="en-US" dirty="0"/>
-              <a:t>Agenda</a:t>
-            </a:r>
-          </a:p>
-        </p:txBody>
-      </p:sp>
-      <p:sp>
-        <p:nvSpPr>
-          <p:cNvPr id="3" name="Content Placeholder 2"/>
-          <p:cNvSpPr>
-            <a:spLocks noGrp="1"/>
-          </p:cNvSpPr>
-          <p:nvPr>
-            <p:ph idx="1"/>
-          </p:nvPr>
-        </p:nvSpPr>
-        <p:spPr/>
-        <p:txBody>
-          <a:bodyPr>
-            <a:normAutofit fontScale="92500" lnSpcReduction="20000"/>
-          </a:bodyPr>
-          <a:lstStyle/>
-          <a:p>
-            <a:pPr marL="514350" indent="-514350">
-              <a:buFont typeface="+mj-lt"/>
-              <a:buAutoNum type="arabicPeriod"/>
-            </a:pPr>
-            <a:r>
-              <a:rPr lang="en-US" dirty="0">
-                <a:hlinkClick r:id="rId3" action="ppaction://hlinksldjump"/>
-              </a:rPr>
-              <a:t>Recap from Part 1</a:t>
-            </a:r>
-          </a:p>
-          <a:p>
-            <a:pPr marL="514350" indent="-514350">
-              <a:buFont typeface="+mj-lt"/>
-              <a:buAutoNum type="arabicPeriod"/>
-            </a:pPr>
-            <a:r>
-              <a:rPr lang="en-US" dirty="0">
-                <a:hlinkClick r:id="rId4" action="ppaction://hlinksldjump"/>
-              </a:rPr>
-              <a:t>The all in One Approach</a:t>
-            </a:r>
-            <a:endParaRPr lang="en-US" dirty="0">
-              <a:hlinkClick r:id="rId3" action="ppaction://hlinksldjump"/>
-            </a:endParaRPr>
-          </a:p>
-          <a:p>
-            <a:pPr marL="514350" indent="-514350">
-              <a:buFont typeface="+mj-lt"/>
-              <a:buAutoNum type="arabicPeriod"/>
-            </a:pPr>
-            <a:r>
-              <a:rPr lang="en-US" dirty="0">
-                <a:hlinkClick r:id="rId5" action="ppaction://hlinksldjump"/>
-              </a:rPr>
-              <a:t>Moving Forward</a:t>
-            </a:r>
-            <a:endParaRPr lang="en-US" dirty="0"/>
-          </a:p>
-          <a:p>
-            <a:pPr marL="514350" indent="-514350">
-              <a:buFont typeface="+mj-lt"/>
-              <a:buAutoNum type="arabicPeriod"/>
-            </a:pPr>
-            <a:r>
-              <a:rPr lang="en-US" dirty="0">
-                <a:hlinkClick r:id="rId6" action="ppaction://hlinksldjump"/>
-              </a:rPr>
-              <a:t>Detour =&gt; Organizing Files</a:t>
-            </a:r>
-            <a:endParaRPr lang="en-US" dirty="0">
-              <a:hlinkClick r:id="rId5" action="ppaction://hlinksldjump"/>
-            </a:endParaRPr>
-          </a:p>
-          <a:p>
-            <a:pPr marL="514350" indent="-514350">
-              <a:buFont typeface="+mj-lt"/>
-              <a:buAutoNum type="arabicPeriod"/>
-            </a:pPr>
-            <a:r>
-              <a:rPr lang="en-US" dirty="0">
-                <a:hlinkClick r:id="rId7" action="ppaction://hlinksldjump"/>
-              </a:rPr>
-              <a:t>Inspecting the Led2 Class in Detail</a:t>
-            </a:r>
-            <a:endParaRPr lang="en-US" dirty="0"/>
-          </a:p>
-          <a:p>
-            <a:pPr marL="514350" indent="-514350">
-              <a:buFont typeface="+mj-lt"/>
-              <a:buAutoNum type="arabicPeriod"/>
-            </a:pPr>
-            <a:r>
-              <a:rPr lang="en-US" dirty="0">
-                <a:hlinkClick r:id="rId8" action="ppaction://hlinksldjump"/>
-              </a:rPr>
-              <a:t>Live Demo</a:t>
-            </a:r>
-            <a:endParaRPr lang="en-US" dirty="0"/>
-          </a:p>
-          <a:p>
-            <a:pPr marL="514350" indent="-514350">
-              <a:buFont typeface="+mj-lt"/>
-              <a:buAutoNum type="arabicPeriod"/>
-            </a:pPr>
-            <a:r>
-              <a:rPr lang="en-US" dirty="0">
-                <a:hlinkClick r:id="rId9" action="ppaction://hlinksldjump"/>
-              </a:rPr>
-              <a:t>Questions</a:t>
-            </a:r>
-            <a:endParaRPr lang="en-US" dirty="0"/>
-          </a:p>
-          <a:p>
-            <a:pPr marL="514350" indent="-514350">
-              <a:buFont typeface="+mj-lt"/>
-              <a:buAutoNum type="arabicPeriod"/>
-            </a:pPr>
-            <a:r>
-              <a:rPr lang="en-US" dirty="0">
-                <a:hlinkClick r:id="rId10" action="ppaction://hlinksldjump"/>
-              </a:rPr>
-              <a:t>Backup Material</a:t>
-            </a:r>
-            <a:endParaRPr lang="en-US" dirty="0"/>
-          </a:p>
-        </p:txBody>
-      </p:sp>
-      <p:pic>
-        <p:nvPicPr>
-          <p:cNvPr id="4" name="Picture 3">
-            <a:extLst>
-              <a:ext uri="{FF2B5EF4-FFF2-40B4-BE49-F238E27FC236}">
-                <a16:creationId xmlns:a16="http://schemas.microsoft.com/office/drawing/2014/main" id="{8CBCA567-7F2C-4256-9D8B-A87EC4D25AAB}"/>
-              </a:ext>
-            </a:extLst>
-          </p:cNvPr>
-          <p:cNvPicPr>
-            <a:picLocks noChangeAspect="1"/>
-          </p:cNvPicPr>
-          <p:nvPr/>
-        </p:nvPicPr>
-        <p:blipFill>
-          <a:blip r:embed="rId11" cstate="print">
-            <a:extLst>
-              <a:ext uri="{28A0092B-C50C-407E-A947-70E740481C1C}">
-                <a14:useLocalDpi xmlns:a14="http://schemas.microsoft.com/office/drawing/2010/main" val="0"/>
-              </a:ext>
-            </a:extLst>
-          </a:blip>
-          <a:stretch>
-            <a:fillRect/>
-          </a:stretch>
-        </p:blipFill>
-        <p:spPr>
-          <a:xfrm>
-            <a:off x="7848600" y="4583336"/>
-            <a:ext cx="1028700" cy="457771"/>
-          </a:xfrm>
-          <a:prstGeom prst="rect">
-            <a:avLst/>
-          </a:prstGeom>
-        </p:spPr>
-      </p:pic>
-    </p:spTree>
-    <p:extLst>
-      <p:ext uri="{BB962C8B-B14F-4D97-AF65-F5344CB8AC3E}">
-        <p14:creationId xmlns:p14="http://schemas.microsoft.com/office/powerpoint/2010/main" val="2885712498"/>
-      </p:ext>
-    </p:extLst>
-  </p:cSld>
-  <p:clrMapOvr>
-    <a:masterClrMapping/>
-  </p:clrMapOvr>
-</p:sld>
-</file>
-
-<file path=ppt/slides/slide40.xml><?xml version="1.0" encoding="utf-8"?>
-<p:sld xmlns:a="http://schemas.openxmlformats.org/drawingml/2006/main" xmlns:r="http://schemas.openxmlformats.org/officeDocument/2006/relationships" xmlns:p="http://schemas.openxmlformats.org/presentationml/2006/main">
-  <p:cSld>
-    <p:spTree>
-      <p:nvGrpSpPr>
-        <p:cNvPr id="1" name=""/>
-        <p:cNvGrpSpPr/>
-        <p:nvPr/>
-      </p:nvGrpSpPr>
-      <p:grpSpPr>
-        <a:xfrm>
-          <a:off x="0" y="0"/>
-          <a:ext cx="0" cy="0"/>
-          <a:chOff x="0" y="0"/>
-          <a:chExt cx="0" cy="0"/>
-        </a:xfrm>
-      </p:grpSpPr>
-      <p:sp>
-        <p:nvSpPr>
-          <p:cNvPr id="2" name="Flowchart: Terminator 1">
-            <a:extLst>
-              <a:ext uri="{FF2B5EF4-FFF2-40B4-BE49-F238E27FC236}">
-                <a16:creationId xmlns:a16="http://schemas.microsoft.com/office/drawing/2014/main" id="{9B5CB07B-9CAC-43C6-8574-289A0048262D}"/>
-              </a:ext>
-            </a:extLst>
-          </p:cNvPr>
-          <p:cNvSpPr/>
-          <p:nvPr/>
-        </p:nvSpPr>
-        <p:spPr>
-          <a:xfrm>
-            <a:off x="7467600" y="4552950"/>
-            <a:ext cx="1103376" cy="228600"/>
-          </a:xfrm>
-          <a:prstGeom prst="flowChartTerminator">
-            <a:avLst/>
-          </a:prstGeom>
-          <a:solidFill>
-            <a:schemeClr val="accent3">
-              <a:lumMod val="20000"/>
-              <a:lumOff val="80000"/>
-            </a:schemeClr>
-          </a:solidFill>
-          <a:ln>
-            <a:solidFill>
-              <a:schemeClr val="accent3">
-                <a:lumMod val="60000"/>
-                <a:lumOff val="40000"/>
-              </a:schemeClr>
-            </a:solidFill>
-          </a:ln>
-        </p:spPr>
-        <p:style>
-          <a:lnRef idx="2">
-            <a:schemeClr val="accent1">
-              <a:shade val="50000"/>
-            </a:schemeClr>
-          </a:lnRef>
-          <a:fillRef idx="1">
-            <a:schemeClr val="accent1"/>
-          </a:fillRef>
-          <a:effectRef idx="0">
-            <a:schemeClr val="accent1"/>
-          </a:effectRef>
-          <a:fontRef idx="minor">
-            <a:schemeClr val="lt1"/>
-          </a:fontRef>
-        </p:style>
-        <p:txBody>
-          <a:bodyPr rtlCol="0" anchor="ctr"/>
-          <a:lstStyle/>
-          <a:p>
-            <a:pPr algn="ctr"/>
-            <a:r>
-              <a:rPr lang="en-US" sz="1000" dirty="0">
-                <a:solidFill>
-                  <a:schemeClr val="tx1"/>
-                </a:solidFill>
-                <a:hlinkClick r:id="rId2" action="ppaction://hlinksldjump"/>
-              </a:rPr>
-              <a:t>Back to Agenda</a:t>
-            </a:r>
-            <a:endParaRPr lang="en-US" sz="1000" dirty="0">
-              <a:solidFill>
-                <a:schemeClr val="tx1"/>
-              </a:solidFill>
-            </a:endParaRPr>
-          </a:p>
-        </p:txBody>
-      </p:sp>
-      <p:sp>
-        <p:nvSpPr>
-          <p:cNvPr id="3" name="Title 3">
-            <a:extLst>
-              <a:ext uri="{FF2B5EF4-FFF2-40B4-BE49-F238E27FC236}">
-                <a16:creationId xmlns:a16="http://schemas.microsoft.com/office/drawing/2014/main" id="{1B8356FD-7D67-4BE3-B0E8-5187F86A2915}"/>
-              </a:ext>
-            </a:extLst>
-          </p:cNvPr>
-          <p:cNvSpPr txBox="1">
-            <a:spLocks/>
-          </p:cNvSpPr>
-          <p:nvPr/>
-        </p:nvSpPr>
-        <p:spPr>
-          <a:xfrm>
-            <a:off x="659756" y="2416323"/>
-            <a:ext cx="8345486" cy="1021556"/>
-          </a:xfrm>
-          <a:prstGeom prst="rect">
-            <a:avLst/>
-          </a:prstGeom>
-        </p:spPr>
-        <p:txBody>
-          <a:bodyPr>
-            <a:normAutofit fontScale="52500" lnSpcReduction="20000"/>
-          </a:bodyPr>
-          <a:lstStyle>
-            <a:lvl1pPr algn="ctr" defTabSz="914400" rtl="0" eaLnBrk="1" latinLnBrk="0" hangingPunct="1">
-              <a:spcBef>
-                <a:spcPct val="0"/>
-              </a:spcBef>
-              <a:buNone/>
-              <a:defRPr sz="4400" kern="1200">
-                <a:solidFill>
-                  <a:schemeClr val="tx1"/>
-                </a:solidFill>
-                <a:latin typeface="+mj-lt"/>
-                <a:ea typeface="+mj-ea"/>
-                <a:cs typeface="+mj-cs"/>
-              </a:defRPr>
-            </a:lvl1pPr>
-          </a:lstStyle>
-          <a:p>
-            <a:r>
-              <a:rPr lang="en-US" dirty="0"/>
-              <a:t>End of Presentation</a:t>
-            </a:r>
-            <a:br>
-              <a:rPr lang="en-US" dirty="0"/>
-            </a:br>
-            <a:br>
-              <a:rPr lang="en-US" dirty="0"/>
-            </a:br>
-            <a:endParaRPr lang="en-US" dirty="0"/>
-          </a:p>
-        </p:txBody>
-      </p:sp>
-    </p:spTree>
-    <p:extLst>
-      <p:ext uri="{BB962C8B-B14F-4D97-AF65-F5344CB8AC3E}">
-        <p14:creationId xmlns:p14="http://schemas.microsoft.com/office/powerpoint/2010/main" val="3774239642"/>
-      </p:ext>
-    </p:extLst>
-  </p:cSld>
-  <p:clrMapOvr>
-    <a:masterClrMapping/>
-  </p:clrMapOvr>
 </p:sld>
 </file>
 

--- a/Introduction to Class Programming Part 2.pptx
+++ b/Introduction to Class Programming Part 2.pptx
@@ -6,7 +6,7 @@
     <p:sldMasterId id="2147483661" r:id="rId2"/>
   </p:sldMasterIdLst>
   <p:notesMasterIdLst>
-    <p:notesMasterId r:id="rId43"/>
+    <p:notesMasterId r:id="rId46"/>
   </p:notesMasterIdLst>
   <p:sldIdLst>
     <p:sldId id="310" r:id="rId3"/>
@@ -41,14 +41,17 @@
     <p:sldId id="293" r:id="rId32"/>
     <p:sldId id="280" r:id="rId33"/>
     <p:sldId id="269" r:id="rId34"/>
-    <p:sldId id="263" r:id="rId35"/>
-    <p:sldId id="317" r:id="rId36"/>
-    <p:sldId id="262" r:id="rId37"/>
-    <p:sldId id="305" r:id="rId38"/>
-    <p:sldId id="336" r:id="rId39"/>
-    <p:sldId id="323" r:id="rId40"/>
-    <p:sldId id="338" r:id="rId41"/>
-    <p:sldId id="304" r:id="rId42"/>
+    <p:sldId id="262" r:id="rId35"/>
+    <p:sldId id="341" r:id="rId36"/>
+    <p:sldId id="339" r:id="rId37"/>
+    <p:sldId id="340" r:id="rId38"/>
+    <p:sldId id="263" r:id="rId39"/>
+    <p:sldId id="317" r:id="rId40"/>
+    <p:sldId id="305" r:id="rId41"/>
+    <p:sldId id="323" r:id="rId42"/>
+    <p:sldId id="336" r:id="rId43"/>
+    <p:sldId id="338" r:id="rId44"/>
+    <p:sldId id="304" r:id="rId45"/>
   </p:sldIdLst>
   <p:sldSz cx="9144000" cy="5143500" type="screen16x9"/>
   <p:notesSz cx="6858000" cy="9144000"/>
@@ -248,7 +251,7 @@
           <a:p>
             <a:fld id="{C8D18E60-4300-4729-A0D7-6AB984C3922D}" type="datetimeFigureOut">
               <a:rPr lang="en-US" smtClean="0"/>
-              <a:t>1/20/2022</a:t>
+              <a:t>1/22/2022</a:t>
             </a:fld>
             <a:endParaRPr lang="en-US"/>
           </a:p>
@@ -3538,9 +3541,78 @@
           <a:bodyPr/>
           <a:lstStyle/>
           <a:p>
-            <a:r>
-              <a:rPr lang="en-US" sz="1200" dirty="0"/>
-              <a:t>Can take a look at and talk through the code</a:t>
+            <a:pPr marL="0" marR="0" lvl="0" indent="0" algn="l" defTabSz="914400" rtl="0" eaLnBrk="1" fontAlgn="auto" latinLnBrk="0" hangingPunct="1">
+              <a:lnSpc>
+                <a:spcPct val="100000"/>
+              </a:lnSpc>
+              <a:spcBef>
+                <a:spcPts val="0"/>
+              </a:spcBef>
+              <a:spcAft>
+                <a:spcPts val="0"/>
+              </a:spcAft>
+              <a:buClrTx/>
+              <a:buSzTx/>
+              <a:buFontTx/>
+              <a:buNone/>
+              <a:tabLst/>
+              <a:defRPr/>
+            </a:pPr>
+            <a:r>
+              <a:rPr lang="en-US" sz="1200" dirty="0">
+                <a:cs typeface="Courier New" panose="02070309020205020404" pitchFamily="49" charset="0"/>
+              </a:rPr>
+              <a:t>My class code development has not been sitting still. </a:t>
+            </a:r>
+          </a:p>
+          <a:p>
+            <a:pPr marL="0" marR="0" lvl="0" indent="0" algn="l" defTabSz="914400" rtl="0" eaLnBrk="1" fontAlgn="auto" latinLnBrk="0" hangingPunct="1">
+              <a:lnSpc>
+                <a:spcPct val="100000"/>
+              </a:lnSpc>
+              <a:spcBef>
+                <a:spcPts val="0"/>
+              </a:spcBef>
+              <a:spcAft>
+                <a:spcPts val="0"/>
+              </a:spcAft>
+              <a:buClrTx/>
+              <a:buSzTx/>
+              <a:buFontTx/>
+              <a:buNone/>
+              <a:tabLst/>
+              <a:defRPr/>
+            </a:pPr>
+            <a:r>
+              <a:rPr lang="en-US" sz="1200" dirty="0">
+                <a:cs typeface="Courier New" panose="02070309020205020404" pitchFamily="49" charset="0"/>
+              </a:rPr>
+              <a:t>This presentation has been in the works for more than six months.</a:t>
+            </a:r>
+          </a:p>
+          <a:p>
+            <a:pPr marL="0" marR="0" lvl="0" indent="0" algn="l" defTabSz="914400" rtl="0" eaLnBrk="1" fontAlgn="auto" latinLnBrk="0" hangingPunct="1">
+              <a:lnSpc>
+                <a:spcPct val="100000"/>
+              </a:lnSpc>
+              <a:spcBef>
+                <a:spcPts val="0"/>
+              </a:spcBef>
+              <a:spcAft>
+                <a:spcPts val="0"/>
+              </a:spcAft>
+              <a:buClrTx/>
+              <a:buSzTx/>
+              <a:buFontTx/>
+              <a:buNone/>
+              <a:tabLst/>
+              <a:defRPr/>
+            </a:pPr>
+            <a:r>
+              <a:rPr lang="en-US" sz="1200" dirty="0">
+                <a:cs typeface="Courier New" panose="02070309020205020404" pitchFamily="49" charset="0"/>
+              </a:rPr>
+              <a:t>I did not want make disruptive changes to Led2 and will keep it around as a companion to this presentation.</a:t>
             </a:r>
             <a:endParaRPr lang="en-US" dirty="0"/>
           </a:p>
@@ -3572,7 +3644,7 @@
     </p:spTree>
     <p:extLst>
       <p:ext uri="{BB962C8B-B14F-4D97-AF65-F5344CB8AC3E}">
-        <p14:creationId xmlns:p14="http://schemas.microsoft.com/office/powerpoint/2010/main" val="284462857"/>
+        <p14:creationId xmlns:p14="http://schemas.microsoft.com/office/powerpoint/2010/main" val="4073761233"/>
       </p:ext>
     </p:extLst>
   </p:cSld>
@@ -3714,9 +3786,100 @@
           <a:lstStyle/>
           <a:p>
             <a:r>
-              <a:rPr lang="en-US" dirty="0"/>
-              <a:t>Code for this is written and works but I did not want to introduce this change until after the presentations were complete.</a:t>
-            </a:r>
+              <a:rPr lang="en-US" sz="1200" dirty="0">
+                <a:solidFill>
+                  <a:srgbClr val="3333FF"/>
+                </a:solidFill>
+                <a:latin typeface="Courier New" panose="02070309020205020404" pitchFamily="49" charset="0"/>
+                <a:cs typeface="Courier New" panose="02070309020205020404" pitchFamily="49" charset="0"/>
+              </a:rPr>
+              <a:t>Normal – call on and off for led operation</a:t>
+            </a:r>
+          </a:p>
+          <a:p>
+            <a:r>
+              <a:rPr lang="en-US" sz="1200" dirty="0">
+                <a:solidFill>
+                  <a:srgbClr val="3333FF"/>
+                </a:solidFill>
+                <a:latin typeface="Courier New" panose="02070309020205020404" pitchFamily="49" charset="0"/>
+                <a:cs typeface="Courier New" panose="02070309020205020404" pitchFamily="49" charset="0"/>
+              </a:rPr>
+              <a:t>Blink – configure on time and off time</a:t>
+            </a:r>
+          </a:p>
+          <a:p>
+            <a:pPr marL="0" marR="0" lvl="0" indent="0" algn="l" defTabSz="914400" rtl="0" eaLnBrk="1" fontAlgn="auto" latinLnBrk="0" hangingPunct="1">
+              <a:lnSpc>
+                <a:spcPct val="100000"/>
+              </a:lnSpc>
+              <a:spcBef>
+                <a:spcPts val="0"/>
+              </a:spcBef>
+              <a:spcAft>
+                <a:spcPts val="0"/>
+              </a:spcAft>
+              <a:buClrTx/>
+              <a:buSzTx/>
+              <a:buFontTx/>
+              <a:buNone/>
+              <a:tabLst/>
+              <a:defRPr/>
+            </a:pPr>
+            <a:r>
+              <a:rPr lang="en-US" sz="1200" dirty="0">
+                <a:solidFill>
+                  <a:srgbClr val="3333FF"/>
+                </a:solidFill>
+                <a:latin typeface="Courier New" panose="02070309020205020404" pitchFamily="49" charset="0"/>
+                <a:cs typeface="Courier New" panose="02070309020205020404" pitchFamily="49" charset="0"/>
+              </a:rPr>
+              <a:t>Random – configure minimum and maximum on time and off time but actual time is random</a:t>
+            </a:r>
+          </a:p>
+          <a:p>
+            <a:r>
+              <a:rPr lang="en-US" sz="1200" dirty="0">
+                <a:solidFill>
+                  <a:srgbClr val="3333FF"/>
+                </a:solidFill>
+                <a:latin typeface="Courier New" panose="02070309020205020404" pitchFamily="49" charset="0"/>
+                <a:cs typeface="Courier New" panose="02070309020205020404" pitchFamily="49" charset="0"/>
+              </a:rPr>
+              <a:t>Flicker – configure a flickering candle effect – using timing and intensity</a:t>
+            </a:r>
+          </a:p>
+          <a:p>
+            <a:pPr marL="0" marR="0" lvl="0" indent="0" algn="l" defTabSz="914400" rtl="0" eaLnBrk="1" fontAlgn="auto" latinLnBrk="0" hangingPunct="1">
+              <a:lnSpc>
+                <a:spcPct val="100000"/>
+              </a:lnSpc>
+              <a:spcBef>
+                <a:spcPts val="0"/>
+              </a:spcBef>
+              <a:spcAft>
+                <a:spcPts val="0"/>
+              </a:spcAft>
+              <a:buClrTx/>
+              <a:buSzTx/>
+              <a:buFontTx/>
+              <a:buNone/>
+              <a:tabLst/>
+              <a:defRPr/>
+            </a:pPr>
+            <a:r>
+              <a:rPr lang="en-US" sz="1200" dirty="0">
+                <a:solidFill>
+                  <a:srgbClr val="3333FF"/>
+                </a:solidFill>
+                <a:latin typeface="Courier New" panose="02070309020205020404" pitchFamily="49" charset="0"/>
+                <a:cs typeface="Courier New" panose="02070309020205020404" pitchFamily="49" charset="0"/>
+              </a:rPr>
+              <a:t>Welding– configure a welding effect similar to flickering candle effect and random mode together. Also with second led for an afterglow effect.</a:t>
+            </a:r>
+          </a:p>
+          <a:p>
+            <a:endParaRPr lang="en-US" dirty="0"/>
           </a:p>
         </p:txBody>
       </p:sp>
@@ -3737,7 +3900,7 @@
           <a:p>
             <a:fld id="{AF533E96-F078-4B3D-A8F4-F1AF21EBC357}" type="slidenum">
               <a:rPr lang="en-US" smtClean="0"/>
-              <a:t>35</a:t>
+              <a:t>34</a:t>
             </a:fld>
             <a:endParaRPr lang="en-US"/>
           </a:p>
@@ -3746,7 +3909,7 @@
     </p:spTree>
     <p:extLst>
       <p:ext uri="{BB962C8B-B14F-4D97-AF65-F5344CB8AC3E}">
-        <p14:creationId xmlns:p14="http://schemas.microsoft.com/office/powerpoint/2010/main" val="4073761233"/>
+        <p14:creationId xmlns:p14="http://schemas.microsoft.com/office/powerpoint/2010/main" val="352765247"/>
       </p:ext>
     </p:extLst>
   </p:cSld>
@@ -3821,7 +3984,7 @@
           <a:p>
             <a:fld id="{AF533E96-F078-4B3D-A8F4-F1AF21EBC357}" type="slidenum">
               <a:rPr lang="en-US" smtClean="0"/>
-              <a:t>37</a:t>
+              <a:t>35</a:t>
             </a:fld>
             <a:endParaRPr lang="en-US"/>
           </a:p>
@@ -3830,7 +3993,7 @@
     </p:spTree>
     <p:extLst>
       <p:ext uri="{BB962C8B-B14F-4D97-AF65-F5344CB8AC3E}">
-        <p14:creationId xmlns:p14="http://schemas.microsoft.com/office/powerpoint/2010/main" val="3668200123"/>
+        <p14:creationId xmlns:p14="http://schemas.microsoft.com/office/powerpoint/2010/main" val="1085048202"/>
       </p:ext>
     </p:extLst>
   </p:cSld>
@@ -3895,6 +4058,178 @@
             <a:spLocks noGrp="1"/>
           </p:cNvSpPr>
           <p:nvPr>
+            <p:ph type="sldNum" sz="quarter" idx="5"/>
+          </p:nvPr>
+        </p:nvSpPr>
+        <p:spPr/>
+        <p:txBody>
+          <a:bodyPr/>
+          <a:lstStyle/>
+          <a:p>
+            <a:fld id="{AF533E96-F078-4B3D-A8F4-F1AF21EBC357}" type="slidenum">
+              <a:rPr lang="en-US" smtClean="0"/>
+              <a:t>36</a:t>
+            </a:fld>
+            <a:endParaRPr lang="en-US"/>
+          </a:p>
+        </p:txBody>
+      </p:sp>
+    </p:spTree>
+    <p:extLst>
+      <p:ext uri="{BB962C8B-B14F-4D97-AF65-F5344CB8AC3E}">
+        <p14:creationId xmlns:p14="http://schemas.microsoft.com/office/powerpoint/2010/main" val="1121292830"/>
+      </p:ext>
+    </p:extLst>
+  </p:cSld>
+  <p:clrMapOvr>
+    <a:masterClrMapping/>
+  </p:clrMapOvr>
+</p:notes>
+</file>
+
+<file path=ppt/notesSlides/notesSlide33.xml><?xml version="1.0" encoding="utf-8"?>
+<p:notes xmlns:a="http://schemas.openxmlformats.org/drawingml/2006/main" xmlns:r="http://schemas.openxmlformats.org/officeDocument/2006/relationships" xmlns:p="http://schemas.openxmlformats.org/presentationml/2006/main">
+  <p:cSld>
+    <p:spTree>
+      <p:nvGrpSpPr>
+        <p:cNvPr id="1" name=""/>
+        <p:cNvGrpSpPr/>
+        <p:nvPr/>
+      </p:nvGrpSpPr>
+      <p:grpSpPr>
+        <a:xfrm>
+          <a:off x="0" y="0"/>
+          <a:ext cx="0" cy="0"/>
+          <a:chOff x="0" y="0"/>
+          <a:chExt cx="0" cy="0"/>
+        </a:xfrm>
+      </p:grpSpPr>
+      <p:sp>
+        <p:nvSpPr>
+          <p:cNvPr id="2" name="Slide Image Placeholder 1"/>
+          <p:cNvSpPr>
+            <a:spLocks noGrp="1" noRot="1" noChangeAspect="1"/>
+          </p:cNvSpPr>
+          <p:nvPr>
+            <p:ph type="sldImg"/>
+          </p:nvPr>
+        </p:nvSpPr>
+        <p:spPr/>
+      </p:sp>
+      <p:sp>
+        <p:nvSpPr>
+          <p:cNvPr id="3" name="Notes Placeholder 2"/>
+          <p:cNvSpPr>
+            <a:spLocks noGrp="1"/>
+          </p:cNvSpPr>
+          <p:nvPr>
+            <p:ph type="body" idx="1"/>
+          </p:nvPr>
+        </p:nvSpPr>
+        <p:spPr/>
+        <p:txBody>
+          <a:bodyPr/>
+          <a:lstStyle/>
+          <a:p>
+            <a:r>
+              <a:rPr lang="en-US" sz="1200" dirty="0"/>
+              <a:t>Can take a look at and talk through the code</a:t>
+            </a:r>
+            <a:endParaRPr lang="en-US" dirty="0"/>
+          </a:p>
+        </p:txBody>
+      </p:sp>
+      <p:sp>
+        <p:nvSpPr>
+          <p:cNvPr id="4" name="Slide Number Placeholder 3"/>
+          <p:cNvSpPr>
+            <a:spLocks noGrp="1"/>
+          </p:cNvSpPr>
+          <p:nvPr>
+            <p:ph type="sldNum" sz="quarter" idx="5"/>
+          </p:nvPr>
+        </p:nvSpPr>
+        <p:spPr/>
+        <p:txBody>
+          <a:bodyPr/>
+          <a:lstStyle/>
+          <a:p>
+            <a:fld id="{AF533E96-F078-4B3D-A8F4-F1AF21EBC357}" type="slidenum">
+              <a:rPr lang="en-US" smtClean="0"/>
+              <a:t>37</a:t>
+            </a:fld>
+            <a:endParaRPr lang="en-US"/>
+          </a:p>
+        </p:txBody>
+      </p:sp>
+    </p:spTree>
+    <p:extLst>
+      <p:ext uri="{BB962C8B-B14F-4D97-AF65-F5344CB8AC3E}">
+        <p14:creationId xmlns:p14="http://schemas.microsoft.com/office/powerpoint/2010/main" val="284462857"/>
+      </p:ext>
+    </p:extLst>
+  </p:cSld>
+  <p:clrMapOvr>
+    <a:masterClrMapping/>
+  </p:clrMapOvr>
+</p:notes>
+</file>
+
+<file path=ppt/notesSlides/notesSlide34.xml><?xml version="1.0" encoding="utf-8"?>
+<p:notes xmlns:a="http://schemas.openxmlformats.org/drawingml/2006/main" xmlns:r="http://schemas.openxmlformats.org/officeDocument/2006/relationships" xmlns:p="http://schemas.openxmlformats.org/presentationml/2006/main">
+  <p:cSld>
+    <p:spTree>
+      <p:nvGrpSpPr>
+        <p:cNvPr id="1" name=""/>
+        <p:cNvGrpSpPr/>
+        <p:nvPr/>
+      </p:nvGrpSpPr>
+      <p:grpSpPr>
+        <a:xfrm>
+          <a:off x="0" y="0"/>
+          <a:ext cx="0" cy="0"/>
+          <a:chOff x="0" y="0"/>
+          <a:chExt cx="0" cy="0"/>
+        </a:xfrm>
+      </p:grpSpPr>
+      <p:sp>
+        <p:nvSpPr>
+          <p:cNvPr id="2" name="Slide Image Placeholder 1"/>
+          <p:cNvSpPr>
+            <a:spLocks noGrp="1" noRot="1" noChangeAspect="1"/>
+          </p:cNvSpPr>
+          <p:nvPr>
+            <p:ph type="sldImg"/>
+          </p:nvPr>
+        </p:nvSpPr>
+        <p:spPr/>
+      </p:sp>
+      <p:sp>
+        <p:nvSpPr>
+          <p:cNvPr id="3" name="Notes Placeholder 2"/>
+          <p:cNvSpPr>
+            <a:spLocks noGrp="1"/>
+          </p:cNvSpPr>
+          <p:nvPr>
+            <p:ph type="body" idx="1"/>
+          </p:nvPr>
+        </p:nvSpPr>
+        <p:spPr/>
+        <p:txBody>
+          <a:bodyPr/>
+          <a:lstStyle/>
+          <a:p>
+            <a:endParaRPr lang="en-US" dirty="0"/>
+          </a:p>
+        </p:txBody>
+      </p:sp>
+      <p:sp>
+        <p:nvSpPr>
+          <p:cNvPr id="4" name="Slide Number Placeholder 3"/>
+          <p:cNvSpPr>
+            <a:spLocks noGrp="1"/>
+          </p:cNvSpPr>
+          <p:nvPr>
             <p:ph type="sldNum" sz="quarter" idx="10"/>
           </p:nvPr>
         </p:nvSpPr>
@@ -3905,7 +4240,7 @@
           <a:p>
             <a:fld id="{87350B06-B074-48FC-8CFD-53D2CD8FB95F}" type="slidenum">
               <a:rPr lang="en-US" smtClean="0"/>
-              <a:t>38</a:t>
+              <a:t>40</a:t>
             </a:fld>
             <a:endParaRPr lang="en-US"/>
           </a:p>
@@ -3924,7 +4259,91 @@
 </p:notes>
 </file>
 
-<file path=ppt/notesSlides/notesSlide33.xml><?xml version="1.0" encoding="utf-8"?>
+<file path=ppt/notesSlides/notesSlide35.xml><?xml version="1.0" encoding="utf-8"?>
+<p:notes xmlns:a="http://schemas.openxmlformats.org/drawingml/2006/main" xmlns:r="http://schemas.openxmlformats.org/officeDocument/2006/relationships" xmlns:p="http://schemas.openxmlformats.org/presentationml/2006/main">
+  <p:cSld>
+    <p:spTree>
+      <p:nvGrpSpPr>
+        <p:cNvPr id="1" name=""/>
+        <p:cNvGrpSpPr/>
+        <p:nvPr/>
+      </p:nvGrpSpPr>
+      <p:grpSpPr>
+        <a:xfrm>
+          <a:off x="0" y="0"/>
+          <a:ext cx="0" cy="0"/>
+          <a:chOff x="0" y="0"/>
+          <a:chExt cx="0" cy="0"/>
+        </a:xfrm>
+      </p:grpSpPr>
+      <p:sp>
+        <p:nvSpPr>
+          <p:cNvPr id="2" name="Slide Image Placeholder 1"/>
+          <p:cNvSpPr>
+            <a:spLocks noGrp="1" noRot="1" noChangeAspect="1"/>
+          </p:cNvSpPr>
+          <p:nvPr>
+            <p:ph type="sldImg"/>
+          </p:nvPr>
+        </p:nvSpPr>
+        <p:spPr/>
+      </p:sp>
+      <p:sp>
+        <p:nvSpPr>
+          <p:cNvPr id="3" name="Notes Placeholder 2"/>
+          <p:cNvSpPr>
+            <a:spLocks noGrp="1"/>
+          </p:cNvSpPr>
+          <p:nvPr>
+            <p:ph type="body" idx="1"/>
+          </p:nvPr>
+        </p:nvSpPr>
+        <p:spPr/>
+        <p:txBody>
+          <a:bodyPr/>
+          <a:lstStyle/>
+          <a:p>
+            <a:endParaRPr lang="en-US" dirty="0"/>
+          </a:p>
+        </p:txBody>
+      </p:sp>
+      <p:sp>
+        <p:nvSpPr>
+          <p:cNvPr id="4" name="Slide Number Placeholder 3"/>
+          <p:cNvSpPr>
+            <a:spLocks noGrp="1"/>
+          </p:cNvSpPr>
+          <p:nvPr>
+            <p:ph type="sldNum" sz="quarter" idx="5"/>
+          </p:nvPr>
+        </p:nvSpPr>
+        <p:spPr/>
+        <p:txBody>
+          <a:bodyPr/>
+          <a:lstStyle/>
+          <a:p>
+            <a:fld id="{AF533E96-F078-4B3D-A8F4-F1AF21EBC357}" type="slidenum">
+              <a:rPr lang="en-US" smtClean="0"/>
+              <a:t>41</a:t>
+            </a:fld>
+            <a:endParaRPr lang="en-US"/>
+          </a:p>
+        </p:txBody>
+      </p:sp>
+    </p:spTree>
+    <p:extLst>
+      <p:ext uri="{BB962C8B-B14F-4D97-AF65-F5344CB8AC3E}">
+        <p14:creationId xmlns:p14="http://schemas.microsoft.com/office/powerpoint/2010/main" val="3668200123"/>
+      </p:ext>
+    </p:extLst>
+  </p:cSld>
+  <p:clrMapOvr>
+    <a:masterClrMapping/>
+  </p:clrMapOvr>
+</p:notes>
+</file>
+
+<file path=ppt/notesSlides/notesSlide36.xml><?xml version="1.0" encoding="utf-8"?>
 <p:notes xmlns:a="http://schemas.openxmlformats.org/drawingml/2006/main" xmlns:r="http://schemas.openxmlformats.org/officeDocument/2006/relationships" xmlns:p="http://schemas.openxmlformats.org/presentationml/2006/main">
   <p:cSld>
     <p:spTree>
@@ -4013,7 +4432,7 @@
                 <a:tabLst/>
                 <a:defRPr/>
               </a:pPr>
-              <a:t>40</a:t>
+              <a:t>43</a:t>
             </a:fld>
             <a:endParaRPr kumimoji="0" lang="en-US" altLang="en-US" sz="1200" b="0" i="0" u="none" strike="noStrike" kern="1200" cap="none" spc="0" normalizeH="0" baseline="0" noProof="0">
               <a:ln>
@@ -4297,6 +4716,29 @@
             </a:r>
           </a:p>
           <a:p>
+            <a:pPr marL="0" marR="0" lvl="0" indent="0" algn="l" defTabSz="914400" rtl="0" eaLnBrk="1" fontAlgn="auto" latinLnBrk="0" hangingPunct="1">
+              <a:lnSpc>
+                <a:spcPct val="100000"/>
+              </a:lnSpc>
+              <a:spcBef>
+                <a:spcPts val="0"/>
+              </a:spcBef>
+              <a:spcAft>
+                <a:spcPts val="0"/>
+              </a:spcAft>
+              <a:buClrTx/>
+              <a:buSzTx/>
+              <a:buFontTx/>
+              <a:buNone/>
+              <a:tabLst/>
+              <a:defRPr/>
+            </a:pPr>
+            <a:r>
+              <a:rPr lang="en-US" dirty="0"/>
+              <a:t>Getting reacquainted with the vocabulary</a:t>
+            </a:r>
+          </a:p>
+          <a:p>
             <a:endParaRPr lang="en-US" dirty="0"/>
           </a:p>
         </p:txBody>
@@ -4626,7 +5068,7 @@
             </a:pPr>
             <a:r>
               <a:rPr lang="en-US" dirty="0"/>
-              <a:t>The CPP file – is called an implementation file – it has the code that implements the functions we need </a:t>
+              <a:t>The CPP file – is also called an implementation file – it has the code that implements the functions that we need </a:t>
             </a:r>
           </a:p>
           <a:p>
@@ -4655,7 +5097,13 @@
           <a:p>
             <a:r>
               <a:rPr lang="en-US" dirty="0"/>
-              <a:t>I assumed this mental model because I was developing with my library in mind where the header and implementation file were going to go.</a:t>
+              <a:t>I had assumed this mental model because I was developing with my library in mind</a:t>
+            </a:r>
+          </a:p>
+          <a:p>
+            <a:r>
+              <a:rPr lang="en-US" dirty="0"/>
+              <a:t>I knew where the header and implementation file were going to go.</a:t>
             </a:r>
           </a:p>
           <a:p>
@@ -4951,7 +5399,19 @@
           <a:p>
             <a:r>
               <a:rPr lang="en-US" dirty="0"/>
-              <a:t>Putting all of the code in one file is convenient for first time development.</a:t>
+              <a:t>Putting all of the code in one file is convenient for first time development work.</a:t>
+            </a:r>
+          </a:p>
+          <a:p>
+            <a:r>
+              <a:rPr lang="en-US" dirty="0"/>
+              <a:t>Knowing when to split it into separate header and implementation files is a matter of judgement. </a:t>
+            </a:r>
+          </a:p>
+          <a:p>
+            <a:r>
+              <a:rPr lang="en-US" dirty="0"/>
+              <a:t>There is no right or wrong answer.</a:t>
             </a:r>
           </a:p>
         </p:txBody>
@@ -5212,7 +5672,7 @@
             <a:fld id="{53074F12-AA26-4AC8-9962-C36BB8F32554}" type="datetimeFigureOut">
               <a:rPr lang="en-US" smtClean="0"/>
               <a:pPr/>
-              <a:t>1/20/2022</a:t>
+              <a:t>1/22/2022</a:t>
             </a:fld>
             <a:endParaRPr lang="en-US"/>
           </a:p>
@@ -5469,7 +5929,7 @@
             <a:fld id="{53074F12-AA26-4AC8-9962-C36BB8F32554}" type="datetimeFigureOut">
               <a:rPr lang="en-US" smtClean="0"/>
               <a:pPr/>
-              <a:t>1/20/2022</a:t>
+              <a:t>1/22/2022</a:t>
             </a:fld>
             <a:endParaRPr lang="en-US"/>
           </a:p>
@@ -5639,7 +6099,7 @@
             <a:fld id="{53074F12-AA26-4AC8-9962-C36BB8F32554}" type="datetimeFigureOut">
               <a:rPr lang="en-US" smtClean="0"/>
               <a:pPr/>
-              <a:t>1/20/2022</a:t>
+              <a:t>1/22/2022</a:t>
             </a:fld>
             <a:endParaRPr lang="en-US"/>
           </a:p>
@@ -5819,7 +6279,7 @@
             <a:fld id="{53074F12-AA26-4AC8-9962-C36BB8F32554}" type="datetimeFigureOut">
               <a:rPr lang="en-US" smtClean="0"/>
               <a:pPr/>
-              <a:t>1/20/2022</a:t>
+              <a:t>1/22/2022</a:t>
             </a:fld>
             <a:endParaRPr lang="en-US"/>
           </a:p>
@@ -7743,7 +8203,7 @@
             <a:fld id="{53074F12-AA26-4AC8-9962-C36BB8F32554}" type="datetimeFigureOut">
               <a:rPr lang="en-US" smtClean="0"/>
               <a:pPr/>
-              <a:t>1/20/2022</a:t>
+              <a:t>1/22/2022</a:t>
             </a:fld>
             <a:endParaRPr lang="en-US"/>
           </a:p>
@@ -9042,7 +9502,7 @@
             <a:fld id="{53074F12-AA26-4AC8-9962-C36BB8F32554}" type="datetimeFigureOut">
               <a:rPr lang="en-US" smtClean="0"/>
               <a:pPr/>
-              <a:t>1/20/2022</a:t>
+              <a:t>1/22/2022</a:t>
             </a:fld>
             <a:endParaRPr lang="en-US"/>
           </a:p>
@@ -9289,7 +9749,7 @@
             <a:fld id="{53074F12-AA26-4AC8-9962-C36BB8F32554}" type="datetimeFigureOut">
               <a:rPr lang="en-US" smtClean="0"/>
               <a:pPr/>
-              <a:t>1/20/2022</a:t>
+              <a:t>1/22/2022</a:t>
             </a:fld>
             <a:endParaRPr lang="en-US"/>
           </a:p>
@@ -9576,7 +10036,7 @@
             <a:fld id="{53074F12-AA26-4AC8-9962-C36BB8F32554}" type="datetimeFigureOut">
               <a:rPr lang="en-US" smtClean="0"/>
               <a:pPr/>
-              <a:t>1/20/2022</a:t>
+              <a:t>1/22/2022</a:t>
             </a:fld>
             <a:endParaRPr lang="en-US"/>
           </a:p>
@@ -10066,7 +10526,7 @@
             <a:fld id="{53074F12-AA26-4AC8-9962-C36BB8F32554}" type="datetimeFigureOut">
               <a:rPr lang="en-US" smtClean="0"/>
               <a:pPr/>
-              <a:t>1/20/2022</a:t>
+              <a:t>1/22/2022</a:t>
             </a:fld>
             <a:endParaRPr lang="en-US"/>
           </a:p>
@@ -10185,7 +10645,7 @@
             <a:fld id="{53074F12-AA26-4AC8-9962-C36BB8F32554}" type="datetimeFigureOut">
               <a:rPr lang="en-US" smtClean="0"/>
               <a:pPr/>
-              <a:t>1/20/2022</a:t>
+              <a:t>1/22/2022</a:t>
             </a:fld>
             <a:endParaRPr lang="en-US"/>
           </a:p>
@@ -10282,7 +10742,7 @@
             <a:fld id="{53074F12-AA26-4AC8-9962-C36BB8F32554}" type="datetimeFigureOut">
               <a:rPr lang="en-US" smtClean="0"/>
               <a:pPr/>
-              <a:t>1/20/2022</a:t>
+              <a:t>1/22/2022</a:t>
             </a:fld>
             <a:endParaRPr lang="en-US"/>
           </a:p>
@@ -10559,7 +11019,7 @@
             <a:fld id="{53074F12-AA26-4AC8-9962-C36BB8F32554}" type="datetimeFigureOut">
               <a:rPr lang="en-US" smtClean="0"/>
               <a:pPr/>
-              <a:t>1/20/2022</a:t>
+              <a:t>1/22/2022</a:t>
             </a:fld>
             <a:endParaRPr lang="en-US"/>
           </a:p>
@@ -10781,7 +11241,7 @@
             <a:fld id="{53074F12-AA26-4AC8-9962-C36BB8F32554}" type="datetimeFigureOut">
               <a:rPr lang="en-US" smtClean="0"/>
               <a:pPr/>
-              <a:t>1/20/2022</a:t>
+              <a:t>1/22/2022</a:t>
             </a:fld>
             <a:endParaRPr lang="en-US"/>
           </a:p>
@@ -12737,8 +13197,8 @@
         </p:nvSpPr>
         <p:spPr>
           <a:xfrm>
-            <a:off x="575856" y="4398670"/>
-            <a:ext cx="4589416" cy="369332"/>
+            <a:off x="533400" y="4539699"/>
+            <a:ext cx="6586944" cy="369332"/>
           </a:xfrm>
           <a:prstGeom prst="rect">
             <a:avLst/>
@@ -12757,11 +13217,23 @@
             </a:r>
             <a:r>
               <a:rPr lang="en-US" b="1" dirty="0"/>
-              <a:t>Quick Demo </a:t>
+              <a:t>Quick Show and Tell - </a:t>
             </a:r>
             <a:r>
               <a:rPr lang="en-US" dirty="0"/>
-              <a:t>of all in one code. </a:t>
+              <a:t>of all in one code. (</a:t>
+            </a:r>
+            <a:r>
+              <a:rPr lang="en-US" dirty="0">
+                <a:solidFill>
+                  <a:srgbClr val="FF0000"/>
+                </a:solidFill>
+              </a:rPr>
+              <a:t>MERG Demo 0a</a:t>
+            </a:r>
+            <a:r>
+              <a:rPr lang="en-US" dirty="0"/>
+              <a:t>) </a:t>
             </a:r>
           </a:p>
         </p:txBody>
@@ -13198,7 +13670,7 @@
           <a:p>
             <a:r>
               <a:rPr lang="en-US" dirty="0"/>
-              <a:t>It is not typical to put your final class code in one file but it can be done and is perfectly fine for development.</a:t>
+              <a:t>It is not typical to put your final class code in one file but it can be done and is perfectly fine for development work.</a:t>
             </a:r>
           </a:p>
         </p:txBody>
@@ -16608,7 +17080,19 @@
           <a:p>
             <a:r>
               <a:rPr lang="en-US" sz="2000" dirty="0"/>
-              <a:t>Each function call was precisely identified in the header by a prototype having the same signature</a:t>
+              <a:t>Each function call was precisely identified in the header by a </a:t>
+            </a:r>
+            <a:r>
+              <a:rPr lang="en-US" sz="2000" b="1" dirty="0"/>
+              <a:t>prototype</a:t>
+            </a:r>
+            <a:r>
+              <a:rPr lang="en-US" sz="2000" dirty="0"/>
+              <a:t> having the same </a:t>
+            </a:r>
+            <a:r>
+              <a:rPr lang="en-US" sz="2000" b="1" dirty="0"/>
+              <a:t>signature</a:t>
             </a:r>
           </a:p>
         </p:txBody>
@@ -17334,7 +17818,7 @@
                 <a:latin typeface="Courier New" panose="02070309020205020404" pitchFamily="49" charset="0"/>
                 <a:cs typeface="Courier New" panose="02070309020205020404" pitchFamily="49" charset="0"/>
               </a:rPr>
-              <a:t>  off();                    // call the function that sets out LED to off initially</a:t>
+              <a:t>  off();                    // call the function that sets our LED to off initially</a:t>
             </a:r>
           </a:p>
           <a:p>
@@ -30346,8 +30830,8 @@
         </p:nvSpPr>
         <p:spPr>
           <a:xfrm>
-            <a:off x="411631" y="1428750"/>
-            <a:ext cx="7239000" cy="1631216"/>
+            <a:off x="282015" y="895350"/>
+            <a:ext cx="8579970" cy="3170099"/>
           </a:xfrm>
           <a:prstGeom prst="rect">
             <a:avLst/>
@@ -30368,6 +30852,25 @@
               <a:rPr lang="en-US" sz="2000" dirty="0"/>
               <a:t>Single LED blinking</a:t>
             </a:r>
+            <a:br>
+              <a:rPr lang="en-US" sz="2000" dirty="0"/>
+            </a:br>
+            <a:r>
+              <a:rPr lang="en-US" sz="2000" dirty="0"/>
+              <a:t>( </a:t>
+            </a:r>
+            <a:r>
+              <a:rPr lang="en-US" sz="2000" dirty="0">
+                <a:solidFill>
+                  <a:srgbClr val="FF0000"/>
+                </a:solidFill>
+              </a:rPr>
+              <a:t>MERG_DEMO1a</a:t>
+            </a:r>
+            <a:r>
+              <a:rPr lang="en-US" sz="2000" dirty="0"/>
+              <a:t>)</a:t>
+            </a:r>
           </a:p>
           <a:p>
             <a:pPr marL="285750" indent="-285750">
@@ -30383,7 +30886,33 @@
             </a:pPr>
             <a:r>
               <a:rPr lang="en-US" sz="2000" dirty="0"/>
-              <a:t>Multiple LEDs blinking with very different timing patterns</a:t>
+              <a:t>Multiple LEDs blinking</a:t>
+            </a:r>
+            <a:br>
+              <a:rPr lang="en-US" sz="2000" dirty="0"/>
+            </a:br>
+            <a:r>
+              <a:rPr lang="en-US" sz="2000" dirty="0"/>
+              <a:t>with very different timing patterns</a:t>
+            </a:r>
+            <a:br>
+              <a:rPr lang="en-US" sz="2000" dirty="0"/>
+            </a:br>
+            <a:r>
+              <a:rPr lang="en-US" sz="2000" dirty="0"/>
+              <a:t>( </a:t>
+            </a:r>
+            <a:r>
+              <a:rPr lang="en-US" sz="2000" dirty="0">
+                <a:solidFill>
+                  <a:srgbClr val="FF0000"/>
+                </a:solidFill>
+              </a:rPr>
+              <a:t>MERG_DEMO2</a:t>
+            </a:r>
+            <a:r>
+              <a:rPr lang="en-US" sz="2000" dirty="0"/>
+              <a:t>)</a:t>
             </a:r>
           </a:p>
           <a:p>
@@ -30400,8 +30929,34 @@
             </a:pPr>
             <a:r>
               <a:rPr lang="en-US" sz="2000" dirty="0"/>
-              <a:t>Multiple LEDs blinking with different patterns and a Servo sweep</a:t>
-            </a:r>
+              <a:t>Multiple LEDs blinking and a Servo sweep</a:t>
+            </a:r>
+            <a:br>
+              <a:rPr lang="en-US" sz="2000" dirty="0"/>
+            </a:br>
+            <a:r>
+              <a:rPr lang="en-US" sz="2000" dirty="0"/>
+              <a:t>( </a:t>
+            </a:r>
+            <a:r>
+              <a:rPr lang="en-US" sz="2000" dirty="0">
+                <a:solidFill>
+                  <a:srgbClr val="FF0000"/>
+                </a:solidFill>
+              </a:rPr>
+              <a:t>MERG_DEMO3</a:t>
+            </a:r>
+            <a:r>
+              <a:rPr lang="en-US" sz="2000" dirty="0"/>
+              <a:t>)</a:t>
+            </a:r>
+          </a:p>
+          <a:p>
+            <a:pPr marL="285750" indent="-285750">
+              <a:buFont typeface="Arial" panose="020B0604020202020204" pitchFamily="34" charset="0"/>
+              <a:buChar char="•"/>
+            </a:pPr>
+            <a:endParaRPr lang="en-US" sz="2000" dirty="0"/>
           </a:p>
         </p:txBody>
       </p:sp>
@@ -34026,6 +34581,3513 @@
             <p:ph type="title"/>
           </p:nvPr>
         </p:nvSpPr>
+        <p:spPr/>
+        <p:txBody>
+          <a:bodyPr>
+            <a:normAutofit/>
+          </a:bodyPr>
+          <a:lstStyle/>
+          <a:p>
+            <a:r>
+              <a:rPr lang="en-US" b="1" dirty="0">
+                <a:solidFill>
+                  <a:srgbClr val="3333FF"/>
+                </a:solidFill>
+              </a:rPr>
+              <a:t>Led3</a:t>
+            </a:r>
+            <a:r>
+              <a:rPr lang="en-US" dirty="0"/>
+              <a:t>: New and Improved</a:t>
+            </a:r>
+          </a:p>
+        </p:txBody>
+      </p:sp>
+      <p:sp>
+        <p:nvSpPr>
+          <p:cNvPr id="5" name="Content Placeholder 4"/>
+          <p:cNvSpPr>
+            <a:spLocks noGrp="1"/>
+          </p:cNvSpPr>
+          <p:nvPr>
+            <p:ph idx="1"/>
+          </p:nvPr>
+        </p:nvSpPr>
+        <p:spPr>
+          <a:xfrm>
+            <a:off x="304800" y="1197405"/>
+            <a:ext cx="7315200" cy="3279345"/>
+          </a:xfrm>
+        </p:spPr>
+        <p:txBody>
+          <a:bodyPr>
+            <a:normAutofit/>
+          </a:bodyPr>
+          <a:lstStyle/>
+          <a:p>
+            <a:pPr marL="0" indent="0">
+              <a:buNone/>
+            </a:pPr>
+            <a:r>
+              <a:rPr lang="en-US" sz="3200" dirty="0">
+                <a:cs typeface="Courier New" panose="02070309020205020404" pitchFamily="49" charset="0"/>
+              </a:rPr>
+              <a:t>No changes to the </a:t>
+            </a:r>
+            <a:r>
+              <a:rPr lang="en-US" sz="3200" i="1" dirty="0">
+                <a:cs typeface="Courier New" panose="02070309020205020404" pitchFamily="49" charset="0"/>
+              </a:rPr>
+              <a:t>existing</a:t>
+            </a:r>
+            <a:r>
+              <a:rPr lang="en-US" sz="3200" dirty="0">
+                <a:cs typeface="Courier New" panose="02070309020205020404" pitchFamily="49" charset="0"/>
+              </a:rPr>
+              <a:t> </a:t>
+            </a:r>
+            <a:r>
+              <a:rPr lang="en-US" sz="3200" b="1" dirty="0">
+                <a:cs typeface="Courier New" panose="02070309020205020404" pitchFamily="49" charset="0"/>
+              </a:rPr>
+              <a:t>Led2</a:t>
+            </a:r>
+          </a:p>
+          <a:p>
+            <a:pPr marL="0" indent="0">
+              <a:buNone/>
+            </a:pPr>
+            <a:r>
+              <a:rPr lang="en-US" sz="3200" dirty="0">
+                <a:cs typeface="Courier New" panose="02070309020205020404" pitchFamily="49" charset="0"/>
+              </a:rPr>
+              <a:t>But development has continued with </a:t>
+            </a:r>
+            <a:r>
+              <a:rPr lang="en-US" sz="3200" b="1" dirty="0">
+                <a:cs typeface="Courier New" panose="02070309020205020404" pitchFamily="49" charset="0"/>
+              </a:rPr>
+              <a:t>Led3</a:t>
+            </a:r>
+          </a:p>
+          <a:p>
+            <a:pPr marL="0" indent="0">
+              <a:buNone/>
+            </a:pPr>
+            <a:endParaRPr lang="en-US" sz="2000" b="1" dirty="0">
+              <a:cs typeface="Courier New" panose="02070309020205020404" pitchFamily="49" charset="0"/>
+            </a:endParaRPr>
+          </a:p>
+        </p:txBody>
+      </p:sp>
+      <p:pic>
+        <p:nvPicPr>
+          <p:cNvPr id="6" name="Picture 5">
+            <a:extLst>
+              <a:ext uri="{FF2B5EF4-FFF2-40B4-BE49-F238E27FC236}">
+                <a16:creationId xmlns:a16="http://schemas.microsoft.com/office/drawing/2014/main" id="{33351060-18E6-42F7-BAE2-6A49CB9B0F0C}"/>
+              </a:ext>
+            </a:extLst>
+          </p:cNvPr>
+          <p:cNvPicPr>
+            <a:picLocks noChangeAspect="1"/>
+          </p:cNvPicPr>
+          <p:nvPr/>
+        </p:nvPicPr>
+        <p:blipFill>
+          <a:blip r:embed="rId3" cstate="print">
+            <a:extLst>
+              <a:ext uri="{28A0092B-C50C-407E-A947-70E740481C1C}">
+                <a14:useLocalDpi xmlns:a14="http://schemas.microsoft.com/office/drawing/2010/main" val="0"/>
+              </a:ext>
+            </a:extLst>
+          </a:blip>
+          <a:stretch>
+            <a:fillRect/>
+          </a:stretch>
+        </p:blipFill>
+        <p:spPr>
+          <a:xfrm>
+            <a:off x="7848600" y="4583336"/>
+            <a:ext cx="1028700" cy="457771"/>
+          </a:xfrm>
+          <a:prstGeom prst="rect">
+            <a:avLst/>
+          </a:prstGeom>
+        </p:spPr>
+      </p:pic>
+    </p:spTree>
+    <p:extLst>
+      <p:ext uri="{BB962C8B-B14F-4D97-AF65-F5344CB8AC3E}">
+        <p14:creationId xmlns:p14="http://schemas.microsoft.com/office/powerpoint/2010/main" val="3432541561"/>
+      </p:ext>
+    </p:extLst>
+  </p:cSld>
+  <p:clrMapOvr>
+    <a:masterClrMapping/>
+  </p:clrMapOvr>
+</p:sld>
+</file>
+
+<file path=ppt/slides/slide34.xml><?xml version="1.0" encoding="utf-8"?>
+<p:sld xmlns:a="http://schemas.openxmlformats.org/drawingml/2006/main" xmlns:r="http://schemas.openxmlformats.org/officeDocument/2006/relationships" xmlns:p="http://schemas.openxmlformats.org/presentationml/2006/main">
+  <p:cSld>
+    <p:spTree>
+      <p:nvGrpSpPr>
+        <p:cNvPr id="1" name=""/>
+        <p:cNvGrpSpPr/>
+        <p:nvPr/>
+      </p:nvGrpSpPr>
+      <p:grpSpPr>
+        <a:xfrm>
+          <a:off x="0" y="0"/>
+          <a:ext cx="0" cy="0"/>
+          <a:chOff x="0" y="0"/>
+          <a:chExt cx="0" cy="0"/>
+        </a:xfrm>
+      </p:grpSpPr>
+      <p:pic>
+        <p:nvPicPr>
+          <p:cNvPr id="58" name="Picture 57">
+            <a:extLst>
+              <a:ext uri="{FF2B5EF4-FFF2-40B4-BE49-F238E27FC236}">
+                <a16:creationId xmlns:a16="http://schemas.microsoft.com/office/drawing/2014/main" id="{D30A1B49-8F80-41E9-81E4-C28D8E5831BB}"/>
+              </a:ext>
+            </a:extLst>
+          </p:cNvPr>
+          <p:cNvPicPr>
+            <a:picLocks noChangeAspect="1"/>
+          </p:cNvPicPr>
+          <p:nvPr/>
+        </p:nvPicPr>
+        <p:blipFill>
+          <a:blip r:embed="rId3"/>
+          <a:stretch>
+            <a:fillRect/>
+          </a:stretch>
+        </p:blipFill>
+        <p:spPr>
+          <a:xfrm rot="1237420">
+            <a:off x="6046151" y="410970"/>
+            <a:ext cx="876300" cy="819150"/>
+          </a:xfrm>
+          <a:prstGeom prst="rect">
+            <a:avLst/>
+          </a:prstGeom>
+        </p:spPr>
+      </p:pic>
+      <p:grpSp>
+        <p:nvGrpSpPr>
+          <p:cNvPr id="45" name="Group 44">
+            <a:extLst>
+              <a:ext uri="{FF2B5EF4-FFF2-40B4-BE49-F238E27FC236}">
+                <a16:creationId xmlns:a16="http://schemas.microsoft.com/office/drawing/2014/main" id="{0A33608B-B1E1-433C-8105-07D0043ADEC7}"/>
+              </a:ext>
+            </a:extLst>
+          </p:cNvPr>
+          <p:cNvGrpSpPr/>
+          <p:nvPr/>
+        </p:nvGrpSpPr>
+        <p:grpSpPr>
+          <a:xfrm>
+            <a:off x="4572000" y="2532197"/>
+            <a:ext cx="1481418" cy="311956"/>
+            <a:chOff x="1199029" y="2905612"/>
+            <a:chExt cx="1600200" cy="311956"/>
+          </a:xfrm>
+        </p:grpSpPr>
+        <p:sp>
+          <p:nvSpPr>
+            <p:cNvPr id="46" name="Arrow: Right 45">
+              <a:extLst>
+                <a:ext uri="{FF2B5EF4-FFF2-40B4-BE49-F238E27FC236}">
+                  <a16:creationId xmlns:a16="http://schemas.microsoft.com/office/drawing/2014/main" id="{1B8932FF-8EB2-4929-8168-EE92BBF6B044}"/>
+                </a:ext>
+              </a:extLst>
+            </p:cNvPr>
+            <p:cNvSpPr/>
+            <p:nvPr/>
+          </p:nvSpPr>
+          <p:spPr>
+            <a:xfrm>
+              <a:off x="1294279" y="3109555"/>
+              <a:ext cx="1371600" cy="108013"/>
+            </a:xfrm>
+            <a:prstGeom prst="rightArrow">
+              <a:avLst/>
+            </a:prstGeom>
+            <a:solidFill>
+              <a:srgbClr val="FF0000"/>
+            </a:solidFill>
+            <a:ln w="6350">
+              <a:solidFill>
+                <a:schemeClr val="tx1"/>
+              </a:solidFill>
+              <a:prstDash val="solid"/>
+            </a:ln>
+          </p:spPr>
+          <p:style>
+            <a:lnRef idx="2">
+              <a:schemeClr val="accent2">
+                <a:shade val="50000"/>
+              </a:schemeClr>
+            </a:lnRef>
+            <a:fillRef idx="1">
+              <a:schemeClr val="accent2"/>
+            </a:fillRef>
+            <a:effectRef idx="0">
+              <a:schemeClr val="accent2"/>
+            </a:effectRef>
+            <a:fontRef idx="minor">
+              <a:schemeClr val="lt1"/>
+            </a:fontRef>
+          </p:style>
+          <p:txBody>
+            <a:bodyPr rtlCol="0" anchor="ctr"/>
+            <a:lstStyle/>
+            <a:p>
+              <a:pPr algn="ctr"/>
+              <a:endParaRPr lang="en-US"/>
+            </a:p>
+          </p:txBody>
+        </p:sp>
+        <p:sp>
+          <p:nvSpPr>
+            <p:cNvPr id="47" name="TextBox 46">
+              <a:extLst>
+                <a:ext uri="{FF2B5EF4-FFF2-40B4-BE49-F238E27FC236}">
+                  <a16:creationId xmlns:a16="http://schemas.microsoft.com/office/drawing/2014/main" id="{1E4D789A-8C2F-4B0B-9B27-82D1309F4873}"/>
+                </a:ext>
+              </a:extLst>
+            </p:cNvPr>
+            <p:cNvSpPr txBox="1"/>
+            <p:nvPr/>
+          </p:nvSpPr>
+          <p:spPr>
+            <a:xfrm>
+              <a:off x="1199029" y="2905612"/>
+              <a:ext cx="1600200" cy="276999"/>
+            </a:xfrm>
+            <a:prstGeom prst="rect">
+              <a:avLst/>
+            </a:prstGeom>
+            <a:noFill/>
+          </p:spPr>
+          <p:txBody>
+            <a:bodyPr wrap="square" rtlCol="0">
+              <a:spAutoFit/>
+            </a:bodyPr>
+            <a:lstStyle/>
+            <a:p>
+              <a:pPr algn="ctr"/>
+              <a:r>
+                <a:rPr lang="en-US" sz="1200" dirty="0" err="1"/>
+                <a:t>offTime</a:t>
+              </a:r>
+              <a:r>
+                <a:rPr lang="en-US" sz="1200" dirty="0"/>
+                <a:t> (</a:t>
+              </a:r>
+              <a:r>
+                <a:rPr lang="en-US" sz="1200" dirty="0" err="1"/>
+                <a:t>ms</a:t>
+              </a:r>
+              <a:r>
+                <a:rPr lang="en-US" sz="1200" dirty="0"/>
+                <a:t>)</a:t>
+              </a:r>
+            </a:p>
+          </p:txBody>
+        </p:sp>
+      </p:grpSp>
+      <p:grpSp>
+        <p:nvGrpSpPr>
+          <p:cNvPr id="39" name="Group 38">
+            <a:extLst>
+              <a:ext uri="{FF2B5EF4-FFF2-40B4-BE49-F238E27FC236}">
+                <a16:creationId xmlns:a16="http://schemas.microsoft.com/office/drawing/2014/main" id="{4F86B8A3-C93C-4CD4-A077-126FE62D7D1F}"/>
+              </a:ext>
+            </a:extLst>
+          </p:cNvPr>
+          <p:cNvGrpSpPr/>
+          <p:nvPr/>
+        </p:nvGrpSpPr>
+        <p:grpSpPr>
+          <a:xfrm>
+            <a:off x="4572000" y="1878667"/>
+            <a:ext cx="1716805" cy="337649"/>
+            <a:chOff x="4572000" y="1752539"/>
+            <a:chExt cx="1716805" cy="381061"/>
+          </a:xfrm>
+        </p:grpSpPr>
+        <p:sp>
+          <p:nvSpPr>
+            <p:cNvPr id="40" name="Arrow: Right 39">
+              <a:extLst>
+                <a:ext uri="{FF2B5EF4-FFF2-40B4-BE49-F238E27FC236}">
+                  <a16:creationId xmlns:a16="http://schemas.microsoft.com/office/drawing/2014/main" id="{91C36D05-BAAA-46B8-B2AD-5D3D4F5158CB}"/>
+                </a:ext>
+              </a:extLst>
+            </p:cNvPr>
+            <p:cNvSpPr/>
+            <p:nvPr/>
+          </p:nvSpPr>
+          <p:spPr>
+            <a:xfrm>
+              <a:off x="4572000" y="1981200"/>
+              <a:ext cx="1295400" cy="152400"/>
+            </a:xfrm>
+            <a:prstGeom prst="rightArrow">
+              <a:avLst/>
+            </a:prstGeom>
+          </p:spPr>
+          <p:style>
+            <a:lnRef idx="2">
+              <a:schemeClr val="accent1">
+                <a:shade val="50000"/>
+              </a:schemeClr>
+            </a:lnRef>
+            <a:fillRef idx="1">
+              <a:schemeClr val="accent1"/>
+            </a:fillRef>
+            <a:effectRef idx="0">
+              <a:schemeClr val="accent1"/>
+            </a:effectRef>
+            <a:fontRef idx="minor">
+              <a:schemeClr val="lt1"/>
+            </a:fontRef>
+          </p:style>
+          <p:txBody>
+            <a:bodyPr rtlCol="0" anchor="ctr"/>
+            <a:lstStyle/>
+            <a:p>
+              <a:pPr algn="ctr"/>
+              <a:endParaRPr lang="en-US"/>
+            </a:p>
+          </p:txBody>
+        </p:sp>
+        <p:sp>
+          <p:nvSpPr>
+            <p:cNvPr id="41" name="TextBox 40">
+              <a:extLst>
+                <a:ext uri="{FF2B5EF4-FFF2-40B4-BE49-F238E27FC236}">
+                  <a16:creationId xmlns:a16="http://schemas.microsoft.com/office/drawing/2014/main" id="{4E2FC6DA-2485-44AE-AD79-EF4B76DDB9A1}"/>
+                </a:ext>
+              </a:extLst>
+            </p:cNvPr>
+            <p:cNvSpPr txBox="1"/>
+            <p:nvPr/>
+          </p:nvSpPr>
+          <p:spPr>
+            <a:xfrm>
+              <a:off x="4950823" y="1752539"/>
+              <a:ext cx="1337982" cy="276999"/>
+            </a:xfrm>
+            <a:prstGeom prst="rect">
+              <a:avLst/>
+            </a:prstGeom>
+            <a:noFill/>
+          </p:spPr>
+          <p:txBody>
+            <a:bodyPr wrap="square" rtlCol="0">
+              <a:spAutoFit/>
+            </a:bodyPr>
+            <a:lstStyle/>
+            <a:p>
+              <a:r>
+                <a:rPr lang="en-US" sz="1200" dirty="0" err="1"/>
+                <a:t>getMode</a:t>
+              </a:r>
+              <a:r>
+                <a:rPr lang="en-US" sz="1200" dirty="0"/>
+                <a:t> ()</a:t>
+              </a:r>
+            </a:p>
+          </p:txBody>
+        </p:sp>
+      </p:grpSp>
+      <p:sp>
+        <p:nvSpPr>
+          <p:cNvPr id="4" name="Title 3"/>
+          <p:cNvSpPr>
+            <a:spLocks noGrp="1"/>
+          </p:cNvSpPr>
+          <p:nvPr>
+            <p:ph type="title"/>
+          </p:nvPr>
+        </p:nvSpPr>
+        <p:spPr>
+          <a:xfrm>
+            <a:off x="378103" y="134887"/>
+            <a:ext cx="7016194" cy="552290"/>
+          </a:xfrm>
+        </p:spPr>
+        <p:txBody>
+          <a:bodyPr>
+            <a:normAutofit fontScale="90000"/>
+          </a:bodyPr>
+          <a:lstStyle/>
+          <a:p>
+            <a:r>
+              <a:rPr lang="en-US" dirty="0"/>
+              <a:t>The full Led3 class</a:t>
+            </a:r>
+          </a:p>
+        </p:txBody>
+      </p:sp>
+      <p:grpSp>
+        <p:nvGrpSpPr>
+          <p:cNvPr id="10" name="Group 9">
+            <a:extLst>
+              <a:ext uri="{FF2B5EF4-FFF2-40B4-BE49-F238E27FC236}">
+                <a16:creationId xmlns:a16="http://schemas.microsoft.com/office/drawing/2014/main" id="{1E5847B3-59B7-4713-8BAA-95836AD943AD}"/>
+              </a:ext>
+            </a:extLst>
+          </p:cNvPr>
+          <p:cNvGrpSpPr/>
+          <p:nvPr/>
+        </p:nvGrpSpPr>
+        <p:grpSpPr>
+          <a:xfrm>
+            <a:off x="4605618" y="781409"/>
+            <a:ext cx="1371600" cy="350849"/>
+            <a:chOff x="4572000" y="1782751"/>
+            <a:chExt cx="1371600" cy="350849"/>
+          </a:xfrm>
+        </p:grpSpPr>
+        <p:sp>
+          <p:nvSpPr>
+            <p:cNvPr id="5" name="Arrow: Right 4">
+              <a:extLst>
+                <a:ext uri="{FF2B5EF4-FFF2-40B4-BE49-F238E27FC236}">
+                  <a16:creationId xmlns:a16="http://schemas.microsoft.com/office/drawing/2014/main" id="{90EE711D-C513-418C-A984-1EC2B6584365}"/>
+                </a:ext>
+              </a:extLst>
+            </p:cNvPr>
+            <p:cNvSpPr/>
+            <p:nvPr/>
+          </p:nvSpPr>
+          <p:spPr>
+            <a:xfrm>
+              <a:off x="4572000" y="1981200"/>
+              <a:ext cx="1295400" cy="152400"/>
+            </a:xfrm>
+            <a:prstGeom prst="rightArrow">
+              <a:avLst/>
+            </a:prstGeom>
+          </p:spPr>
+          <p:style>
+            <a:lnRef idx="2">
+              <a:schemeClr val="accent1">
+                <a:shade val="50000"/>
+              </a:schemeClr>
+            </a:lnRef>
+            <a:fillRef idx="1">
+              <a:schemeClr val="accent1"/>
+            </a:fillRef>
+            <a:effectRef idx="0">
+              <a:schemeClr val="accent1"/>
+            </a:effectRef>
+            <a:fontRef idx="minor">
+              <a:schemeClr val="lt1"/>
+            </a:fontRef>
+          </p:style>
+          <p:txBody>
+            <a:bodyPr rtlCol="0" anchor="ctr"/>
+            <a:lstStyle/>
+            <a:p>
+              <a:pPr algn="ctr"/>
+              <a:endParaRPr lang="en-US"/>
+            </a:p>
+          </p:txBody>
+        </p:sp>
+        <p:sp>
+          <p:nvSpPr>
+            <p:cNvPr id="9" name="TextBox 8">
+              <a:extLst>
+                <a:ext uri="{FF2B5EF4-FFF2-40B4-BE49-F238E27FC236}">
+                  <a16:creationId xmlns:a16="http://schemas.microsoft.com/office/drawing/2014/main" id="{8A566929-B222-415A-BBAB-5CF4F18021E6}"/>
+                </a:ext>
+              </a:extLst>
+            </p:cNvPr>
+            <p:cNvSpPr txBox="1"/>
+            <p:nvPr/>
+          </p:nvSpPr>
+          <p:spPr>
+            <a:xfrm>
+              <a:off x="4953000" y="1782751"/>
+              <a:ext cx="990600" cy="276999"/>
+            </a:xfrm>
+            <a:prstGeom prst="rect">
+              <a:avLst/>
+            </a:prstGeom>
+            <a:noFill/>
+          </p:spPr>
+          <p:txBody>
+            <a:bodyPr wrap="square" rtlCol="0">
+              <a:spAutoFit/>
+            </a:bodyPr>
+            <a:lstStyle/>
+            <a:p>
+              <a:r>
+                <a:rPr lang="en-US" sz="1200" dirty="0"/>
+                <a:t>Output (Pin)</a:t>
+              </a:r>
+            </a:p>
+          </p:txBody>
+        </p:sp>
+      </p:grpSp>
+      <p:grpSp>
+        <p:nvGrpSpPr>
+          <p:cNvPr id="13" name="Group 12">
+            <a:extLst>
+              <a:ext uri="{FF2B5EF4-FFF2-40B4-BE49-F238E27FC236}">
+                <a16:creationId xmlns:a16="http://schemas.microsoft.com/office/drawing/2014/main" id="{7FD52B14-EFFC-4063-A6BD-6A39F416055E}"/>
+              </a:ext>
+            </a:extLst>
+          </p:cNvPr>
+          <p:cNvGrpSpPr/>
+          <p:nvPr/>
+        </p:nvGrpSpPr>
+        <p:grpSpPr>
+          <a:xfrm>
+            <a:off x="1233768" y="938057"/>
+            <a:ext cx="1600200" cy="311956"/>
+            <a:chOff x="1200150" y="1573994"/>
+            <a:chExt cx="1600200" cy="311956"/>
+          </a:xfrm>
+        </p:grpSpPr>
+        <p:sp>
+          <p:nvSpPr>
+            <p:cNvPr id="11" name="Arrow: Right 10">
+              <a:extLst>
+                <a:ext uri="{FF2B5EF4-FFF2-40B4-BE49-F238E27FC236}">
+                  <a16:creationId xmlns:a16="http://schemas.microsoft.com/office/drawing/2014/main" id="{2E2972D8-57E5-4E8E-9D3C-C2059DADAB64}"/>
+                </a:ext>
+              </a:extLst>
+            </p:cNvPr>
+            <p:cNvSpPr/>
+            <p:nvPr/>
+          </p:nvSpPr>
+          <p:spPr>
+            <a:xfrm>
+              <a:off x="1295400" y="1777937"/>
+              <a:ext cx="1371600" cy="108013"/>
+            </a:xfrm>
+            <a:prstGeom prst="rightArrow">
+              <a:avLst/>
+            </a:prstGeom>
+          </p:spPr>
+          <p:style>
+            <a:lnRef idx="2">
+              <a:schemeClr val="accent3">
+                <a:shade val="50000"/>
+              </a:schemeClr>
+            </a:lnRef>
+            <a:fillRef idx="1">
+              <a:schemeClr val="accent3"/>
+            </a:fillRef>
+            <a:effectRef idx="0">
+              <a:schemeClr val="accent3"/>
+            </a:effectRef>
+            <a:fontRef idx="minor">
+              <a:schemeClr val="lt1"/>
+            </a:fontRef>
+          </p:style>
+          <p:txBody>
+            <a:bodyPr rtlCol="0" anchor="ctr"/>
+            <a:lstStyle/>
+            <a:p>
+              <a:pPr algn="ctr"/>
+              <a:endParaRPr lang="en-US"/>
+            </a:p>
+          </p:txBody>
+        </p:sp>
+        <p:sp>
+          <p:nvSpPr>
+            <p:cNvPr id="12" name="TextBox 11">
+              <a:extLst>
+                <a:ext uri="{FF2B5EF4-FFF2-40B4-BE49-F238E27FC236}">
+                  <a16:creationId xmlns:a16="http://schemas.microsoft.com/office/drawing/2014/main" id="{0EBC5A7F-2651-44EE-9BCC-86D9068972AA}"/>
+                </a:ext>
+              </a:extLst>
+            </p:cNvPr>
+            <p:cNvSpPr txBox="1"/>
+            <p:nvPr/>
+          </p:nvSpPr>
+          <p:spPr>
+            <a:xfrm>
+              <a:off x="1200150" y="1573994"/>
+              <a:ext cx="1600200" cy="276999"/>
+            </a:xfrm>
+            <a:prstGeom prst="rect">
+              <a:avLst/>
+            </a:prstGeom>
+            <a:noFill/>
+          </p:spPr>
+          <p:txBody>
+            <a:bodyPr wrap="square" rtlCol="0">
+              <a:spAutoFit/>
+            </a:bodyPr>
+            <a:lstStyle/>
+            <a:p>
+              <a:r>
+                <a:rPr lang="en-US" sz="1200" dirty="0"/>
+                <a:t>“on()”</a:t>
+              </a:r>
+            </a:p>
+          </p:txBody>
+        </p:sp>
+      </p:grpSp>
+      <p:grpSp>
+        <p:nvGrpSpPr>
+          <p:cNvPr id="14" name="Group 13">
+            <a:extLst>
+              <a:ext uri="{FF2B5EF4-FFF2-40B4-BE49-F238E27FC236}">
+                <a16:creationId xmlns:a16="http://schemas.microsoft.com/office/drawing/2014/main" id="{00E4124D-CAE1-49B4-BBF5-B8A5A53EA2E3}"/>
+              </a:ext>
+            </a:extLst>
+          </p:cNvPr>
+          <p:cNvGrpSpPr/>
+          <p:nvPr/>
+        </p:nvGrpSpPr>
+        <p:grpSpPr>
+          <a:xfrm>
+            <a:off x="1233768" y="1274315"/>
+            <a:ext cx="1600200" cy="311956"/>
+            <a:chOff x="1200150" y="1573994"/>
+            <a:chExt cx="1600200" cy="311956"/>
+          </a:xfrm>
+        </p:grpSpPr>
+        <p:sp>
+          <p:nvSpPr>
+            <p:cNvPr id="15" name="Arrow: Right 14">
+              <a:extLst>
+                <a:ext uri="{FF2B5EF4-FFF2-40B4-BE49-F238E27FC236}">
+                  <a16:creationId xmlns:a16="http://schemas.microsoft.com/office/drawing/2014/main" id="{66BB5F99-277A-4987-A863-957BFA8522B9}"/>
+                </a:ext>
+              </a:extLst>
+            </p:cNvPr>
+            <p:cNvSpPr/>
+            <p:nvPr/>
+          </p:nvSpPr>
+          <p:spPr>
+            <a:xfrm>
+              <a:off x="1295400" y="1777937"/>
+              <a:ext cx="1371600" cy="108013"/>
+            </a:xfrm>
+            <a:prstGeom prst="rightArrow">
+              <a:avLst/>
+            </a:prstGeom>
+            <a:solidFill>
+              <a:srgbClr val="FF0000"/>
+            </a:solidFill>
+          </p:spPr>
+          <p:style>
+            <a:lnRef idx="2">
+              <a:schemeClr val="accent2">
+                <a:shade val="50000"/>
+              </a:schemeClr>
+            </a:lnRef>
+            <a:fillRef idx="1">
+              <a:schemeClr val="accent2"/>
+            </a:fillRef>
+            <a:effectRef idx="0">
+              <a:schemeClr val="accent2"/>
+            </a:effectRef>
+            <a:fontRef idx="minor">
+              <a:schemeClr val="lt1"/>
+            </a:fontRef>
+          </p:style>
+          <p:txBody>
+            <a:bodyPr rtlCol="0" anchor="ctr"/>
+            <a:lstStyle/>
+            <a:p>
+              <a:pPr algn="ctr"/>
+              <a:endParaRPr lang="en-US"/>
+            </a:p>
+          </p:txBody>
+        </p:sp>
+        <p:sp>
+          <p:nvSpPr>
+            <p:cNvPr id="16" name="TextBox 15">
+              <a:extLst>
+                <a:ext uri="{FF2B5EF4-FFF2-40B4-BE49-F238E27FC236}">
+                  <a16:creationId xmlns:a16="http://schemas.microsoft.com/office/drawing/2014/main" id="{88FC6B0E-9BB8-4035-8FDF-6E0A37DCD271}"/>
+                </a:ext>
+              </a:extLst>
+            </p:cNvPr>
+            <p:cNvSpPr txBox="1"/>
+            <p:nvPr/>
+          </p:nvSpPr>
+          <p:spPr>
+            <a:xfrm>
+              <a:off x="1200150" y="1573994"/>
+              <a:ext cx="1600200" cy="276999"/>
+            </a:xfrm>
+            <a:prstGeom prst="rect">
+              <a:avLst/>
+            </a:prstGeom>
+            <a:noFill/>
+          </p:spPr>
+          <p:txBody>
+            <a:bodyPr wrap="square" rtlCol="0">
+              <a:spAutoFit/>
+            </a:bodyPr>
+            <a:lstStyle/>
+            <a:p>
+              <a:r>
+                <a:rPr lang="en-US" sz="1200" dirty="0"/>
+                <a:t>“off()”</a:t>
+              </a:r>
+            </a:p>
+          </p:txBody>
+        </p:sp>
+      </p:grpSp>
+      <p:grpSp>
+        <p:nvGrpSpPr>
+          <p:cNvPr id="18" name="Group 17">
+            <a:extLst>
+              <a:ext uri="{FF2B5EF4-FFF2-40B4-BE49-F238E27FC236}">
+                <a16:creationId xmlns:a16="http://schemas.microsoft.com/office/drawing/2014/main" id="{C94616D0-E81A-4AA4-B923-F8F27C594EC6}"/>
+              </a:ext>
+            </a:extLst>
+          </p:cNvPr>
+          <p:cNvGrpSpPr/>
+          <p:nvPr/>
+        </p:nvGrpSpPr>
+        <p:grpSpPr>
+          <a:xfrm>
+            <a:off x="1232647" y="1607196"/>
+            <a:ext cx="1802449" cy="311160"/>
+            <a:chOff x="1200150" y="1574790"/>
+            <a:chExt cx="1802449" cy="311160"/>
+          </a:xfrm>
+        </p:grpSpPr>
+        <p:sp>
+          <p:nvSpPr>
+            <p:cNvPr id="19" name="Arrow: Right 18">
+              <a:extLst>
+                <a:ext uri="{FF2B5EF4-FFF2-40B4-BE49-F238E27FC236}">
+                  <a16:creationId xmlns:a16="http://schemas.microsoft.com/office/drawing/2014/main" id="{8057CEB9-C9D7-4803-9AEE-7739C2221531}"/>
+                </a:ext>
+              </a:extLst>
+            </p:cNvPr>
+            <p:cNvSpPr/>
+            <p:nvPr/>
+          </p:nvSpPr>
+          <p:spPr>
+            <a:xfrm>
+              <a:off x="1295400" y="1777937"/>
+              <a:ext cx="1371600" cy="108013"/>
+            </a:xfrm>
+            <a:prstGeom prst="rightArrow">
+              <a:avLst/>
+            </a:prstGeom>
+            <a:gradFill flip="none" rotWithShape="1">
+              <a:gsLst>
+                <a:gs pos="0">
+                  <a:srgbClr val="00B050"/>
+                </a:gs>
+                <a:gs pos="100000">
+                  <a:srgbClr val="FF0000"/>
+                </a:gs>
+              </a:gsLst>
+              <a:lin ang="10800000" scaled="1"/>
+              <a:tileRect/>
+            </a:gradFill>
+            <a:ln w="41275">
+              <a:noFill/>
+              <a:prstDash val="dash"/>
+            </a:ln>
+          </p:spPr>
+          <p:style>
+            <a:lnRef idx="2">
+              <a:schemeClr val="accent2">
+                <a:shade val="50000"/>
+              </a:schemeClr>
+            </a:lnRef>
+            <a:fillRef idx="1">
+              <a:schemeClr val="accent2"/>
+            </a:fillRef>
+            <a:effectRef idx="0">
+              <a:schemeClr val="accent2"/>
+            </a:effectRef>
+            <a:fontRef idx="minor">
+              <a:schemeClr val="lt1"/>
+            </a:fontRef>
+          </p:style>
+          <p:txBody>
+            <a:bodyPr rtlCol="0" anchor="ctr"/>
+            <a:lstStyle/>
+            <a:p>
+              <a:pPr algn="ctr"/>
+              <a:endParaRPr lang="en-US"/>
+            </a:p>
+          </p:txBody>
+        </p:sp>
+        <p:sp>
+          <p:nvSpPr>
+            <p:cNvPr id="20" name="TextBox 19">
+              <a:extLst>
+                <a:ext uri="{FF2B5EF4-FFF2-40B4-BE49-F238E27FC236}">
+                  <a16:creationId xmlns:a16="http://schemas.microsoft.com/office/drawing/2014/main" id="{D99F95B6-6B0D-4A3A-B21D-78E6DC99034E}"/>
+                </a:ext>
+              </a:extLst>
+            </p:cNvPr>
+            <p:cNvSpPr txBox="1"/>
+            <p:nvPr/>
+          </p:nvSpPr>
+          <p:spPr>
+            <a:xfrm>
+              <a:off x="1200150" y="1574790"/>
+              <a:ext cx="1802449" cy="276999"/>
+            </a:xfrm>
+            <a:prstGeom prst="rect">
+              <a:avLst/>
+            </a:prstGeom>
+            <a:noFill/>
+          </p:spPr>
+          <p:txBody>
+            <a:bodyPr wrap="square" rtlCol="0">
+              <a:spAutoFit/>
+            </a:bodyPr>
+            <a:lstStyle/>
+            <a:p>
+              <a:r>
+                <a:rPr lang="en-US" sz="1200" dirty="0"/>
+                <a:t>“</a:t>
+              </a:r>
+              <a:r>
+                <a:rPr lang="en-US" sz="1200" dirty="0" err="1"/>
+                <a:t>setMode</a:t>
+              </a:r>
+              <a:r>
+                <a:rPr lang="en-US" sz="1200" dirty="0"/>
+                <a:t>()”</a:t>
+              </a:r>
+            </a:p>
+          </p:txBody>
+        </p:sp>
+      </p:grpSp>
+      <p:grpSp>
+        <p:nvGrpSpPr>
+          <p:cNvPr id="27" name="Group 26">
+            <a:extLst>
+              <a:ext uri="{FF2B5EF4-FFF2-40B4-BE49-F238E27FC236}">
+                <a16:creationId xmlns:a16="http://schemas.microsoft.com/office/drawing/2014/main" id="{12407695-FA22-46D3-86F4-B6D51E5DAF9E}"/>
+              </a:ext>
+            </a:extLst>
+          </p:cNvPr>
+          <p:cNvGrpSpPr/>
+          <p:nvPr/>
+        </p:nvGrpSpPr>
+        <p:grpSpPr>
+          <a:xfrm>
+            <a:off x="4572000" y="1539255"/>
+            <a:ext cx="1718982" cy="350849"/>
+            <a:chOff x="4572000" y="1782751"/>
+            <a:chExt cx="1718982" cy="350849"/>
+          </a:xfrm>
+        </p:grpSpPr>
+        <p:sp>
+          <p:nvSpPr>
+            <p:cNvPr id="28" name="Arrow: Right 27">
+              <a:extLst>
+                <a:ext uri="{FF2B5EF4-FFF2-40B4-BE49-F238E27FC236}">
+                  <a16:creationId xmlns:a16="http://schemas.microsoft.com/office/drawing/2014/main" id="{6185A85E-B0C5-4F3A-B646-CD77CB069572}"/>
+                </a:ext>
+              </a:extLst>
+            </p:cNvPr>
+            <p:cNvSpPr/>
+            <p:nvPr/>
+          </p:nvSpPr>
+          <p:spPr>
+            <a:xfrm>
+              <a:off x="4572000" y="1981200"/>
+              <a:ext cx="1295400" cy="152400"/>
+            </a:xfrm>
+            <a:prstGeom prst="rightArrow">
+              <a:avLst/>
+            </a:prstGeom>
+          </p:spPr>
+          <p:style>
+            <a:lnRef idx="2">
+              <a:schemeClr val="accent1">
+                <a:shade val="50000"/>
+              </a:schemeClr>
+            </a:lnRef>
+            <a:fillRef idx="1">
+              <a:schemeClr val="accent1"/>
+            </a:fillRef>
+            <a:effectRef idx="0">
+              <a:schemeClr val="accent1"/>
+            </a:effectRef>
+            <a:fontRef idx="minor">
+              <a:schemeClr val="lt1"/>
+            </a:fontRef>
+          </p:style>
+          <p:txBody>
+            <a:bodyPr rtlCol="0" anchor="ctr"/>
+            <a:lstStyle/>
+            <a:p>
+              <a:pPr algn="ctr"/>
+              <a:endParaRPr lang="en-US"/>
+            </a:p>
+          </p:txBody>
+        </p:sp>
+        <p:sp>
+          <p:nvSpPr>
+            <p:cNvPr id="30" name="TextBox 29">
+              <a:extLst>
+                <a:ext uri="{FF2B5EF4-FFF2-40B4-BE49-F238E27FC236}">
+                  <a16:creationId xmlns:a16="http://schemas.microsoft.com/office/drawing/2014/main" id="{835CBC53-A5D4-45A4-AFAC-01DDDBF7A7B9}"/>
+                </a:ext>
+              </a:extLst>
+            </p:cNvPr>
+            <p:cNvSpPr txBox="1"/>
+            <p:nvPr/>
+          </p:nvSpPr>
+          <p:spPr>
+            <a:xfrm>
+              <a:off x="4953000" y="1782751"/>
+              <a:ext cx="1337982" cy="276999"/>
+            </a:xfrm>
+            <a:prstGeom prst="rect">
+              <a:avLst/>
+            </a:prstGeom>
+            <a:noFill/>
+          </p:spPr>
+          <p:txBody>
+            <a:bodyPr wrap="square" rtlCol="0">
+              <a:spAutoFit/>
+            </a:bodyPr>
+            <a:lstStyle/>
+            <a:p>
+              <a:r>
+                <a:rPr lang="en-US" sz="1200" dirty="0" err="1"/>
+                <a:t>getState</a:t>
+              </a:r>
+              <a:r>
+                <a:rPr lang="en-US" sz="1200" dirty="0"/>
+                <a:t> (T / F)</a:t>
+              </a:r>
+            </a:p>
+          </p:txBody>
+        </p:sp>
+      </p:grpSp>
+      <p:grpSp>
+        <p:nvGrpSpPr>
+          <p:cNvPr id="33" name="Group 32">
+            <a:extLst>
+              <a:ext uri="{FF2B5EF4-FFF2-40B4-BE49-F238E27FC236}">
+                <a16:creationId xmlns:a16="http://schemas.microsoft.com/office/drawing/2014/main" id="{2FAD6FB3-5D0A-4F9D-9AEF-6F03F1A3C700}"/>
+              </a:ext>
+            </a:extLst>
+          </p:cNvPr>
+          <p:cNvGrpSpPr/>
+          <p:nvPr/>
+        </p:nvGrpSpPr>
+        <p:grpSpPr>
+          <a:xfrm>
+            <a:off x="1224386" y="2544021"/>
+            <a:ext cx="1600200" cy="311956"/>
+            <a:chOff x="1199029" y="2905612"/>
+            <a:chExt cx="1600200" cy="311956"/>
+          </a:xfrm>
+        </p:grpSpPr>
+        <p:sp>
+          <p:nvSpPr>
+            <p:cNvPr id="34" name="Arrow: Right 33">
+              <a:extLst>
+                <a:ext uri="{FF2B5EF4-FFF2-40B4-BE49-F238E27FC236}">
+                  <a16:creationId xmlns:a16="http://schemas.microsoft.com/office/drawing/2014/main" id="{DF44FC8E-99CC-48BA-84B3-58303B2BA1BD}"/>
+                </a:ext>
+              </a:extLst>
+            </p:cNvPr>
+            <p:cNvSpPr/>
+            <p:nvPr/>
+          </p:nvSpPr>
+          <p:spPr>
+            <a:xfrm>
+              <a:off x="1294279" y="3109555"/>
+              <a:ext cx="1371600" cy="108013"/>
+            </a:xfrm>
+            <a:prstGeom prst="rightArrow">
+              <a:avLst/>
+            </a:prstGeom>
+            <a:solidFill>
+              <a:srgbClr val="0070C0"/>
+            </a:solidFill>
+            <a:ln w="15875">
+              <a:solidFill>
+                <a:schemeClr val="tx1"/>
+              </a:solidFill>
+              <a:prstDash val="sysDash"/>
+            </a:ln>
+          </p:spPr>
+          <p:style>
+            <a:lnRef idx="2">
+              <a:schemeClr val="accent2">
+                <a:shade val="50000"/>
+              </a:schemeClr>
+            </a:lnRef>
+            <a:fillRef idx="1">
+              <a:schemeClr val="accent2"/>
+            </a:fillRef>
+            <a:effectRef idx="0">
+              <a:schemeClr val="accent2"/>
+            </a:effectRef>
+            <a:fontRef idx="minor">
+              <a:schemeClr val="lt1"/>
+            </a:fontRef>
+          </p:style>
+          <p:txBody>
+            <a:bodyPr rtlCol="0" anchor="ctr"/>
+            <a:lstStyle/>
+            <a:p>
+              <a:pPr algn="ctr"/>
+              <a:endParaRPr lang="en-US"/>
+            </a:p>
+          </p:txBody>
+        </p:sp>
+        <p:sp>
+          <p:nvSpPr>
+            <p:cNvPr id="35" name="TextBox 34">
+              <a:extLst>
+                <a:ext uri="{FF2B5EF4-FFF2-40B4-BE49-F238E27FC236}">
+                  <a16:creationId xmlns:a16="http://schemas.microsoft.com/office/drawing/2014/main" id="{2DF7539F-1BCA-4C90-B5C8-1E812BFE0DD4}"/>
+                </a:ext>
+              </a:extLst>
+            </p:cNvPr>
+            <p:cNvSpPr txBox="1"/>
+            <p:nvPr/>
+          </p:nvSpPr>
+          <p:spPr>
+            <a:xfrm>
+              <a:off x="1199029" y="2905612"/>
+              <a:ext cx="1600200" cy="276999"/>
+            </a:xfrm>
+            <a:prstGeom prst="rect">
+              <a:avLst/>
+            </a:prstGeom>
+            <a:noFill/>
+          </p:spPr>
+          <p:txBody>
+            <a:bodyPr wrap="square" rtlCol="0">
+              <a:spAutoFit/>
+            </a:bodyPr>
+            <a:lstStyle/>
+            <a:p>
+              <a:r>
+                <a:rPr lang="en-US" sz="1200" dirty="0"/>
+                <a:t>“update()”</a:t>
+              </a:r>
+            </a:p>
+          </p:txBody>
+        </p:sp>
+      </p:grpSp>
+      <p:grpSp>
+        <p:nvGrpSpPr>
+          <p:cNvPr id="42" name="Group 41">
+            <a:extLst>
+              <a:ext uri="{FF2B5EF4-FFF2-40B4-BE49-F238E27FC236}">
+                <a16:creationId xmlns:a16="http://schemas.microsoft.com/office/drawing/2014/main" id="{22A909E6-DC11-46C1-9217-02DB181FB9FD}"/>
+              </a:ext>
+            </a:extLst>
+          </p:cNvPr>
+          <p:cNvGrpSpPr/>
+          <p:nvPr/>
+        </p:nvGrpSpPr>
+        <p:grpSpPr>
+          <a:xfrm>
+            <a:off x="4571999" y="2216317"/>
+            <a:ext cx="1454331" cy="305147"/>
+            <a:chOff x="1163586" y="2589732"/>
+            <a:chExt cx="1600200" cy="305147"/>
+          </a:xfrm>
+        </p:grpSpPr>
+        <p:sp>
+          <p:nvSpPr>
+            <p:cNvPr id="43" name="Arrow: Right 42">
+              <a:extLst>
+                <a:ext uri="{FF2B5EF4-FFF2-40B4-BE49-F238E27FC236}">
+                  <a16:creationId xmlns:a16="http://schemas.microsoft.com/office/drawing/2014/main" id="{5FE87874-7CD8-4938-B81F-45C1A32B4B74}"/>
+                </a:ext>
+              </a:extLst>
+            </p:cNvPr>
+            <p:cNvSpPr/>
+            <p:nvPr/>
+          </p:nvSpPr>
+          <p:spPr>
+            <a:xfrm>
+              <a:off x="1287139" y="2786866"/>
+              <a:ext cx="1371600" cy="108013"/>
+            </a:xfrm>
+            <a:prstGeom prst="rightArrow">
+              <a:avLst/>
+            </a:prstGeom>
+            <a:solidFill>
+              <a:srgbClr val="5EEC3C"/>
+            </a:solidFill>
+            <a:ln w="6350">
+              <a:solidFill>
+                <a:schemeClr val="tx1"/>
+              </a:solidFill>
+              <a:prstDash val="solid"/>
+            </a:ln>
+          </p:spPr>
+          <p:style>
+            <a:lnRef idx="2">
+              <a:schemeClr val="accent2">
+                <a:shade val="50000"/>
+              </a:schemeClr>
+            </a:lnRef>
+            <a:fillRef idx="1">
+              <a:schemeClr val="accent2"/>
+            </a:fillRef>
+            <a:effectRef idx="0">
+              <a:schemeClr val="accent2"/>
+            </a:effectRef>
+            <a:fontRef idx="minor">
+              <a:schemeClr val="lt1"/>
+            </a:fontRef>
+          </p:style>
+          <p:txBody>
+            <a:bodyPr rtlCol="0" anchor="ctr"/>
+            <a:lstStyle/>
+            <a:p>
+              <a:pPr algn="ctr"/>
+              <a:endParaRPr lang="en-US"/>
+            </a:p>
+          </p:txBody>
+        </p:sp>
+        <p:sp>
+          <p:nvSpPr>
+            <p:cNvPr id="44" name="TextBox 43">
+              <a:extLst>
+                <a:ext uri="{FF2B5EF4-FFF2-40B4-BE49-F238E27FC236}">
+                  <a16:creationId xmlns:a16="http://schemas.microsoft.com/office/drawing/2014/main" id="{181E4EDE-F9BA-4D1F-B32D-B1B65B71E94A}"/>
+                </a:ext>
+              </a:extLst>
+            </p:cNvPr>
+            <p:cNvSpPr txBox="1"/>
+            <p:nvPr/>
+          </p:nvSpPr>
+          <p:spPr>
+            <a:xfrm>
+              <a:off x="1163586" y="2589732"/>
+              <a:ext cx="1600200" cy="276999"/>
+            </a:xfrm>
+            <a:prstGeom prst="rect">
+              <a:avLst/>
+            </a:prstGeom>
+            <a:noFill/>
+          </p:spPr>
+          <p:txBody>
+            <a:bodyPr wrap="square" rtlCol="0">
+              <a:spAutoFit/>
+            </a:bodyPr>
+            <a:lstStyle/>
+            <a:p>
+              <a:pPr algn="ctr"/>
+              <a:r>
+                <a:rPr lang="en-US" sz="1200" dirty="0" err="1"/>
+                <a:t>onTime</a:t>
+              </a:r>
+              <a:r>
+                <a:rPr lang="en-US" sz="1200" dirty="0"/>
+                <a:t> (</a:t>
+              </a:r>
+              <a:r>
+                <a:rPr lang="en-US" sz="1200" dirty="0" err="1"/>
+                <a:t>ms</a:t>
+              </a:r>
+              <a:r>
+                <a:rPr lang="en-US" sz="1200" dirty="0"/>
+                <a:t>)</a:t>
+              </a:r>
+            </a:p>
+          </p:txBody>
+        </p:sp>
+      </p:grpSp>
+      <p:sp>
+        <p:nvSpPr>
+          <p:cNvPr id="49" name="TextBox 48">
+            <a:extLst>
+              <a:ext uri="{FF2B5EF4-FFF2-40B4-BE49-F238E27FC236}">
+                <a16:creationId xmlns:a16="http://schemas.microsoft.com/office/drawing/2014/main" id="{A52C5CAF-36AB-456B-B8E2-4E0EE43AD03D}"/>
+              </a:ext>
+            </a:extLst>
+          </p:cNvPr>
+          <p:cNvSpPr txBox="1"/>
+          <p:nvPr/>
+        </p:nvSpPr>
+        <p:spPr>
+          <a:xfrm>
+            <a:off x="5922789" y="3310629"/>
+            <a:ext cx="1712802" cy="1600438"/>
+          </a:xfrm>
+          <a:prstGeom prst="rect">
+            <a:avLst/>
+          </a:prstGeom>
+          <a:noFill/>
+        </p:spPr>
+        <p:txBody>
+          <a:bodyPr wrap="square">
+            <a:spAutoFit/>
+          </a:bodyPr>
+          <a:lstStyle/>
+          <a:p>
+            <a:r>
+              <a:rPr lang="en-US" sz="1400" dirty="0" err="1">
+                <a:solidFill>
+                  <a:srgbClr val="3333FF"/>
+                </a:solidFill>
+                <a:latin typeface="Courier New" panose="02070309020205020404" pitchFamily="49" charset="0"/>
+                <a:cs typeface="Courier New" panose="02070309020205020404" pitchFamily="49" charset="0"/>
+              </a:rPr>
+              <a:t>enum</a:t>
+            </a:r>
+            <a:r>
+              <a:rPr lang="en-US" sz="1400" dirty="0">
+                <a:solidFill>
+                  <a:srgbClr val="3333FF"/>
+                </a:solidFill>
+                <a:latin typeface="Courier New" panose="02070309020205020404" pitchFamily="49" charset="0"/>
+                <a:cs typeface="Courier New" panose="02070309020205020404" pitchFamily="49" charset="0"/>
+              </a:rPr>
+              <a:t> mode {</a:t>
+            </a:r>
+          </a:p>
+          <a:p>
+            <a:r>
+              <a:rPr lang="en-US" sz="1400" dirty="0">
+                <a:solidFill>
+                  <a:srgbClr val="3333FF"/>
+                </a:solidFill>
+                <a:latin typeface="Courier New" panose="02070309020205020404" pitchFamily="49" charset="0"/>
+                <a:cs typeface="Courier New" panose="02070309020205020404" pitchFamily="49" charset="0"/>
+              </a:rPr>
+              <a:t>  Normal,</a:t>
+            </a:r>
+          </a:p>
+          <a:p>
+            <a:r>
+              <a:rPr lang="en-US" sz="1400" dirty="0">
+                <a:solidFill>
+                  <a:srgbClr val="3333FF"/>
+                </a:solidFill>
+                <a:latin typeface="Courier New" panose="02070309020205020404" pitchFamily="49" charset="0"/>
+                <a:cs typeface="Courier New" panose="02070309020205020404" pitchFamily="49" charset="0"/>
+              </a:rPr>
+              <a:t>  Blink,</a:t>
+            </a:r>
+          </a:p>
+          <a:p>
+            <a:r>
+              <a:rPr lang="en-US" sz="1400" dirty="0">
+                <a:solidFill>
+                  <a:srgbClr val="3333FF"/>
+                </a:solidFill>
+                <a:latin typeface="Courier New" panose="02070309020205020404" pitchFamily="49" charset="0"/>
+                <a:cs typeface="Courier New" panose="02070309020205020404" pitchFamily="49" charset="0"/>
+              </a:rPr>
+              <a:t>  Random,</a:t>
+            </a:r>
+          </a:p>
+          <a:p>
+            <a:r>
+              <a:rPr lang="en-US" sz="1400" dirty="0">
+                <a:solidFill>
+                  <a:srgbClr val="3333FF"/>
+                </a:solidFill>
+                <a:latin typeface="Courier New" panose="02070309020205020404" pitchFamily="49" charset="0"/>
+                <a:cs typeface="Courier New" panose="02070309020205020404" pitchFamily="49" charset="0"/>
+              </a:rPr>
+              <a:t>  Flicker,</a:t>
+            </a:r>
+          </a:p>
+          <a:p>
+            <a:r>
+              <a:rPr lang="en-US" sz="1400" dirty="0">
+                <a:solidFill>
+                  <a:srgbClr val="3333FF"/>
+                </a:solidFill>
+                <a:latin typeface="Courier New" panose="02070309020205020404" pitchFamily="49" charset="0"/>
+                <a:cs typeface="Courier New" panose="02070309020205020404" pitchFamily="49" charset="0"/>
+              </a:rPr>
+              <a:t>  Welding</a:t>
+            </a:r>
+          </a:p>
+          <a:p>
+            <a:r>
+              <a:rPr lang="en-US" sz="1400" dirty="0">
+                <a:solidFill>
+                  <a:srgbClr val="3333FF"/>
+                </a:solidFill>
+                <a:latin typeface="Courier New" panose="02070309020205020404" pitchFamily="49" charset="0"/>
+                <a:cs typeface="Courier New" panose="02070309020205020404" pitchFamily="49" charset="0"/>
+              </a:rPr>
+              <a:t>};</a:t>
+            </a:r>
+          </a:p>
+        </p:txBody>
+      </p:sp>
+      <p:grpSp>
+        <p:nvGrpSpPr>
+          <p:cNvPr id="50" name="Group 49">
+            <a:extLst>
+              <a:ext uri="{FF2B5EF4-FFF2-40B4-BE49-F238E27FC236}">
+                <a16:creationId xmlns:a16="http://schemas.microsoft.com/office/drawing/2014/main" id="{285797B2-2680-45DF-85C4-D9274F3FB8CE}"/>
+              </a:ext>
+            </a:extLst>
+          </p:cNvPr>
+          <p:cNvGrpSpPr/>
+          <p:nvPr/>
+        </p:nvGrpSpPr>
+        <p:grpSpPr>
+          <a:xfrm>
+            <a:off x="1224386" y="1962955"/>
+            <a:ext cx="1802449" cy="311160"/>
+            <a:chOff x="1200150" y="1574790"/>
+            <a:chExt cx="1802449" cy="311160"/>
+          </a:xfrm>
+        </p:grpSpPr>
+        <p:sp>
+          <p:nvSpPr>
+            <p:cNvPr id="51" name="Arrow: Right 50">
+              <a:extLst>
+                <a:ext uri="{FF2B5EF4-FFF2-40B4-BE49-F238E27FC236}">
+                  <a16:creationId xmlns:a16="http://schemas.microsoft.com/office/drawing/2014/main" id="{D1684067-F127-4642-B5EB-38754030B3CE}"/>
+                </a:ext>
+              </a:extLst>
+            </p:cNvPr>
+            <p:cNvSpPr/>
+            <p:nvPr/>
+          </p:nvSpPr>
+          <p:spPr>
+            <a:xfrm>
+              <a:off x="1295400" y="1777937"/>
+              <a:ext cx="1371600" cy="108013"/>
+            </a:xfrm>
+            <a:prstGeom prst="rightArrow">
+              <a:avLst/>
+            </a:prstGeom>
+            <a:gradFill flip="none" rotWithShape="1">
+              <a:gsLst>
+                <a:gs pos="0">
+                  <a:srgbClr val="00B050"/>
+                </a:gs>
+                <a:gs pos="100000">
+                  <a:srgbClr val="FF0000"/>
+                </a:gs>
+              </a:gsLst>
+              <a:lin ang="10800000" scaled="1"/>
+              <a:tileRect/>
+            </a:gradFill>
+            <a:ln w="41275">
+              <a:noFill/>
+              <a:prstDash val="dash"/>
+            </a:ln>
+          </p:spPr>
+          <p:style>
+            <a:lnRef idx="2">
+              <a:schemeClr val="accent2">
+                <a:shade val="50000"/>
+              </a:schemeClr>
+            </a:lnRef>
+            <a:fillRef idx="1">
+              <a:schemeClr val="accent2"/>
+            </a:fillRef>
+            <a:effectRef idx="0">
+              <a:schemeClr val="accent2"/>
+            </a:effectRef>
+            <a:fontRef idx="minor">
+              <a:schemeClr val="lt1"/>
+            </a:fontRef>
+          </p:style>
+          <p:txBody>
+            <a:bodyPr rtlCol="0" anchor="ctr"/>
+            <a:lstStyle/>
+            <a:p>
+              <a:pPr algn="ctr"/>
+              <a:endParaRPr lang="en-US"/>
+            </a:p>
+          </p:txBody>
+        </p:sp>
+        <p:sp>
+          <p:nvSpPr>
+            <p:cNvPr id="52" name="TextBox 51">
+              <a:extLst>
+                <a:ext uri="{FF2B5EF4-FFF2-40B4-BE49-F238E27FC236}">
+                  <a16:creationId xmlns:a16="http://schemas.microsoft.com/office/drawing/2014/main" id="{11B84F8E-2578-4304-86CF-1CDE29CDDD1E}"/>
+                </a:ext>
+              </a:extLst>
+            </p:cNvPr>
+            <p:cNvSpPr txBox="1"/>
+            <p:nvPr/>
+          </p:nvSpPr>
+          <p:spPr>
+            <a:xfrm>
+              <a:off x="1200150" y="1574790"/>
+              <a:ext cx="1802449" cy="276999"/>
+            </a:xfrm>
+            <a:prstGeom prst="rect">
+              <a:avLst/>
+            </a:prstGeom>
+            <a:noFill/>
+          </p:spPr>
+          <p:txBody>
+            <a:bodyPr wrap="square" rtlCol="0">
+              <a:spAutoFit/>
+            </a:bodyPr>
+            <a:lstStyle/>
+            <a:p>
+              <a:r>
+                <a:rPr lang="en-US" sz="1200" dirty="0"/>
+                <a:t>“</a:t>
+              </a:r>
+              <a:r>
+                <a:rPr lang="en-US" sz="1200" dirty="0" err="1"/>
+                <a:t>configMode</a:t>
+              </a:r>
+              <a:r>
+                <a:rPr lang="en-US" sz="1200" dirty="0"/>
+                <a:t>()”</a:t>
+              </a:r>
+            </a:p>
+          </p:txBody>
+        </p:sp>
+      </p:grpSp>
+      <p:grpSp>
+        <p:nvGrpSpPr>
+          <p:cNvPr id="53" name="Group 52">
+            <a:extLst>
+              <a:ext uri="{FF2B5EF4-FFF2-40B4-BE49-F238E27FC236}">
+                <a16:creationId xmlns:a16="http://schemas.microsoft.com/office/drawing/2014/main" id="{F76AD49B-D60A-41F4-81C3-2124D7436916}"/>
+              </a:ext>
+            </a:extLst>
+          </p:cNvPr>
+          <p:cNvGrpSpPr/>
+          <p:nvPr/>
+        </p:nvGrpSpPr>
+        <p:grpSpPr>
+          <a:xfrm>
+            <a:off x="4563830" y="1184668"/>
+            <a:ext cx="2281752" cy="584348"/>
+            <a:chOff x="4572000" y="1738119"/>
+            <a:chExt cx="2203915" cy="740752"/>
+          </a:xfrm>
+        </p:grpSpPr>
+        <p:pic>
+          <p:nvPicPr>
+            <p:cNvPr id="55" name="Picture 54">
+              <a:extLst>
+                <a:ext uri="{FF2B5EF4-FFF2-40B4-BE49-F238E27FC236}">
+                  <a16:creationId xmlns:a16="http://schemas.microsoft.com/office/drawing/2014/main" id="{D1737272-7816-4EBF-B7BB-8EA607ABE739}"/>
+                </a:ext>
+              </a:extLst>
+            </p:cNvPr>
+            <p:cNvPicPr>
+              <a:picLocks noChangeAspect="1"/>
+            </p:cNvPicPr>
+            <p:nvPr/>
+          </p:nvPicPr>
+          <p:blipFill>
+            <a:blip r:embed="rId4"/>
+            <a:stretch>
+              <a:fillRect/>
+            </a:stretch>
+          </p:blipFill>
+          <p:spPr>
+            <a:xfrm rot="9110843" flipH="1">
+              <a:off x="6048168" y="1768601"/>
+              <a:ext cx="727747" cy="710270"/>
+            </a:xfrm>
+            <a:prstGeom prst="rect">
+              <a:avLst/>
+            </a:prstGeom>
+          </p:spPr>
+        </p:pic>
+        <p:sp>
+          <p:nvSpPr>
+            <p:cNvPr id="54" name="Arrow: Right 53">
+              <a:extLst>
+                <a:ext uri="{FF2B5EF4-FFF2-40B4-BE49-F238E27FC236}">
+                  <a16:creationId xmlns:a16="http://schemas.microsoft.com/office/drawing/2014/main" id="{BFC3F78A-8D56-4195-AC3E-A3EB79B9BD41}"/>
+                </a:ext>
+              </a:extLst>
+            </p:cNvPr>
+            <p:cNvSpPr/>
+            <p:nvPr/>
+          </p:nvSpPr>
+          <p:spPr>
+            <a:xfrm>
+              <a:off x="4572000" y="1981200"/>
+              <a:ext cx="1295400" cy="152400"/>
+            </a:xfrm>
+            <a:prstGeom prst="rightArrow">
+              <a:avLst/>
+            </a:prstGeom>
+          </p:spPr>
+          <p:style>
+            <a:lnRef idx="2">
+              <a:schemeClr val="accent1">
+                <a:shade val="50000"/>
+              </a:schemeClr>
+            </a:lnRef>
+            <a:fillRef idx="1">
+              <a:schemeClr val="accent1"/>
+            </a:fillRef>
+            <a:effectRef idx="0">
+              <a:schemeClr val="accent1"/>
+            </a:effectRef>
+            <a:fontRef idx="minor">
+              <a:schemeClr val="lt1"/>
+            </a:fontRef>
+          </p:style>
+          <p:txBody>
+            <a:bodyPr rtlCol="0" anchor="ctr"/>
+            <a:lstStyle/>
+            <a:p>
+              <a:pPr algn="ctr"/>
+              <a:endParaRPr lang="en-US"/>
+            </a:p>
+          </p:txBody>
+        </p:sp>
+        <p:sp>
+          <p:nvSpPr>
+            <p:cNvPr id="56" name="TextBox 55">
+              <a:extLst>
+                <a:ext uri="{FF2B5EF4-FFF2-40B4-BE49-F238E27FC236}">
+                  <a16:creationId xmlns:a16="http://schemas.microsoft.com/office/drawing/2014/main" id="{6E0D5378-FD71-4C7D-81D6-A439026A3FBD}"/>
+                </a:ext>
+              </a:extLst>
+            </p:cNvPr>
+            <p:cNvSpPr txBox="1"/>
+            <p:nvPr/>
+          </p:nvSpPr>
+          <p:spPr>
+            <a:xfrm>
+              <a:off x="4876725" y="1738119"/>
+              <a:ext cx="1026395" cy="277000"/>
+            </a:xfrm>
+            <a:prstGeom prst="rect">
+              <a:avLst/>
+            </a:prstGeom>
+            <a:noFill/>
+          </p:spPr>
+          <p:txBody>
+            <a:bodyPr wrap="square" rtlCol="0">
+              <a:spAutoFit/>
+            </a:bodyPr>
+            <a:lstStyle/>
+            <a:p>
+              <a:r>
+                <a:rPr lang="en-US" sz="1200" dirty="0"/>
+                <a:t>Output2 (Pin)</a:t>
+              </a:r>
+            </a:p>
+          </p:txBody>
+        </p:sp>
+      </p:grpSp>
+      <p:sp>
+        <p:nvSpPr>
+          <p:cNvPr id="31" name="Flowchart: Card 30">
+            <a:extLst>
+              <a:ext uri="{FF2B5EF4-FFF2-40B4-BE49-F238E27FC236}">
+                <a16:creationId xmlns:a16="http://schemas.microsoft.com/office/drawing/2014/main" id="{5581CDAB-D23A-4542-95BC-C9B0BFA278F2}"/>
+              </a:ext>
+            </a:extLst>
+          </p:cNvPr>
+          <p:cNvSpPr/>
+          <p:nvPr/>
+        </p:nvSpPr>
+        <p:spPr>
+          <a:xfrm>
+            <a:off x="2694827" y="679922"/>
+            <a:ext cx="1989461" cy="2239235"/>
+          </a:xfrm>
+          <a:prstGeom prst="flowChartPunchedCard">
+            <a:avLst/>
+          </a:prstGeom>
+        </p:spPr>
+        <p:style>
+          <a:lnRef idx="2">
+            <a:schemeClr val="accent1">
+              <a:shade val="50000"/>
+            </a:schemeClr>
+          </a:lnRef>
+          <a:fillRef idx="1">
+            <a:schemeClr val="accent1"/>
+          </a:fillRef>
+          <a:effectRef idx="0">
+            <a:schemeClr val="accent1"/>
+          </a:effectRef>
+          <a:fontRef idx="minor">
+            <a:schemeClr val="lt1"/>
+          </a:fontRef>
+        </p:style>
+        <p:txBody>
+          <a:bodyPr rtlCol="0" anchor="ctr"/>
+          <a:lstStyle/>
+          <a:p>
+            <a:pPr algn="ctr"/>
+            <a:r>
+              <a:rPr lang="en-US" sz="3600" dirty="0"/>
+              <a:t>Led3</a:t>
+            </a:r>
+          </a:p>
+        </p:txBody>
+      </p:sp>
+      <p:sp>
+        <p:nvSpPr>
+          <p:cNvPr id="60" name="TextBox 59">
+            <a:extLst>
+              <a:ext uri="{FF2B5EF4-FFF2-40B4-BE49-F238E27FC236}">
+                <a16:creationId xmlns:a16="http://schemas.microsoft.com/office/drawing/2014/main" id="{F350C4E2-7CF7-45AB-8767-986A1E1A587B}"/>
+              </a:ext>
+            </a:extLst>
+          </p:cNvPr>
+          <p:cNvSpPr txBox="1"/>
+          <p:nvPr/>
+        </p:nvSpPr>
+        <p:spPr>
+          <a:xfrm>
+            <a:off x="740388" y="3259219"/>
+            <a:ext cx="4589416" cy="369332"/>
+          </a:xfrm>
+          <a:prstGeom prst="rect">
+            <a:avLst/>
+          </a:prstGeom>
+          <a:noFill/>
+        </p:spPr>
+        <p:txBody>
+          <a:bodyPr wrap="square">
+            <a:spAutoFit/>
+          </a:bodyPr>
+          <a:lstStyle/>
+          <a:p>
+            <a:pPr marL="0" indent="0">
+              <a:buNone/>
+            </a:pPr>
+            <a:r>
+              <a:rPr lang="en-US" sz="1800" dirty="0">
+                <a:cs typeface="Courier New" panose="02070309020205020404" pitchFamily="49" charset="0"/>
+              </a:rPr>
+              <a:t>Define a Led3 variable as before (with a pin #)</a:t>
+            </a:r>
+          </a:p>
+        </p:txBody>
+      </p:sp>
+      <p:sp>
+        <p:nvSpPr>
+          <p:cNvPr id="62" name="TextBox 61">
+            <a:extLst>
+              <a:ext uri="{FF2B5EF4-FFF2-40B4-BE49-F238E27FC236}">
+                <a16:creationId xmlns:a16="http://schemas.microsoft.com/office/drawing/2014/main" id="{2D06AF58-CC73-4817-945F-BF924ED5ADEC}"/>
+              </a:ext>
+            </a:extLst>
+          </p:cNvPr>
+          <p:cNvSpPr txBox="1"/>
+          <p:nvPr/>
+        </p:nvSpPr>
+        <p:spPr>
+          <a:xfrm>
+            <a:off x="762447" y="3772821"/>
+            <a:ext cx="4723953" cy="923330"/>
+          </a:xfrm>
+          <a:prstGeom prst="rect">
+            <a:avLst/>
+          </a:prstGeom>
+          <a:noFill/>
+        </p:spPr>
+        <p:txBody>
+          <a:bodyPr wrap="square">
+            <a:spAutoFit/>
+          </a:bodyPr>
+          <a:lstStyle/>
+          <a:p>
+            <a:r>
+              <a:rPr lang="en-US" sz="1800" b="1" dirty="0">
+                <a:cs typeface="Courier New" panose="02070309020205020404" pitchFamily="49" charset="0"/>
+              </a:rPr>
+              <a:t>New: </a:t>
+            </a:r>
+          </a:p>
+          <a:p>
+            <a:r>
+              <a:rPr lang="en-US" sz="1800" dirty="0">
+                <a:cs typeface="Courier New" panose="02070309020205020404" pitchFamily="49" charset="0"/>
+              </a:rPr>
+              <a:t>Call </a:t>
+            </a:r>
+            <a:r>
+              <a:rPr lang="en-US" sz="1800" dirty="0" err="1">
+                <a:cs typeface="Courier New" panose="02070309020205020404" pitchFamily="49" charset="0"/>
+              </a:rPr>
+              <a:t>setMode</a:t>
+            </a:r>
+            <a:r>
+              <a:rPr lang="en-US" sz="1800" dirty="0">
+                <a:cs typeface="Courier New" panose="02070309020205020404" pitchFamily="49" charset="0"/>
+              </a:rPr>
+              <a:t>( </a:t>
+            </a:r>
+            <a:r>
+              <a:rPr lang="en-US" sz="1800" dirty="0" err="1">
+                <a:cs typeface="Courier New" panose="02070309020205020404" pitchFamily="49" charset="0"/>
+              </a:rPr>
+              <a:t>newMode</a:t>
+            </a:r>
+            <a:r>
+              <a:rPr lang="en-US" sz="1800" dirty="0">
+                <a:cs typeface="Courier New" panose="02070309020205020404" pitchFamily="49" charset="0"/>
+              </a:rPr>
+              <a:t> )</a:t>
+            </a:r>
+          </a:p>
+          <a:p>
+            <a:r>
+              <a:rPr lang="en-US" sz="1800" dirty="0">
+                <a:cs typeface="Courier New" panose="02070309020205020404" pitchFamily="49" charset="0"/>
+              </a:rPr>
+              <a:t>Can then configure each modes properties </a:t>
+            </a:r>
+            <a:endParaRPr lang="en-US" dirty="0"/>
+          </a:p>
+        </p:txBody>
+      </p:sp>
+    </p:spTree>
+    <p:extLst>
+      <p:ext uri="{BB962C8B-B14F-4D97-AF65-F5344CB8AC3E}">
+        <p14:creationId xmlns:p14="http://schemas.microsoft.com/office/powerpoint/2010/main" val="1102442819"/>
+      </p:ext>
+    </p:extLst>
+  </p:cSld>
+  <p:clrMapOvr>
+    <a:masterClrMapping/>
+  </p:clrMapOvr>
+  <p:timing>
+    <p:tnLst>
+      <p:par>
+        <p:cTn id="1" dur="indefinite" restart="never" nodeType="tmRoot">
+          <p:childTnLst>
+            <p:seq concurrent="1" nextAc="seek">
+              <p:cTn id="2" dur="indefinite" nodeType="mainSeq">
+                <p:childTnLst>
+                  <p:par>
+                    <p:cTn id="3" fill="hold">
+                      <p:stCondLst>
+                        <p:cond delay="indefinite"/>
+                      </p:stCondLst>
+                      <p:childTnLst>
+                        <p:par>
+                          <p:cTn id="4" fill="hold">
+                            <p:stCondLst>
+                              <p:cond delay="0"/>
+                            </p:stCondLst>
+                            <p:childTnLst>
+                              <p:par>
+                                <p:cTn id="5" presetID="42" presetClass="entr" presetSubtype="0" fill="hold" nodeType="clickEffect">
+                                  <p:stCondLst>
+                                    <p:cond delay="0"/>
+                                  </p:stCondLst>
+                                  <p:childTnLst>
+                                    <p:set>
+                                      <p:cBhvr>
+                                        <p:cTn id="6" dur="1" fill="hold">
+                                          <p:stCondLst>
+                                            <p:cond delay="0"/>
+                                          </p:stCondLst>
+                                        </p:cTn>
+                                        <p:tgtEl>
+                                          <p:spTgt spid="18"/>
+                                        </p:tgtEl>
+                                        <p:attrNameLst>
+                                          <p:attrName>style.visibility</p:attrName>
+                                        </p:attrNameLst>
+                                      </p:cBhvr>
+                                      <p:to>
+                                        <p:strVal val="visible"/>
+                                      </p:to>
+                                    </p:set>
+                                    <p:animEffect transition="in" filter="fade">
+                                      <p:cBhvr>
+                                        <p:cTn id="7" dur="1000"/>
+                                        <p:tgtEl>
+                                          <p:spTgt spid="18"/>
+                                        </p:tgtEl>
+                                      </p:cBhvr>
+                                    </p:animEffect>
+                                    <p:anim calcmode="lin" valueType="num">
+                                      <p:cBhvr>
+                                        <p:cTn id="8" dur="1000" fill="hold"/>
+                                        <p:tgtEl>
+                                          <p:spTgt spid="18"/>
+                                        </p:tgtEl>
+                                        <p:attrNameLst>
+                                          <p:attrName>ppt_x</p:attrName>
+                                        </p:attrNameLst>
+                                      </p:cBhvr>
+                                      <p:tavLst>
+                                        <p:tav tm="0">
+                                          <p:val>
+                                            <p:strVal val="#ppt_x"/>
+                                          </p:val>
+                                        </p:tav>
+                                        <p:tav tm="100000">
+                                          <p:val>
+                                            <p:strVal val="#ppt_x"/>
+                                          </p:val>
+                                        </p:tav>
+                                      </p:tavLst>
+                                    </p:anim>
+                                    <p:anim calcmode="lin" valueType="num">
+                                      <p:cBhvr>
+                                        <p:cTn id="9" dur="1000" fill="hold"/>
+                                        <p:tgtEl>
+                                          <p:spTgt spid="18"/>
+                                        </p:tgtEl>
+                                        <p:attrNameLst>
+                                          <p:attrName>ppt_y</p:attrName>
+                                        </p:attrNameLst>
+                                      </p:cBhvr>
+                                      <p:tavLst>
+                                        <p:tav tm="0">
+                                          <p:val>
+                                            <p:strVal val="#ppt_y+.1"/>
+                                          </p:val>
+                                        </p:tav>
+                                        <p:tav tm="100000">
+                                          <p:val>
+                                            <p:strVal val="#ppt_y"/>
+                                          </p:val>
+                                        </p:tav>
+                                      </p:tavLst>
+                                    </p:anim>
+                                  </p:childTnLst>
+                                </p:cTn>
+                              </p:par>
+                              <p:par>
+                                <p:cTn id="10" presetID="42" presetClass="entr" presetSubtype="0" fill="hold" nodeType="withEffect">
+                                  <p:stCondLst>
+                                    <p:cond delay="0"/>
+                                  </p:stCondLst>
+                                  <p:childTnLst>
+                                    <p:set>
+                                      <p:cBhvr>
+                                        <p:cTn id="11" dur="1" fill="hold">
+                                          <p:stCondLst>
+                                            <p:cond delay="0"/>
+                                          </p:stCondLst>
+                                        </p:cTn>
+                                        <p:tgtEl>
+                                          <p:spTgt spid="50"/>
+                                        </p:tgtEl>
+                                        <p:attrNameLst>
+                                          <p:attrName>style.visibility</p:attrName>
+                                        </p:attrNameLst>
+                                      </p:cBhvr>
+                                      <p:to>
+                                        <p:strVal val="visible"/>
+                                      </p:to>
+                                    </p:set>
+                                    <p:animEffect transition="in" filter="fade">
+                                      <p:cBhvr>
+                                        <p:cTn id="12" dur="1000"/>
+                                        <p:tgtEl>
+                                          <p:spTgt spid="50"/>
+                                        </p:tgtEl>
+                                      </p:cBhvr>
+                                    </p:animEffect>
+                                    <p:anim calcmode="lin" valueType="num">
+                                      <p:cBhvr>
+                                        <p:cTn id="13" dur="1000" fill="hold"/>
+                                        <p:tgtEl>
+                                          <p:spTgt spid="50"/>
+                                        </p:tgtEl>
+                                        <p:attrNameLst>
+                                          <p:attrName>ppt_x</p:attrName>
+                                        </p:attrNameLst>
+                                      </p:cBhvr>
+                                      <p:tavLst>
+                                        <p:tav tm="0">
+                                          <p:val>
+                                            <p:strVal val="#ppt_x"/>
+                                          </p:val>
+                                        </p:tav>
+                                        <p:tav tm="100000">
+                                          <p:val>
+                                            <p:strVal val="#ppt_x"/>
+                                          </p:val>
+                                        </p:tav>
+                                      </p:tavLst>
+                                    </p:anim>
+                                    <p:anim calcmode="lin" valueType="num">
+                                      <p:cBhvr>
+                                        <p:cTn id="14" dur="1000" fill="hold"/>
+                                        <p:tgtEl>
+                                          <p:spTgt spid="50"/>
+                                        </p:tgtEl>
+                                        <p:attrNameLst>
+                                          <p:attrName>ppt_y</p:attrName>
+                                        </p:attrNameLst>
+                                      </p:cBhvr>
+                                      <p:tavLst>
+                                        <p:tav tm="0">
+                                          <p:val>
+                                            <p:strVal val="#ppt_y+.1"/>
+                                          </p:val>
+                                        </p:tav>
+                                        <p:tav tm="100000">
+                                          <p:val>
+                                            <p:strVal val="#ppt_y"/>
+                                          </p:val>
+                                        </p:tav>
+                                      </p:tavLst>
+                                    </p:anim>
+                                  </p:childTnLst>
+                                </p:cTn>
+                              </p:par>
+                              <p:par>
+                                <p:cTn id="15" presetID="10" presetClass="entr" presetSubtype="0" fill="hold" nodeType="withEffect">
+                                  <p:stCondLst>
+                                    <p:cond delay="0"/>
+                                  </p:stCondLst>
+                                  <p:childTnLst>
+                                    <p:set>
+                                      <p:cBhvr>
+                                        <p:cTn id="16" dur="1" fill="hold">
+                                          <p:stCondLst>
+                                            <p:cond delay="0"/>
+                                          </p:stCondLst>
+                                        </p:cTn>
+                                        <p:tgtEl>
+                                          <p:spTgt spid="42"/>
+                                        </p:tgtEl>
+                                        <p:attrNameLst>
+                                          <p:attrName>style.visibility</p:attrName>
+                                        </p:attrNameLst>
+                                      </p:cBhvr>
+                                      <p:to>
+                                        <p:strVal val="visible"/>
+                                      </p:to>
+                                    </p:set>
+                                    <p:animEffect transition="in" filter="fade">
+                                      <p:cBhvr>
+                                        <p:cTn id="17" dur="500"/>
+                                        <p:tgtEl>
+                                          <p:spTgt spid="42"/>
+                                        </p:tgtEl>
+                                      </p:cBhvr>
+                                    </p:animEffect>
+                                  </p:childTnLst>
+                                </p:cTn>
+                              </p:par>
+                              <p:par>
+                                <p:cTn id="18" presetID="10" presetClass="entr" presetSubtype="0" fill="hold" nodeType="withEffect">
+                                  <p:stCondLst>
+                                    <p:cond delay="0"/>
+                                  </p:stCondLst>
+                                  <p:childTnLst>
+                                    <p:set>
+                                      <p:cBhvr>
+                                        <p:cTn id="19" dur="1" fill="hold">
+                                          <p:stCondLst>
+                                            <p:cond delay="0"/>
+                                          </p:stCondLst>
+                                        </p:cTn>
+                                        <p:tgtEl>
+                                          <p:spTgt spid="45"/>
+                                        </p:tgtEl>
+                                        <p:attrNameLst>
+                                          <p:attrName>style.visibility</p:attrName>
+                                        </p:attrNameLst>
+                                      </p:cBhvr>
+                                      <p:to>
+                                        <p:strVal val="visible"/>
+                                      </p:to>
+                                    </p:set>
+                                    <p:animEffect transition="in" filter="fade">
+                                      <p:cBhvr>
+                                        <p:cTn id="20" dur="500"/>
+                                        <p:tgtEl>
+                                          <p:spTgt spid="45"/>
+                                        </p:tgtEl>
+                                      </p:cBhvr>
+                                    </p:animEffect>
+                                  </p:childTnLst>
+                                </p:cTn>
+                              </p:par>
+                              <p:par>
+                                <p:cTn id="21" presetID="2" presetClass="entr" presetSubtype="4" fill="hold" grpId="0" nodeType="withEffect">
+                                  <p:stCondLst>
+                                    <p:cond delay="0"/>
+                                  </p:stCondLst>
+                                  <p:childTnLst>
+                                    <p:set>
+                                      <p:cBhvr>
+                                        <p:cTn id="22" dur="1" fill="hold">
+                                          <p:stCondLst>
+                                            <p:cond delay="0"/>
+                                          </p:stCondLst>
+                                        </p:cTn>
+                                        <p:tgtEl>
+                                          <p:spTgt spid="62"/>
+                                        </p:tgtEl>
+                                        <p:attrNameLst>
+                                          <p:attrName>style.visibility</p:attrName>
+                                        </p:attrNameLst>
+                                      </p:cBhvr>
+                                      <p:to>
+                                        <p:strVal val="visible"/>
+                                      </p:to>
+                                    </p:set>
+                                    <p:anim calcmode="lin" valueType="num">
+                                      <p:cBhvr additive="base">
+                                        <p:cTn id="23" dur="500" fill="hold"/>
+                                        <p:tgtEl>
+                                          <p:spTgt spid="62"/>
+                                        </p:tgtEl>
+                                        <p:attrNameLst>
+                                          <p:attrName>ppt_x</p:attrName>
+                                        </p:attrNameLst>
+                                      </p:cBhvr>
+                                      <p:tavLst>
+                                        <p:tav tm="0">
+                                          <p:val>
+                                            <p:strVal val="#ppt_x"/>
+                                          </p:val>
+                                        </p:tav>
+                                        <p:tav tm="100000">
+                                          <p:val>
+                                            <p:strVal val="#ppt_x"/>
+                                          </p:val>
+                                        </p:tav>
+                                      </p:tavLst>
+                                    </p:anim>
+                                    <p:anim calcmode="lin" valueType="num">
+                                      <p:cBhvr additive="base">
+                                        <p:cTn id="24" dur="500" fill="hold"/>
+                                        <p:tgtEl>
+                                          <p:spTgt spid="62"/>
+                                        </p:tgtEl>
+                                        <p:attrNameLst>
+                                          <p:attrName>ppt_y</p:attrName>
+                                        </p:attrNameLst>
+                                      </p:cBhvr>
+                                      <p:tavLst>
+                                        <p:tav tm="0">
+                                          <p:val>
+                                            <p:strVal val="1+#ppt_h/2"/>
+                                          </p:val>
+                                        </p:tav>
+                                        <p:tav tm="100000">
+                                          <p:val>
+                                            <p:strVal val="#ppt_y"/>
+                                          </p:val>
+                                        </p:tav>
+                                      </p:tavLst>
+                                    </p:anim>
+                                  </p:childTnLst>
+                                </p:cTn>
+                              </p:par>
+                            </p:childTnLst>
+                          </p:cTn>
+                        </p:par>
+                      </p:childTnLst>
+                    </p:cTn>
+                  </p:par>
+                  <p:par>
+                    <p:cTn id="25" fill="hold">
+                      <p:stCondLst>
+                        <p:cond delay="indefinite"/>
+                      </p:stCondLst>
+                      <p:childTnLst>
+                        <p:par>
+                          <p:cTn id="26" fill="hold">
+                            <p:stCondLst>
+                              <p:cond delay="0"/>
+                            </p:stCondLst>
+                            <p:childTnLst>
+                              <p:par>
+                                <p:cTn id="27" presetID="42" presetClass="entr" presetSubtype="0" fill="hold" nodeType="clickEffect">
+                                  <p:stCondLst>
+                                    <p:cond delay="0"/>
+                                  </p:stCondLst>
+                                  <p:childTnLst>
+                                    <p:set>
+                                      <p:cBhvr>
+                                        <p:cTn id="28" dur="1" fill="hold">
+                                          <p:stCondLst>
+                                            <p:cond delay="0"/>
+                                          </p:stCondLst>
+                                        </p:cTn>
+                                        <p:tgtEl>
+                                          <p:spTgt spid="53"/>
+                                        </p:tgtEl>
+                                        <p:attrNameLst>
+                                          <p:attrName>style.visibility</p:attrName>
+                                        </p:attrNameLst>
+                                      </p:cBhvr>
+                                      <p:to>
+                                        <p:strVal val="visible"/>
+                                      </p:to>
+                                    </p:set>
+                                    <p:animEffect transition="in" filter="fade">
+                                      <p:cBhvr>
+                                        <p:cTn id="29" dur="1000"/>
+                                        <p:tgtEl>
+                                          <p:spTgt spid="53"/>
+                                        </p:tgtEl>
+                                      </p:cBhvr>
+                                    </p:animEffect>
+                                    <p:anim calcmode="lin" valueType="num">
+                                      <p:cBhvr>
+                                        <p:cTn id="30" dur="1000" fill="hold"/>
+                                        <p:tgtEl>
+                                          <p:spTgt spid="53"/>
+                                        </p:tgtEl>
+                                        <p:attrNameLst>
+                                          <p:attrName>ppt_x</p:attrName>
+                                        </p:attrNameLst>
+                                      </p:cBhvr>
+                                      <p:tavLst>
+                                        <p:tav tm="0">
+                                          <p:val>
+                                            <p:strVal val="#ppt_x"/>
+                                          </p:val>
+                                        </p:tav>
+                                        <p:tav tm="100000">
+                                          <p:val>
+                                            <p:strVal val="#ppt_x"/>
+                                          </p:val>
+                                        </p:tav>
+                                      </p:tavLst>
+                                    </p:anim>
+                                    <p:anim calcmode="lin" valueType="num">
+                                      <p:cBhvr>
+                                        <p:cTn id="31" dur="1000" fill="hold"/>
+                                        <p:tgtEl>
+                                          <p:spTgt spid="53"/>
+                                        </p:tgtEl>
+                                        <p:attrNameLst>
+                                          <p:attrName>ppt_y</p:attrName>
+                                        </p:attrNameLst>
+                                      </p:cBhvr>
+                                      <p:tavLst>
+                                        <p:tav tm="0">
+                                          <p:val>
+                                            <p:strVal val="#ppt_y+.1"/>
+                                          </p:val>
+                                        </p:tav>
+                                        <p:tav tm="100000">
+                                          <p:val>
+                                            <p:strVal val="#ppt_y"/>
+                                          </p:val>
+                                        </p:tav>
+                                      </p:tavLst>
+                                    </p:anim>
+                                  </p:childTnLst>
+                                </p:cTn>
+                              </p:par>
+                              <p:par>
+                                <p:cTn id="32" presetID="42" presetClass="entr" presetSubtype="0" fill="hold" nodeType="withEffect">
+                                  <p:stCondLst>
+                                    <p:cond delay="0"/>
+                                  </p:stCondLst>
+                                  <p:childTnLst>
+                                    <p:set>
+                                      <p:cBhvr>
+                                        <p:cTn id="33" dur="1" fill="hold">
+                                          <p:stCondLst>
+                                            <p:cond delay="0"/>
+                                          </p:stCondLst>
+                                        </p:cTn>
+                                        <p:tgtEl>
+                                          <p:spTgt spid="39"/>
+                                        </p:tgtEl>
+                                        <p:attrNameLst>
+                                          <p:attrName>style.visibility</p:attrName>
+                                        </p:attrNameLst>
+                                      </p:cBhvr>
+                                      <p:to>
+                                        <p:strVal val="visible"/>
+                                      </p:to>
+                                    </p:set>
+                                    <p:animEffect transition="in" filter="fade">
+                                      <p:cBhvr>
+                                        <p:cTn id="34" dur="1000"/>
+                                        <p:tgtEl>
+                                          <p:spTgt spid="39"/>
+                                        </p:tgtEl>
+                                      </p:cBhvr>
+                                    </p:animEffect>
+                                    <p:anim calcmode="lin" valueType="num">
+                                      <p:cBhvr>
+                                        <p:cTn id="35" dur="1000" fill="hold"/>
+                                        <p:tgtEl>
+                                          <p:spTgt spid="39"/>
+                                        </p:tgtEl>
+                                        <p:attrNameLst>
+                                          <p:attrName>ppt_x</p:attrName>
+                                        </p:attrNameLst>
+                                      </p:cBhvr>
+                                      <p:tavLst>
+                                        <p:tav tm="0">
+                                          <p:val>
+                                            <p:strVal val="#ppt_x"/>
+                                          </p:val>
+                                        </p:tav>
+                                        <p:tav tm="100000">
+                                          <p:val>
+                                            <p:strVal val="#ppt_x"/>
+                                          </p:val>
+                                        </p:tav>
+                                      </p:tavLst>
+                                    </p:anim>
+                                    <p:anim calcmode="lin" valueType="num">
+                                      <p:cBhvr>
+                                        <p:cTn id="36" dur="1000" fill="hold"/>
+                                        <p:tgtEl>
+                                          <p:spTgt spid="39"/>
+                                        </p:tgtEl>
+                                        <p:attrNameLst>
+                                          <p:attrName>ppt_y</p:attrName>
+                                        </p:attrNameLst>
+                                      </p:cBhvr>
+                                      <p:tavLst>
+                                        <p:tav tm="0">
+                                          <p:val>
+                                            <p:strVal val="#ppt_y+.1"/>
+                                          </p:val>
+                                        </p:tav>
+                                        <p:tav tm="100000">
+                                          <p:val>
+                                            <p:strVal val="#ppt_y"/>
+                                          </p:val>
+                                        </p:tav>
+                                      </p:tavLst>
+                                    </p:anim>
+                                  </p:childTnLst>
+                                </p:cTn>
+                              </p:par>
+                            </p:childTnLst>
+                          </p:cTn>
+                        </p:par>
+                      </p:childTnLst>
+                    </p:cTn>
+                  </p:par>
+                  <p:par>
+                    <p:cTn id="37" fill="hold">
+                      <p:stCondLst>
+                        <p:cond delay="indefinite"/>
+                      </p:stCondLst>
+                      <p:childTnLst>
+                        <p:par>
+                          <p:cTn id="38" fill="hold">
+                            <p:stCondLst>
+                              <p:cond delay="0"/>
+                            </p:stCondLst>
+                            <p:childTnLst>
+                              <p:par>
+                                <p:cTn id="39" presetID="42" presetClass="entr" presetSubtype="0" fill="hold" grpId="0" nodeType="clickEffect">
+                                  <p:stCondLst>
+                                    <p:cond delay="0"/>
+                                  </p:stCondLst>
+                                  <p:childTnLst>
+                                    <p:set>
+                                      <p:cBhvr>
+                                        <p:cTn id="40" dur="1" fill="hold">
+                                          <p:stCondLst>
+                                            <p:cond delay="0"/>
+                                          </p:stCondLst>
+                                        </p:cTn>
+                                        <p:tgtEl>
+                                          <p:spTgt spid="49"/>
+                                        </p:tgtEl>
+                                        <p:attrNameLst>
+                                          <p:attrName>style.visibility</p:attrName>
+                                        </p:attrNameLst>
+                                      </p:cBhvr>
+                                      <p:to>
+                                        <p:strVal val="visible"/>
+                                      </p:to>
+                                    </p:set>
+                                    <p:animEffect transition="in" filter="fade">
+                                      <p:cBhvr>
+                                        <p:cTn id="41" dur="1000"/>
+                                        <p:tgtEl>
+                                          <p:spTgt spid="49"/>
+                                        </p:tgtEl>
+                                      </p:cBhvr>
+                                    </p:animEffect>
+                                    <p:anim calcmode="lin" valueType="num">
+                                      <p:cBhvr>
+                                        <p:cTn id="42" dur="1000" fill="hold"/>
+                                        <p:tgtEl>
+                                          <p:spTgt spid="49"/>
+                                        </p:tgtEl>
+                                        <p:attrNameLst>
+                                          <p:attrName>ppt_x</p:attrName>
+                                        </p:attrNameLst>
+                                      </p:cBhvr>
+                                      <p:tavLst>
+                                        <p:tav tm="0">
+                                          <p:val>
+                                            <p:strVal val="#ppt_x"/>
+                                          </p:val>
+                                        </p:tav>
+                                        <p:tav tm="100000">
+                                          <p:val>
+                                            <p:strVal val="#ppt_x"/>
+                                          </p:val>
+                                        </p:tav>
+                                      </p:tavLst>
+                                    </p:anim>
+                                    <p:anim calcmode="lin" valueType="num">
+                                      <p:cBhvr>
+                                        <p:cTn id="43" dur="1000" fill="hold"/>
+                                        <p:tgtEl>
+                                          <p:spTgt spid="49"/>
+                                        </p:tgtEl>
+                                        <p:attrNameLst>
+                                          <p:attrName>ppt_y</p:attrName>
+                                        </p:attrNameLst>
+                                      </p:cBhvr>
+                                      <p:tavLst>
+                                        <p:tav tm="0">
+                                          <p:val>
+                                            <p:strVal val="#ppt_y+.1"/>
+                                          </p:val>
+                                        </p:tav>
+                                        <p:tav tm="100000">
+                                          <p:val>
+                                            <p:strVal val="#ppt_y"/>
+                                          </p:val>
+                                        </p:tav>
+                                      </p:tavLst>
+                                    </p:anim>
+                                  </p:childTnLst>
+                                </p:cTn>
+                              </p:par>
+                            </p:childTnLst>
+                          </p:cTn>
+                        </p:par>
+                      </p:childTnLst>
+                    </p:cTn>
+                  </p:par>
+                </p:childTnLst>
+              </p:cTn>
+              <p:prevCondLst>
+                <p:cond evt="onPrev" delay="0">
+                  <p:tgtEl>
+                    <p:sldTgt/>
+                  </p:tgtEl>
+                </p:cond>
+              </p:prevCondLst>
+              <p:nextCondLst>
+                <p:cond evt="onNext" delay="0">
+                  <p:tgtEl>
+                    <p:sldTgt/>
+                  </p:tgtEl>
+                </p:cond>
+              </p:nextCondLst>
+            </p:seq>
+          </p:childTnLst>
+        </p:cTn>
+      </p:par>
+    </p:tnLst>
+    <p:bldLst>
+      <p:bldP spid="49" grpId="0"/>
+      <p:bldP spid="62" grpId="0"/>
+    </p:bldLst>
+  </p:timing>
+</p:sld>
+</file>
+
+<file path=ppt/slides/slide35.xml><?xml version="1.0" encoding="utf-8"?>
+<p:sld xmlns:a="http://schemas.openxmlformats.org/drawingml/2006/main" xmlns:r="http://schemas.openxmlformats.org/officeDocument/2006/relationships" xmlns:p="http://schemas.openxmlformats.org/presentationml/2006/main">
+  <p:cSld>
+    <p:spTree>
+      <p:nvGrpSpPr>
+        <p:cNvPr id="1" name=""/>
+        <p:cNvGrpSpPr/>
+        <p:nvPr/>
+      </p:nvGrpSpPr>
+      <p:grpSpPr>
+        <a:xfrm>
+          <a:off x="0" y="0"/>
+          <a:ext cx="0" cy="0"/>
+          <a:chOff x="0" y="0"/>
+          <a:chExt cx="0" cy="0"/>
+        </a:xfrm>
+      </p:grpSpPr>
+      <p:pic>
+        <p:nvPicPr>
+          <p:cNvPr id="6" name="Picture 5">
+            <a:extLst>
+              <a:ext uri="{FF2B5EF4-FFF2-40B4-BE49-F238E27FC236}">
+                <a16:creationId xmlns:a16="http://schemas.microsoft.com/office/drawing/2014/main" id="{33351060-18E6-42F7-BAE2-6A49CB9B0F0C}"/>
+              </a:ext>
+            </a:extLst>
+          </p:cNvPr>
+          <p:cNvPicPr>
+            <a:picLocks noChangeAspect="1"/>
+          </p:cNvPicPr>
+          <p:nvPr/>
+        </p:nvPicPr>
+        <p:blipFill>
+          <a:blip r:embed="rId3" cstate="print">
+            <a:extLst>
+              <a:ext uri="{28A0092B-C50C-407E-A947-70E740481C1C}">
+                <a14:useLocalDpi xmlns:a14="http://schemas.microsoft.com/office/drawing/2010/main" val="0"/>
+              </a:ext>
+            </a:extLst>
+          </a:blip>
+          <a:stretch>
+            <a:fillRect/>
+          </a:stretch>
+        </p:blipFill>
+        <p:spPr>
+          <a:xfrm>
+            <a:off x="7848600" y="4583336"/>
+            <a:ext cx="1028700" cy="457771"/>
+          </a:xfrm>
+          <a:prstGeom prst="rect">
+            <a:avLst/>
+          </a:prstGeom>
+        </p:spPr>
+      </p:pic>
+      <p:sp>
+        <p:nvSpPr>
+          <p:cNvPr id="9" name="TextBox 8">
+            <a:extLst>
+              <a:ext uri="{FF2B5EF4-FFF2-40B4-BE49-F238E27FC236}">
+                <a16:creationId xmlns:a16="http://schemas.microsoft.com/office/drawing/2014/main" id="{B2EA7488-3687-45D1-9CAA-892242892B51}"/>
+              </a:ext>
+            </a:extLst>
+          </p:cNvPr>
+          <p:cNvSpPr txBox="1"/>
+          <p:nvPr/>
+        </p:nvSpPr>
+        <p:spPr>
+          <a:xfrm>
+            <a:off x="341091" y="1357708"/>
+            <a:ext cx="7016194" cy="646331"/>
+          </a:xfrm>
+          <a:prstGeom prst="rect">
+            <a:avLst/>
+          </a:prstGeom>
+          <a:noFill/>
+        </p:spPr>
+        <p:txBody>
+          <a:bodyPr wrap="square">
+            <a:spAutoFit/>
+          </a:bodyPr>
+          <a:lstStyle/>
+          <a:p>
+            <a:r>
+              <a:rPr lang="en-US" sz="1800" b="1" dirty="0">
+                <a:solidFill>
+                  <a:srgbClr val="3333FF"/>
+                </a:solidFill>
+                <a:effectLst/>
+                <a:latin typeface="Courier New" panose="02070309020205020404" pitchFamily="49" charset="0"/>
+                <a:cs typeface="Courier New" panose="02070309020205020404" pitchFamily="49" charset="0"/>
+              </a:rPr>
+              <a:t>Normal</a:t>
+            </a:r>
+            <a:r>
+              <a:rPr lang="en-US" sz="1800" dirty="0">
+                <a:solidFill>
+                  <a:srgbClr val="3333FF"/>
+                </a:solidFill>
+                <a:effectLst/>
+                <a:latin typeface="Courier New" panose="02070309020205020404" pitchFamily="49" charset="0"/>
+                <a:cs typeface="Courier New" panose="02070309020205020404" pitchFamily="49" charset="0"/>
+              </a:rPr>
+              <a:t> – (the default) Just call on() and off() for standard led operation</a:t>
+            </a:r>
+            <a:endParaRPr lang="en-US" dirty="0"/>
+          </a:p>
+        </p:txBody>
+      </p:sp>
+      <p:sp>
+        <p:nvSpPr>
+          <p:cNvPr id="11" name="Title 10">
+            <a:extLst>
+              <a:ext uri="{FF2B5EF4-FFF2-40B4-BE49-F238E27FC236}">
+                <a16:creationId xmlns:a16="http://schemas.microsoft.com/office/drawing/2014/main" id="{C5D4604A-3E3F-4614-B4E3-24B5C51DCD41}"/>
+              </a:ext>
+            </a:extLst>
+          </p:cNvPr>
+          <p:cNvSpPr>
+            <a:spLocks noGrp="1"/>
+          </p:cNvSpPr>
+          <p:nvPr>
+            <p:ph type="title"/>
+          </p:nvPr>
+        </p:nvSpPr>
+        <p:spPr/>
+        <p:txBody>
+          <a:bodyPr/>
+          <a:lstStyle/>
+          <a:p>
+            <a:r>
+              <a:rPr lang="en-US" dirty="0"/>
+              <a:t>Led3 Modes</a:t>
+            </a:r>
+          </a:p>
+        </p:txBody>
+      </p:sp>
+      <p:sp>
+        <p:nvSpPr>
+          <p:cNvPr id="12" name="TextBox 11">
+            <a:extLst>
+              <a:ext uri="{FF2B5EF4-FFF2-40B4-BE49-F238E27FC236}">
+                <a16:creationId xmlns:a16="http://schemas.microsoft.com/office/drawing/2014/main" id="{931275BA-1B2E-46DA-91B6-7520167E882D}"/>
+              </a:ext>
+            </a:extLst>
+          </p:cNvPr>
+          <p:cNvSpPr txBox="1"/>
+          <p:nvPr/>
+        </p:nvSpPr>
+        <p:spPr>
+          <a:xfrm>
+            <a:off x="341091" y="2065498"/>
+            <a:ext cx="7016194" cy="369332"/>
+          </a:xfrm>
+          <a:prstGeom prst="rect">
+            <a:avLst/>
+          </a:prstGeom>
+          <a:noFill/>
+        </p:spPr>
+        <p:txBody>
+          <a:bodyPr wrap="square">
+            <a:spAutoFit/>
+          </a:bodyPr>
+          <a:lstStyle/>
+          <a:p>
+            <a:r>
+              <a:rPr lang="en-US" sz="1800" b="1" dirty="0">
+                <a:solidFill>
+                  <a:srgbClr val="3333FF"/>
+                </a:solidFill>
+                <a:effectLst/>
+                <a:latin typeface="Courier New" panose="02070309020205020404" pitchFamily="49" charset="0"/>
+                <a:cs typeface="Courier New" panose="02070309020205020404" pitchFamily="49" charset="0"/>
+              </a:rPr>
+              <a:t>Blink</a:t>
+            </a:r>
+            <a:r>
+              <a:rPr lang="en-US" sz="1800" dirty="0">
+                <a:solidFill>
+                  <a:srgbClr val="3333FF"/>
+                </a:solidFill>
+                <a:effectLst/>
+                <a:latin typeface="Courier New" panose="02070309020205020404" pitchFamily="49" charset="0"/>
+                <a:cs typeface="Courier New" panose="02070309020205020404" pitchFamily="49" charset="0"/>
+              </a:rPr>
+              <a:t> – configure on time and off time</a:t>
+            </a:r>
+            <a:endParaRPr lang="en-US" dirty="0"/>
+          </a:p>
+        </p:txBody>
+      </p:sp>
+      <p:sp>
+        <p:nvSpPr>
+          <p:cNvPr id="13" name="TextBox 12">
+            <a:extLst>
+              <a:ext uri="{FF2B5EF4-FFF2-40B4-BE49-F238E27FC236}">
+                <a16:creationId xmlns:a16="http://schemas.microsoft.com/office/drawing/2014/main" id="{8FCBF208-7BAE-4A01-B434-B3B52D31E5E6}"/>
+              </a:ext>
+            </a:extLst>
+          </p:cNvPr>
+          <p:cNvSpPr txBox="1"/>
+          <p:nvPr/>
+        </p:nvSpPr>
+        <p:spPr>
+          <a:xfrm>
+            <a:off x="341091" y="2496289"/>
+            <a:ext cx="7016194" cy="646331"/>
+          </a:xfrm>
+          <a:prstGeom prst="rect">
+            <a:avLst/>
+          </a:prstGeom>
+          <a:noFill/>
+        </p:spPr>
+        <p:txBody>
+          <a:bodyPr wrap="square">
+            <a:spAutoFit/>
+          </a:bodyPr>
+          <a:lstStyle/>
+          <a:p>
+            <a:r>
+              <a:rPr lang="en-US" sz="1800" b="1" dirty="0">
+                <a:solidFill>
+                  <a:srgbClr val="3333FF"/>
+                </a:solidFill>
+                <a:effectLst/>
+                <a:latin typeface="Courier New" panose="02070309020205020404" pitchFamily="49" charset="0"/>
+                <a:cs typeface="Courier New" panose="02070309020205020404" pitchFamily="49" charset="0"/>
+              </a:rPr>
+              <a:t>Random</a:t>
+            </a:r>
+            <a:r>
+              <a:rPr lang="en-US" sz="1800" dirty="0">
+                <a:solidFill>
+                  <a:srgbClr val="3333FF"/>
+                </a:solidFill>
+                <a:effectLst/>
+                <a:latin typeface="Courier New" panose="02070309020205020404" pitchFamily="49" charset="0"/>
+                <a:cs typeface="Courier New" panose="02070309020205020404" pitchFamily="49" charset="0"/>
+              </a:rPr>
+              <a:t> – configure minimum and maximum on time and off time but actual time is random</a:t>
+            </a:r>
+            <a:endParaRPr lang="en-US" dirty="0"/>
+          </a:p>
+        </p:txBody>
+      </p:sp>
+      <p:sp>
+        <p:nvSpPr>
+          <p:cNvPr id="14" name="TextBox 13">
+            <a:extLst>
+              <a:ext uri="{FF2B5EF4-FFF2-40B4-BE49-F238E27FC236}">
+                <a16:creationId xmlns:a16="http://schemas.microsoft.com/office/drawing/2014/main" id="{B5EB9E2F-4846-42AC-BBEB-058047377576}"/>
+              </a:ext>
+            </a:extLst>
+          </p:cNvPr>
+          <p:cNvSpPr txBox="1"/>
+          <p:nvPr/>
+        </p:nvSpPr>
+        <p:spPr>
+          <a:xfrm>
+            <a:off x="341091" y="3204079"/>
+            <a:ext cx="7016194" cy="646331"/>
+          </a:xfrm>
+          <a:prstGeom prst="rect">
+            <a:avLst/>
+          </a:prstGeom>
+          <a:noFill/>
+        </p:spPr>
+        <p:txBody>
+          <a:bodyPr wrap="square">
+            <a:spAutoFit/>
+          </a:bodyPr>
+          <a:lstStyle/>
+          <a:p>
+            <a:r>
+              <a:rPr lang="en-US" sz="1800" b="1" dirty="0">
+                <a:solidFill>
+                  <a:srgbClr val="3333FF"/>
+                </a:solidFill>
+                <a:effectLst/>
+                <a:latin typeface="Courier New" panose="02070309020205020404" pitchFamily="49" charset="0"/>
+                <a:cs typeface="Courier New" panose="02070309020205020404" pitchFamily="49" charset="0"/>
+              </a:rPr>
+              <a:t>Flicker</a:t>
+            </a:r>
+            <a:r>
+              <a:rPr lang="en-US" sz="1800" dirty="0">
+                <a:solidFill>
+                  <a:srgbClr val="3333FF"/>
+                </a:solidFill>
+                <a:effectLst/>
+                <a:latin typeface="Courier New" panose="02070309020205020404" pitchFamily="49" charset="0"/>
+                <a:cs typeface="Courier New" panose="02070309020205020404" pitchFamily="49" charset="0"/>
+              </a:rPr>
+              <a:t> – configure a flickering candle effect – using timing and intensity</a:t>
+            </a:r>
+            <a:endParaRPr lang="en-US" dirty="0"/>
+          </a:p>
+        </p:txBody>
+      </p:sp>
+      <p:sp>
+        <p:nvSpPr>
+          <p:cNvPr id="15" name="TextBox 14">
+            <a:extLst>
+              <a:ext uri="{FF2B5EF4-FFF2-40B4-BE49-F238E27FC236}">
+                <a16:creationId xmlns:a16="http://schemas.microsoft.com/office/drawing/2014/main" id="{C09BE328-66F5-4332-8E0F-8152C702F87A}"/>
+              </a:ext>
+            </a:extLst>
+          </p:cNvPr>
+          <p:cNvSpPr txBox="1"/>
+          <p:nvPr/>
+        </p:nvSpPr>
+        <p:spPr>
+          <a:xfrm>
+            <a:off x="341091" y="3911869"/>
+            <a:ext cx="7016194" cy="923330"/>
+          </a:xfrm>
+          <a:prstGeom prst="rect">
+            <a:avLst/>
+          </a:prstGeom>
+          <a:noFill/>
+        </p:spPr>
+        <p:txBody>
+          <a:bodyPr wrap="square">
+            <a:spAutoFit/>
+          </a:bodyPr>
+          <a:lstStyle/>
+          <a:p>
+            <a:r>
+              <a:rPr lang="en-US" sz="1800" b="1" dirty="0">
+                <a:solidFill>
+                  <a:srgbClr val="3333FF"/>
+                </a:solidFill>
+                <a:effectLst/>
+                <a:latin typeface="Courier New" panose="02070309020205020404" pitchFamily="49" charset="0"/>
+                <a:cs typeface="Courier New" panose="02070309020205020404" pitchFamily="49" charset="0"/>
+              </a:rPr>
+              <a:t>Welding</a:t>
+            </a:r>
+            <a:r>
+              <a:rPr lang="en-US" sz="1800" dirty="0">
+                <a:solidFill>
+                  <a:srgbClr val="3333FF"/>
+                </a:solidFill>
+                <a:effectLst/>
+                <a:latin typeface="Courier New" panose="02070309020205020404" pitchFamily="49" charset="0"/>
+                <a:cs typeface="Courier New" panose="02070309020205020404" pitchFamily="49" charset="0"/>
+              </a:rPr>
+              <a:t>– configure a welding effect not unlike a combo of flickering and random together. Also with second led for an afterglow effect.</a:t>
+            </a:r>
+            <a:endParaRPr lang="en-US" dirty="0"/>
+          </a:p>
+        </p:txBody>
+      </p:sp>
+    </p:spTree>
+    <p:extLst>
+      <p:ext uri="{BB962C8B-B14F-4D97-AF65-F5344CB8AC3E}">
+        <p14:creationId xmlns:p14="http://schemas.microsoft.com/office/powerpoint/2010/main" val="2614085890"/>
+      </p:ext>
+    </p:extLst>
+  </p:cSld>
+  <p:clrMapOvr>
+    <a:masterClrMapping/>
+  </p:clrMapOvr>
+  <p:timing>
+    <p:tnLst>
+      <p:par>
+        <p:cTn id="1" dur="indefinite" restart="never" nodeType="tmRoot">
+          <p:childTnLst>
+            <p:seq concurrent="1" nextAc="seek">
+              <p:cTn id="2" dur="indefinite" nodeType="mainSeq">
+                <p:childTnLst>
+                  <p:par>
+                    <p:cTn id="3" fill="hold">
+                      <p:stCondLst>
+                        <p:cond delay="indefinite"/>
+                      </p:stCondLst>
+                      <p:childTnLst>
+                        <p:par>
+                          <p:cTn id="4" fill="hold">
+                            <p:stCondLst>
+                              <p:cond delay="0"/>
+                            </p:stCondLst>
+                            <p:childTnLst>
+                              <p:par>
+                                <p:cTn id="5" presetID="42" presetClass="entr" presetSubtype="0" fill="hold" grpId="0" nodeType="clickEffect">
+                                  <p:stCondLst>
+                                    <p:cond delay="0"/>
+                                  </p:stCondLst>
+                                  <p:childTnLst>
+                                    <p:set>
+                                      <p:cBhvr>
+                                        <p:cTn id="6" dur="1" fill="hold">
+                                          <p:stCondLst>
+                                            <p:cond delay="0"/>
+                                          </p:stCondLst>
+                                        </p:cTn>
+                                        <p:tgtEl>
+                                          <p:spTgt spid="9"/>
+                                        </p:tgtEl>
+                                        <p:attrNameLst>
+                                          <p:attrName>style.visibility</p:attrName>
+                                        </p:attrNameLst>
+                                      </p:cBhvr>
+                                      <p:to>
+                                        <p:strVal val="visible"/>
+                                      </p:to>
+                                    </p:set>
+                                    <p:animEffect transition="in" filter="fade">
+                                      <p:cBhvr>
+                                        <p:cTn id="7" dur="1000"/>
+                                        <p:tgtEl>
+                                          <p:spTgt spid="9"/>
+                                        </p:tgtEl>
+                                      </p:cBhvr>
+                                    </p:animEffect>
+                                    <p:anim calcmode="lin" valueType="num">
+                                      <p:cBhvr>
+                                        <p:cTn id="8" dur="1000" fill="hold"/>
+                                        <p:tgtEl>
+                                          <p:spTgt spid="9"/>
+                                        </p:tgtEl>
+                                        <p:attrNameLst>
+                                          <p:attrName>ppt_x</p:attrName>
+                                        </p:attrNameLst>
+                                      </p:cBhvr>
+                                      <p:tavLst>
+                                        <p:tav tm="0">
+                                          <p:val>
+                                            <p:strVal val="#ppt_x"/>
+                                          </p:val>
+                                        </p:tav>
+                                        <p:tav tm="100000">
+                                          <p:val>
+                                            <p:strVal val="#ppt_x"/>
+                                          </p:val>
+                                        </p:tav>
+                                      </p:tavLst>
+                                    </p:anim>
+                                    <p:anim calcmode="lin" valueType="num">
+                                      <p:cBhvr>
+                                        <p:cTn id="9" dur="1000" fill="hold"/>
+                                        <p:tgtEl>
+                                          <p:spTgt spid="9"/>
+                                        </p:tgtEl>
+                                        <p:attrNameLst>
+                                          <p:attrName>ppt_y</p:attrName>
+                                        </p:attrNameLst>
+                                      </p:cBhvr>
+                                      <p:tavLst>
+                                        <p:tav tm="0">
+                                          <p:val>
+                                            <p:strVal val="#ppt_y+.1"/>
+                                          </p:val>
+                                        </p:tav>
+                                        <p:tav tm="100000">
+                                          <p:val>
+                                            <p:strVal val="#ppt_y"/>
+                                          </p:val>
+                                        </p:tav>
+                                      </p:tavLst>
+                                    </p:anim>
+                                  </p:childTnLst>
+                                </p:cTn>
+                              </p:par>
+                            </p:childTnLst>
+                          </p:cTn>
+                        </p:par>
+                      </p:childTnLst>
+                    </p:cTn>
+                  </p:par>
+                  <p:par>
+                    <p:cTn id="10" fill="hold">
+                      <p:stCondLst>
+                        <p:cond delay="indefinite"/>
+                      </p:stCondLst>
+                      <p:childTnLst>
+                        <p:par>
+                          <p:cTn id="11" fill="hold">
+                            <p:stCondLst>
+                              <p:cond delay="0"/>
+                            </p:stCondLst>
+                            <p:childTnLst>
+                              <p:par>
+                                <p:cTn id="12" presetID="42" presetClass="entr" presetSubtype="0" fill="hold" grpId="0" nodeType="clickEffect">
+                                  <p:stCondLst>
+                                    <p:cond delay="0"/>
+                                  </p:stCondLst>
+                                  <p:childTnLst>
+                                    <p:set>
+                                      <p:cBhvr>
+                                        <p:cTn id="13" dur="1" fill="hold">
+                                          <p:stCondLst>
+                                            <p:cond delay="0"/>
+                                          </p:stCondLst>
+                                        </p:cTn>
+                                        <p:tgtEl>
+                                          <p:spTgt spid="12"/>
+                                        </p:tgtEl>
+                                        <p:attrNameLst>
+                                          <p:attrName>style.visibility</p:attrName>
+                                        </p:attrNameLst>
+                                      </p:cBhvr>
+                                      <p:to>
+                                        <p:strVal val="visible"/>
+                                      </p:to>
+                                    </p:set>
+                                    <p:animEffect transition="in" filter="fade">
+                                      <p:cBhvr>
+                                        <p:cTn id="14" dur="1000"/>
+                                        <p:tgtEl>
+                                          <p:spTgt spid="12"/>
+                                        </p:tgtEl>
+                                      </p:cBhvr>
+                                    </p:animEffect>
+                                    <p:anim calcmode="lin" valueType="num">
+                                      <p:cBhvr>
+                                        <p:cTn id="15" dur="1000" fill="hold"/>
+                                        <p:tgtEl>
+                                          <p:spTgt spid="12"/>
+                                        </p:tgtEl>
+                                        <p:attrNameLst>
+                                          <p:attrName>ppt_x</p:attrName>
+                                        </p:attrNameLst>
+                                      </p:cBhvr>
+                                      <p:tavLst>
+                                        <p:tav tm="0">
+                                          <p:val>
+                                            <p:strVal val="#ppt_x"/>
+                                          </p:val>
+                                        </p:tav>
+                                        <p:tav tm="100000">
+                                          <p:val>
+                                            <p:strVal val="#ppt_x"/>
+                                          </p:val>
+                                        </p:tav>
+                                      </p:tavLst>
+                                    </p:anim>
+                                    <p:anim calcmode="lin" valueType="num">
+                                      <p:cBhvr>
+                                        <p:cTn id="16" dur="1000" fill="hold"/>
+                                        <p:tgtEl>
+                                          <p:spTgt spid="12"/>
+                                        </p:tgtEl>
+                                        <p:attrNameLst>
+                                          <p:attrName>ppt_y</p:attrName>
+                                        </p:attrNameLst>
+                                      </p:cBhvr>
+                                      <p:tavLst>
+                                        <p:tav tm="0">
+                                          <p:val>
+                                            <p:strVal val="#ppt_y+.1"/>
+                                          </p:val>
+                                        </p:tav>
+                                        <p:tav tm="100000">
+                                          <p:val>
+                                            <p:strVal val="#ppt_y"/>
+                                          </p:val>
+                                        </p:tav>
+                                      </p:tavLst>
+                                    </p:anim>
+                                  </p:childTnLst>
+                                </p:cTn>
+                              </p:par>
+                            </p:childTnLst>
+                          </p:cTn>
+                        </p:par>
+                      </p:childTnLst>
+                    </p:cTn>
+                  </p:par>
+                  <p:par>
+                    <p:cTn id="17" fill="hold">
+                      <p:stCondLst>
+                        <p:cond delay="indefinite"/>
+                      </p:stCondLst>
+                      <p:childTnLst>
+                        <p:par>
+                          <p:cTn id="18" fill="hold">
+                            <p:stCondLst>
+                              <p:cond delay="0"/>
+                            </p:stCondLst>
+                            <p:childTnLst>
+                              <p:par>
+                                <p:cTn id="19" presetID="42" presetClass="entr" presetSubtype="0" fill="hold" grpId="0" nodeType="clickEffect">
+                                  <p:stCondLst>
+                                    <p:cond delay="0"/>
+                                  </p:stCondLst>
+                                  <p:childTnLst>
+                                    <p:set>
+                                      <p:cBhvr>
+                                        <p:cTn id="20" dur="1" fill="hold">
+                                          <p:stCondLst>
+                                            <p:cond delay="0"/>
+                                          </p:stCondLst>
+                                        </p:cTn>
+                                        <p:tgtEl>
+                                          <p:spTgt spid="13"/>
+                                        </p:tgtEl>
+                                        <p:attrNameLst>
+                                          <p:attrName>style.visibility</p:attrName>
+                                        </p:attrNameLst>
+                                      </p:cBhvr>
+                                      <p:to>
+                                        <p:strVal val="visible"/>
+                                      </p:to>
+                                    </p:set>
+                                    <p:animEffect transition="in" filter="fade">
+                                      <p:cBhvr>
+                                        <p:cTn id="21" dur="1000"/>
+                                        <p:tgtEl>
+                                          <p:spTgt spid="13"/>
+                                        </p:tgtEl>
+                                      </p:cBhvr>
+                                    </p:animEffect>
+                                    <p:anim calcmode="lin" valueType="num">
+                                      <p:cBhvr>
+                                        <p:cTn id="22" dur="1000" fill="hold"/>
+                                        <p:tgtEl>
+                                          <p:spTgt spid="13"/>
+                                        </p:tgtEl>
+                                        <p:attrNameLst>
+                                          <p:attrName>ppt_x</p:attrName>
+                                        </p:attrNameLst>
+                                      </p:cBhvr>
+                                      <p:tavLst>
+                                        <p:tav tm="0">
+                                          <p:val>
+                                            <p:strVal val="#ppt_x"/>
+                                          </p:val>
+                                        </p:tav>
+                                        <p:tav tm="100000">
+                                          <p:val>
+                                            <p:strVal val="#ppt_x"/>
+                                          </p:val>
+                                        </p:tav>
+                                      </p:tavLst>
+                                    </p:anim>
+                                    <p:anim calcmode="lin" valueType="num">
+                                      <p:cBhvr>
+                                        <p:cTn id="23" dur="1000" fill="hold"/>
+                                        <p:tgtEl>
+                                          <p:spTgt spid="13"/>
+                                        </p:tgtEl>
+                                        <p:attrNameLst>
+                                          <p:attrName>ppt_y</p:attrName>
+                                        </p:attrNameLst>
+                                      </p:cBhvr>
+                                      <p:tavLst>
+                                        <p:tav tm="0">
+                                          <p:val>
+                                            <p:strVal val="#ppt_y+.1"/>
+                                          </p:val>
+                                        </p:tav>
+                                        <p:tav tm="100000">
+                                          <p:val>
+                                            <p:strVal val="#ppt_y"/>
+                                          </p:val>
+                                        </p:tav>
+                                      </p:tavLst>
+                                    </p:anim>
+                                  </p:childTnLst>
+                                </p:cTn>
+                              </p:par>
+                            </p:childTnLst>
+                          </p:cTn>
+                        </p:par>
+                      </p:childTnLst>
+                    </p:cTn>
+                  </p:par>
+                  <p:par>
+                    <p:cTn id="24" fill="hold">
+                      <p:stCondLst>
+                        <p:cond delay="indefinite"/>
+                      </p:stCondLst>
+                      <p:childTnLst>
+                        <p:par>
+                          <p:cTn id="25" fill="hold">
+                            <p:stCondLst>
+                              <p:cond delay="0"/>
+                            </p:stCondLst>
+                            <p:childTnLst>
+                              <p:par>
+                                <p:cTn id="26" presetID="42" presetClass="entr" presetSubtype="0" fill="hold" grpId="0" nodeType="clickEffect">
+                                  <p:stCondLst>
+                                    <p:cond delay="0"/>
+                                  </p:stCondLst>
+                                  <p:childTnLst>
+                                    <p:set>
+                                      <p:cBhvr>
+                                        <p:cTn id="27" dur="1" fill="hold">
+                                          <p:stCondLst>
+                                            <p:cond delay="0"/>
+                                          </p:stCondLst>
+                                        </p:cTn>
+                                        <p:tgtEl>
+                                          <p:spTgt spid="14"/>
+                                        </p:tgtEl>
+                                        <p:attrNameLst>
+                                          <p:attrName>style.visibility</p:attrName>
+                                        </p:attrNameLst>
+                                      </p:cBhvr>
+                                      <p:to>
+                                        <p:strVal val="visible"/>
+                                      </p:to>
+                                    </p:set>
+                                    <p:animEffect transition="in" filter="fade">
+                                      <p:cBhvr>
+                                        <p:cTn id="28" dur="1000"/>
+                                        <p:tgtEl>
+                                          <p:spTgt spid="14"/>
+                                        </p:tgtEl>
+                                      </p:cBhvr>
+                                    </p:animEffect>
+                                    <p:anim calcmode="lin" valueType="num">
+                                      <p:cBhvr>
+                                        <p:cTn id="29" dur="1000" fill="hold"/>
+                                        <p:tgtEl>
+                                          <p:spTgt spid="14"/>
+                                        </p:tgtEl>
+                                        <p:attrNameLst>
+                                          <p:attrName>ppt_x</p:attrName>
+                                        </p:attrNameLst>
+                                      </p:cBhvr>
+                                      <p:tavLst>
+                                        <p:tav tm="0">
+                                          <p:val>
+                                            <p:strVal val="#ppt_x"/>
+                                          </p:val>
+                                        </p:tav>
+                                        <p:tav tm="100000">
+                                          <p:val>
+                                            <p:strVal val="#ppt_x"/>
+                                          </p:val>
+                                        </p:tav>
+                                      </p:tavLst>
+                                    </p:anim>
+                                    <p:anim calcmode="lin" valueType="num">
+                                      <p:cBhvr>
+                                        <p:cTn id="30" dur="1000" fill="hold"/>
+                                        <p:tgtEl>
+                                          <p:spTgt spid="14"/>
+                                        </p:tgtEl>
+                                        <p:attrNameLst>
+                                          <p:attrName>ppt_y</p:attrName>
+                                        </p:attrNameLst>
+                                      </p:cBhvr>
+                                      <p:tavLst>
+                                        <p:tav tm="0">
+                                          <p:val>
+                                            <p:strVal val="#ppt_y+.1"/>
+                                          </p:val>
+                                        </p:tav>
+                                        <p:tav tm="100000">
+                                          <p:val>
+                                            <p:strVal val="#ppt_y"/>
+                                          </p:val>
+                                        </p:tav>
+                                      </p:tavLst>
+                                    </p:anim>
+                                  </p:childTnLst>
+                                </p:cTn>
+                              </p:par>
+                            </p:childTnLst>
+                          </p:cTn>
+                        </p:par>
+                      </p:childTnLst>
+                    </p:cTn>
+                  </p:par>
+                  <p:par>
+                    <p:cTn id="31" fill="hold">
+                      <p:stCondLst>
+                        <p:cond delay="indefinite"/>
+                      </p:stCondLst>
+                      <p:childTnLst>
+                        <p:par>
+                          <p:cTn id="32" fill="hold">
+                            <p:stCondLst>
+                              <p:cond delay="0"/>
+                            </p:stCondLst>
+                            <p:childTnLst>
+                              <p:par>
+                                <p:cTn id="33" presetID="42" presetClass="entr" presetSubtype="0" fill="hold" grpId="0" nodeType="clickEffect">
+                                  <p:stCondLst>
+                                    <p:cond delay="0"/>
+                                  </p:stCondLst>
+                                  <p:childTnLst>
+                                    <p:set>
+                                      <p:cBhvr>
+                                        <p:cTn id="34" dur="1" fill="hold">
+                                          <p:stCondLst>
+                                            <p:cond delay="0"/>
+                                          </p:stCondLst>
+                                        </p:cTn>
+                                        <p:tgtEl>
+                                          <p:spTgt spid="15"/>
+                                        </p:tgtEl>
+                                        <p:attrNameLst>
+                                          <p:attrName>style.visibility</p:attrName>
+                                        </p:attrNameLst>
+                                      </p:cBhvr>
+                                      <p:to>
+                                        <p:strVal val="visible"/>
+                                      </p:to>
+                                    </p:set>
+                                    <p:animEffect transition="in" filter="fade">
+                                      <p:cBhvr>
+                                        <p:cTn id="35" dur="1000"/>
+                                        <p:tgtEl>
+                                          <p:spTgt spid="15"/>
+                                        </p:tgtEl>
+                                      </p:cBhvr>
+                                    </p:animEffect>
+                                    <p:anim calcmode="lin" valueType="num">
+                                      <p:cBhvr>
+                                        <p:cTn id="36" dur="1000" fill="hold"/>
+                                        <p:tgtEl>
+                                          <p:spTgt spid="15"/>
+                                        </p:tgtEl>
+                                        <p:attrNameLst>
+                                          <p:attrName>ppt_x</p:attrName>
+                                        </p:attrNameLst>
+                                      </p:cBhvr>
+                                      <p:tavLst>
+                                        <p:tav tm="0">
+                                          <p:val>
+                                            <p:strVal val="#ppt_x"/>
+                                          </p:val>
+                                        </p:tav>
+                                        <p:tav tm="100000">
+                                          <p:val>
+                                            <p:strVal val="#ppt_x"/>
+                                          </p:val>
+                                        </p:tav>
+                                      </p:tavLst>
+                                    </p:anim>
+                                    <p:anim calcmode="lin" valueType="num">
+                                      <p:cBhvr>
+                                        <p:cTn id="37" dur="1000" fill="hold"/>
+                                        <p:tgtEl>
+                                          <p:spTgt spid="15"/>
+                                        </p:tgtEl>
+                                        <p:attrNameLst>
+                                          <p:attrName>ppt_y</p:attrName>
+                                        </p:attrNameLst>
+                                      </p:cBhvr>
+                                      <p:tavLst>
+                                        <p:tav tm="0">
+                                          <p:val>
+                                            <p:strVal val="#ppt_y+.1"/>
+                                          </p:val>
+                                        </p:tav>
+                                        <p:tav tm="100000">
+                                          <p:val>
+                                            <p:strVal val="#ppt_y"/>
+                                          </p:val>
+                                        </p:tav>
+                                      </p:tavLst>
+                                    </p:anim>
+                                  </p:childTnLst>
+                                </p:cTn>
+                              </p:par>
+                            </p:childTnLst>
+                          </p:cTn>
+                        </p:par>
+                      </p:childTnLst>
+                    </p:cTn>
+                  </p:par>
+                </p:childTnLst>
+              </p:cTn>
+              <p:prevCondLst>
+                <p:cond evt="onPrev" delay="0">
+                  <p:tgtEl>
+                    <p:sldTgt/>
+                  </p:tgtEl>
+                </p:cond>
+              </p:prevCondLst>
+              <p:nextCondLst>
+                <p:cond evt="onNext" delay="0">
+                  <p:tgtEl>
+                    <p:sldTgt/>
+                  </p:tgtEl>
+                </p:cond>
+              </p:nextCondLst>
+            </p:seq>
+          </p:childTnLst>
+        </p:cTn>
+      </p:par>
+    </p:tnLst>
+    <p:bldLst>
+      <p:bldP spid="9" grpId="0"/>
+      <p:bldP spid="12" grpId="0"/>
+      <p:bldP spid="13" grpId="0"/>
+      <p:bldP spid="14" grpId="0"/>
+      <p:bldP spid="15" grpId="0"/>
+    </p:bldLst>
+  </p:timing>
+</p:sld>
+</file>
+
+<file path=ppt/slides/slide36.xml><?xml version="1.0" encoding="utf-8"?>
+<p:sld xmlns:a="http://schemas.openxmlformats.org/drawingml/2006/main" xmlns:r="http://schemas.openxmlformats.org/officeDocument/2006/relationships" xmlns:p="http://schemas.openxmlformats.org/presentationml/2006/main">
+  <p:cSld>
+    <p:spTree>
+      <p:nvGrpSpPr>
+        <p:cNvPr id="1" name=""/>
+        <p:cNvGrpSpPr/>
+        <p:nvPr/>
+      </p:nvGrpSpPr>
+      <p:grpSpPr>
+        <a:xfrm>
+          <a:off x="0" y="0"/>
+          <a:ext cx="0" cy="0"/>
+          <a:chOff x="0" y="0"/>
+          <a:chExt cx="0" cy="0"/>
+        </a:xfrm>
+      </p:grpSpPr>
+      <p:sp>
+        <p:nvSpPr>
+          <p:cNvPr id="4" name="Title 3"/>
+          <p:cNvSpPr>
+            <a:spLocks noGrp="1"/>
+          </p:cNvSpPr>
+          <p:nvPr>
+            <p:ph type="title"/>
+          </p:nvPr>
+        </p:nvSpPr>
+        <p:spPr/>
+        <p:txBody>
+          <a:bodyPr>
+            <a:normAutofit/>
+          </a:bodyPr>
+          <a:lstStyle/>
+          <a:p>
+            <a:r>
+              <a:rPr lang="en-US" dirty="0"/>
+              <a:t>Led3: Demonstration ?</a:t>
+            </a:r>
+          </a:p>
+        </p:txBody>
+      </p:sp>
+      <p:sp>
+        <p:nvSpPr>
+          <p:cNvPr id="5" name="Content Placeholder 4"/>
+          <p:cNvSpPr>
+            <a:spLocks noGrp="1"/>
+          </p:cNvSpPr>
+          <p:nvPr>
+            <p:ph idx="1"/>
+          </p:nvPr>
+        </p:nvSpPr>
+        <p:spPr>
+          <a:xfrm>
+            <a:off x="914400" y="1200150"/>
+            <a:ext cx="4724400" cy="2060145"/>
+          </a:xfrm>
+        </p:spPr>
+        <p:txBody>
+          <a:bodyPr>
+            <a:normAutofit/>
+          </a:bodyPr>
+          <a:lstStyle/>
+          <a:p>
+            <a:pPr marL="0" indent="0">
+              <a:buNone/>
+            </a:pPr>
+            <a:r>
+              <a:rPr lang="en-US" sz="3200" dirty="0" err="1">
+                <a:solidFill>
+                  <a:srgbClr val="FF0000"/>
+                </a:solidFill>
+              </a:rPr>
+              <a:t>Parrot_Sketch</a:t>
+            </a:r>
+            <a:r>
+              <a:rPr lang="en-US" sz="3200" dirty="0"/>
+              <a:t> </a:t>
+            </a:r>
+          </a:p>
+          <a:p>
+            <a:pPr marL="0" indent="0">
+              <a:buNone/>
+            </a:pPr>
+            <a:r>
+              <a:rPr lang="en-US" sz="3200" dirty="0">
+                <a:cs typeface="Courier New" panose="02070309020205020404" pitchFamily="49" charset="0"/>
+              </a:rPr>
+              <a:t>it’s not dead yet!</a:t>
+            </a:r>
+          </a:p>
+          <a:p>
+            <a:pPr marL="0" indent="0">
+              <a:buNone/>
+            </a:pPr>
+            <a:endParaRPr lang="en-US" sz="3200" dirty="0">
+              <a:cs typeface="Courier New" panose="02070309020205020404" pitchFamily="49" charset="0"/>
+            </a:endParaRPr>
+          </a:p>
+          <a:p>
+            <a:pPr marL="0" indent="0">
+              <a:buNone/>
+            </a:pPr>
+            <a:endParaRPr lang="en-US" sz="3200" dirty="0">
+              <a:cs typeface="Courier New" panose="02070309020205020404" pitchFamily="49" charset="0"/>
+            </a:endParaRPr>
+          </a:p>
+        </p:txBody>
+      </p:sp>
+      <p:pic>
+        <p:nvPicPr>
+          <p:cNvPr id="6" name="Picture 5">
+            <a:extLst>
+              <a:ext uri="{FF2B5EF4-FFF2-40B4-BE49-F238E27FC236}">
+                <a16:creationId xmlns:a16="http://schemas.microsoft.com/office/drawing/2014/main" id="{33351060-18E6-42F7-BAE2-6A49CB9B0F0C}"/>
+              </a:ext>
+            </a:extLst>
+          </p:cNvPr>
+          <p:cNvPicPr>
+            <a:picLocks noChangeAspect="1"/>
+          </p:cNvPicPr>
+          <p:nvPr/>
+        </p:nvPicPr>
+        <p:blipFill>
+          <a:blip r:embed="rId3" cstate="print">
+            <a:extLst>
+              <a:ext uri="{28A0092B-C50C-407E-A947-70E740481C1C}">
+                <a14:useLocalDpi xmlns:a14="http://schemas.microsoft.com/office/drawing/2010/main" val="0"/>
+              </a:ext>
+            </a:extLst>
+          </a:blip>
+          <a:stretch>
+            <a:fillRect/>
+          </a:stretch>
+        </p:blipFill>
+        <p:spPr>
+          <a:xfrm>
+            <a:off x="7848600" y="4583336"/>
+            <a:ext cx="1028700" cy="457771"/>
+          </a:xfrm>
+          <a:prstGeom prst="rect">
+            <a:avLst/>
+          </a:prstGeom>
+        </p:spPr>
+      </p:pic>
+    </p:spTree>
+    <p:extLst>
+      <p:ext uri="{BB962C8B-B14F-4D97-AF65-F5344CB8AC3E}">
+        <p14:creationId xmlns:p14="http://schemas.microsoft.com/office/powerpoint/2010/main" val="3014155239"/>
+      </p:ext>
+    </p:extLst>
+  </p:cSld>
+  <p:clrMapOvr>
+    <a:masterClrMapping/>
+  </p:clrMapOvr>
+</p:sld>
+</file>
+
+<file path=ppt/slides/slide37.xml><?xml version="1.0" encoding="utf-8"?>
+<p:sld xmlns:a="http://schemas.openxmlformats.org/drawingml/2006/main" xmlns:r="http://schemas.openxmlformats.org/officeDocument/2006/relationships" xmlns:p="http://schemas.openxmlformats.org/presentationml/2006/main">
+  <p:cSld>
+    <p:spTree>
+      <p:nvGrpSpPr>
+        <p:cNvPr id="1" name=""/>
+        <p:cNvGrpSpPr/>
+        <p:nvPr/>
+      </p:nvGrpSpPr>
+      <p:grpSpPr>
+        <a:xfrm>
+          <a:off x="0" y="0"/>
+          <a:ext cx="0" cy="0"/>
+          <a:chOff x="0" y="0"/>
+          <a:chExt cx="0" cy="0"/>
+        </a:xfrm>
+      </p:grpSpPr>
+      <p:sp>
+        <p:nvSpPr>
+          <p:cNvPr id="4" name="Title 3"/>
+          <p:cNvSpPr>
+            <a:spLocks noGrp="1"/>
+          </p:cNvSpPr>
+          <p:nvPr>
+            <p:ph type="title"/>
+          </p:nvPr>
+        </p:nvSpPr>
         <p:spPr>
           <a:xfrm>
             <a:off x="428879" y="209551"/>
@@ -34225,7 +38287,7 @@
 </p:sld>
 </file>
 
-<file path=ppt/slides/slide34.xml><?xml version="1.0" encoding="utf-8"?>
+<file path=ppt/slides/slide38.xml><?xml version="1.0" encoding="utf-8"?>
 <p:sld xmlns:a="http://schemas.openxmlformats.org/drawingml/2006/main" xmlns:r="http://schemas.openxmlformats.org/officeDocument/2006/relationships" xmlns:p="http://schemas.openxmlformats.org/presentationml/2006/main">
   <p:cSld>
     <p:spTree>
@@ -34443,243 +38505,7 @@
 </p:sld>
 </file>
 
-<file path=ppt/slides/slide35.xml><?xml version="1.0" encoding="utf-8"?>
-<p:sld xmlns:a="http://schemas.openxmlformats.org/drawingml/2006/main" xmlns:r="http://schemas.openxmlformats.org/officeDocument/2006/relationships" xmlns:p="http://schemas.openxmlformats.org/presentationml/2006/main">
-  <p:cSld>
-    <p:spTree>
-      <p:nvGrpSpPr>
-        <p:cNvPr id="1" name=""/>
-        <p:cNvGrpSpPr/>
-        <p:nvPr/>
-      </p:nvGrpSpPr>
-      <p:grpSpPr>
-        <a:xfrm>
-          <a:off x="0" y="0"/>
-          <a:ext cx="0" cy="0"/>
-          <a:chOff x="0" y="0"/>
-          <a:chExt cx="0" cy="0"/>
-        </a:xfrm>
-      </p:grpSpPr>
-      <p:sp>
-        <p:nvSpPr>
-          <p:cNvPr id="4" name="Title 3"/>
-          <p:cNvSpPr>
-            <a:spLocks noGrp="1"/>
-          </p:cNvSpPr>
-          <p:nvPr>
-            <p:ph type="title"/>
-          </p:nvPr>
-        </p:nvSpPr>
-        <p:spPr/>
-        <p:txBody>
-          <a:bodyPr>
-            <a:normAutofit/>
-          </a:bodyPr>
-          <a:lstStyle/>
-          <a:p>
-            <a:r>
-              <a:rPr lang="en-US" dirty="0"/>
-              <a:t>Led3: Additional Member Functions</a:t>
-            </a:r>
-          </a:p>
-        </p:txBody>
-      </p:sp>
-      <p:sp>
-        <p:nvSpPr>
-          <p:cNvPr id="5" name="Content Placeholder 4"/>
-          <p:cNvSpPr>
-            <a:spLocks noGrp="1"/>
-          </p:cNvSpPr>
-          <p:nvPr>
-            <p:ph idx="1"/>
-          </p:nvPr>
-        </p:nvSpPr>
-        <p:spPr>
-          <a:xfrm>
-            <a:off x="304800" y="1197405"/>
-            <a:ext cx="7315200" cy="3279345"/>
-          </a:xfrm>
-        </p:spPr>
-        <p:txBody>
-          <a:bodyPr>
-            <a:normAutofit fontScale="70000" lnSpcReduction="20000"/>
-          </a:bodyPr>
-          <a:lstStyle/>
-          <a:p>
-            <a:pPr marL="0" indent="0">
-              <a:buNone/>
-            </a:pPr>
-            <a:r>
-              <a:rPr lang="en-US" sz="3300" b="1" dirty="0">
-                <a:solidFill>
-                  <a:schemeClr val="tx2">
-                    <a:lumMod val="60000"/>
-                    <a:lumOff val="40000"/>
-                  </a:schemeClr>
-                </a:solidFill>
-                <a:latin typeface="Courier New" panose="02070309020205020404" pitchFamily="49" charset="0"/>
-                <a:cs typeface="Courier New" panose="02070309020205020404" pitchFamily="49" charset="0"/>
-              </a:rPr>
-              <a:t>Two new Timing features called Random Mode and Flicker Mode (in addition to Blink and Normal)</a:t>
-            </a:r>
-            <a:endParaRPr lang="en-US" sz="2800" b="1" dirty="0">
-              <a:solidFill>
-                <a:schemeClr val="tx2">
-                  <a:lumMod val="60000"/>
-                  <a:lumOff val="40000"/>
-                </a:schemeClr>
-              </a:solidFill>
-              <a:latin typeface="Courier New" panose="02070309020205020404" pitchFamily="49" charset="0"/>
-              <a:cs typeface="Courier New" panose="02070309020205020404" pitchFamily="49" charset="0"/>
-            </a:endParaRPr>
-          </a:p>
-          <a:p>
-            <a:pPr marL="0" indent="0">
-              <a:buNone/>
-            </a:pPr>
-            <a:endParaRPr lang="en-US" sz="2900" dirty="0">
-              <a:cs typeface="Courier New" panose="02070309020205020404" pitchFamily="49" charset="0"/>
-            </a:endParaRPr>
-          </a:p>
-          <a:p>
-            <a:pPr marL="0" indent="0">
-              <a:buNone/>
-            </a:pPr>
-            <a:r>
-              <a:rPr lang="en-US" sz="2900" dirty="0">
-                <a:cs typeface="Courier New" panose="02070309020205020404" pitchFamily="49" charset="0"/>
-              </a:rPr>
-              <a:t>Define variable as before (with a pin)</a:t>
-            </a:r>
-          </a:p>
-          <a:p>
-            <a:pPr marL="0" indent="0">
-              <a:buNone/>
-            </a:pPr>
-            <a:r>
-              <a:rPr lang="en-US" sz="2900" dirty="0">
-                <a:cs typeface="Courier New" panose="02070309020205020404" pitchFamily="49" charset="0"/>
-              </a:rPr>
-              <a:t>Then call </a:t>
-            </a:r>
-            <a:r>
-              <a:rPr lang="en-US" sz="2900" dirty="0" err="1">
-                <a:cs typeface="Courier New" panose="02070309020205020404" pitchFamily="49" charset="0"/>
-              </a:rPr>
-              <a:t>setMode</a:t>
-            </a:r>
-            <a:r>
-              <a:rPr lang="en-US" sz="2900" dirty="0">
-                <a:cs typeface="Courier New" panose="02070309020205020404" pitchFamily="49" charset="0"/>
-              </a:rPr>
-              <a:t>( </a:t>
-            </a:r>
-            <a:r>
-              <a:rPr lang="en-US" sz="2900" dirty="0" err="1">
-                <a:cs typeface="Courier New" panose="02070309020205020404" pitchFamily="49" charset="0"/>
-              </a:rPr>
-              <a:t>newMode</a:t>
-            </a:r>
-            <a:r>
-              <a:rPr lang="en-US" sz="2900" dirty="0">
-                <a:cs typeface="Courier New" panose="02070309020205020404" pitchFamily="49" charset="0"/>
-              </a:rPr>
-              <a:t> )    // Normal, Blink, Random, Flicker</a:t>
-            </a:r>
-          </a:p>
-          <a:p>
-            <a:pPr marL="0" indent="0">
-              <a:buNone/>
-            </a:pPr>
-            <a:r>
-              <a:rPr lang="en-US" sz="2900" dirty="0">
-                <a:cs typeface="Courier New" panose="02070309020205020404" pitchFamily="49" charset="0"/>
-              </a:rPr>
-              <a:t>Each mode has ability to set timing options.</a:t>
-            </a:r>
-          </a:p>
-          <a:p>
-            <a:pPr marL="0" indent="0">
-              <a:buNone/>
-            </a:pPr>
-            <a:endParaRPr lang="en-US" sz="2900" dirty="0">
-              <a:cs typeface="Courier New" panose="02070309020205020404" pitchFamily="49" charset="0"/>
-            </a:endParaRPr>
-          </a:p>
-          <a:p>
-            <a:pPr marL="0" indent="0">
-              <a:buNone/>
-            </a:pPr>
-            <a:r>
-              <a:rPr lang="en-US" sz="2900" dirty="0">
-                <a:cs typeface="Courier New" panose="02070309020205020404" pitchFamily="49" charset="0"/>
-              </a:rPr>
-              <a:t>Intended for random building lighting effects. </a:t>
-            </a:r>
-          </a:p>
-          <a:p>
-            <a:pPr marL="0" indent="0">
-              <a:buNone/>
-            </a:pPr>
-            <a:r>
-              <a:rPr lang="en-US" sz="2900" dirty="0">
-                <a:cs typeface="Courier New" panose="02070309020205020404" pitchFamily="49" charset="0"/>
-              </a:rPr>
-              <a:t>Also Flickering gas light or fire effects.</a:t>
-            </a:r>
-          </a:p>
-        </p:txBody>
-      </p:sp>
-      <p:pic>
-        <p:nvPicPr>
-          <p:cNvPr id="6" name="Picture 5">
-            <a:extLst>
-              <a:ext uri="{FF2B5EF4-FFF2-40B4-BE49-F238E27FC236}">
-                <a16:creationId xmlns:a16="http://schemas.microsoft.com/office/drawing/2014/main" id="{33351060-18E6-42F7-BAE2-6A49CB9B0F0C}"/>
-              </a:ext>
-            </a:extLst>
-          </p:cNvPr>
-          <p:cNvPicPr>
-            <a:picLocks noChangeAspect="1"/>
-          </p:cNvPicPr>
-          <p:nvPr/>
-        </p:nvPicPr>
-        <p:blipFill>
-          <a:blip r:embed="rId3" cstate="print">
-            <a:extLst>
-              <a:ext uri="{28A0092B-C50C-407E-A947-70E740481C1C}">
-                <a14:useLocalDpi xmlns:a14="http://schemas.microsoft.com/office/drawing/2010/main" val="0"/>
-              </a:ext>
-            </a:extLst>
-          </a:blip>
-          <a:stretch>
-            <a:fillRect/>
-          </a:stretch>
-        </p:blipFill>
-        <p:spPr>
-          <a:xfrm>
-            <a:off x="7848600" y="4583336"/>
-            <a:ext cx="1028700" cy="457771"/>
-          </a:xfrm>
-          <a:prstGeom prst="rect">
-            <a:avLst/>
-          </a:prstGeom>
-        </p:spPr>
-      </p:pic>
-    </p:spTree>
-    <p:extLst>
-      <p:ext uri="{BB962C8B-B14F-4D97-AF65-F5344CB8AC3E}">
-        <p14:creationId xmlns:p14="http://schemas.microsoft.com/office/powerpoint/2010/main" val="3432541561"/>
-      </p:ext>
-    </p:extLst>
-  </p:cSld>
-  <p:clrMapOvr>
-    <a:masterClrMapping/>
-  </p:clrMapOvr>
-</p:sld>
-</file>
-
-<file path=ppt/slides/slide36.xml><?xml version="1.0" encoding="utf-8"?>
+<file path=ppt/slides/slide39.xml><?xml version="1.0" encoding="utf-8"?>
 <p:sld xmlns:a="http://schemas.openxmlformats.org/drawingml/2006/main" xmlns:r="http://schemas.openxmlformats.org/officeDocument/2006/relationships" xmlns:p="http://schemas.openxmlformats.org/presentationml/2006/main">
   <p:cSld>
     <p:spTree>
@@ -34857,7 +38683,547 @@
 </p:sld>
 </file>
 
-<file path=ppt/slides/slide37.xml><?xml version="1.0" encoding="utf-8"?>
+<file path=ppt/slides/slide4.xml><?xml version="1.0" encoding="utf-8"?>
+<p:sld xmlns:a="http://schemas.openxmlformats.org/drawingml/2006/main" xmlns:r="http://schemas.openxmlformats.org/officeDocument/2006/relationships" xmlns:p="http://schemas.openxmlformats.org/presentationml/2006/main">
+  <p:cSld>
+    <p:spTree>
+      <p:nvGrpSpPr>
+        <p:cNvPr id="1" name=""/>
+        <p:cNvGrpSpPr/>
+        <p:nvPr/>
+      </p:nvGrpSpPr>
+      <p:grpSpPr>
+        <a:xfrm>
+          <a:off x="0" y="0"/>
+          <a:ext cx="0" cy="0"/>
+          <a:chOff x="0" y="0"/>
+          <a:chExt cx="0" cy="0"/>
+        </a:xfrm>
+      </p:grpSpPr>
+      <p:sp>
+        <p:nvSpPr>
+          <p:cNvPr id="2" name="Title 1"/>
+          <p:cNvSpPr>
+            <a:spLocks noGrp="1"/>
+          </p:cNvSpPr>
+          <p:nvPr>
+            <p:ph type="title"/>
+          </p:nvPr>
+        </p:nvSpPr>
+        <p:spPr/>
+        <p:txBody>
+          <a:bodyPr>
+            <a:normAutofit/>
+          </a:bodyPr>
+          <a:lstStyle/>
+          <a:p>
+            <a:r>
+              <a:rPr lang="en-US" dirty="0"/>
+              <a:t>Agenda</a:t>
+            </a:r>
+          </a:p>
+        </p:txBody>
+      </p:sp>
+      <p:sp>
+        <p:nvSpPr>
+          <p:cNvPr id="3" name="Content Placeholder 2"/>
+          <p:cNvSpPr>
+            <a:spLocks noGrp="1"/>
+          </p:cNvSpPr>
+          <p:nvPr>
+            <p:ph idx="1"/>
+          </p:nvPr>
+        </p:nvSpPr>
+        <p:spPr/>
+        <p:txBody>
+          <a:bodyPr>
+            <a:normAutofit fontScale="92500" lnSpcReduction="20000"/>
+          </a:bodyPr>
+          <a:lstStyle/>
+          <a:p>
+            <a:pPr marL="514350" indent="-514350">
+              <a:buFont typeface="+mj-lt"/>
+              <a:buAutoNum type="arabicPeriod"/>
+            </a:pPr>
+            <a:r>
+              <a:rPr lang="en-US" dirty="0">
+                <a:hlinkClick r:id="rId3" action="ppaction://hlinksldjump"/>
+              </a:rPr>
+              <a:t>Recap from Part 1</a:t>
+            </a:r>
+          </a:p>
+          <a:p>
+            <a:pPr marL="514350" indent="-514350">
+              <a:buFont typeface="+mj-lt"/>
+              <a:buAutoNum type="arabicPeriod"/>
+            </a:pPr>
+            <a:r>
+              <a:rPr lang="en-US" dirty="0">
+                <a:hlinkClick r:id="rId4" action="ppaction://hlinksldjump"/>
+              </a:rPr>
+              <a:t>The all in One Approach</a:t>
+            </a:r>
+            <a:endParaRPr lang="en-US" dirty="0">
+              <a:hlinkClick r:id="rId3" action="ppaction://hlinksldjump"/>
+            </a:endParaRPr>
+          </a:p>
+          <a:p>
+            <a:pPr marL="514350" indent="-514350">
+              <a:buFont typeface="+mj-lt"/>
+              <a:buAutoNum type="arabicPeriod"/>
+            </a:pPr>
+            <a:r>
+              <a:rPr lang="en-US" dirty="0">
+                <a:hlinkClick r:id="rId5" action="ppaction://hlinksldjump"/>
+              </a:rPr>
+              <a:t>Moving Forward</a:t>
+            </a:r>
+            <a:endParaRPr lang="en-US" dirty="0"/>
+          </a:p>
+          <a:p>
+            <a:pPr marL="514350" indent="-514350">
+              <a:buFont typeface="+mj-lt"/>
+              <a:buAutoNum type="arabicPeriod"/>
+            </a:pPr>
+            <a:r>
+              <a:rPr lang="en-US" dirty="0">
+                <a:hlinkClick r:id="rId6" action="ppaction://hlinksldjump"/>
+              </a:rPr>
+              <a:t>Detour =&gt; Organizing Files</a:t>
+            </a:r>
+            <a:endParaRPr lang="en-US" dirty="0">
+              <a:hlinkClick r:id="rId5" action="ppaction://hlinksldjump"/>
+            </a:endParaRPr>
+          </a:p>
+          <a:p>
+            <a:pPr marL="514350" indent="-514350">
+              <a:buFont typeface="+mj-lt"/>
+              <a:buAutoNum type="arabicPeriod"/>
+            </a:pPr>
+            <a:r>
+              <a:rPr lang="en-US" dirty="0">
+                <a:hlinkClick r:id="rId7" action="ppaction://hlinksldjump"/>
+              </a:rPr>
+              <a:t>Inspecting the Led2 Class in Detail</a:t>
+            </a:r>
+            <a:endParaRPr lang="en-US" dirty="0"/>
+          </a:p>
+          <a:p>
+            <a:pPr marL="514350" indent="-514350">
+              <a:buFont typeface="+mj-lt"/>
+              <a:buAutoNum type="arabicPeriod"/>
+            </a:pPr>
+            <a:r>
+              <a:rPr lang="en-US" dirty="0">
+                <a:hlinkClick r:id="rId8" action="ppaction://hlinksldjump"/>
+              </a:rPr>
+              <a:t>Live Demo</a:t>
+            </a:r>
+            <a:endParaRPr lang="en-US" dirty="0"/>
+          </a:p>
+          <a:p>
+            <a:pPr marL="514350" indent="-514350">
+              <a:buFont typeface="+mj-lt"/>
+              <a:buAutoNum type="arabicPeriod"/>
+            </a:pPr>
+            <a:r>
+              <a:rPr lang="en-US" dirty="0">
+                <a:hlinkClick r:id="rId9" action="ppaction://hlinksldjump"/>
+              </a:rPr>
+              <a:t>Questions</a:t>
+            </a:r>
+            <a:endParaRPr lang="en-US" dirty="0"/>
+          </a:p>
+          <a:p>
+            <a:pPr marL="514350" indent="-514350">
+              <a:buFont typeface="+mj-lt"/>
+              <a:buAutoNum type="arabicPeriod"/>
+            </a:pPr>
+            <a:r>
+              <a:rPr lang="en-US" dirty="0">
+                <a:hlinkClick r:id="rId10" action="ppaction://hlinksldjump"/>
+              </a:rPr>
+              <a:t>Backup Material</a:t>
+            </a:r>
+            <a:endParaRPr lang="en-US" dirty="0"/>
+          </a:p>
+        </p:txBody>
+      </p:sp>
+      <p:pic>
+        <p:nvPicPr>
+          <p:cNvPr id="4" name="Picture 3">
+            <a:extLst>
+              <a:ext uri="{FF2B5EF4-FFF2-40B4-BE49-F238E27FC236}">
+                <a16:creationId xmlns:a16="http://schemas.microsoft.com/office/drawing/2014/main" id="{8CBCA567-7F2C-4256-9D8B-A87EC4D25AAB}"/>
+              </a:ext>
+            </a:extLst>
+          </p:cNvPr>
+          <p:cNvPicPr>
+            <a:picLocks noChangeAspect="1"/>
+          </p:cNvPicPr>
+          <p:nvPr/>
+        </p:nvPicPr>
+        <p:blipFill>
+          <a:blip r:embed="rId11" cstate="print">
+            <a:extLst>
+              <a:ext uri="{28A0092B-C50C-407E-A947-70E740481C1C}">
+                <a14:useLocalDpi xmlns:a14="http://schemas.microsoft.com/office/drawing/2010/main" val="0"/>
+              </a:ext>
+            </a:extLst>
+          </a:blip>
+          <a:stretch>
+            <a:fillRect/>
+          </a:stretch>
+        </p:blipFill>
+        <p:spPr>
+          <a:xfrm>
+            <a:off x="7848600" y="4583336"/>
+            <a:ext cx="1028700" cy="457771"/>
+          </a:xfrm>
+          <a:prstGeom prst="rect">
+            <a:avLst/>
+          </a:prstGeom>
+        </p:spPr>
+      </p:pic>
+    </p:spTree>
+    <p:extLst>
+      <p:ext uri="{BB962C8B-B14F-4D97-AF65-F5344CB8AC3E}">
+        <p14:creationId xmlns:p14="http://schemas.microsoft.com/office/powerpoint/2010/main" val="2885712498"/>
+      </p:ext>
+    </p:extLst>
+  </p:cSld>
+  <p:clrMapOvr>
+    <a:masterClrMapping/>
+  </p:clrMapOvr>
+</p:sld>
+</file>
+
+<file path=ppt/slides/slide40.xml><?xml version="1.0" encoding="utf-8"?>
+<p:sld xmlns:a="http://schemas.openxmlformats.org/drawingml/2006/main" xmlns:r="http://schemas.openxmlformats.org/officeDocument/2006/relationships" xmlns:p="http://schemas.openxmlformats.org/presentationml/2006/main">
+  <p:cSld>
+    <p:spTree>
+      <p:nvGrpSpPr>
+        <p:cNvPr id="1" name=""/>
+        <p:cNvGrpSpPr/>
+        <p:nvPr/>
+      </p:nvGrpSpPr>
+      <p:grpSpPr>
+        <a:xfrm>
+          <a:off x="0" y="0"/>
+          <a:ext cx="0" cy="0"/>
+          <a:chOff x="0" y="0"/>
+          <a:chExt cx="0" cy="0"/>
+        </a:xfrm>
+      </p:grpSpPr>
+      <p:sp>
+        <p:nvSpPr>
+          <p:cNvPr id="2" name="TextBox 1">
+            <a:extLst>
+              <a:ext uri="{FF2B5EF4-FFF2-40B4-BE49-F238E27FC236}">
+                <a16:creationId xmlns:a16="http://schemas.microsoft.com/office/drawing/2014/main" id="{296F6C9F-FE06-42A7-A215-13D116D868D2}"/>
+              </a:ext>
+            </a:extLst>
+          </p:cNvPr>
+          <p:cNvSpPr txBox="1"/>
+          <p:nvPr/>
+        </p:nvSpPr>
+        <p:spPr>
+          <a:xfrm>
+            <a:off x="0" y="0"/>
+            <a:ext cx="7467600" cy="646331"/>
+          </a:xfrm>
+          <a:prstGeom prst="rect">
+            <a:avLst/>
+          </a:prstGeom>
+          <a:noFill/>
+        </p:spPr>
+        <p:txBody>
+          <a:bodyPr wrap="square" rtlCol="0">
+            <a:spAutoFit/>
+          </a:bodyPr>
+          <a:lstStyle/>
+          <a:p>
+            <a:r>
+              <a:rPr lang="en-US" sz="3600" dirty="0">
+                <a:solidFill>
+                  <a:schemeClr val="bg1"/>
+                </a:solidFill>
+              </a:rPr>
+              <a:t>References and Additional Material</a:t>
+            </a:r>
+          </a:p>
+        </p:txBody>
+      </p:sp>
+      <p:sp>
+        <p:nvSpPr>
+          <p:cNvPr id="3" name="TextBox 2">
+            <a:extLst>
+              <a:ext uri="{FF2B5EF4-FFF2-40B4-BE49-F238E27FC236}">
+                <a16:creationId xmlns:a16="http://schemas.microsoft.com/office/drawing/2014/main" id="{29B74366-6C02-4246-BB33-8688199CF3DC}"/>
+              </a:ext>
+            </a:extLst>
+          </p:cNvPr>
+          <p:cNvSpPr txBox="1"/>
+          <p:nvPr/>
+        </p:nvSpPr>
+        <p:spPr>
+          <a:xfrm>
+            <a:off x="266700" y="1200150"/>
+            <a:ext cx="8610600" cy="3508653"/>
+          </a:xfrm>
+          <a:prstGeom prst="rect">
+            <a:avLst/>
+          </a:prstGeom>
+          <a:noFill/>
+        </p:spPr>
+        <p:txBody>
+          <a:bodyPr wrap="square" rtlCol="0">
+            <a:spAutoFit/>
+          </a:bodyPr>
+          <a:lstStyle/>
+          <a:p>
+            <a:r>
+              <a:rPr lang="en-US" sz="1600" dirty="0"/>
+              <a:t>Binary numbers and types :</a:t>
+            </a:r>
+          </a:p>
+          <a:p>
+            <a:pPr marL="971550" indent="-285750">
+              <a:buFont typeface="Arial" panose="020B0604020202020204" pitchFamily="34" charset="0"/>
+              <a:buChar char="•"/>
+            </a:pPr>
+            <a:r>
+              <a:rPr lang="en-US" sz="1400" dirty="0">
+                <a:solidFill>
+                  <a:srgbClr val="0066FF"/>
+                </a:solidFill>
+                <a:hlinkClick r:id="rId3"/>
+              </a:rPr>
+              <a:t>https://learn.sparkfun.com/tutorials/data-types-in-arduino/all</a:t>
+            </a:r>
+            <a:endParaRPr lang="en-US" sz="1400" dirty="0">
+              <a:solidFill>
+                <a:srgbClr val="0066FF"/>
+              </a:solidFill>
+            </a:endParaRPr>
+          </a:p>
+          <a:p>
+            <a:pPr marL="971550" indent="-285750">
+              <a:buFont typeface="Arial" panose="020B0604020202020204" pitchFamily="34" charset="0"/>
+              <a:buChar char="•"/>
+            </a:pPr>
+            <a:r>
+              <a:rPr lang="en-US" sz="1400" dirty="0">
+                <a:hlinkClick r:id="rId4"/>
+              </a:rPr>
+              <a:t>http://users.ece.utexas.edu/~valvano/embed/chap3/chap3.htm</a:t>
+            </a:r>
+            <a:endParaRPr lang="en-US" sz="1400" dirty="0"/>
+          </a:p>
+          <a:p>
+            <a:r>
+              <a:rPr lang="en-US" sz="1600" dirty="0"/>
+              <a:t>Arduino Compiler / Preprocessor Directives</a:t>
+            </a:r>
+          </a:p>
+          <a:p>
+            <a:pPr marL="971550" indent="-285750">
+              <a:buFont typeface="Arial" panose="020B0604020202020204" pitchFamily="34" charset="0"/>
+              <a:buChar char="•"/>
+            </a:pPr>
+            <a:r>
+              <a:rPr lang="en-US" sz="1400" dirty="0">
+                <a:solidFill>
+                  <a:srgbClr val="3333FF"/>
+                </a:solidFill>
+              </a:rPr>
+              <a:t>https://www.deviceplus.com/arduino/arduino-preprocessor-directives-tutorial/</a:t>
+            </a:r>
+            <a:endParaRPr lang="en-US" sz="1600" dirty="0">
+              <a:solidFill>
+                <a:srgbClr val="3333FF"/>
+              </a:solidFill>
+            </a:endParaRPr>
+          </a:p>
+          <a:p>
+            <a:r>
+              <a:rPr lang="en-US" sz="1600" dirty="0"/>
+              <a:t>Multi-Tasking on the Arduino:</a:t>
+            </a:r>
+          </a:p>
+          <a:p>
+            <a:pPr marL="974725" lvl="2" indent="-285750">
+              <a:buFont typeface="Arial" panose="020B0604020202020204" pitchFamily="34" charset="0"/>
+              <a:buChar char="•"/>
+            </a:pPr>
+            <a:r>
+              <a:rPr lang="en-US" sz="1400" dirty="0">
+                <a:solidFill>
+                  <a:srgbClr val="3333FF"/>
+                </a:solidFill>
+                <a:hlinkClick r:id="rId5">
+                  <a:extLst>
+                    <a:ext uri="{A12FA001-AC4F-418D-AE19-62706E023703}">
+                      <ahyp:hlinkClr xmlns:ahyp="http://schemas.microsoft.com/office/drawing/2018/hyperlinkcolor" val="tx"/>
+                    </a:ext>
+                  </a:extLst>
+                </a:hlinkClick>
+              </a:rPr>
+              <a:t>https://learn.adafruit.com/multi-tasking-the-arduino-part-1/overview</a:t>
+            </a:r>
+            <a:r>
+              <a:rPr lang="en-US" sz="1400" dirty="0">
+                <a:solidFill>
+                  <a:srgbClr val="3333FF"/>
+                </a:solidFill>
+              </a:rPr>
+              <a:t> </a:t>
+            </a:r>
+          </a:p>
+          <a:p>
+            <a:r>
+              <a:rPr lang="en-US" sz="1600" dirty="0"/>
+              <a:t>Conditional Evaluation (ternary operator):</a:t>
+            </a:r>
+          </a:p>
+          <a:p>
+            <a:pPr marL="971550" lvl="1" indent="-285750">
+              <a:buFont typeface="Arial" panose="020B0604020202020204" pitchFamily="34" charset="0"/>
+              <a:buChar char="•"/>
+            </a:pPr>
+            <a:r>
+              <a:rPr lang="en-US" sz="1400" dirty="0">
+                <a:solidFill>
+                  <a:srgbClr val="3333FF"/>
+                </a:solidFill>
+                <a:hlinkClick r:id="rId6">
+                  <a:extLst>
+                    <a:ext uri="{A12FA001-AC4F-418D-AE19-62706E023703}">
+                      <ahyp:hlinkClr xmlns:ahyp="http://schemas.microsoft.com/office/drawing/2018/hyperlinkcolor" val="tx"/>
+                    </a:ext>
+                  </a:extLst>
+                </a:hlinkClick>
+              </a:rPr>
+              <a:t>https://www.tutorialspoint.com/cplusplus/cpp_conditional_operator.htm</a:t>
+            </a:r>
+            <a:endParaRPr lang="en-US" sz="1400" dirty="0"/>
+          </a:p>
+          <a:p>
+            <a:r>
+              <a:rPr lang="en-US" sz="1600" dirty="0"/>
+              <a:t>Alternate explanations on the subject of  Classes:</a:t>
+            </a:r>
+          </a:p>
+          <a:p>
+            <a:pPr marL="971550" indent="-285750">
+              <a:buFont typeface="Arial" panose="020B0604020202020204" pitchFamily="34" charset="0"/>
+              <a:buChar char="•"/>
+            </a:pPr>
+            <a:r>
+              <a:rPr lang="en-US" sz="1400" dirty="0">
+                <a:hlinkClick r:id="rId7"/>
+              </a:rPr>
+              <a:t>https://www.guru99.com/cpp-classes-objects.html</a:t>
+            </a:r>
+            <a:endParaRPr lang="en-US" sz="1400" dirty="0"/>
+          </a:p>
+          <a:p>
+            <a:pPr marL="971550" indent="-285750">
+              <a:buFont typeface="Arial" panose="020B0604020202020204" pitchFamily="34" charset="0"/>
+              <a:buChar char="•"/>
+            </a:pPr>
+            <a:r>
+              <a:rPr lang="en-US" sz="1400" dirty="0">
+                <a:hlinkClick r:id="rId8"/>
+              </a:rPr>
+              <a:t>https://www.geeksforgeeks.org/c-classes-and-objects/</a:t>
+            </a:r>
+            <a:endParaRPr lang="en-US" sz="1400" dirty="0"/>
+          </a:p>
+          <a:p>
+            <a:pPr marL="971550" indent="-285750">
+              <a:buFont typeface="Arial" panose="020B0604020202020204" pitchFamily="34" charset="0"/>
+              <a:buChar char="•"/>
+            </a:pPr>
+            <a:r>
+              <a:rPr lang="en-US" sz="1400" dirty="0">
+                <a:hlinkClick r:id="rId9"/>
+              </a:rPr>
+              <a:t>http://paulmurraycbr.github.io/ArduinoTheOOWay.html</a:t>
+            </a:r>
+            <a:endParaRPr lang="en-US" sz="1400" dirty="0"/>
+          </a:p>
+          <a:p>
+            <a:r>
+              <a:rPr lang="en-US" sz="1600" dirty="0"/>
+              <a:t>Common Mistakes and How to Fix them:</a:t>
+            </a:r>
+          </a:p>
+          <a:p>
+            <a:pPr marL="971550" indent="-285750">
+              <a:buFont typeface="Arial" panose="020B0604020202020204" pitchFamily="34" charset="0"/>
+              <a:buChar char="•"/>
+            </a:pPr>
+            <a:r>
+              <a:rPr lang="en-US" sz="1400" dirty="0">
+                <a:hlinkClick r:id="rId10"/>
+              </a:rPr>
+              <a:t>https://www.acodersjourney.com/top-10-c-header-file-mistakes-and-how-to-fix-them/</a:t>
+            </a:r>
+            <a:endParaRPr lang="en-US" sz="1400" dirty="0"/>
+          </a:p>
+        </p:txBody>
+      </p:sp>
+      <p:pic>
+        <p:nvPicPr>
+          <p:cNvPr id="4" name="Picture 3">
+            <a:extLst>
+              <a:ext uri="{FF2B5EF4-FFF2-40B4-BE49-F238E27FC236}">
+                <a16:creationId xmlns:a16="http://schemas.microsoft.com/office/drawing/2014/main" id="{647A4B9F-DE7E-4A43-8005-7D11EB9274A2}"/>
+              </a:ext>
+            </a:extLst>
+          </p:cNvPr>
+          <p:cNvPicPr>
+            <a:picLocks noChangeAspect="1"/>
+          </p:cNvPicPr>
+          <p:nvPr/>
+        </p:nvPicPr>
+        <p:blipFill>
+          <a:blip r:embed="rId11" cstate="print">
+            <a:extLst>
+              <a:ext uri="{28A0092B-C50C-407E-A947-70E740481C1C}">
+                <a14:useLocalDpi xmlns:a14="http://schemas.microsoft.com/office/drawing/2010/main" val="0"/>
+              </a:ext>
+            </a:extLst>
+          </a:blip>
+          <a:stretch>
+            <a:fillRect/>
+          </a:stretch>
+        </p:blipFill>
+        <p:spPr>
+          <a:xfrm>
+            <a:off x="7848600" y="4583336"/>
+            <a:ext cx="1028700" cy="457771"/>
+          </a:xfrm>
+          <a:prstGeom prst="rect">
+            <a:avLst/>
+          </a:prstGeom>
+        </p:spPr>
+      </p:pic>
+    </p:spTree>
+    <p:extLst>
+      <p:ext uri="{BB962C8B-B14F-4D97-AF65-F5344CB8AC3E}">
+        <p14:creationId xmlns:p14="http://schemas.microsoft.com/office/powerpoint/2010/main" val="3444531127"/>
+      </p:ext>
+    </p:extLst>
+  </p:cSld>
+  <p:clrMapOvr>
+    <a:masterClrMapping/>
+  </p:clrMapOvr>
+</p:sld>
+</file>
+
+<file path=ppt/slides/slide41.xml><?xml version="1.0" encoding="utf-8"?>
 <p:sld xmlns:a="http://schemas.openxmlformats.org/drawingml/2006/main" xmlns:r="http://schemas.openxmlformats.org/officeDocument/2006/relationships" xmlns:p="http://schemas.openxmlformats.org/presentationml/2006/main">
   <p:cSld>
     <p:spTree>
@@ -35021,332 +39387,7 @@
 </p:sld>
 </file>
 
-<file path=ppt/slides/slide38.xml><?xml version="1.0" encoding="utf-8"?>
-<p:sld xmlns:a="http://schemas.openxmlformats.org/drawingml/2006/main" xmlns:r="http://schemas.openxmlformats.org/officeDocument/2006/relationships" xmlns:p="http://schemas.openxmlformats.org/presentationml/2006/main">
-  <p:cSld>
-    <p:spTree>
-      <p:nvGrpSpPr>
-        <p:cNvPr id="1" name=""/>
-        <p:cNvGrpSpPr/>
-        <p:nvPr/>
-      </p:nvGrpSpPr>
-      <p:grpSpPr>
-        <a:xfrm>
-          <a:off x="0" y="0"/>
-          <a:ext cx="0" cy="0"/>
-          <a:chOff x="0" y="0"/>
-          <a:chExt cx="0" cy="0"/>
-        </a:xfrm>
-      </p:grpSpPr>
-      <p:sp>
-        <p:nvSpPr>
-          <p:cNvPr id="2" name="TextBox 1">
-            <a:extLst>
-              <a:ext uri="{FF2B5EF4-FFF2-40B4-BE49-F238E27FC236}">
-                <a16:creationId xmlns:a16="http://schemas.microsoft.com/office/drawing/2014/main" id="{296F6C9F-FE06-42A7-A215-13D116D868D2}"/>
-              </a:ext>
-            </a:extLst>
-          </p:cNvPr>
-          <p:cNvSpPr txBox="1"/>
-          <p:nvPr/>
-        </p:nvSpPr>
-        <p:spPr>
-          <a:xfrm>
-            <a:off x="0" y="0"/>
-            <a:ext cx="7467600" cy="646331"/>
-          </a:xfrm>
-          <a:prstGeom prst="rect">
-            <a:avLst/>
-          </a:prstGeom>
-          <a:noFill/>
-        </p:spPr>
-        <p:txBody>
-          <a:bodyPr wrap="square" rtlCol="0">
-            <a:spAutoFit/>
-          </a:bodyPr>
-          <a:lstStyle/>
-          <a:p>
-            <a:r>
-              <a:rPr lang="en-US" sz="3600" dirty="0">
-                <a:solidFill>
-                  <a:schemeClr val="bg1"/>
-                </a:solidFill>
-              </a:rPr>
-              <a:t>References and Additional Material</a:t>
-            </a:r>
-          </a:p>
-        </p:txBody>
-      </p:sp>
-      <p:sp>
-        <p:nvSpPr>
-          <p:cNvPr id="3" name="TextBox 2">
-            <a:extLst>
-              <a:ext uri="{FF2B5EF4-FFF2-40B4-BE49-F238E27FC236}">
-                <a16:creationId xmlns:a16="http://schemas.microsoft.com/office/drawing/2014/main" id="{29B74366-6C02-4246-BB33-8688199CF3DC}"/>
-              </a:ext>
-            </a:extLst>
-          </p:cNvPr>
-          <p:cNvSpPr txBox="1"/>
-          <p:nvPr/>
-        </p:nvSpPr>
-        <p:spPr>
-          <a:xfrm>
-            <a:off x="266700" y="1200150"/>
-            <a:ext cx="8610600" cy="3508653"/>
-          </a:xfrm>
-          <a:prstGeom prst="rect">
-            <a:avLst/>
-          </a:prstGeom>
-          <a:noFill/>
-        </p:spPr>
-        <p:txBody>
-          <a:bodyPr wrap="square" rtlCol="0">
-            <a:spAutoFit/>
-          </a:bodyPr>
-          <a:lstStyle/>
-          <a:p>
-            <a:r>
-              <a:rPr lang="en-US" sz="1600" dirty="0"/>
-              <a:t>Binary numbers and types :</a:t>
-            </a:r>
-          </a:p>
-          <a:p>
-            <a:pPr marL="971550" indent="-285750">
-              <a:buFont typeface="Arial" panose="020B0604020202020204" pitchFamily="34" charset="0"/>
-              <a:buChar char="•"/>
-            </a:pPr>
-            <a:r>
-              <a:rPr lang="en-US" sz="1400" dirty="0">
-                <a:solidFill>
-                  <a:srgbClr val="0066FF"/>
-                </a:solidFill>
-                <a:hlinkClick r:id="rId3"/>
-              </a:rPr>
-              <a:t>https://learn.sparkfun.com/tutorials/data-types-in-arduino/all</a:t>
-            </a:r>
-            <a:endParaRPr lang="en-US" sz="1400" dirty="0">
-              <a:solidFill>
-                <a:srgbClr val="0066FF"/>
-              </a:solidFill>
-            </a:endParaRPr>
-          </a:p>
-          <a:p>
-            <a:pPr marL="971550" indent="-285750">
-              <a:buFont typeface="Arial" panose="020B0604020202020204" pitchFamily="34" charset="0"/>
-              <a:buChar char="•"/>
-            </a:pPr>
-            <a:r>
-              <a:rPr lang="en-US" sz="1400" dirty="0">
-                <a:hlinkClick r:id="rId4"/>
-              </a:rPr>
-              <a:t>http://users.ece.utexas.edu/~valvano/embed/chap3/chap3.htm</a:t>
-            </a:r>
-            <a:endParaRPr lang="en-US" sz="1400" dirty="0"/>
-          </a:p>
-          <a:p>
-            <a:r>
-              <a:rPr lang="en-US" sz="1600" dirty="0"/>
-              <a:t>Arduino Compiler / Preprocessor Directives</a:t>
-            </a:r>
-          </a:p>
-          <a:p>
-            <a:pPr marL="971550" indent="-285750">
-              <a:buFont typeface="Arial" panose="020B0604020202020204" pitchFamily="34" charset="0"/>
-              <a:buChar char="•"/>
-            </a:pPr>
-            <a:r>
-              <a:rPr lang="en-US" sz="1400" dirty="0">
-                <a:solidFill>
-                  <a:srgbClr val="3333FF"/>
-                </a:solidFill>
-              </a:rPr>
-              <a:t>https://www.deviceplus.com/arduino/arduino-preprocessor-directives-tutorial/</a:t>
-            </a:r>
-            <a:endParaRPr lang="en-US" sz="1600" dirty="0">
-              <a:solidFill>
-                <a:srgbClr val="3333FF"/>
-              </a:solidFill>
-            </a:endParaRPr>
-          </a:p>
-          <a:p>
-            <a:r>
-              <a:rPr lang="en-US" sz="1600" dirty="0"/>
-              <a:t>Multi-Tasking on the Arduino:</a:t>
-            </a:r>
-          </a:p>
-          <a:p>
-            <a:pPr marL="974725" lvl="2" indent="-285750">
-              <a:buFont typeface="Arial" panose="020B0604020202020204" pitchFamily="34" charset="0"/>
-              <a:buChar char="•"/>
-            </a:pPr>
-            <a:r>
-              <a:rPr lang="en-US" sz="1400" dirty="0">
-                <a:solidFill>
-                  <a:srgbClr val="3333FF"/>
-                </a:solidFill>
-                <a:hlinkClick r:id="rId5">
-                  <a:extLst>
-                    <a:ext uri="{A12FA001-AC4F-418D-AE19-62706E023703}">
-                      <ahyp:hlinkClr xmlns:ahyp="http://schemas.microsoft.com/office/drawing/2018/hyperlinkcolor" val="tx"/>
-                    </a:ext>
-                  </a:extLst>
-                </a:hlinkClick>
-              </a:rPr>
-              <a:t>https://learn.adafruit.com/multi-tasking-the-arduino-part-1/overview</a:t>
-            </a:r>
-            <a:r>
-              <a:rPr lang="en-US" sz="1400" dirty="0">
-                <a:solidFill>
-                  <a:srgbClr val="3333FF"/>
-                </a:solidFill>
-              </a:rPr>
-              <a:t> </a:t>
-            </a:r>
-          </a:p>
-          <a:p>
-            <a:r>
-              <a:rPr lang="en-US" sz="1600" dirty="0"/>
-              <a:t>Conditional Evaluation (ternary operator):</a:t>
-            </a:r>
-          </a:p>
-          <a:p>
-            <a:pPr marL="971550" lvl="1" indent="-285750">
-              <a:buFont typeface="Arial" panose="020B0604020202020204" pitchFamily="34" charset="0"/>
-              <a:buChar char="•"/>
-            </a:pPr>
-            <a:r>
-              <a:rPr lang="en-US" sz="1400" dirty="0">
-                <a:solidFill>
-                  <a:srgbClr val="3333FF"/>
-                </a:solidFill>
-                <a:hlinkClick r:id="rId6">
-                  <a:extLst>
-                    <a:ext uri="{A12FA001-AC4F-418D-AE19-62706E023703}">
-                      <ahyp:hlinkClr xmlns:ahyp="http://schemas.microsoft.com/office/drawing/2018/hyperlinkcolor" val="tx"/>
-                    </a:ext>
-                  </a:extLst>
-                </a:hlinkClick>
-              </a:rPr>
-              <a:t>https://www.tutorialspoint.com/cplusplus/cpp_conditional_operator.htm</a:t>
-            </a:r>
-            <a:endParaRPr lang="en-US" sz="1400" dirty="0"/>
-          </a:p>
-          <a:p>
-            <a:r>
-              <a:rPr lang="en-US" sz="1600" dirty="0"/>
-              <a:t>Alternate explanations on the subject of  Classes:</a:t>
-            </a:r>
-          </a:p>
-          <a:p>
-            <a:pPr marL="971550" indent="-285750">
-              <a:buFont typeface="Arial" panose="020B0604020202020204" pitchFamily="34" charset="0"/>
-              <a:buChar char="•"/>
-            </a:pPr>
-            <a:r>
-              <a:rPr lang="en-US" sz="1400" dirty="0">
-                <a:hlinkClick r:id="rId7"/>
-              </a:rPr>
-              <a:t>https://www.guru99.com/cpp-classes-objects.html</a:t>
-            </a:r>
-            <a:endParaRPr lang="en-US" sz="1400" dirty="0"/>
-          </a:p>
-          <a:p>
-            <a:pPr marL="971550" indent="-285750">
-              <a:buFont typeface="Arial" panose="020B0604020202020204" pitchFamily="34" charset="0"/>
-              <a:buChar char="•"/>
-            </a:pPr>
-            <a:r>
-              <a:rPr lang="en-US" sz="1400" dirty="0">
-                <a:hlinkClick r:id="rId8"/>
-              </a:rPr>
-              <a:t>https://www.geeksforgeeks.org/c-classes-and-objects/</a:t>
-            </a:r>
-            <a:endParaRPr lang="en-US" sz="1400" dirty="0"/>
-          </a:p>
-          <a:p>
-            <a:pPr marL="971550" indent="-285750">
-              <a:buFont typeface="Arial" panose="020B0604020202020204" pitchFamily="34" charset="0"/>
-              <a:buChar char="•"/>
-            </a:pPr>
-            <a:r>
-              <a:rPr lang="en-US" sz="1400" dirty="0">
-                <a:hlinkClick r:id="rId9"/>
-              </a:rPr>
-              <a:t>http://paulmurraycbr.github.io/ArduinoTheOOWay.html</a:t>
-            </a:r>
-            <a:endParaRPr lang="en-US" sz="1400" dirty="0"/>
-          </a:p>
-          <a:p>
-            <a:r>
-              <a:rPr lang="en-US" sz="1600" dirty="0"/>
-              <a:t>Common Mistakes and How to Fix them:</a:t>
-            </a:r>
-          </a:p>
-          <a:p>
-            <a:pPr marL="971550" indent="-285750">
-              <a:buFont typeface="Arial" panose="020B0604020202020204" pitchFamily="34" charset="0"/>
-              <a:buChar char="•"/>
-            </a:pPr>
-            <a:r>
-              <a:rPr lang="en-US" sz="1400" dirty="0">
-                <a:hlinkClick r:id="rId10"/>
-              </a:rPr>
-              <a:t>https://www.acodersjourney.com/top-10-c-header-file-mistakes-and-how-to-fix-them/</a:t>
-            </a:r>
-            <a:endParaRPr lang="en-US" sz="1400" dirty="0"/>
-          </a:p>
-        </p:txBody>
-      </p:sp>
-      <p:pic>
-        <p:nvPicPr>
-          <p:cNvPr id="4" name="Picture 3">
-            <a:extLst>
-              <a:ext uri="{FF2B5EF4-FFF2-40B4-BE49-F238E27FC236}">
-                <a16:creationId xmlns:a16="http://schemas.microsoft.com/office/drawing/2014/main" id="{647A4B9F-DE7E-4A43-8005-7D11EB9274A2}"/>
-              </a:ext>
-            </a:extLst>
-          </p:cNvPr>
-          <p:cNvPicPr>
-            <a:picLocks noChangeAspect="1"/>
-          </p:cNvPicPr>
-          <p:nvPr/>
-        </p:nvPicPr>
-        <p:blipFill>
-          <a:blip r:embed="rId11" cstate="print">
-            <a:extLst>
-              <a:ext uri="{28A0092B-C50C-407E-A947-70E740481C1C}">
-                <a14:useLocalDpi xmlns:a14="http://schemas.microsoft.com/office/drawing/2010/main" val="0"/>
-              </a:ext>
-            </a:extLst>
-          </a:blip>
-          <a:stretch>
-            <a:fillRect/>
-          </a:stretch>
-        </p:blipFill>
-        <p:spPr>
-          <a:xfrm>
-            <a:off x="7848600" y="4583336"/>
-            <a:ext cx="1028700" cy="457771"/>
-          </a:xfrm>
-          <a:prstGeom prst="rect">
-            <a:avLst/>
-          </a:prstGeom>
-        </p:spPr>
-      </p:pic>
-    </p:spTree>
-    <p:extLst>
-      <p:ext uri="{BB962C8B-B14F-4D97-AF65-F5344CB8AC3E}">
-        <p14:creationId xmlns:p14="http://schemas.microsoft.com/office/powerpoint/2010/main" val="3444531127"/>
-      </p:ext>
-    </p:extLst>
-  </p:cSld>
-  <p:clrMapOvr>
-    <a:masterClrMapping/>
-  </p:clrMapOvr>
-</p:sld>
-</file>
-
-<file path=ppt/slides/slide39.xml><?xml version="1.0" encoding="utf-8"?>
+<file path=ppt/slides/slide42.xml><?xml version="1.0" encoding="utf-8"?>
 <p:sld xmlns:a="http://schemas.openxmlformats.org/drawingml/2006/main" xmlns:r="http://schemas.openxmlformats.org/officeDocument/2006/relationships" xmlns:p="http://schemas.openxmlformats.org/presentationml/2006/main">
   <p:cSld>
     <p:spTree>
@@ -35507,222 +39548,7 @@
 </p:sld>
 </file>
 
-<file path=ppt/slides/slide4.xml><?xml version="1.0" encoding="utf-8"?>
-<p:sld xmlns:a="http://schemas.openxmlformats.org/drawingml/2006/main" xmlns:r="http://schemas.openxmlformats.org/officeDocument/2006/relationships" xmlns:p="http://schemas.openxmlformats.org/presentationml/2006/main">
-  <p:cSld>
-    <p:spTree>
-      <p:nvGrpSpPr>
-        <p:cNvPr id="1" name=""/>
-        <p:cNvGrpSpPr/>
-        <p:nvPr/>
-      </p:nvGrpSpPr>
-      <p:grpSpPr>
-        <a:xfrm>
-          <a:off x="0" y="0"/>
-          <a:ext cx="0" cy="0"/>
-          <a:chOff x="0" y="0"/>
-          <a:chExt cx="0" cy="0"/>
-        </a:xfrm>
-      </p:grpSpPr>
-      <p:sp>
-        <p:nvSpPr>
-          <p:cNvPr id="2" name="Title 1"/>
-          <p:cNvSpPr>
-            <a:spLocks noGrp="1"/>
-          </p:cNvSpPr>
-          <p:nvPr>
-            <p:ph type="title"/>
-          </p:nvPr>
-        </p:nvSpPr>
-        <p:spPr/>
-        <p:txBody>
-          <a:bodyPr>
-            <a:normAutofit/>
-          </a:bodyPr>
-          <a:lstStyle/>
-          <a:p>
-            <a:r>
-              <a:rPr lang="en-US" dirty="0"/>
-              <a:t>Agenda</a:t>
-            </a:r>
-          </a:p>
-        </p:txBody>
-      </p:sp>
-      <p:sp>
-        <p:nvSpPr>
-          <p:cNvPr id="3" name="Content Placeholder 2"/>
-          <p:cNvSpPr>
-            <a:spLocks noGrp="1"/>
-          </p:cNvSpPr>
-          <p:nvPr>
-            <p:ph idx="1"/>
-          </p:nvPr>
-        </p:nvSpPr>
-        <p:spPr/>
-        <p:txBody>
-          <a:bodyPr>
-            <a:normAutofit fontScale="92500" lnSpcReduction="20000"/>
-          </a:bodyPr>
-          <a:lstStyle/>
-          <a:p>
-            <a:pPr marL="514350" indent="-514350">
-              <a:buFont typeface="+mj-lt"/>
-              <a:buAutoNum type="arabicPeriod"/>
-            </a:pPr>
-            <a:r>
-              <a:rPr lang="en-US" dirty="0">
-                <a:hlinkClick r:id="rId3" action="ppaction://hlinksldjump"/>
-              </a:rPr>
-              <a:t>Recap from Part 1</a:t>
-            </a:r>
-          </a:p>
-          <a:p>
-            <a:pPr marL="514350" indent="-514350">
-              <a:buFont typeface="+mj-lt"/>
-              <a:buAutoNum type="arabicPeriod"/>
-            </a:pPr>
-            <a:r>
-              <a:rPr lang="en-US" dirty="0">
-                <a:hlinkClick r:id="rId4" action="ppaction://hlinksldjump"/>
-              </a:rPr>
-              <a:t>The all in One Approach</a:t>
-            </a:r>
-            <a:endParaRPr lang="en-US" dirty="0">
-              <a:hlinkClick r:id="rId3" action="ppaction://hlinksldjump"/>
-            </a:endParaRPr>
-          </a:p>
-          <a:p>
-            <a:pPr marL="514350" indent="-514350">
-              <a:buFont typeface="+mj-lt"/>
-              <a:buAutoNum type="arabicPeriod"/>
-            </a:pPr>
-            <a:r>
-              <a:rPr lang="en-US" dirty="0">
-                <a:hlinkClick r:id="rId5" action="ppaction://hlinksldjump"/>
-              </a:rPr>
-              <a:t>Moving Forward</a:t>
-            </a:r>
-            <a:endParaRPr lang="en-US" dirty="0"/>
-          </a:p>
-          <a:p>
-            <a:pPr marL="514350" indent="-514350">
-              <a:buFont typeface="+mj-lt"/>
-              <a:buAutoNum type="arabicPeriod"/>
-            </a:pPr>
-            <a:r>
-              <a:rPr lang="en-US" dirty="0">
-                <a:hlinkClick r:id="rId6" action="ppaction://hlinksldjump"/>
-              </a:rPr>
-              <a:t>Detour =&gt; Organizing Files</a:t>
-            </a:r>
-            <a:endParaRPr lang="en-US" dirty="0">
-              <a:hlinkClick r:id="rId5" action="ppaction://hlinksldjump"/>
-            </a:endParaRPr>
-          </a:p>
-          <a:p>
-            <a:pPr marL="514350" indent="-514350">
-              <a:buFont typeface="+mj-lt"/>
-              <a:buAutoNum type="arabicPeriod"/>
-            </a:pPr>
-            <a:r>
-              <a:rPr lang="en-US" dirty="0">
-                <a:hlinkClick r:id="rId7" action="ppaction://hlinksldjump"/>
-              </a:rPr>
-              <a:t>Inspecting the Led2 Class in Detail</a:t>
-            </a:r>
-            <a:endParaRPr lang="en-US" dirty="0"/>
-          </a:p>
-          <a:p>
-            <a:pPr marL="514350" indent="-514350">
-              <a:buFont typeface="+mj-lt"/>
-              <a:buAutoNum type="arabicPeriod"/>
-            </a:pPr>
-            <a:r>
-              <a:rPr lang="en-US" dirty="0">
-                <a:hlinkClick r:id="rId8" action="ppaction://hlinksldjump"/>
-              </a:rPr>
-              <a:t>Live Demo</a:t>
-            </a:r>
-            <a:endParaRPr lang="en-US" dirty="0"/>
-          </a:p>
-          <a:p>
-            <a:pPr marL="514350" indent="-514350">
-              <a:buFont typeface="+mj-lt"/>
-              <a:buAutoNum type="arabicPeriod"/>
-            </a:pPr>
-            <a:r>
-              <a:rPr lang="en-US" dirty="0">
-                <a:hlinkClick r:id="rId9" action="ppaction://hlinksldjump"/>
-              </a:rPr>
-              <a:t>Questions</a:t>
-            </a:r>
-            <a:endParaRPr lang="en-US" dirty="0"/>
-          </a:p>
-          <a:p>
-            <a:pPr marL="514350" indent="-514350">
-              <a:buFont typeface="+mj-lt"/>
-              <a:buAutoNum type="arabicPeriod"/>
-            </a:pPr>
-            <a:r>
-              <a:rPr lang="en-US" dirty="0">
-                <a:hlinkClick r:id="rId10" action="ppaction://hlinksldjump"/>
-              </a:rPr>
-              <a:t>Backup Material</a:t>
-            </a:r>
-            <a:endParaRPr lang="en-US" dirty="0"/>
-          </a:p>
-        </p:txBody>
-      </p:sp>
-      <p:pic>
-        <p:nvPicPr>
-          <p:cNvPr id="4" name="Picture 3">
-            <a:extLst>
-              <a:ext uri="{FF2B5EF4-FFF2-40B4-BE49-F238E27FC236}">
-                <a16:creationId xmlns:a16="http://schemas.microsoft.com/office/drawing/2014/main" id="{8CBCA567-7F2C-4256-9D8B-A87EC4D25AAB}"/>
-              </a:ext>
-            </a:extLst>
-          </p:cNvPr>
-          <p:cNvPicPr>
-            <a:picLocks noChangeAspect="1"/>
-          </p:cNvPicPr>
-          <p:nvPr/>
-        </p:nvPicPr>
-        <p:blipFill>
-          <a:blip r:embed="rId11" cstate="print">
-            <a:extLst>
-              <a:ext uri="{28A0092B-C50C-407E-A947-70E740481C1C}">
-                <a14:useLocalDpi xmlns:a14="http://schemas.microsoft.com/office/drawing/2010/main" val="0"/>
-              </a:ext>
-            </a:extLst>
-          </a:blip>
-          <a:stretch>
-            <a:fillRect/>
-          </a:stretch>
-        </p:blipFill>
-        <p:spPr>
-          <a:xfrm>
-            <a:off x="7848600" y="4583336"/>
-            <a:ext cx="1028700" cy="457771"/>
-          </a:xfrm>
-          <a:prstGeom prst="rect">
-            <a:avLst/>
-          </a:prstGeom>
-        </p:spPr>
-      </p:pic>
-    </p:spTree>
-    <p:extLst>
-      <p:ext uri="{BB962C8B-B14F-4D97-AF65-F5344CB8AC3E}">
-        <p14:creationId xmlns:p14="http://schemas.microsoft.com/office/powerpoint/2010/main" val="2885712498"/>
-      </p:ext>
-    </p:extLst>
-  </p:cSld>
-  <p:clrMapOvr>
-    <a:masterClrMapping/>
-  </p:clrMapOvr>
-</p:sld>
-</file>
-
-<file path=ppt/slides/slide40.xml><?xml version="1.0" encoding="utf-8"?>
+<file path=ppt/slides/slide43.xml><?xml version="1.0" encoding="utf-8"?>
 <p:sld xmlns:a="http://schemas.openxmlformats.org/drawingml/2006/main" xmlns:r="http://schemas.openxmlformats.org/officeDocument/2006/relationships" xmlns:p="http://schemas.openxmlformats.org/presentationml/2006/main">
   <p:cSld>
     <p:spTree>
@@ -36907,7 +40733,7 @@
           <a:p>
             <a:r>
               <a:rPr lang="en-US" sz="1800" b="0" dirty="0"/>
-              <a:t>We looked at some code fragments to hopefully get a good feel for what is going on inside the shoebox. The constructor function creates our objects. Other member functions allow us to interact with that object.</a:t>
+              <a:t>We looked at some code fragments to hopefully get a feel for what is going on inside the shoebox. The constructor function creates our objects. Other member functions allow us to interact with that object.</a:t>
             </a:r>
           </a:p>
         </p:txBody>
@@ -37000,7 +40826,15 @@
             </a:r>
             <a:r>
               <a:rPr lang="en-US" dirty="0"/>
-              <a:t> functions). I used the analogy to a shoebox frequently. Some things are hidden inside the box, but some other things are visible on the outside. To just use a class you do not need to know the insides.</a:t>
+              <a:t> functions). I used the analogy to a shoebox frequently. Some things are hidden inside the box, but some other things are visible on the outside. To just </a:t>
+            </a:r>
+            <a:r>
+              <a:rPr lang="en-US" b="1" dirty="0"/>
+              <a:t>use</a:t>
+            </a:r>
+            <a:r>
+              <a:rPr lang="en-US" dirty="0"/>
+              <a:t> a class you do not need to know the insides.</a:t>
             </a:r>
           </a:p>
         </p:txBody>
@@ -38815,7 +42649,7 @@
           <a:p>
             <a:r>
               <a:rPr lang="en-US" dirty="0"/>
-              <a:t>Typical File Arrangement</a:t>
+              <a:t>A Typical File Arrangement</a:t>
             </a:r>
           </a:p>
         </p:txBody>

--- a/Introduction to Class Programming Part 2.pptx
+++ b/Introduction to Class Programming Part 2.pptx
@@ -251,7 +251,7 @@
           <a:p>
             <a:fld id="{C8D18E60-4300-4729-A0D7-6AB984C3922D}" type="datetimeFigureOut">
               <a:rPr lang="en-US" smtClean="0"/>
-              <a:t>1/22/2022</a:t>
+              <a:t>1/25/2022</a:t>
             </a:fld>
             <a:endParaRPr lang="en-US"/>
           </a:p>
@@ -872,13 +872,15 @@
           <a:p>
             <a:r>
               <a:rPr lang="en-US" dirty="0"/>
-              <a:t>The grey box shows one line from the header file – the line is called a prototype for the indicated function. </a:t>
-            </a:r>
-          </a:p>
-          <a:p>
+              <a:t>The grey box shows one line from the header file – this line is a prototype for </a:t>
+            </a:r>
+            <a:r>
+              <a:rPr lang="en-US" dirty="0" err="1"/>
+              <a:t>onTime</a:t>
+            </a:r>
             <a:r>
               <a:rPr lang="en-US" dirty="0"/>
-              <a:t>Notice – NO curly braces, ends in a semi colon.</a:t>
+              <a:t>(). </a:t>
             </a:r>
           </a:p>
           <a:p>
@@ -892,6 +894,56 @@
               <a:rPr lang="en-US" dirty="0"/>
               <a:t>It is the # of variables the order, and their types that are important. (the signature)</a:t>
             </a:r>
+          </a:p>
+          <a:p>
+            <a:pPr marL="0" marR="0" lvl="0" indent="0" algn="l" defTabSz="914400" rtl="0" eaLnBrk="1" fontAlgn="auto" latinLnBrk="0" hangingPunct="1">
+              <a:lnSpc>
+                <a:spcPct val="100000"/>
+              </a:lnSpc>
+              <a:spcBef>
+                <a:spcPts val="0"/>
+              </a:spcBef>
+              <a:spcAft>
+                <a:spcPts val="0"/>
+              </a:spcAft>
+              <a:buClrTx/>
+              <a:buSzTx/>
+              <a:buFontTx/>
+              <a:buNone/>
+              <a:tabLst/>
+              <a:defRPr/>
+            </a:pPr>
+            <a:endParaRPr lang="en-US" b="1" dirty="0"/>
+          </a:p>
+          <a:p>
+            <a:pPr marL="0" marR="0" lvl="0" indent="0" algn="l" defTabSz="914400" rtl="0" eaLnBrk="1" fontAlgn="auto" latinLnBrk="0" hangingPunct="1">
+              <a:lnSpc>
+                <a:spcPct val="100000"/>
+              </a:lnSpc>
+              <a:spcBef>
+                <a:spcPts val="0"/>
+              </a:spcBef>
+              <a:spcAft>
+                <a:spcPts val="0"/>
+              </a:spcAft>
+              <a:buClrTx/>
+              <a:buSzTx/>
+              <a:buFontTx/>
+              <a:buNone/>
+              <a:tabLst/>
+              <a:defRPr/>
+            </a:pPr>
+            <a:r>
+              <a:rPr lang="en-US" b="1" dirty="0"/>
+              <a:t>Notice</a:t>
+            </a:r>
+            <a:r>
+              <a:rPr lang="en-US" dirty="0"/>
+              <a:t> – NO curly braces, ends in a semi colon.</a:t>
+            </a:r>
+          </a:p>
+          <a:p>
+            <a:endParaRPr lang="en-US" dirty="0"/>
           </a:p>
         </p:txBody>
       </p:sp>
@@ -1292,7 +1344,7 @@
           <a:p>
             <a:r>
               <a:rPr lang="en-US" dirty="0"/>
-              <a:t>The grey box is showing the code that implements the </a:t>
+              <a:t>Now the grey box is showing the code that implements the </a:t>
             </a:r>
             <a:r>
               <a:rPr lang="en-US" dirty="0" err="1"/>
@@ -1300,7 +1352,7 @@
             </a:r>
             <a:r>
               <a:rPr lang="en-US" dirty="0"/>
-              <a:t> function.</a:t>
+              <a:t>() function.</a:t>
             </a:r>
           </a:p>
           <a:p>
@@ -1311,14 +1363,33 @@
           </a:p>
           <a:p>
             <a:r>
+              <a:rPr lang="en-US" b="1" dirty="0"/>
+              <a:t>Note:  </a:t>
+            </a:r>
+            <a:r>
+              <a:rPr lang="en-US" b="0" dirty="0"/>
+              <a:t>The implementation has curly brackets (prototype </a:t>
+            </a:r>
+            <a:r>
               <a:rPr lang="en-US" dirty="0"/>
-              <a:t>Note:  curly brackets (prototype did not have any)</a:t>
-            </a:r>
+              <a:t>did not have any)</a:t>
+            </a:r>
+          </a:p>
+          <a:p>
+            <a:endParaRPr lang="en-US" dirty="0"/>
           </a:p>
           <a:p>
             <a:r>
               <a:rPr lang="en-US" dirty="0"/>
-              <a:t>The actual name of the passed variable is of course NOT ignored here .. Since your function code likely will be using it.</a:t>
+              <a:t>The actual name of the passed variable is of course </a:t>
+            </a:r>
+            <a:r>
+              <a:rPr lang="en-US" b="1" dirty="0"/>
+              <a:t>NOT</a:t>
+            </a:r>
+            <a:r>
+              <a:rPr lang="en-US" dirty="0"/>
+              <a:t> ignored here .. Since your function code likely will be using it.</a:t>
             </a:r>
           </a:p>
           <a:p>
@@ -3085,6 +3156,52 @@
             </a:r>
           </a:p>
           <a:p>
+            <a:pPr marL="0" marR="0" lvl="0" indent="0" algn="l" defTabSz="914400" rtl="0" eaLnBrk="1" fontAlgn="auto" latinLnBrk="0" hangingPunct="1">
+              <a:lnSpc>
+                <a:spcPct val="100000"/>
+              </a:lnSpc>
+              <a:spcBef>
+                <a:spcPts val="0"/>
+              </a:spcBef>
+              <a:spcAft>
+                <a:spcPts val="0"/>
+              </a:spcAft>
+              <a:buClrTx/>
+              <a:buSzTx/>
+              <a:buFontTx/>
+              <a:buNone/>
+              <a:tabLst/>
+              <a:defRPr/>
+            </a:pPr>
+            <a:r>
+              <a:rPr lang="en-US" dirty="0"/>
+              <a:t>Note: functions with same name but different signatures.</a:t>
+            </a:r>
+          </a:p>
+          <a:p>
+            <a:pPr marL="0" marR="0" lvl="0" indent="0" algn="l" defTabSz="914400" rtl="0" eaLnBrk="1" fontAlgn="auto" latinLnBrk="0" hangingPunct="1">
+              <a:lnSpc>
+                <a:spcPct val="100000"/>
+              </a:lnSpc>
+              <a:spcBef>
+                <a:spcPts val="0"/>
+              </a:spcBef>
+              <a:spcAft>
+                <a:spcPts val="0"/>
+              </a:spcAft>
+              <a:buClrTx/>
+              <a:buSzTx/>
+              <a:buFontTx/>
+              <a:buNone/>
+              <a:tabLst/>
+              <a:defRPr/>
+            </a:pPr>
+            <a:r>
+              <a:rPr lang="en-US" dirty="0"/>
+              <a:t>One for writing a property (set its value), other for reading the property back (get its value).</a:t>
+            </a:r>
+          </a:p>
+          <a:p>
             <a:endParaRPr lang="en-US" dirty="0"/>
           </a:p>
         </p:txBody>
@@ -3793,6 +3910,27 @@
                 <a:latin typeface="Courier New" panose="02070309020205020404" pitchFamily="49" charset="0"/>
                 <a:cs typeface="Courier New" panose="02070309020205020404" pitchFamily="49" charset="0"/>
               </a:rPr>
+              <a:t>Enumeration – behind the scenes stored as a number, but in the sketch we use the words as given.</a:t>
+            </a:r>
+          </a:p>
+          <a:p>
+            <a:endParaRPr lang="en-US" sz="1200" dirty="0">
+              <a:solidFill>
+                <a:srgbClr val="3333FF"/>
+              </a:solidFill>
+              <a:latin typeface="Courier New" panose="02070309020205020404" pitchFamily="49" charset="0"/>
+              <a:cs typeface="Courier New" panose="02070309020205020404" pitchFamily="49" charset="0"/>
+            </a:endParaRPr>
+          </a:p>
+          <a:p>
+            <a:r>
+              <a:rPr lang="en-US" sz="1200" dirty="0">
+                <a:solidFill>
+                  <a:srgbClr val="3333FF"/>
+                </a:solidFill>
+                <a:latin typeface="Courier New" panose="02070309020205020404" pitchFamily="49" charset="0"/>
+                <a:cs typeface="Courier New" panose="02070309020205020404" pitchFamily="49" charset="0"/>
+              </a:rPr>
               <a:t>Normal – call on and off for led operation</a:t>
             </a:r>
           </a:p>
@@ -4594,15 +4732,43 @@
             </a:r>
           </a:p>
           <a:p>
+            <a:pPr marL="171450" indent="-171450">
+              <a:buFontTx/>
+              <a:buChar char="-"/>
+            </a:pPr>
             <a:r>
               <a:rPr lang="en-US" dirty="0"/>
-              <a:t>- In the first part we  develop the general concepts  … look at some code fragments to understand how they work … but not in great depth.</a:t>
-            </a:r>
-          </a:p>
-          <a:p>
+              <a:t>In the first part I introduced vocabulary, and develop the general concepts</a:t>
+            </a:r>
+          </a:p>
+          <a:p>
+            <a:pPr marL="171450" indent="-171450">
+              <a:buFontTx/>
+              <a:buChar char="-"/>
+            </a:pPr>
             <a:r>
               <a:rPr lang="en-US" dirty="0"/>
-              <a:t>- In todays second part we will go through a complete example … with some live demonstration of class programming.  </a:t>
+              <a:t>We looked at some code fragments to understand how they work … but did not look at everything.</a:t>
+            </a:r>
+          </a:p>
+          <a:p>
+            <a:pPr marL="171450" indent="-171450">
+              <a:buFontTx/>
+              <a:buChar char="-"/>
+            </a:pPr>
+            <a:r>
+              <a:rPr lang="en-US" dirty="0"/>
+              <a:t>In todays second part we will go through a complete example … with some live demonstration of class programming.  </a:t>
+            </a:r>
+          </a:p>
+          <a:p>
+            <a:pPr marL="171450" indent="-171450">
+              <a:buFontTx/>
+              <a:buChar char="-"/>
+            </a:pPr>
+            <a:r>
+              <a:rPr lang="en-US" dirty="0"/>
+              <a:t>Some winking back and forth (two webcams in use) + some screen sharing.</a:t>
             </a:r>
           </a:p>
           <a:p>
@@ -5068,6 +5234,26 @@
             </a:pPr>
             <a:r>
               <a:rPr lang="en-US" dirty="0"/>
+              <a:t>Notice the sketch and CPP both ‘include’ the header. </a:t>
+            </a:r>
+          </a:p>
+          <a:p>
+            <a:pPr marL="171450" indent="-171450">
+              <a:buFontTx/>
+              <a:buChar char="-"/>
+            </a:pPr>
+            <a:r>
+              <a:rPr lang="en-US" dirty="0"/>
+              <a:t>This is so the compiler know what functions are implemented in the CPP and wont complain when you use them.</a:t>
+            </a:r>
+          </a:p>
+          <a:p>
+            <a:pPr marL="171450" indent="-171450">
+              <a:buFontTx/>
+              <a:buChar char="-"/>
+            </a:pPr>
+            <a:r>
+              <a:rPr lang="en-US" dirty="0"/>
               <a:t>The CPP file – is also called an implementation file – it has the code that implements the functions that we need </a:t>
             </a:r>
           </a:p>
@@ -5291,7 +5477,7 @@
             </a:pPr>
             <a:r>
               <a:rPr lang="en-US" dirty="0"/>
-              <a:t>Point out private and public sections, a private function </a:t>
+              <a:t>Point out private and public sections, order is not important.  There is a private function </a:t>
             </a:r>
             <a:r>
               <a:rPr lang="en-US" dirty="0" err="1"/>
@@ -5672,7 +5858,7 @@
             <a:fld id="{53074F12-AA26-4AC8-9962-C36BB8F32554}" type="datetimeFigureOut">
               <a:rPr lang="en-US" smtClean="0"/>
               <a:pPr/>
-              <a:t>1/22/2022</a:t>
+              <a:t>1/25/2022</a:t>
             </a:fld>
             <a:endParaRPr lang="en-US"/>
           </a:p>
@@ -5929,7 +6115,7 @@
             <a:fld id="{53074F12-AA26-4AC8-9962-C36BB8F32554}" type="datetimeFigureOut">
               <a:rPr lang="en-US" smtClean="0"/>
               <a:pPr/>
-              <a:t>1/22/2022</a:t>
+              <a:t>1/25/2022</a:t>
             </a:fld>
             <a:endParaRPr lang="en-US"/>
           </a:p>
@@ -6099,7 +6285,7 @@
             <a:fld id="{53074F12-AA26-4AC8-9962-C36BB8F32554}" type="datetimeFigureOut">
               <a:rPr lang="en-US" smtClean="0"/>
               <a:pPr/>
-              <a:t>1/22/2022</a:t>
+              <a:t>1/25/2022</a:t>
             </a:fld>
             <a:endParaRPr lang="en-US"/>
           </a:p>
@@ -6279,7 +6465,7 @@
             <a:fld id="{53074F12-AA26-4AC8-9962-C36BB8F32554}" type="datetimeFigureOut">
               <a:rPr lang="en-US" smtClean="0"/>
               <a:pPr/>
-              <a:t>1/22/2022</a:t>
+              <a:t>1/25/2022</a:t>
             </a:fld>
             <a:endParaRPr lang="en-US"/>
           </a:p>
@@ -8203,7 +8389,7 @@
             <a:fld id="{53074F12-AA26-4AC8-9962-C36BB8F32554}" type="datetimeFigureOut">
               <a:rPr lang="en-US" smtClean="0"/>
               <a:pPr/>
-              <a:t>1/22/2022</a:t>
+              <a:t>1/25/2022</a:t>
             </a:fld>
             <a:endParaRPr lang="en-US"/>
           </a:p>
@@ -9502,7 +9688,7 @@
             <a:fld id="{53074F12-AA26-4AC8-9962-C36BB8F32554}" type="datetimeFigureOut">
               <a:rPr lang="en-US" smtClean="0"/>
               <a:pPr/>
-              <a:t>1/22/2022</a:t>
+              <a:t>1/25/2022</a:t>
             </a:fld>
             <a:endParaRPr lang="en-US"/>
           </a:p>
@@ -9749,7 +9935,7 @@
             <a:fld id="{53074F12-AA26-4AC8-9962-C36BB8F32554}" type="datetimeFigureOut">
               <a:rPr lang="en-US" smtClean="0"/>
               <a:pPr/>
-              <a:t>1/22/2022</a:t>
+              <a:t>1/25/2022</a:t>
             </a:fld>
             <a:endParaRPr lang="en-US"/>
           </a:p>
@@ -10036,7 +10222,7 @@
             <a:fld id="{53074F12-AA26-4AC8-9962-C36BB8F32554}" type="datetimeFigureOut">
               <a:rPr lang="en-US" smtClean="0"/>
               <a:pPr/>
-              <a:t>1/22/2022</a:t>
+              <a:t>1/25/2022</a:t>
             </a:fld>
             <a:endParaRPr lang="en-US"/>
           </a:p>
@@ -10526,7 +10712,7 @@
             <a:fld id="{53074F12-AA26-4AC8-9962-C36BB8F32554}" type="datetimeFigureOut">
               <a:rPr lang="en-US" smtClean="0"/>
               <a:pPr/>
-              <a:t>1/22/2022</a:t>
+              <a:t>1/25/2022</a:t>
             </a:fld>
             <a:endParaRPr lang="en-US"/>
           </a:p>
@@ -10645,7 +10831,7 @@
             <a:fld id="{53074F12-AA26-4AC8-9962-C36BB8F32554}" type="datetimeFigureOut">
               <a:rPr lang="en-US" smtClean="0"/>
               <a:pPr/>
-              <a:t>1/22/2022</a:t>
+              <a:t>1/25/2022</a:t>
             </a:fld>
             <a:endParaRPr lang="en-US"/>
           </a:p>
@@ -10742,7 +10928,7 @@
             <a:fld id="{53074F12-AA26-4AC8-9962-C36BB8F32554}" type="datetimeFigureOut">
               <a:rPr lang="en-US" smtClean="0"/>
               <a:pPr/>
-              <a:t>1/22/2022</a:t>
+              <a:t>1/25/2022</a:t>
             </a:fld>
             <a:endParaRPr lang="en-US"/>
           </a:p>
@@ -11019,7 +11205,7 @@
             <a:fld id="{53074F12-AA26-4AC8-9962-C36BB8F32554}" type="datetimeFigureOut">
               <a:rPr lang="en-US" smtClean="0"/>
               <a:pPr/>
-              <a:t>1/22/2022</a:t>
+              <a:t>1/25/2022</a:t>
             </a:fld>
             <a:endParaRPr lang="en-US"/>
           </a:p>
@@ -11241,7 +11427,7 @@
             <a:fld id="{53074F12-AA26-4AC8-9962-C36BB8F32554}" type="datetimeFigureOut">
               <a:rPr lang="en-US" smtClean="0"/>
               <a:pPr/>
-              <a:t>1/22/2022</a:t>
+              <a:t>1/25/2022</a:t>
             </a:fld>
             <a:endParaRPr lang="en-US"/>
           </a:p>
@@ -13253,9 +13439,9 @@
         <p:grpSpPr>
           <a:xfrm>
             <a:off x="5329646" y="740500"/>
-            <a:ext cx="1678577" cy="3662499"/>
+            <a:ext cx="2053046" cy="3662499"/>
             <a:chOff x="6021977" y="1662249"/>
-            <a:chExt cx="1678577" cy="2590800"/>
+            <a:chExt cx="2053046" cy="2590800"/>
           </a:xfrm>
         </p:grpSpPr>
         <p:sp>
@@ -13325,8 +13511,8 @@
           </p:nvSpPr>
           <p:spPr>
             <a:xfrm>
-              <a:off x="6559731" y="2988258"/>
-              <a:ext cx="1140823" cy="457205"/>
+              <a:off x="6469029" y="3047266"/>
+              <a:ext cx="1605994" cy="457205"/>
             </a:xfrm>
             <a:prstGeom prst="rect">
               <a:avLst/>
@@ -13350,7 +13536,7 @@
                     <a:srgbClr val="3333FF"/>
                   </a:solidFill>
                 </a:rPr>
-                <a:t>A single .INO file</a:t>
+                <a:t>A single sketch (*.INO file)</a:t>
               </a:r>
             </a:p>
           </p:txBody>
@@ -13387,7 +13573,7 @@
                             </p:stCondLst>
                             <p:childTnLst>
                               <p:par>
-                                <p:cTn id="5" presetID="42" presetClass="entr" presetSubtype="0" fill="hold" grpId="0" nodeType="clickEffect">
+                                <p:cTn id="5" presetID="10" presetClass="entr" presetSubtype="0" fill="hold" nodeType="clickEffect">
                                   <p:stCondLst>
                                     <p:cond delay="0"/>
                                   </p:stCondLst>
@@ -13395,6 +13581,59 @@
                                     <p:set>
                                       <p:cBhvr>
                                         <p:cTn id="6" dur="1" fill="hold">
+                                          <p:stCondLst>
+                                            <p:cond delay="0"/>
+                                          </p:stCondLst>
+                                        </p:cTn>
+                                        <p:tgtEl>
+                                          <p:spTgt spid="8"/>
+                                        </p:tgtEl>
+                                        <p:attrNameLst>
+                                          <p:attrName>style.visibility</p:attrName>
+                                        </p:attrNameLst>
+                                      </p:cBhvr>
+                                      <p:to>
+                                        <p:strVal val="visible"/>
+                                      </p:to>
+                                    </p:set>
+                                    <p:animEffect transition="in" filter="fade">
+                                      <p:cBhvr>
+                                        <p:cTn id="7" dur="500"/>
+                                        <p:tgtEl>
+                                          <p:spTgt spid="8"/>
+                                        </p:tgtEl>
+                                      </p:cBhvr>
+                                    </p:animEffect>
+                                  </p:childTnLst>
+                                </p:cTn>
+                              </p:par>
+                            </p:childTnLst>
+                          </p:cTn>
+                        </p:par>
+                      </p:childTnLst>
+                    </p:cTn>
+                  </p:par>
+                  <p:par>
+                    <p:cTn id="8" fill="hold">
+                      <p:stCondLst>
+                        <p:cond delay="indefinite"/>
+                      </p:stCondLst>
+                      <p:childTnLst>
+                        <p:par>
+                          <p:cTn id="9" fill="hold">
+                            <p:stCondLst>
+                              <p:cond delay="0"/>
+                            </p:stCondLst>
+                            <p:childTnLst>
+                              <p:par>
+                                <p:cTn id="10" presetID="42" presetClass="entr" presetSubtype="0" fill="hold" grpId="0" nodeType="clickEffect">
+                                  <p:stCondLst>
+                                    <p:cond delay="0"/>
+                                  </p:stCondLst>
+                                  <p:childTnLst>
+                                    <p:set>
+                                      <p:cBhvr>
+                                        <p:cTn id="11" dur="1" fill="hold">
                                           <p:stCondLst>
                                             <p:cond delay="0"/>
                                           </p:stCondLst>
@@ -13412,7 +13651,7 @@
                                     </p:set>
                                     <p:animEffect transition="in" filter="fade">
                                       <p:cBhvr>
-                                        <p:cTn id="7" dur="1000"/>
+                                        <p:cTn id="12" dur="1000"/>
                                         <p:tgtEl>
                                           <p:spTgt spid="13"/>
                                         </p:tgtEl>
@@ -13420,7 +13659,7 @@
                                     </p:animEffect>
                                     <p:anim calcmode="lin" valueType="num">
                                       <p:cBhvr>
-                                        <p:cTn id="8" dur="1000" fill="hold"/>
+                                        <p:cTn id="13" dur="1000" fill="hold"/>
                                         <p:tgtEl>
                                           <p:spTgt spid="13"/>
                                         </p:tgtEl>
@@ -13443,7 +13682,7 @@
                                     </p:anim>
                                     <p:anim calcmode="lin" valueType="num">
                                       <p:cBhvr>
-                                        <p:cTn id="9" dur="1000" fill="hold"/>
+                                        <p:cTn id="14" dur="1000" fill="hold"/>
                                         <p:tgtEl>
                                           <p:spTgt spid="13"/>
                                         </p:tgtEl>
@@ -13464,59 +13703,6 @@
                                         </p:tav>
                                       </p:tavLst>
                                     </p:anim>
-                                  </p:childTnLst>
-                                </p:cTn>
-                              </p:par>
-                            </p:childTnLst>
-                          </p:cTn>
-                        </p:par>
-                      </p:childTnLst>
-                    </p:cTn>
-                  </p:par>
-                  <p:par>
-                    <p:cTn id="10" fill="hold">
-                      <p:stCondLst>
-                        <p:cond delay="indefinite"/>
-                      </p:stCondLst>
-                      <p:childTnLst>
-                        <p:par>
-                          <p:cTn id="11" fill="hold">
-                            <p:stCondLst>
-                              <p:cond delay="0"/>
-                            </p:stCondLst>
-                            <p:childTnLst>
-                              <p:par>
-                                <p:cTn id="12" presetID="10" presetClass="entr" presetSubtype="0" fill="hold" nodeType="clickEffect">
-                                  <p:stCondLst>
-                                    <p:cond delay="0"/>
-                                  </p:stCondLst>
-                                  <p:childTnLst>
-                                    <p:set>
-                                      <p:cBhvr>
-                                        <p:cTn id="13" dur="1" fill="hold">
-                                          <p:stCondLst>
-                                            <p:cond delay="0"/>
-                                          </p:stCondLst>
-                                        </p:cTn>
-                                        <p:tgtEl>
-                                          <p:spTgt spid="8"/>
-                                        </p:tgtEl>
-                                        <p:attrNameLst>
-                                          <p:attrName>style.visibility</p:attrName>
-                                        </p:attrNameLst>
-                                      </p:cBhvr>
-                                      <p:to>
-                                        <p:strVal val="visible"/>
-                                      </p:to>
-                                    </p:set>
-                                    <p:animEffect transition="in" filter="fade">
-                                      <p:cBhvr>
-                                        <p:cTn id="14" dur="500"/>
-                                        <p:tgtEl>
-                                          <p:spTgt spid="8"/>
-                                        </p:tgtEl>
-                                      </p:cBhvr>
-                                    </p:animEffect>
                                   </p:childTnLst>
                                 </p:cTn>
                               </p:par>
@@ -14510,7 +14696,23 @@
                   <a:schemeClr val="bg1"/>
                 </a:solidFill>
               </a:rPr>
-              <a:t>Create and use classes</a:t>
+              <a:t>Create objects (</a:t>
+            </a:r>
+            <a:r>
+              <a:rPr lang="en-US" sz="1200" b="1" dirty="0">
+                <a:solidFill>
+                  <a:schemeClr val="bg1"/>
+                </a:solidFill>
+              </a:rPr>
+              <a:t>use</a:t>
+            </a:r>
+            <a:r>
+              <a:rPr lang="en-US" sz="1200" dirty="0">
+                <a:solidFill>
+                  <a:schemeClr val="bg1"/>
+                </a:solidFill>
+              </a:rPr>
+              <a:t> classes)</a:t>
             </a:r>
           </a:p>
         </p:txBody>
@@ -15220,7 +15422,7 @@
             </a:r>
             <a:r>
               <a:rPr lang="en-US" sz="2000" dirty="0"/>
-              <a:t> = A strict definition of  passed variable types, their order, and also the returned variable type. This is very important so the compiler knows later on (in your sketch) what is a expected for that function call.  Programmers will refer to the ‘signature’ of the prototype – another way of saying it’s uniqueness.</a:t>
+              <a:t> = A strict definition of  passed variable types, their order, and also the returned variable type. This is very important so the compiler knows later on (in your sketch) what is expected for that function call.  Programmers will refer to the ‘signature’ of the prototype which is another way of saying it’s uniqueness.</a:t>
             </a:r>
           </a:p>
           <a:p>
@@ -17340,15 +17542,33 @@
                                   </p:childTnLst>
                                 </p:cTn>
                               </p:par>
+                            </p:childTnLst>
+                          </p:cTn>
+                        </p:par>
+                      </p:childTnLst>
+                    </p:cTn>
+                  </p:par>
+                  <p:par>
+                    <p:cTn id="10" fill="hold">
+                      <p:stCondLst>
+                        <p:cond delay="indefinite"/>
+                      </p:stCondLst>
+                      <p:childTnLst>
+                        <p:par>
+                          <p:cTn id="11" fill="hold">
+                            <p:stCondLst>
+                              <p:cond delay="0"/>
+                            </p:stCondLst>
+                            <p:childTnLst>
                               <p:par>
-                                <p:cTn id="10" presetID="42" presetClass="entr" presetSubtype="0" fill="hold" nodeType="withEffect">
+                                <p:cTn id="12" presetID="42" presetClass="entr" presetSubtype="0" fill="hold" nodeType="clickEffect">
                                   <p:stCondLst>
                                     <p:cond delay="0"/>
                                   </p:stCondLst>
                                   <p:childTnLst>
                                     <p:set>
                                       <p:cBhvr>
-                                        <p:cTn id="11" dur="1" fill="hold">
+                                        <p:cTn id="13" dur="1" fill="hold">
                                           <p:stCondLst>
                                             <p:cond delay="0"/>
                                           </p:stCondLst>
@@ -17370,7 +17590,7 @@
                                     </p:set>
                                     <p:animEffect transition="in" filter="fade">
                                       <p:cBhvr>
-                                        <p:cTn id="12" dur="1000"/>
+                                        <p:cTn id="14" dur="1000"/>
                                         <p:tgtEl>
                                           <p:spTgt spid="6">
                                             <p:txEl>
@@ -17382,7 +17602,7 @@
                                     </p:animEffect>
                                     <p:anim calcmode="lin" valueType="num">
                                       <p:cBhvr>
-                                        <p:cTn id="13" dur="1000" fill="hold"/>
+                                        <p:cTn id="15" dur="1000" fill="hold"/>
                                         <p:tgtEl>
                                           <p:spTgt spid="6">
                                             <p:txEl>
@@ -17409,7 +17629,7 @@
                                     </p:anim>
                                     <p:anim calcmode="lin" valueType="num">
                                       <p:cBhvr>
-                                        <p:cTn id="14" dur="1000" fill="hold"/>
+                                        <p:cTn id="16" dur="1000" fill="hold"/>
                                         <p:tgtEl>
                                           <p:spTgt spid="6">
                                             <p:txEl>
@@ -17444,26 +17664,26 @@
                     </p:cTn>
                   </p:par>
                   <p:par>
-                    <p:cTn id="15" fill="hold">
+                    <p:cTn id="17" fill="hold">
                       <p:stCondLst>
                         <p:cond delay="indefinite"/>
                       </p:stCondLst>
                       <p:childTnLst>
                         <p:par>
-                          <p:cTn id="16" fill="hold">
+                          <p:cTn id="18" fill="hold">
                             <p:stCondLst>
                               <p:cond delay="0"/>
                             </p:stCondLst>
                             <p:childTnLst>
                               <p:par>
-                                <p:cTn id="17" presetID="42" presetClass="entr" presetSubtype="0" fill="hold" grpId="0" nodeType="clickEffect">
+                                <p:cTn id="19" presetID="42" presetClass="entr" presetSubtype="0" fill="hold" grpId="0" nodeType="clickEffect">
                                   <p:stCondLst>
                                     <p:cond delay="0"/>
                                   </p:stCondLst>
                                   <p:childTnLst>
                                     <p:set>
                                       <p:cBhvr>
-                                        <p:cTn id="18" dur="1" fill="hold">
+                                        <p:cTn id="20" dur="1" fill="hold">
                                           <p:stCondLst>
                                             <p:cond delay="0"/>
                                           </p:stCondLst>
@@ -17481,7 +17701,7 @@
                                     </p:set>
                                     <p:animEffect transition="in" filter="fade">
                                       <p:cBhvr>
-                                        <p:cTn id="19" dur="1000"/>
+                                        <p:cTn id="21" dur="1000"/>
                                         <p:tgtEl>
                                           <p:spTgt spid="7"/>
                                         </p:tgtEl>
@@ -17489,7 +17709,7 @@
                                     </p:animEffect>
                                     <p:anim calcmode="lin" valueType="num">
                                       <p:cBhvr>
-                                        <p:cTn id="20" dur="1000" fill="hold"/>
+                                        <p:cTn id="22" dur="1000" fill="hold"/>
                                         <p:tgtEl>
                                           <p:spTgt spid="7"/>
                                         </p:tgtEl>
@@ -17512,7 +17732,7 @@
                                     </p:anim>
                                     <p:anim calcmode="lin" valueType="num">
                                       <p:cBhvr>
-                                        <p:cTn id="21" dur="1000" fill="hold"/>
+                                        <p:cTn id="23" dur="1000" fill="hold"/>
                                         <p:tgtEl>
                                           <p:spTgt spid="7"/>
                                         </p:tgtEl>
@@ -37075,7 +37295,7 @@
         </p:nvSpPr>
         <p:spPr>
           <a:xfrm>
-            <a:off x="341091" y="1357708"/>
+            <a:off x="341091" y="856147"/>
             <a:ext cx="7016194" cy="646331"/>
           </a:xfrm>
           <a:prstGeom prst="rect">
@@ -37131,7 +37351,12 @@
             <p:ph type="title"/>
           </p:nvPr>
         </p:nvSpPr>
-        <p:spPr/>
+        <p:spPr>
+          <a:xfrm>
+            <a:off x="354154" y="124508"/>
+            <a:ext cx="7016194" cy="646331"/>
+          </a:xfrm>
+        </p:spPr>
         <p:txBody>
           <a:bodyPr/>
           <a:lstStyle/>
@@ -37157,7 +37382,7 @@
         </p:nvSpPr>
         <p:spPr>
           <a:xfrm>
-            <a:off x="341091" y="2065498"/>
+            <a:off x="341091" y="1620077"/>
             <a:ext cx="7016194" cy="369332"/>
           </a:xfrm>
           <a:prstGeom prst="rect">
@@ -37211,8 +37436,8 @@
         </p:nvSpPr>
         <p:spPr>
           <a:xfrm>
-            <a:off x="341091" y="2496289"/>
-            <a:ext cx="7016194" cy="646331"/>
+            <a:off x="341091" y="2107008"/>
+            <a:ext cx="7016194" cy="923330"/>
           </a:xfrm>
           <a:prstGeom prst="rect">
             <a:avLst/>
@@ -37245,7 +37470,7 @@
                 <a:latin typeface="Courier New" panose="02070309020205020404" pitchFamily="49" charset="0"/>
                 <a:cs typeface="Courier New" panose="02070309020205020404" pitchFamily="49" charset="0"/>
               </a:rPr>
-              <a:t> – configure minimum and maximum on time and off time but actual time is random</a:t>
+              <a:t> – configure minimum and maximum on time and off time but actual time is random (lighting animation)</a:t>
             </a:r>
             <a:endParaRPr lang="en-US" dirty="0"/>
           </a:p>
@@ -37265,7 +37490,7 @@
         </p:nvSpPr>
         <p:spPr>
           <a:xfrm>
-            <a:off x="341091" y="3204079"/>
+            <a:off x="341091" y="3147937"/>
             <a:ext cx="7016194" cy="646331"/>
           </a:xfrm>
           <a:prstGeom prst="rect">
@@ -37299,7 +37524,17 @@
                 <a:latin typeface="Courier New" panose="02070309020205020404" pitchFamily="49" charset="0"/>
                 <a:cs typeface="Courier New" panose="02070309020205020404" pitchFamily="49" charset="0"/>
               </a:rPr>
-              <a:t> – configure a flickering candle effect – using timing and intensity</a:t>
+              <a:t> – configure a flickering candle effect – using timing and </a:t>
+            </a:r>
+            <a:r>
+              <a:rPr lang="en-US" dirty="0">
+                <a:solidFill>
+                  <a:srgbClr val="3333FF"/>
+                </a:solidFill>
+                <a:latin typeface="Courier New" panose="02070309020205020404" pitchFamily="49" charset="0"/>
+                <a:cs typeface="Courier New" panose="02070309020205020404" pitchFamily="49" charset="0"/>
+              </a:rPr>
+              <a:t>intensity (lighting animation)</a:t>
             </a:r>
             <a:endParaRPr lang="en-US" dirty="0"/>
           </a:p>
@@ -37353,7 +37588,17 @@
                 <a:latin typeface="Courier New" panose="02070309020205020404" pitchFamily="49" charset="0"/>
                 <a:cs typeface="Courier New" panose="02070309020205020404" pitchFamily="49" charset="0"/>
               </a:rPr>
-              <a:t>– configure a welding effect not unlike a combo of flickering and random together. Also with second led for an afterglow effect.</a:t>
+              <a:t>– configure a welding effect (a combo of flickering and random). Also with second led for an afterglow effect</a:t>
+            </a:r>
+            <a:r>
+              <a:rPr lang="en-US" dirty="0">
+                <a:solidFill>
+                  <a:srgbClr val="3333FF"/>
+                </a:solidFill>
+                <a:latin typeface="Courier New" panose="02070309020205020404" pitchFamily="49" charset="0"/>
+                <a:cs typeface="Courier New" panose="02070309020205020404" pitchFamily="49" charset="0"/>
+              </a:rPr>
+              <a:t>. (lighting animation)</a:t>
             </a:r>
             <a:endParaRPr lang="en-US" dirty="0"/>
           </a:p>
@@ -43195,7 +43440,7 @@
                             </p:stCondLst>
                             <p:childTnLst>
                               <p:par>
-                                <p:cTn id="5" presetID="10" presetClass="entr" presetSubtype="0" fill="hold" nodeType="clickEffect">
+                                <p:cTn id="5" presetID="42" presetClass="entr" presetSubtype="0" fill="hold" grpId="0" nodeType="clickEffect">
                                   <p:stCondLst>
                                     <p:cond delay="0"/>
                                   </p:stCondLst>
@@ -43203,59 +43448,6 @@
                                     <p:set>
                                       <p:cBhvr>
                                         <p:cTn id="6" dur="1" fill="hold">
-                                          <p:stCondLst>
-                                            <p:cond delay="0"/>
-                                          </p:stCondLst>
-                                        </p:cTn>
-                                        <p:tgtEl>
-                                          <p:spTgt spid="6"/>
-                                        </p:tgtEl>
-                                        <p:attrNameLst>
-                                          <p:attrName>style.visibility</p:attrName>
-                                        </p:attrNameLst>
-                                      </p:cBhvr>
-                                      <p:to>
-                                        <p:strVal val="visible"/>
-                                      </p:to>
-                                    </p:set>
-                                    <p:animEffect transition="in" filter="fade">
-                                      <p:cBhvr>
-                                        <p:cTn id="7" dur="500"/>
-                                        <p:tgtEl>
-                                          <p:spTgt spid="6"/>
-                                        </p:tgtEl>
-                                      </p:cBhvr>
-                                    </p:animEffect>
-                                  </p:childTnLst>
-                                </p:cTn>
-                              </p:par>
-                            </p:childTnLst>
-                          </p:cTn>
-                        </p:par>
-                      </p:childTnLst>
-                    </p:cTn>
-                  </p:par>
-                  <p:par>
-                    <p:cTn id="8" fill="hold">
-                      <p:stCondLst>
-                        <p:cond delay="indefinite"/>
-                      </p:stCondLst>
-                      <p:childTnLst>
-                        <p:par>
-                          <p:cTn id="9" fill="hold">
-                            <p:stCondLst>
-                              <p:cond delay="0"/>
-                            </p:stCondLst>
-                            <p:childTnLst>
-                              <p:par>
-                                <p:cTn id="10" presetID="42" presetClass="entr" presetSubtype="0" fill="hold" grpId="0" nodeType="clickEffect">
-                                  <p:stCondLst>
-                                    <p:cond delay="0"/>
-                                  </p:stCondLst>
-                                  <p:childTnLst>
-                                    <p:set>
-                                      <p:cBhvr>
-                                        <p:cTn id="11" dur="1" fill="hold">
                                           <p:stCondLst>
                                             <p:cond delay="0"/>
                                           </p:stCondLst>
@@ -43273,7 +43465,7 @@
                                     </p:set>
                                     <p:animEffect transition="in" filter="fade">
                                       <p:cBhvr>
-                                        <p:cTn id="12" dur="1000"/>
+                                        <p:cTn id="7" dur="1000"/>
                                         <p:tgtEl>
                                           <p:spTgt spid="7"/>
                                         </p:tgtEl>
@@ -43281,7 +43473,7 @@
                                     </p:animEffect>
                                     <p:anim calcmode="lin" valueType="num">
                                       <p:cBhvr>
-                                        <p:cTn id="13" dur="1000" fill="hold"/>
+                                        <p:cTn id="8" dur="1000" fill="hold"/>
                                         <p:tgtEl>
                                           <p:spTgt spid="7"/>
                                         </p:tgtEl>
@@ -43304,9 +43496,90 @@
                                     </p:anim>
                                     <p:anim calcmode="lin" valueType="num">
                                       <p:cBhvr>
+                                        <p:cTn id="9" dur="1000" fill="hold"/>
+                                        <p:tgtEl>
+                                          <p:spTgt spid="7"/>
+                                        </p:tgtEl>
+                                        <p:attrNameLst>
+                                          <p:attrName>ppt_y</p:attrName>
+                                        </p:attrNameLst>
+                                      </p:cBhvr>
+                                      <p:tavLst>
+                                        <p:tav tm="0">
+                                          <p:val>
+                                            <p:strVal val="#ppt_y+.1"/>
+                                          </p:val>
+                                        </p:tav>
+                                        <p:tav tm="100000">
+                                          <p:val>
+                                            <p:strVal val="#ppt_y"/>
+                                          </p:val>
+                                        </p:tav>
+                                      </p:tavLst>
+                                    </p:anim>
+                                  </p:childTnLst>
+                                </p:cTn>
+                              </p:par>
+                              <p:par>
+                                <p:cTn id="10" presetID="42" presetClass="entr" presetSubtype="0" fill="hold" grpId="0" nodeType="withEffect">
+                                  <p:stCondLst>
+                                    <p:cond delay="0"/>
+                                  </p:stCondLst>
+                                  <p:childTnLst>
+                                    <p:set>
+                                      <p:cBhvr>
+                                        <p:cTn id="11" dur="1" fill="hold">
+                                          <p:stCondLst>
+                                            <p:cond delay="0"/>
+                                          </p:stCondLst>
+                                        </p:cTn>
+                                        <p:tgtEl>
+                                          <p:spTgt spid="8"/>
+                                        </p:tgtEl>
+                                        <p:attrNameLst>
+                                          <p:attrName>style.visibility</p:attrName>
+                                        </p:attrNameLst>
+                                      </p:cBhvr>
+                                      <p:to>
+                                        <p:strVal val="visible"/>
+                                      </p:to>
+                                    </p:set>
+                                    <p:animEffect transition="in" filter="fade">
+                                      <p:cBhvr>
+                                        <p:cTn id="12" dur="1000"/>
+                                        <p:tgtEl>
+                                          <p:spTgt spid="8"/>
+                                        </p:tgtEl>
+                                      </p:cBhvr>
+                                    </p:animEffect>
+                                    <p:anim calcmode="lin" valueType="num">
+                                      <p:cBhvr>
+                                        <p:cTn id="13" dur="1000" fill="hold"/>
+                                        <p:tgtEl>
+                                          <p:spTgt spid="8"/>
+                                        </p:tgtEl>
+                                        <p:attrNameLst>
+                                          <p:attrName>ppt_x</p:attrName>
+                                        </p:attrNameLst>
+                                      </p:cBhvr>
+                                      <p:tavLst>
+                                        <p:tav tm="0">
+                                          <p:val>
+                                            <p:strVal val="#ppt_x"/>
+                                          </p:val>
+                                        </p:tav>
+                                        <p:tav tm="100000">
+                                          <p:val>
+                                            <p:strVal val="#ppt_x"/>
+                                          </p:val>
+                                        </p:tav>
+                                      </p:tavLst>
+                                    </p:anim>
+                                    <p:anim calcmode="lin" valueType="num">
+                                      <p:cBhvr>
                                         <p:cTn id="14" dur="1000" fill="hold"/>
                                         <p:tgtEl>
-                                          <p:spTgt spid="7"/>
+                                          <p:spTgt spid="8"/>
                                         </p:tgtEl>
                                         <p:attrNameLst>
                                           <p:attrName>ppt_y</p:attrName>
@@ -43360,7 +43633,7 @@
                                           </p:stCondLst>
                                         </p:cTn>
                                         <p:tgtEl>
-                                          <p:spTgt spid="8"/>
+                                          <p:spTgt spid="13"/>
                                         </p:tgtEl>
                                         <p:attrNameLst>
                                           <p:attrName>style.visibility</p:attrName>
@@ -43374,7 +43647,7 @@
                                       <p:cBhvr>
                                         <p:cTn id="19" dur="1000"/>
                                         <p:tgtEl>
-                                          <p:spTgt spid="8"/>
+                                          <p:spTgt spid="13"/>
                                         </p:tgtEl>
                                       </p:cBhvr>
                                     </p:animEffect>
@@ -43382,7 +43655,7 @@
                                       <p:cBhvr>
                                         <p:cTn id="20" dur="1000" fill="hold"/>
                                         <p:tgtEl>
-                                          <p:spTgt spid="8"/>
+                                          <p:spTgt spid="13"/>
                                         </p:tgtEl>
                                         <p:attrNameLst>
                                           <p:attrName>ppt_x</p:attrName>
@@ -43405,7 +43678,7 @@
                                       <p:cBhvr>
                                         <p:cTn id="21" dur="1000" fill="hold"/>
                                         <p:tgtEl>
-                                          <p:spTgt spid="8"/>
+                                          <p:spTgt spid="13"/>
                                         </p:tgtEl>
                                         <p:attrNameLst>
                                           <p:attrName>ppt_y</p:attrName>
@@ -43424,6 +43697,41 @@
                                         </p:tav>
                                       </p:tavLst>
                                     </p:anim>
+                                  </p:childTnLst>
+                                </p:cTn>
+                              </p:par>
+                              <p:par>
+                                <p:cTn id="22" presetID="10" presetClass="entr" presetSubtype="0" fill="hold" nodeType="withEffect">
+                                  <p:stCondLst>
+                                    <p:cond delay="0"/>
+                                  </p:stCondLst>
+                                  <p:childTnLst>
+                                    <p:set>
+                                      <p:cBhvr>
+                                        <p:cTn id="23" dur="1" fill="hold">
+                                          <p:stCondLst>
+                                            <p:cond delay="0"/>
+                                          </p:stCondLst>
+                                        </p:cTn>
+                                        <p:tgtEl>
+                                          <p:spTgt spid="6"/>
+                                        </p:tgtEl>
+                                        <p:attrNameLst>
+                                          <p:attrName>style.visibility</p:attrName>
+                                        </p:attrNameLst>
+                                      </p:cBhvr>
+                                      <p:to>
+                                        <p:strVal val="visible"/>
+                                      </p:to>
+                                    </p:set>
+                                    <p:animEffect transition="in" filter="fade">
+                                      <p:cBhvr>
+                                        <p:cTn id="24" dur="500"/>
+                                        <p:tgtEl>
+                                          <p:spTgt spid="6"/>
+                                        </p:tgtEl>
+                                      </p:cBhvr>
+                                    </p:animEffect>
                                   </p:childTnLst>
                                 </p:cTn>
                               </p:par>
@@ -43457,6 +43765,7 @@
     <p:bldLst>
       <p:bldP spid="7" grpId="0" animBg="1"/>
       <p:bldP spid="8" grpId="0" animBg="1"/>
+      <p:bldP spid="13" grpId="0"/>
     </p:bldLst>
   </p:timing>
 </p:sld>

--- a/Introduction to Class Programming Part 2.pptx
+++ b/Introduction to Class Programming Part 2.pptx
@@ -38363,12 +38363,22 @@
             <p:ph idx="1"/>
           </p:nvPr>
         </p:nvSpPr>
-        <p:spPr/>
+        <p:spPr>
+          <a:xfrm>
+            <a:off x="457201" y="819151"/>
+            <a:ext cx="7016194" cy="3954422"/>
+          </a:xfrm>
+        </p:spPr>
         <p:txBody>
-          <a:bodyPr/>
+          <a:bodyPr>
+            <a:normAutofit/>
+          </a:bodyPr>
           <a:lstStyle/>
           <a:p>
             <a:pPr marL="0" indent="0">
+              <a:spcBef>
+                <a:spcPts val="0"/>
+              </a:spcBef>
               <a:buNone/>
             </a:pPr>
             <a:r>
@@ -38389,6 +38399,9 @@
           </a:p>
           <a:p>
             <a:pPr marL="0" indent="0">
+              <a:spcBef>
+                <a:spcPts val="0"/>
+              </a:spcBef>
               <a:buNone/>
             </a:pPr>
             <a:r>
@@ -38405,6 +38418,9 @@
           </a:p>
           <a:p>
             <a:pPr marL="0" indent="0">
+              <a:spcBef>
+                <a:spcPts val="0"/>
+              </a:spcBef>
               <a:buNone/>
             </a:pPr>
             <a:r>
@@ -38421,6 +38437,9 @@
           </a:p>
           <a:p>
             <a:pPr marL="0" indent="0">
+              <a:spcBef>
+                <a:spcPts val="0"/>
+              </a:spcBef>
               <a:buNone/>
             </a:pPr>
             <a:r>
@@ -38437,6 +38456,9 @@
           </a:p>
           <a:p>
             <a:pPr marL="0" indent="0">
+              <a:spcBef>
+                <a:spcPts val="0"/>
+              </a:spcBef>
               <a:buNone/>
             </a:pPr>
             <a:r>
@@ -38449,10 +38471,38 @@
               </a:rPr>
               <a:t>https://github.com/Alan-Lomax/Led2</a:t>
             </a:r>
+            <a:endParaRPr lang="en-US" sz="2000" dirty="0"/>
+          </a:p>
+          <a:p>
+            <a:pPr marL="0" indent="0">
+              <a:spcBef>
+                <a:spcPts val="0"/>
+              </a:spcBef>
+              <a:buNone/>
+            </a:pPr>
+            <a:r>
+              <a:rPr lang="en-US" sz="2000" dirty="0">
+                <a:solidFill>
+                  <a:srgbClr val="FF0000"/>
+                </a:solidFill>
+              </a:rPr>
+              <a:t>Led3</a:t>
+            </a:r>
             <a:r>
               <a:rPr lang="en-US" sz="2000" dirty="0"/>
-              <a:t> </a:t>
-            </a:r>
+              <a:t>      </a:t>
+            </a:r>
+            <a:r>
+              <a:rPr lang="en-US" dirty="0"/>
+              <a:t>     </a:t>
+            </a:r>
+            <a:r>
+              <a:rPr lang="en-US" sz="2000" dirty="0">
+                <a:hlinkClick r:id="rId8"/>
+              </a:rPr>
+              <a:t>https://github.com/Alan-Lomax/Led3</a:t>
+            </a:r>
+            <a:endParaRPr lang="en-US" sz="2000" dirty="0"/>
           </a:p>
           <a:p>
             <a:pPr marL="0" indent="0">
@@ -38475,7 +38525,7 @@
             </a:pPr>
             <a:r>
               <a:rPr lang="en-US" dirty="0">
-                <a:hlinkClick r:id="rId8"/>
+                <a:hlinkClick r:id="rId9"/>
               </a:rPr>
               <a:t>https://github.com/Alan-Lomax</a:t>
             </a:r>
@@ -38498,7 +38548,7 @@
           <p:nvPr/>
         </p:nvPicPr>
         <p:blipFill>
-          <a:blip r:embed="rId9" cstate="print">
+          <a:blip r:embed="rId10" cstate="print">
             <a:extLst>
               <a:ext uri="{28A0092B-C50C-407E-A947-70E740481C1C}">
                 <a14:useLocalDpi xmlns:a14="http://schemas.microsoft.com/office/drawing/2010/main" val="0"/>

--- a/Introduction to Class Programming Part 2.pptx
+++ b/Introduction to Class Programming Part 2.pptx
@@ -251,7 +251,7 @@
           <a:p>
             <a:fld id="{C8D18E60-4300-4729-A0D7-6AB984C3922D}" type="datetimeFigureOut">
               <a:rPr lang="en-US" smtClean="0"/>
-              <a:t>1/25/2022</a:t>
+              <a:t>1/30/2022</a:t>
             </a:fld>
             <a:endParaRPr lang="en-US"/>
           </a:p>
@@ -587,6 +587,23 @@
               <a:t>Presented January 2022.</a:t>
             </a:r>
           </a:p>
+          <a:p>
+            <a:endParaRPr lang="en-US" dirty="0"/>
+          </a:p>
+          <a:p>
+            <a:r>
+              <a:rPr lang="en-US" dirty="0"/>
+              <a:t>Revised Slide 21 to clarify </a:t>
+            </a:r>
+            <a:r>
+              <a:rPr lang="en-US"/>
+              <a:t>that user library </a:t>
+            </a:r>
+            <a:r>
+              <a:rPr lang="en-US" dirty="0"/>
+              <a:t>files must be one level down from the main libraries folder.</a:t>
+            </a:r>
+          </a:p>
         </p:txBody>
       </p:sp>
       <p:sp>
@@ -2245,7 +2262,19 @@
           <a:p>
             <a:r>
               <a:rPr lang="en-US" dirty="0"/>
-              <a:t>Within libraries can have as many subfolders as you like - It would be a good idea to put the two Led2 files in their own subfolder</a:t>
+              <a:t>Within libraries can have as many subfolders as you like.</a:t>
+            </a:r>
+          </a:p>
+          <a:p>
+            <a:r>
+              <a:rPr lang="en-US" dirty="0"/>
+              <a:t>It is required that the two Led2 files are one level down from libraries. </a:t>
+            </a:r>
+          </a:p>
+          <a:p>
+            <a:r>
+              <a:rPr lang="en-US" dirty="0"/>
+              <a:t>Ideally they are in their own subfolder</a:t>
             </a:r>
           </a:p>
           <a:p>
@@ -5858,7 +5887,7 @@
             <a:fld id="{53074F12-AA26-4AC8-9962-C36BB8F32554}" type="datetimeFigureOut">
               <a:rPr lang="en-US" smtClean="0"/>
               <a:pPr/>
-              <a:t>1/25/2022</a:t>
+              <a:t>1/30/2022</a:t>
             </a:fld>
             <a:endParaRPr lang="en-US"/>
           </a:p>
@@ -6115,7 +6144,7 @@
             <a:fld id="{53074F12-AA26-4AC8-9962-C36BB8F32554}" type="datetimeFigureOut">
               <a:rPr lang="en-US" smtClean="0"/>
               <a:pPr/>
-              <a:t>1/25/2022</a:t>
+              <a:t>1/30/2022</a:t>
             </a:fld>
             <a:endParaRPr lang="en-US"/>
           </a:p>
@@ -6285,7 +6314,7 @@
             <a:fld id="{53074F12-AA26-4AC8-9962-C36BB8F32554}" type="datetimeFigureOut">
               <a:rPr lang="en-US" smtClean="0"/>
               <a:pPr/>
-              <a:t>1/25/2022</a:t>
+              <a:t>1/30/2022</a:t>
             </a:fld>
             <a:endParaRPr lang="en-US"/>
           </a:p>
@@ -6465,7 +6494,7 @@
             <a:fld id="{53074F12-AA26-4AC8-9962-C36BB8F32554}" type="datetimeFigureOut">
               <a:rPr lang="en-US" smtClean="0"/>
               <a:pPr/>
-              <a:t>1/25/2022</a:t>
+              <a:t>1/30/2022</a:t>
             </a:fld>
             <a:endParaRPr lang="en-US"/>
           </a:p>
@@ -8389,7 +8418,7 @@
             <a:fld id="{53074F12-AA26-4AC8-9962-C36BB8F32554}" type="datetimeFigureOut">
               <a:rPr lang="en-US" smtClean="0"/>
               <a:pPr/>
-              <a:t>1/25/2022</a:t>
+              <a:t>1/30/2022</a:t>
             </a:fld>
             <a:endParaRPr lang="en-US"/>
           </a:p>
@@ -9688,7 +9717,7 @@
             <a:fld id="{53074F12-AA26-4AC8-9962-C36BB8F32554}" type="datetimeFigureOut">
               <a:rPr lang="en-US" smtClean="0"/>
               <a:pPr/>
-              <a:t>1/25/2022</a:t>
+              <a:t>1/30/2022</a:t>
             </a:fld>
             <a:endParaRPr lang="en-US"/>
           </a:p>
@@ -9935,7 +9964,7 @@
             <a:fld id="{53074F12-AA26-4AC8-9962-C36BB8F32554}" type="datetimeFigureOut">
               <a:rPr lang="en-US" smtClean="0"/>
               <a:pPr/>
-              <a:t>1/25/2022</a:t>
+              <a:t>1/30/2022</a:t>
             </a:fld>
             <a:endParaRPr lang="en-US"/>
           </a:p>
@@ -10222,7 +10251,7 @@
             <a:fld id="{53074F12-AA26-4AC8-9962-C36BB8F32554}" type="datetimeFigureOut">
               <a:rPr lang="en-US" smtClean="0"/>
               <a:pPr/>
-              <a:t>1/25/2022</a:t>
+              <a:t>1/30/2022</a:t>
             </a:fld>
             <a:endParaRPr lang="en-US"/>
           </a:p>
@@ -10712,7 +10741,7 @@
             <a:fld id="{53074F12-AA26-4AC8-9962-C36BB8F32554}" type="datetimeFigureOut">
               <a:rPr lang="en-US" smtClean="0"/>
               <a:pPr/>
-              <a:t>1/25/2022</a:t>
+              <a:t>1/30/2022</a:t>
             </a:fld>
             <a:endParaRPr lang="en-US"/>
           </a:p>
@@ -10831,7 +10860,7 @@
             <a:fld id="{53074F12-AA26-4AC8-9962-C36BB8F32554}" type="datetimeFigureOut">
               <a:rPr lang="en-US" smtClean="0"/>
               <a:pPr/>
-              <a:t>1/25/2022</a:t>
+              <a:t>1/30/2022</a:t>
             </a:fld>
             <a:endParaRPr lang="en-US"/>
           </a:p>
@@ -10928,7 +10957,7 @@
             <a:fld id="{53074F12-AA26-4AC8-9962-C36BB8F32554}" type="datetimeFigureOut">
               <a:rPr lang="en-US" smtClean="0"/>
               <a:pPr/>
-              <a:t>1/25/2022</a:t>
+              <a:t>1/30/2022</a:t>
             </a:fld>
             <a:endParaRPr lang="en-US"/>
           </a:p>
@@ -11205,7 +11234,7 @@
             <a:fld id="{53074F12-AA26-4AC8-9962-C36BB8F32554}" type="datetimeFigureOut">
               <a:rPr lang="en-US" smtClean="0"/>
               <a:pPr/>
-              <a:t>1/25/2022</a:t>
+              <a:t>1/30/2022</a:t>
             </a:fld>
             <a:endParaRPr lang="en-US"/>
           </a:p>
@@ -11427,7 +11456,7 @@
             <a:fld id="{53074F12-AA26-4AC8-9962-C36BB8F32554}" type="datetimeFigureOut">
               <a:rPr lang="en-US" smtClean="0"/>
               <a:pPr/>
-              <a:t>1/25/2022</a:t>
+              <a:t>1/30/2022</a:t>
             </a:fld>
             <a:endParaRPr lang="en-US"/>
           </a:p>
@@ -23813,56 +23842,188 @@
           </p:style>
         </p:cxnSp>
       </p:grpSp>
-      <p:cxnSp>
-        <p:nvCxnSpPr>
-          <p:cNvPr id="50" name="Connector: Elbow 49">
+      <p:sp>
+        <p:nvSpPr>
+          <p:cNvPr id="62" name="TextBox 61">
             <a:extLst>
               <a:ext uri="{FF2B5EF4-FFF2-40B4-BE49-F238E27FC236}">
-                <a16:creationId xmlns:a16="http://schemas.microsoft.com/office/drawing/2014/main" id="{D93BE5B5-1150-4CDC-BADC-0E0E64B9BDEA}"/>
+                <a16:creationId xmlns:a16="http://schemas.microsoft.com/office/drawing/2014/main" id="{424EC7E5-1E13-4896-8EE6-1B8BF3CF4D46}"/>
               </a:ext>
             </a:extLst>
           </p:cNvPr>
-          <p:cNvCxnSpPr>
-            <a:cxnSpLocks/>
-            <a:endCxn id="26" idx="1"/>
-          </p:cNvCxnSpPr>
+          <p:cNvSpPr txBox="1"/>
           <p:nvPr/>
-        </p:nvCxnSpPr>
+        </p:nvSpPr>
         <p:spPr>
-          <a:xfrm rot="16200000" flipH="1">
-            <a:off x="4765817" y="2921181"/>
-            <a:ext cx="235212" cy="181826"/>
+          <a:xfrm>
+            <a:off x="227529" y="3311075"/>
+            <a:ext cx="3354942" cy="461665"/>
           </a:xfrm>
-          <a:prstGeom prst="bentConnector2">
+          <a:prstGeom prst="rect">
             <a:avLst/>
           </a:prstGeom>
-          <a:ln w="38100">
+          <a:solidFill>
+            <a:srgbClr val="FFFF00"/>
+          </a:solidFill>
+          <a:ln>
             <a:solidFill>
-              <a:srgbClr val="FFC000"/>
+              <a:srgbClr val="FF0000"/>
             </a:solidFill>
           </a:ln>
         </p:spPr>
-        <p:style>
-          <a:lnRef idx="1">
-            <a:schemeClr val="accent1"/>
-          </a:lnRef>
-          <a:fillRef idx="0">
-            <a:schemeClr val="accent1"/>
-          </a:fillRef>
-          <a:effectRef idx="0">
-            <a:schemeClr val="accent1"/>
-          </a:effectRef>
-          <a:fontRef idx="minor">
-            <a:schemeClr val="tx1"/>
-          </a:fontRef>
-        </p:style>
-      </p:cxnSp>
+        <p:txBody>
+          <a:bodyPr wrap="square" rtlCol="0">
+            <a:spAutoFit/>
+          </a:bodyPr>
+          <a:lstStyle/>
+          <a:p>
+            <a:r>
+              <a:rPr lang="en-US" sz="1200" b="1" dirty="0">
+                <a:solidFill>
+                  <a:schemeClr val="accent1">
+                    <a:lumMod val="75000"/>
+                  </a:schemeClr>
+                </a:solidFill>
+                <a:latin typeface="Courier New" panose="02070309020205020404" pitchFamily="49" charset="0"/>
+                <a:cs typeface="Courier New" panose="02070309020205020404" pitchFamily="49" charset="0"/>
+              </a:rPr>
+              <a:t>// In </a:t>
+            </a:r>
+            <a:r>
+              <a:rPr lang="en-US" sz="1200" b="1" dirty="0" err="1">
+                <a:solidFill>
+                  <a:schemeClr val="accent1">
+                    <a:lumMod val="75000"/>
+                  </a:schemeClr>
+                </a:solidFill>
+                <a:latin typeface="Courier New" panose="02070309020205020404" pitchFamily="49" charset="0"/>
+                <a:cs typeface="Courier New" panose="02070309020205020404" pitchFamily="49" charset="0"/>
+              </a:rPr>
+              <a:t>Parrot_Sketch.ino</a:t>
+            </a:r>
+            <a:r>
+              <a:rPr lang="en-US" sz="1200" b="1" dirty="0">
+                <a:solidFill>
+                  <a:schemeClr val="accent1">
+                    <a:lumMod val="75000"/>
+                  </a:schemeClr>
+                </a:solidFill>
+                <a:latin typeface="Courier New" panose="02070309020205020404" pitchFamily="49" charset="0"/>
+                <a:cs typeface="Courier New" panose="02070309020205020404" pitchFamily="49" charset="0"/>
+              </a:rPr>
+              <a:t> use quotes</a:t>
+            </a:r>
+          </a:p>
+          <a:p>
+            <a:r>
+              <a:rPr lang="en-US" sz="1200" b="1" dirty="0">
+                <a:solidFill>
+                  <a:schemeClr val="accent1">
+                    <a:lumMod val="75000"/>
+                  </a:schemeClr>
+                </a:solidFill>
+                <a:latin typeface="Courier New" panose="02070309020205020404" pitchFamily="49" charset="0"/>
+                <a:cs typeface="Courier New" panose="02070309020205020404" pitchFamily="49" charset="0"/>
+              </a:rPr>
+              <a:t>#include "Led2.h"</a:t>
+            </a:r>
+          </a:p>
+        </p:txBody>
+      </p:sp>
+      <p:sp>
+        <p:nvSpPr>
+          <p:cNvPr id="63" name="TextBox 62">
+            <a:extLst>
+              <a:ext uri="{FF2B5EF4-FFF2-40B4-BE49-F238E27FC236}">
+                <a16:creationId xmlns:a16="http://schemas.microsoft.com/office/drawing/2014/main" id="{444C13CF-9A86-4F44-806B-2CBC569B801B}"/>
+              </a:ext>
+            </a:extLst>
+          </p:cNvPr>
+          <p:cNvSpPr txBox="1"/>
+          <p:nvPr/>
+        </p:nvSpPr>
+        <p:spPr>
+          <a:xfrm>
+            <a:off x="2941160" y="4256567"/>
+            <a:ext cx="4233209" cy="461665"/>
+          </a:xfrm>
+          <a:prstGeom prst="rect">
+            <a:avLst/>
+          </a:prstGeom>
+          <a:solidFill>
+            <a:srgbClr val="FFFF00"/>
+          </a:solidFill>
+          <a:ln>
+            <a:solidFill>
+              <a:srgbClr val="FF0000"/>
+            </a:solidFill>
+          </a:ln>
+        </p:spPr>
+        <p:txBody>
+          <a:bodyPr wrap="square" rtlCol="0">
+            <a:spAutoFit/>
+          </a:bodyPr>
+          <a:lstStyle/>
+          <a:p>
+            <a:r>
+              <a:rPr lang="en-US" sz="1200" b="1" dirty="0">
+                <a:solidFill>
+                  <a:schemeClr val="accent1">
+                    <a:lumMod val="75000"/>
+                  </a:schemeClr>
+                </a:solidFill>
+                <a:latin typeface="Courier New" panose="02070309020205020404" pitchFamily="49" charset="0"/>
+                <a:cs typeface="Courier New" panose="02070309020205020404" pitchFamily="49" charset="0"/>
+              </a:rPr>
+              <a:t>// In </a:t>
+            </a:r>
+            <a:r>
+              <a:rPr lang="en-US" sz="1200" b="1" dirty="0" err="1">
+                <a:solidFill>
+                  <a:schemeClr val="accent1">
+                    <a:lumMod val="75000"/>
+                  </a:schemeClr>
+                </a:solidFill>
+                <a:latin typeface="Courier New" panose="02070309020205020404" pitchFamily="49" charset="0"/>
+                <a:cs typeface="Courier New" panose="02070309020205020404" pitchFamily="49" charset="0"/>
+              </a:rPr>
+              <a:t>Parrot_Sketch.ino</a:t>
+            </a:r>
+            <a:r>
+              <a:rPr lang="en-US" sz="1200" b="1" dirty="0">
+                <a:solidFill>
+                  <a:schemeClr val="accent1">
+                    <a:lumMod val="75000"/>
+                  </a:schemeClr>
+                </a:solidFill>
+                <a:latin typeface="Courier New" panose="02070309020205020404" pitchFamily="49" charset="0"/>
+                <a:cs typeface="Courier New" panose="02070309020205020404" pitchFamily="49" charset="0"/>
+              </a:rPr>
+              <a:t> use angle brackets</a:t>
+            </a:r>
+          </a:p>
+          <a:p>
+            <a:r>
+              <a:rPr lang="en-US" sz="1200" b="1" dirty="0">
+                <a:solidFill>
+                  <a:schemeClr val="accent1">
+                    <a:lumMod val="75000"/>
+                  </a:schemeClr>
+                </a:solidFill>
+                <a:latin typeface="Courier New" panose="02070309020205020404" pitchFamily="49" charset="0"/>
+                <a:cs typeface="Courier New" panose="02070309020205020404" pitchFamily="49" charset="0"/>
+              </a:rPr>
+              <a:t>#include &lt;Led2.h&gt;</a:t>
+            </a:r>
+          </a:p>
+        </p:txBody>
+      </p:sp>
       <p:grpSp>
         <p:nvGrpSpPr>
-          <p:cNvPr id="61" name="Group 60">
+          <p:cNvPr id="37" name="Group 36">
             <a:extLst>
               <a:ext uri="{FF2B5EF4-FFF2-40B4-BE49-F238E27FC236}">
-                <a16:creationId xmlns:a16="http://schemas.microsoft.com/office/drawing/2014/main" id="{E17EE68D-5335-4744-80AC-4D8AAB3D8D06}"/>
+                <a16:creationId xmlns:a16="http://schemas.microsoft.com/office/drawing/2014/main" id="{7AF734A7-8E6B-414E-9DAB-5C1E020106FF}"/>
               </a:ext>
             </a:extLst>
           </p:cNvPr>
@@ -23871,12 +24032,56 @@
         </p:nvGrpSpPr>
         <p:grpSpPr>
           <a:xfrm>
-            <a:off x="4792510" y="2975811"/>
-            <a:ext cx="1401026" cy="684734"/>
-            <a:chOff x="4792510" y="2975811"/>
-            <a:chExt cx="1401026" cy="684734"/>
+            <a:off x="4815910" y="3001648"/>
+            <a:ext cx="2052949" cy="1171980"/>
+            <a:chOff x="4815910" y="3001648"/>
+            <a:chExt cx="2052949" cy="1171980"/>
           </a:xfrm>
         </p:grpSpPr>
+        <p:cxnSp>
+          <p:nvCxnSpPr>
+            <p:cNvPr id="50" name="Connector: Elbow 49">
+              <a:extLst>
+                <a:ext uri="{FF2B5EF4-FFF2-40B4-BE49-F238E27FC236}">
+                  <a16:creationId xmlns:a16="http://schemas.microsoft.com/office/drawing/2014/main" id="{D93BE5B5-1150-4CDC-BADC-0E0E64B9BDEA}"/>
+                </a:ext>
+              </a:extLst>
+            </p:cNvPr>
+            <p:cNvCxnSpPr>
+              <a:cxnSpLocks/>
+              <a:endCxn id="26" idx="1"/>
+            </p:cNvCxnSpPr>
+            <p:nvPr/>
+          </p:nvCxnSpPr>
+          <p:spPr>
+            <a:xfrm rot="16200000" flipH="1">
+              <a:off x="5441140" y="3434264"/>
+              <a:ext cx="235212" cy="181826"/>
+            </a:xfrm>
+            <a:prstGeom prst="bentConnector2">
+              <a:avLst/>
+            </a:prstGeom>
+            <a:ln w="38100">
+              <a:solidFill>
+                <a:srgbClr val="FFC000"/>
+              </a:solidFill>
+            </a:ln>
+          </p:spPr>
+          <p:style>
+            <a:lnRef idx="1">
+              <a:schemeClr val="accent1"/>
+            </a:lnRef>
+            <a:fillRef idx="0">
+              <a:schemeClr val="accent1"/>
+            </a:fillRef>
+            <a:effectRef idx="0">
+              <a:schemeClr val="accent1"/>
+            </a:effectRef>
+            <a:fontRef idx="minor">
+              <a:schemeClr val="tx1"/>
+            </a:fontRef>
+          </p:style>
+        </p:cxnSp>
         <p:sp>
           <p:nvSpPr>
             <p:cNvPr id="27" name="TextBox 26">
@@ -23891,7 +24096,7 @@
           </p:nvSpPr>
           <p:spPr>
             <a:xfrm>
-              <a:off x="4974336" y="3352768"/>
+              <a:off x="5649659" y="3865851"/>
               <a:ext cx="1219200" cy="307777"/>
             </a:xfrm>
             <a:prstGeom prst="rect">
@@ -23929,299 +24134,177 @@
             </a:p>
           </p:txBody>
         </p:sp>
-        <p:grpSp>
-          <p:nvGrpSpPr>
-            <p:cNvPr id="60" name="Group 59">
+        <p:sp>
+          <p:nvSpPr>
+            <p:cNvPr id="26" name="TextBox 25">
               <a:extLst>
                 <a:ext uri="{FF2B5EF4-FFF2-40B4-BE49-F238E27FC236}">
-                  <a16:creationId xmlns:a16="http://schemas.microsoft.com/office/drawing/2014/main" id="{8A30028B-89CD-4E4D-B2C7-7500EE83E032}"/>
+                  <a16:creationId xmlns:a16="http://schemas.microsoft.com/office/drawing/2014/main" id="{748EB112-1132-44CC-AF16-2A54F0A3FC5C}"/>
                 </a:ext>
               </a:extLst>
             </p:cNvPr>
-            <p:cNvGrpSpPr/>
+            <p:cNvSpPr txBox="1"/>
             <p:nvPr/>
-          </p:nvGrpSpPr>
-          <p:grpSpPr>
+          </p:nvSpPr>
+          <p:spPr>
             <a:xfrm>
-              <a:off x="4792510" y="2975811"/>
-              <a:ext cx="1401026" cy="526521"/>
-              <a:chOff x="4792510" y="2975811"/>
-              <a:chExt cx="1401026" cy="526521"/>
+              <a:off x="5649659" y="3488894"/>
+              <a:ext cx="1219200" cy="307777"/>
             </a:xfrm>
-          </p:grpSpPr>
-          <p:sp>
-            <p:nvSpPr>
-              <p:cNvPr id="26" name="TextBox 25">
-                <a:extLst>
-                  <a:ext uri="{FF2B5EF4-FFF2-40B4-BE49-F238E27FC236}">
-                    <a16:creationId xmlns:a16="http://schemas.microsoft.com/office/drawing/2014/main" id="{748EB112-1132-44CC-AF16-2A54F0A3FC5C}"/>
-                  </a:ext>
-                </a:extLst>
-              </p:cNvPr>
-              <p:cNvSpPr txBox="1"/>
-              <p:nvPr/>
-            </p:nvSpPr>
-            <p:spPr>
-              <a:xfrm>
-                <a:off x="4974336" y="2975811"/>
-                <a:ext cx="1219200" cy="307777"/>
-              </a:xfrm>
-              <a:prstGeom prst="rect">
-                <a:avLst/>
-              </a:prstGeom>
+            <a:prstGeom prst="rect">
+              <a:avLst/>
+            </a:prstGeom>
+            <a:solidFill>
+              <a:schemeClr val="bg1">
+                <a:lumMod val="85000"/>
+              </a:schemeClr>
+            </a:solidFill>
+            <a:ln>
               <a:solidFill>
-                <a:schemeClr val="bg1">
-                  <a:lumMod val="85000"/>
-                </a:schemeClr>
+                <a:srgbClr val="FF0000"/>
               </a:solidFill>
-              <a:ln>
-                <a:solidFill>
-                  <a:srgbClr val="FF0000"/>
-                </a:solidFill>
-              </a:ln>
-            </p:spPr>
-            <p:txBody>
-              <a:bodyPr wrap="square" rtlCol="0">
-                <a:spAutoFit/>
-              </a:bodyPr>
-              <a:lstStyle/>
-              <a:p>
-                <a:r>
-                  <a:rPr lang="en-US" sz="1400" b="1" dirty="0">
-                    <a:solidFill>
-                      <a:schemeClr val="accent1">
-                        <a:lumMod val="75000"/>
-                      </a:schemeClr>
-                    </a:solidFill>
-                    <a:latin typeface="Courier New" panose="02070309020205020404" pitchFamily="49" charset="0"/>
-                    <a:cs typeface="Courier New" panose="02070309020205020404" pitchFamily="49" charset="0"/>
-                  </a:rPr>
-                  <a:t>Led2.h</a:t>
-                </a:r>
-              </a:p>
-            </p:txBody>
-          </p:sp>
-          <p:cxnSp>
-            <p:nvCxnSpPr>
-              <p:cNvPr id="52" name="Connector: Elbow 51">
-                <a:extLst>
-                  <a:ext uri="{FF2B5EF4-FFF2-40B4-BE49-F238E27FC236}">
-                    <a16:creationId xmlns:a16="http://schemas.microsoft.com/office/drawing/2014/main" id="{4557B548-C2E2-4BBA-9A4F-2A871F4113FB}"/>
-                  </a:ext>
-                </a:extLst>
-              </p:cNvPr>
-              <p:cNvCxnSpPr>
-                <a:cxnSpLocks/>
-              </p:cNvCxnSpPr>
-              <p:nvPr/>
-            </p:nvCxnSpPr>
-            <p:spPr>
-              <a:xfrm rot="16200000" flipH="1">
-                <a:off x="4704377" y="3182693"/>
-                <a:ext cx="407772" cy="231505"/>
-              </a:xfrm>
-              <a:prstGeom prst="bentConnector2">
-                <a:avLst/>
-              </a:prstGeom>
-              <a:ln w="38100">
-                <a:solidFill>
-                  <a:srgbClr val="FFC000"/>
-                </a:solidFill>
-              </a:ln>
-            </p:spPr>
-            <p:style>
-              <a:lnRef idx="1">
-                <a:schemeClr val="accent1"/>
-              </a:lnRef>
-              <a:fillRef idx="0">
-                <a:schemeClr val="accent1"/>
-              </a:fillRef>
-              <a:effectRef idx="0">
-                <a:schemeClr val="accent1"/>
-              </a:effectRef>
-              <a:fontRef idx="minor">
-                <a:schemeClr val="tx1"/>
-              </a:fontRef>
-            </p:style>
-          </p:cxnSp>
-        </p:grpSp>
+            </a:ln>
+          </p:spPr>
+          <p:txBody>
+            <a:bodyPr wrap="square" rtlCol="0">
+              <a:spAutoFit/>
+            </a:bodyPr>
+            <a:lstStyle/>
+            <a:p>
+              <a:r>
+                <a:rPr lang="en-US" sz="1400" b="1" dirty="0">
+                  <a:solidFill>
+                    <a:schemeClr val="accent1">
+                      <a:lumMod val="75000"/>
+                    </a:schemeClr>
+                  </a:solidFill>
+                  <a:latin typeface="Courier New" panose="02070309020205020404" pitchFamily="49" charset="0"/>
+                  <a:cs typeface="Courier New" panose="02070309020205020404" pitchFamily="49" charset="0"/>
+                </a:rPr>
+                <a:t>Led2.h</a:t>
+              </a:r>
+            </a:p>
+          </p:txBody>
+        </p:sp>
+        <p:cxnSp>
+          <p:nvCxnSpPr>
+            <p:cNvPr id="52" name="Connector: Elbow 51">
+              <a:extLst>
+                <a:ext uri="{FF2B5EF4-FFF2-40B4-BE49-F238E27FC236}">
+                  <a16:creationId xmlns:a16="http://schemas.microsoft.com/office/drawing/2014/main" id="{4557B548-C2E2-4BBA-9A4F-2A871F4113FB}"/>
+                </a:ext>
+              </a:extLst>
+            </p:cNvPr>
+            <p:cNvCxnSpPr>
+              <a:cxnSpLocks/>
+            </p:cNvCxnSpPr>
+            <p:nvPr/>
+          </p:nvCxnSpPr>
+          <p:spPr>
+            <a:xfrm rot="16200000" flipH="1">
+              <a:off x="5379700" y="3695776"/>
+              <a:ext cx="407772" cy="231505"/>
+            </a:xfrm>
+            <a:prstGeom prst="bentConnector2">
+              <a:avLst/>
+            </a:prstGeom>
+            <a:ln w="38100">
+              <a:solidFill>
+                <a:srgbClr val="FFC000"/>
+              </a:solidFill>
+            </a:ln>
+          </p:spPr>
+          <p:style>
+            <a:lnRef idx="1">
+              <a:schemeClr val="accent1"/>
+            </a:lnRef>
+            <a:fillRef idx="0">
+              <a:schemeClr val="accent1"/>
+            </a:fillRef>
+            <a:effectRef idx="0">
+              <a:schemeClr val="accent1"/>
+            </a:effectRef>
+            <a:fontRef idx="minor">
+              <a:schemeClr val="tx1"/>
+            </a:fontRef>
+          </p:style>
+        </p:cxnSp>
+        <p:pic>
+          <p:nvPicPr>
+            <p:cNvPr id="3" name="Picture 2">
+              <a:extLst>
+                <a:ext uri="{FF2B5EF4-FFF2-40B4-BE49-F238E27FC236}">
+                  <a16:creationId xmlns:a16="http://schemas.microsoft.com/office/drawing/2014/main" id="{235B5243-5602-45A1-9CA0-71E9A513B929}"/>
+                </a:ext>
+              </a:extLst>
+            </p:cNvPr>
+            <p:cNvPicPr>
+              <a:picLocks noChangeAspect="1"/>
+            </p:cNvPicPr>
+            <p:nvPr/>
+          </p:nvPicPr>
+          <p:blipFill>
+            <a:blip r:embed="rId7"/>
+            <a:stretch>
+              <a:fillRect/>
+            </a:stretch>
+          </p:blipFill>
+          <p:spPr>
+            <a:xfrm>
+              <a:off x="5227404" y="3018876"/>
+              <a:ext cx="1199502" cy="409586"/>
+            </a:xfrm>
+            <a:prstGeom prst="rect">
+              <a:avLst/>
+            </a:prstGeom>
+          </p:spPr>
+        </p:pic>
+        <p:cxnSp>
+          <p:nvCxnSpPr>
+            <p:cNvPr id="51" name="Connector: Elbow 50">
+              <a:extLst>
+                <a:ext uri="{FF2B5EF4-FFF2-40B4-BE49-F238E27FC236}">
+                  <a16:creationId xmlns:a16="http://schemas.microsoft.com/office/drawing/2014/main" id="{AECADCEE-FCC2-43B7-A2D4-CB408BF7078E}"/>
+                </a:ext>
+              </a:extLst>
+            </p:cNvPr>
+            <p:cNvCxnSpPr>
+              <a:cxnSpLocks/>
+            </p:cNvCxnSpPr>
+            <p:nvPr/>
+          </p:nvCxnSpPr>
+          <p:spPr>
+            <a:xfrm>
+              <a:off x="4815910" y="3001648"/>
+              <a:ext cx="435369" cy="233731"/>
+            </a:xfrm>
+            <a:prstGeom prst="bentConnector3">
+              <a:avLst>
+                <a:gd name="adj1" fmla="val -7"/>
+              </a:avLst>
+            </a:prstGeom>
+            <a:ln w="38100">
+              <a:solidFill>
+                <a:srgbClr val="FFC000"/>
+              </a:solidFill>
+            </a:ln>
+          </p:spPr>
+          <p:style>
+            <a:lnRef idx="1">
+              <a:schemeClr val="accent1"/>
+            </a:lnRef>
+            <a:fillRef idx="0">
+              <a:schemeClr val="accent1"/>
+            </a:fillRef>
+            <a:effectRef idx="0">
+              <a:schemeClr val="accent1"/>
+            </a:effectRef>
+            <a:fontRef idx="minor">
+              <a:schemeClr val="tx1"/>
+            </a:fontRef>
+          </p:style>
+        </p:cxnSp>
       </p:grpSp>
-      <p:sp>
-        <p:nvSpPr>
-          <p:cNvPr id="62" name="TextBox 61">
-            <a:extLst>
-              <a:ext uri="{FF2B5EF4-FFF2-40B4-BE49-F238E27FC236}">
-                <a16:creationId xmlns:a16="http://schemas.microsoft.com/office/drawing/2014/main" id="{424EC7E5-1E13-4896-8EE6-1B8BF3CF4D46}"/>
-              </a:ext>
-            </a:extLst>
-          </p:cNvPr>
-          <p:cNvSpPr txBox="1"/>
-          <p:nvPr/>
-        </p:nvSpPr>
-        <p:spPr>
-          <a:xfrm>
-            <a:off x="321227" y="3800087"/>
-            <a:ext cx="3393778" cy="461665"/>
-          </a:xfrm>
-          <a:prstGeom prst="rect">
-            <a:avLst/>
-          </a:prstGeom>
-          <a:solidFill>
-            <a:srgbClr val="FFFF00"/>
-          </a:solidFill>
-          <a:ln>
-            <a:solidFill>
-              <a:srgbClr val="FF0000"/>
-            </a:solidFill>
-          </a:ln>
-        </p:spPr>
-        <p:txBody>
-          <a:bodyPr wrap="square" rtlCol="0">
-            <a:spAutoFit/>
-          </a:bodyPr>
-          <a:lstStyle/>
-          <a:p>
-            <a:r>
-              <a:rPr lang="en-US" sz="1200" b="1" dirty="0">
-                <a:solidFill>
-                  <a:schemeClr val="accent1">
-                    <a:lumMod val="75000"/>
-                  </a:schemeClr>
-                </a:solidFill>
-                <a:latin typeface="Courier New" panose="02070309020205020404" pitchFamily="49" charset="0"/>
-                <a:cs typeface="Courier New" panose="02070309020205020404" pitchFamily="49" charset="0"/>
-              </a:rPr>
-              <a:t>// In </a:t>
-            </a:r>
-            <a:r>
-              <a:rPr lang="en-US" sz="1200" b="1" dirty="0" err="1">
-                <a:solidFill>
-                  <a:schemeClr val="accent1">
-                    <a:lumMod val="75000"/>
-                  </a:schemeClr>
-                </a:solidFill>
-                <a:latin typeface="Courier New" panose="02070309020205020404" pitchFamily="49" charset="0"/>
-                <a:cs typeface="Courier New" panose="02070309020205020404" pitchFamily="49" charset="0"/>
-              </a:rPr>
-              <a:t>Parrot_Sketch.ino</a:t>
-            </a:r>
-            <a:r>
-              <a:rPr lang="en-US" sz="1200" b="1" dirty="0">
-                <a:solidFill>
-                  <a:schemeClr val="accent1">
-                    <a:lumMod val="75000"/>
-                  </a:schemeClr>
-                </a:solidFill>
-                <a:latin typeface="Courier New" panose="02070309020205020404" pitchFamily="49" charset="0"/>
-                <a:cs typeface="Courier New" panose="02070309020205020404" pitchFamily="49" charset="0"/>
-              </a:rPr>
-              <a:t> use quotes</a:t>
-            </a:r>
-          </a:p>
-          <a:p>
-            <a:r>
-              <a:rPr lang="en-US" sz="1200" b="1" dirty="0">
-                <a:solidFill>
-                  <a:schemeClr val="accent1">
-                    <a:lumMod val="75000"/>
-                  </a:schemeClr>
-                </a:solidFill>
-                <a:latin typeface="Courier New" panose="02070309020205020404" pitchFamily="49" charset="0"/>
-                <a:cs typeface="Courier New" panose="02070309020205020404" pitchFamily="49" charset="0"/>
-              </a:rPr>
-              <a:t>#include "Led2.h"</a:t>
-            </a:r>
-          </a:p>
-        </p:txBody>
-      </p:sp>
-      <p:sp>
-        <p:nvSpPr>
-          <p:cNvPr id="63" name="TextBox 62">
-            <a:extLst>
-              <a:ext uri="{FF2B5EF4-FFF2-40B4-BE49-F238E27FC236}">
-                <a16:creationId xmlns:a16="http://schemas.microsoft.com/office/drawing/2014/main" id="{444C13CF-9A86-4F44-806B-2CBC569B801B}"/>
-              </a:ext>
-            </a:extLst>
-          </p:cNvPr>
-          <p:cNvSpPr txBox="1"/>
-          <p:nvPr/>
-        </p:nvSpPr>
-        <p:spPr>
-          <a:xfrm>
-            <a:off x="3964014" y="3800086"/>
-            <a:ext cx="4233209" cy="461665"/>
-          </a:xfrm>
-          <a:prstGeom prst="rect">
-            <a:avLst/>
-          </a:prstGeom>
-          <a:solidFill>
-            <a:srgbClr val="FFFF00"/>
-          </a:solidFill>
-          <a:ln>
-            <a:solidFill>
-              <a:srgbClr val="FF0000"/>
-            </a:solidFill>
-          </a:ln>
-        </p:spPr>
-        <p:txBody>
-          <a:bodyPr wrap="square" rtlCol="0">
-            <a:spAutoFit/>
-          </a:bodyPr>
-          <a:lstStyle/>
-          <a:p>
-            <a:r>
-              <a:rPr lang="en-US" sz="1200" b="1" dirty="0">
-                <a:solidFill>
-                  <a:schemeClr val="accent1">
-                    <a:lumMod val="75000"/>
-                  </a:schemeClr>
-                </a:solidFill>
-                <a:latin typeface="Courier New" panose="02070309020205020404" pitchFamily="49" charset="0"/>
-                <a:cs typeface="Courier New" panose="02070309020205020404" pitchFamily="49" charset="0"/>
-              </a:rPr>
-              <a:t>// In </a:t>
-            </a:r>
-            <a:r>
-              <a:rPr lang="en-US" sz="1200" b="1" dirty="0" err="1">
-                <a:solidFill>
-                  <a:schemeClr val="accent1">
-                    <a:lumMod val="75000"/>
-                  </a:schemeClr>
-                </a:solidFill>
-                <a:latin typeface="Courier New" panose="02070309020205020404" pitchFamily="49" charset="0"/>
-                <a:cs typeface="Courier New" panose="02070309020205020404" pitchFamily="49" charset="0"/>
-              </a:rPr>
-              <a:t>Parrot_Sketch.ino</a:t>
-            </a:r>
-            <a:r>
-              <a:rPr lang="en-US" sz="1200" b="1" dirty="0">
-                <a:solidFill>
-                  <a:schemeClr val="accent1">
-                    <a:lumMod val="75000"/>
-                  </a:schemeClr>
-                </a:solidFill>
-                <a:latin typeface="Courier New" panose="02070309020205020404" pitchFamily="49" charset="0"/>
-                <a:cs typeface="Courier New" panose="02070309020205020404" pitchFamily="49" charset="0"/>
-              </a:rPr>
-              <a:t> use angle brackets</a:t>
-            </a:r>
-          </a:p>
-          <a:p>
-            <a:r>
-              <a:rPr lang="en-US" sz="1200" b="1" dirty="0">
-                <a:solidFill>
-                  <a:schemeClr val="accent1">
-                    <a:lumMod val="75000"/>
-                  </a:schemeClr>
-                </a:solidFill>
-                <a:latin typeface="Courier New" panose="02070309020205020404" pitchFamily="49" charset="0"/>
-                <a:cs typeface="Courier New" panose="02070309020205020404" pitchFamily="49" charset="0"/>
-              </a:rPr>
-              <a:t>#include &lt;Led2.h&gt;</a:t>
-            </a:r>
-          </a:p>
-        </p:txBody>
-      </p:sp>
     </p:spTree>
     <p:extLst>
       <p:ext uri="{BB962C8B-B14F-4D97-AF65-F5344CB8AC3E}">
@@ -25061,33 +25144,15 @@
                                   </p:childTnLst>
                                 </p:cTn>
                               </p:par>
-                            </p:childTnLst>
-                          </p:cTn>
-                        </p:par>
-                      </p:childTnLst>
-                    </p:cTn>
-                  </p:par>
-                  <p:par>
-                    <p:cTn id="62" fill="hold">
-                      <p:stCondLst>
-                        <p:cond delay="indefinite"/>
-                      </p:stCondLst>
-                      <p:childTnLst>
-                        <p:par>
-                          <p:cTn id="63" fill="hold">
-                            <p:stCondLst>
-                              <p:cond delay="0"/>
-                            </p:stCondLst>
-                            <p:childTnLst>
                               <p:par>
-                                <p:cTn id="64" presetID="42" presetClass="entr" presetSubtype="0" fill="hold" nodeType="clickEffect">
+                                <p:cTn id="62" presetID="42" presetClass="entr" presetSubtype="0" fill="hold" nodeType="withEffect">
                                   <p:stCondLst>
                                     <p:cond delay="0"/>
                                   </p:stCondLst>
                                   <p:childTnLst>
                                     <p:set>
                                       <p:cBhvr>
-                                        <p:cTn id="65" dur="1" fill="hold">
+                                        <p:cTn id="63" dur="1" fill="hold">
                                           <p:stCondLst>
                                             <p:cond delay="0"/>
                                           </p:stCondLst>
@@ -25105,7 +25170,7 @@
                                     </p:set>
                                     <p:animEffect transition="in" filter="fade">
                                       <p:cBhvr>
-                                        <p:cTn id="66" dur="1000"/>
+                                        <p:cTn id="64" dur="1000"/>
                                         <p:tgtEl>
                                           <p:spTgt spid="59"/>
                                         </p:tgtEl>
@@ -25113,7 +25178,7 @@
                                     </p:animEffect>
                                     <p:anim calcmode="lin" valueType="num">
                                       <p:cBhvr>
-                                        <p:cTn id="67" dur="1000" fill="hold"/>
+                                        <p:cTn id="65" dur="1000" fill="hold"/>
                                         <p:tgtEl>
                                           <p:spTgt spid="59"/>
                                         </p:tgtEl>
@@ -25136,7 +25201,7 @@
                                     </p:anim>
                                     <p:anim calcmode="lin" valueType="num">
                                       <p:cBhvr>
-                                        <p:cTn id="68" dur="1000" fill="hold"/>
+                                        <p:cTn id="66" dur="1000" fill="hold"/>
                                         <p:tgtEl>
                                           <p:spTgt spid="59"/>
                                         </p:tgtEl>
@@ -25167,32 +25232,32 @@
                     </p:cTn>
                   </p:par>
                   <p:par>
-                    <p:cTn id="69" fill="hold">
+                    <p:cTn id="67" fill="hold">
                       <p:stCondLst>
                         <p:cond delay="indefinite"/>
                       </p:stCondLst>
                       <p:childTnLst>
                         <p:par>
-                          <p:cTn id="70" fill="hold">
+                          <p:cTn id="68" fill="hold">
                             <p:stCondLst>
                               <p:cond delay="0"/>
                             </p:stCondLst>
                             <p:childTnLst>
                               <p:par>
-                                <p:cTn id="71" presetID="42" presetClass="entr" presetSubtype="0" fill="hold" nodeType="clickEffect">
+                                <p:cTn id="69" presetID="42" presetClass="entr" presetSubtype="0" fill="hold" nodeType="clickEffect">
                                   <p:stCondLst>
                                     <p:cond delay="0"/>
                                   </p:stCondLst>
                                   <p:childTnLst>
                                     <p:set>
                                       <p:cBhvr>
-                                        <p:cTn id="72" dur="1" fill="hold">
+                                        <p:cTn id="70" dur="1" fill="hold">
                                           <p:stCondLst>
                                             <p:cond delay="0"/>
                                           </p:stCondLst>
                                         </p:cTn>
                                         <p:tgtEl>
-                                          <p:spTgt spid="50"/>
+                                          <p:spTgt spid="37"/>
                                         </p:tgtEl>
                                         <p:attrNameLst>
                                           <p:attrName>style.visibility</p:attrName>
@@ -25204,17 +25269,17 @@
                                     </p:set>
                                     <p:animEffect transition="in" filter="fade">
                                       <p:cBhvr>
-                                        <p:cTn id="73" dur="1000"/>
+                                        <p:cTn id="71" dur="1000"/>
                                         <p:tgtEl>
-                                          <p:spTgt spid="50"/>
+                                          <p:spTgt spid="37"/>
                                         </p:tgtEl>
                                       </p:cBhvr>
                                     </p:animEffect>
                                     <p:anim calcmode="lin" valueType="num">
                                       <p:cBhvr>
-                                        <p:cTn id="74" dur="1000" fill="hold"/>
+                                        <p:cTn id="72" dur="1000" fill="hold"/>
                                         <p:tgtEl>
-                                          <p:spTgt spid="50"/>
+                                          <p:spTgt spid="37"/>
                                         </p:tgtEl>
                                         <p:attrNameLst>
                                           <p:attrName>ppt_x</p:attrName>
@@ -25235,90 +25300,9 @@
                                     </p:anim>
                                     <p:anim calcmode="lin" valueType="num">
                                       <p:cBhvr>
-                                        <p:cTn id="75" dur="1000" fill="hold"/>
+                                        <p:cTn id="73" dur="1000" fill="hold"/>
                                         <p:tgtEl>
-                                          <p:spTgt spid="50"/>
-                                        </p:tgtEl>
-                                        <p:attrNameLst>
-                                          <p:attrName>ppt_y</p:attrName>
-                                        </p:attrNameLst>
-                                      </p:cBhvr>
-                                      <p:tavLst>
-                                        <p:tav tm="0">
-                                          <p:val>
-                                            <p:strVal val="#ppt_y+.1"/>
-                                          </p:val>
-                                        </p:tav>
-                                        <p:tav tm="100000">
-                                          <p:val>
-                                            <p:strVal val="#ppt_y"/>
-                                          </p:val>
-                                        </p:tav>
-                                      </p:tavLst>
-                                    </p:anim>
-                                  </p:childTnLst>
-                                </p:cTn>
-                              </p:par>
-                              <p:par>
-                                <p:cTn id="76" presetID="42" presetClass="entr" presetSubtype="0" fill="hold" nodeType="withEffect">
-                                  <p:stCondLst>
-                                    <p:cond delay="0"/>
-                                  </p:stCondLst>
-                                  <p:childTnLst>
-                                    <p:set>
-                                      <p:cBhvr>
-                                        <p:cTn id="77" dur="1" fill="hold">
-                                          <p:stCondLst>
-                                            <p:cond delay="0"/>
-                                          </p:stCondLst>
-                                        </p:cTn>
-                                        <p:tgtEl>
-                                          <p:spTgt spid="61"/>
-                                        </p:tgtEl>
-                                        <p:attrNameLst>
-                                          <p:attrName>style.visibility</p:attrName>
-                                        </p:attrNameLst>
-                                      </p:cBhvr>
-                                      <p:to>
-                                        <p:strVal val="visible"/>
-                                      </p:to>
-                                    </p:set>
-                                    <p:animEffect transition="in" filter="fade">
-                                      <p:cBhvr>
-                                        <p:cTn id="78" dur="1000"/>
-                                        <p:tgtEl>
-                                          <p:spTgt spid="61"/>
-                                        </p:tgtEl>
-                                      </p:cBhvr>
-                                    </p:animEffect>
-                                    <p:anim calcmode="lin" valueType="num">
-                                      <p:cBhvr>
-                                        <p:cTn id="79" dur="1000" fill="hold"/>
-                                        <p:tgtEl>
-                                          <p:spTgt spid="61"/>
-                                        </p:tgtEl>
-                                        <p:attrNameLst>
-                                          <p:attrName>ppt_x</p:attrName>
-                                        </p:attrNameLst>
-                                      </p:cBhvr>
-                                      <p:tavLst>
-                                        <p:tav tm="0">
-                                          <p:val>
-                                            <p:strVal val="#ppt_x"/>
-                                          </p:val>
-                                        </p:tav>
-                                        <p:tav tm="100000">
-                                          <p:val>
-                                            <p:strVal val="#ppt_x"/>
-                                          </p:val>
-                                        </p:tav>
-                                      </p:tavLst>
-                                    </p:anim>
-                                    <p:anim calcmode="lin" valueType="num">
-                                      <p:cBhvr>
-                                        <p:cTn id="80" dur="1000" fill="hold"/>
-                                        <p:tgtEl>
-                                          <p:spTgt spid="61"/>
+                                          <p:spTgt spid="37"/>
                                         </p:tgtEl>
                                         <p:attrNameLst>
                                           <p:attrName>ppt_y</p:attrName>
@@ -25347,26 +25331,26 @@
                     </p:cTn>
                   </p:par>
                   <p:par>
-                    <p:cTn id="81" fill="hold">
+                    <p:cTn id="74" fill="hold">
                       <p:stCondLst>
                         <p:cond delay="indefinite"/>
                       </p:stCondLst>
                       <p:childTnLst>
                         <p:par>
-                          <p:cTn id="82" fill="hold">
+                          <p:cTn id="75" fill="hold">
                             <p:stCondLst>
                               <p:cond delay="0"/>
                             </p:stCondLst>
                             <p:childTnLst>
                               <p:par>
-                                <p:cTn id="83" presetID="16" presetClass="entr" presetSubtype="21" fill="hold" grpId="0" nodeType="clickEffect">
+                                <p:cTn id="76" presetID="16" presetClass="entr" presetSubtype="21" fill="hold" grpId="0" nodeType="clickEffect">
                                   <p:stCondLst>
                                     <p:cond delay="0"/>
                                   </p:stCondLst>
                                   <p:childTnLst>
                                     <p:set>
                                       <p:cBhvr>
-                                        <p:cTn id="84" dur="1" fill="hold">
+                                        <p:cTn id="77" dur="1" fill="hold">
                                           <p:stCondLst>
                                             <p:cond delay="0"/>
                                           </p:stCondLst>
@@ -25384,7 +25368,7 @@
                                     </p:set>
                                     <p:animEffect transition="in" filter="barn(inVertical)">
                                       <p:cBhvr>
-                                        <p:cTn id="85" dur="500"/>
+                                        <p:cTn id="78" dur="500"/>
                                         <p:tgtEl>
                                           <p:spTgt spid="63"/>
                                         </p:tgtEl>
